--- a/开题/我要学习-开题1.pptx
+++ b/开题/我要学习-开题1.pptx
@@ -602,7 +602,7 @@
             <a:pPr lvl="0"/>
             <a:fld id="{BB962C8B-B14F-4D97-AF65-F5344CB8AC3E}" type="datetimeFigureOut">
               <a:rPr lang="zh-CN" altLang="en-US" dirty="0"/>
-              <a:t>2018-03-05</a:t>
+              <a:t>2018-03-13</a:t>
             </a:fld>
             <a:endParaRPr lang="zh-CN" altLang="en-US" dirty="0"/>
           </a:p>
@@ -786,7 +786,7 @@
             <a:pPr lvl="0"/>
             <a:fld id="{BB962C8B-B14F-4D97-AF65-F5344CB8AC3E}" type="datetimeFigureOut">
               <a:rPr lang="zh-CN" altLang="en-US" dirty="0"/>
-              <a:t>2018-03-05</a:t>
+              <a:t>2018-03-13</a:t>
             </a:fld>
             <a:endParaRPr lang="zh-CN" altLang="en-US" dirty="0"/>
           </a:p>
@@ -1036,7 +1036,7 @@
             <a:pPr lvl="0"/>
             <a:fld id="{BB962C8B-B14F-4D97-AF65-F5344CB8AC3E}" type="datetimeFigureOut">
               <a:rPr lang="zh-CN" altLang="en-US" dirty="0"/>
-              <a:t>2018-03-05</a:t>
+              <a:t>2018-03-13</a:t>
             </a:fld>
             <a:endParaRPr lang="zh-CN" altLang="en-US" dirty="0"/>
           </a:p>
@@ -1280,7 +1280,7 @@
             <a:pPr lvl="0"/>
             <a:fld id="{BB962C8B-B14F-4D97-AF65-F5344CB8AC3E}" type="datetimeFigureOut">
               <a:rPr lang="zh-CN" altLang="en-US" dirty="0"/>
-              <a:t>2018-03-05</a:t>
+              <a:t>2018-03-13</a:t>
             </a:fld>
             <a:endParaRPr lang="zh-CN" altLang="en-US" dirty="0"/>
           </a:p>
@@ -1660,7 +1660,7 @@
             <a:pPr lvl="0"/>
             <a:fld id="{BB962C8B-B14F-4D97-AF65-F5344CB8AC3E}" type="datetimeFigureOut">
               <a:rPr lang="zh-CN" altLang="en-US" dirty="0"/>
-              <a:t>2018-03-05</a:t>
+              <a:t>2018-03-13</a:t>
             </a:fld>
             <a:endParaRPr lang="zh-CN" altLang="en-US" dirty="0"/>
           </a:p>
@@ -1784,7 +1784,7 @@
             <a:pPr lvl="0"/>
             <a:fld id="{BB962C8B-B14F-4D97-AF65-F5344CB8AC3E}" type="datetimeFigureOut">
               <a:rPr lang="zh-CN" altLang="en-US" dirty="0"/>
-              <a:t>2018-03-05</a:t>
+              <a:t>2018-03-13</a:t>
             </a:fld>
             <a:endParaRPr lang="zh-CN" altLang="en-US" dirty="0"/>
           </a:p>
@@ -1877,7 +1877,7 @@
             <a:pPr lvl="0"/>
             <a:fld id="{BB962C8B-B14F-4D97-AF65-F5344CB8AC3E}" type="datetimeFigureOut">
               <a:rPr lang="zh-CN" altLang="en-US" dirty="0"/>
-              <a:t>2018-03-05</a:t>
+              <a:t>2018-03-13</a:t>
             </a:fld>
             <a:endParaRPr lang="zh-CN" altLang="en-US" dirty="0"/>
           </a:p>
@@ -2161,7 +2161,7 @@
             <a:pPr lvl="0"/>
             <a:fld id="{BB962C8B-B14F-4D97-AF65-F5344CB8AC3E}" type="datetimeFigureOut">
               <a:rPr lang="zh-CN" altLang="en-US" dirty="0"/>
-              <a:t>2018-03-05</a:t>
+              <a:t>2018-03-13</a:t>
             </a:fld>
             <a:endParaRPr lang="zh-CN" altLang="en-US" dirty="0"/>
           </a:p>
@@ -2421,7 +2421,7 @@
             <a:pPr lvl="0"/>
             <a:fld id="{BB962C8B-B14F-4D97-AF65-F5344CB8AC3E}" type="datetimeFigureOut">
               <a:rPr lang="zh-CN" altLang="en-US" dirty="0"/>
-              <a:t>2018-03-05</a:t>
+              <a:t>2018-03-13</a:t>
             </a:fld>
             <a:endParaRPr lang="zh-CN" altLang="en-US" dirty="0"/>
           </a:p>
@@ -2605,7 +2605,7 @@
             <a:pPr lvl="0"/>
             <a:fld id="{BB962C8B-B14F-4D97-AF65-F5344CB8AC3E}" type="datetimeFigureOut">
               <a:rPr lang="zh-CN" altLang="en-US" dirty="0"/>
-              <a:t>2018-03-05</a:t>
+              <a:t>2018-03-13</a:t>
             </a:fld>
             <a:endParaRPr lang="zh-CN" altLang="en-US" dirty="0"/>
           </a:p>
@@ -2905,7 +2905,7 @@
             <a:pPr lvl="0"/>
             <a:fld id="{BB962C8B-B14F-4D97-AF65-F5344CB8AC3E}" type="datetimeFigureOut">
               <a:rPr lang="zh-CN" altLang="en-US" dirty="0"/>
-              <a:t>2018-03-05</a:t>
+              <a:t>2018-03-13</a:t>
             </a:fld>
             <a:endParaRPr lang="zh-CN" altLang="en-US" dirty="0"/>
           </a:p>
@@ -3101,7 +3101,7 @@
             <a:pPr lvl="0"/>
             <a:fld id="{BB962C8B-B14F-4D97-AF65-F5344CB8AC3E}" type="datetimeFigureOut">
               <a:rPr lang="zh-CN" altLang="en-US" dirty="0"/>
-              <a:t>2018-03-05</a:t>
+              <a:t>2018-03-13</a:t>
             </a:fld>
             <a:endParaRPr lang="zh-CN" altLang="en-US" dirty="0"/>
           </a:p>
@@ -3285,7 +3285,7 @@
             <a:pPr lvl="0"/>
             <a:fld id="{BB962C8B-B14F-4D97-AF65-F5344CB8AC3E}" type="datetimeFigureOut">
               <a:rPr lang="zh-CN" altLang="en-US" dirty="0"/>
-              <a:t>2018-03-05</a:t>
+              <a:t>2018-03-13</a:t>
             </a:fld>
             <a:endParaRPr lang="zh-CN" altLang="en-US" dirty="0"/>
           </a:p>
@@ -3535,7 +3535,7 @@
             <a:pPr lvl="0"/>
             <a:fld id="{BB962C8B-B14F-4D97-AF65-F5344CB8AC3E}" type="datetimeFigureOut">
               <a:rPr lang="zh-CN" altLang="en-US" dirty="0"/>
-              <a:t>2018-03-05</a:t>
+              <a:t>2018-03-13</a:t>
             </a:fld>
             <a:endParaRPr lang="zh-CN" altLang="en-US" dirty="0"/>
           </a:p>
@@ -3779,7 +3779,7 @@
             <a:pPr lvl="0"/>
             <a:fld id="{BB962C8B-B14F-4D97-AF65-F5344CB8AC3E}" type="datetimeFigureOut">
               <a:rPr lang="zh-CN" altLang="en-US" dirty="0"/>
-              <a:t>2018-03-05</a:t>
+              <a:t>2018-03-13</a:t>
             </a:fld>
             <a:endParaRPr lang="zh-CN" altLang="en-US" dirty="0"/>
           </a:p>
@@ -4159,7 +4159,7 @@
             <a:pPr lvl="0"/>
             <a:fld id="{BB962C8B-B14F-4D97-AF65-F5344CB8AC3E}" type="datetimeFigureOut">
               <a:rPr lang="zh-CN" altLang="en-US" dirty="0"/>
-              <a:t>2018-03-05</a:t>
+              <a:t>2018-03-13</a:t>
             </a:fld>
             <a:endParaRPr lang="zh-CN" altLang="en-US" dirty="0"/>
           </a:p>
@@ -4283,7 +4283,7 @@
             <a:pPr lvl="0"/>
             <a:fld id="{BB962C8B-B14F-4D97-AF65-F5344CB8AC3E}" type="datetimeFigureOut">
               <a:rPr lang="zh-CN" altLang="en-US" dirty="0"/>
-              <a:t>2018-03-05</a:t>
+              <a:t>2018-03-13</a:t>
             </a:fld>
             <a:endParaRPr lang="zh-CN" altLang="en-US" dirty="0"/>
           </a:p>
@@ -4376,7 +4376,7 @@
             <a:pPr lvl="0"/>
             <a:fld id="{BB962C8B-B14F-4D97-AF65-F5344CB8AC3E}" type="datetimeFigureOut">
               <a:rPr lang="zh-CN" altLang="en-US" dirty="0"/>
-              <a:t>2018-03-05</a:t>
+              <a:t>2018-03-13</a:t>
             </a:fld>
             <a:endParaRPr lang="zh-CN" altLang="en-US" dirty="0"/>
           </a:p>
@@ -4660,7 +4660,7 @@
             <a:pPr lvl="0"/>
             <a:fld id="{BB962C8B-B14F-4D97-AF65-F5344CB8AC3E}" type="datetimeFigureOut">
               <a:rPr lang="zh-CN" altLang="en-US" dirty="0"/>
-              <a:t>2018-03-05</a:t>
+              <a:t>2018-03-13</a:t>
             </a:fld>
             <a:endParaRPr lang="zh-CN" altLang="en-US" dirty="0"/>
           </a:p>
@@ -4920,7 +4920,7 @@
             <a:pPr lvl="0"/>
             <a:fld id="{BB962C8B-B14F-4D97-AF65-F5344CB8AC3E}" type="datetimeFigureOut">
               <a:rPr lang="zh-CN" altLang="en-US" dirty="0"/>
-              <a:t>2018-03-05</a:t>
+              <a:t>2018-03-13</a:t>
             </a:fld>
             <a:endParaRPr lang="zh-CN" altLang="en-US" dirty="0"/>
           </a:p>
@@ -5232,7 +5232,7 @@
             <a:pPr lvl="0"/>
             <a:fld id="{BB962C8B-B14F-4D97-AF65-F5344CB8AC3E}" type="datetimeFigureOut">
               <a:rPr lang="zh-CN" altLang="en-US" dirty="0"/>
-              <a:t>2018-03-05</a:t>
+              <a:t>2018-03-13</a:t>
             </a:fld>
             <a:endParaRPr lang="zh-CN" altLang="en-US" dirty="0"/>
           </a:p>
@@ -5416,7 +5416,7 @@
             <a:pPr lvl="0"/>
             <a:fld id="{BB962C8B-B14F-4D97-AF65-F5344CB8AC3E}" type="datetimeFigureOut">
               <a:rPr lang="zh-CN" altLang="en-US" dirty="0"/>
-              <a:t>2018-03-05</a:t>
+              <a:t>2018-03-13</a:t>
             </a:fld>
             <a:endParaRPr lang="zh-CN" altLang="en-US" dirty="0"/>
           </a:p>
@@ -5612,7 +5612,7 @@
             <a:pPr lvl="0"/>
             <a:fld id="{BB962C8B-B14F-4D97-AF65-F5344CB8AC3E}" type="datetimeFigureOut">
               <a:rPr lang="zh-CN" altLang="en-US" dirty="0"/>
-              <a:t>2018-03-05</a:t>
+              <a:t>2018-03-13</a:t>
             </a:fld>
             <a:endParaRPr lang="zh-CN" altLang="en-US" dirty="0"/>
           </a:p>
@@ -5796,7 +5796,7 @@
             <a:pPr lvl="0"/>
             <a:fld id="{BB962C8B-B14F-4D97-AF65-F5344CB8AC3E}" type="datetimeFigureOut">
               <a:rPr lang="zh-CN" altLang="en-US" dirty="0"/>
-              <a:t>2018-03-05</a:t>
+              <a:t>2018-03-13</a:t>
             </a:fld>
             <a:endParaRPr lang="zh-CN" altLang="en-US" dirty="0"/>
           </a:p>
@@ -6046,7 +6046,7 @@
             <a:pPr lvl="0"/>
             <a:fld id="{BB962C8B-B14F-4D97-AF65-F5344CB8AC3E}" type="datetimeFigureOut">
               <a:rPr lang="zh-CN" altLang="en-US" dirty="0"/>
-              <a:t>2018-03-05</a:t>
+              <a:t>2018-03-13</a:t>
             </a:fld>
             <a:endParaRPr lang="zh-CN" altLang="en-US" dirty="0"/>
           </a:p>
@@ -6290,7 +6290,7 @@
             <a:pPr lvl="0"/>
             <a:fld id="{BB962C8B-B14F-4D97-AF65-F5344CB8AC3E}" type="datetimeFigureOut">
               <a:rPr lang="zh-CN" altLang="en-US" dirty="0"/>
-              <a:t>2018-03-05</a:t>
+              <a:t>2018-03-13</a:t>
             </a:fld>
             <a:endParaRPr lang="zh-CN" altLang="en-US" dirty="0"/>
           </a:p>
@@ -6670,7 +6670,7 @@
             <a:pPr lvl="0"/>
             <a:fld id="{BB962C8B-B14F-4D97-AF65-F5344CB8AC3E}" type="datetimeFigureOut">
               <a:rPr lang="zh-CN" altLang="en-US" dirty="0"/>
-              <a:t>2018-03-05</a:t>
+              <a:t>2018-03-13</a:t>
             </a:fld>
             <a:endParaRPr lang="zh-CN" altLang="en-US" dirty="0"/>
           </a:p>
@@ -6794,7 +6794,7 @@
             <a:pPr lvl="0"/>
             <a:fld id="{BB962C8B-B14F-4D97-AF65-F5344CB8AC3E}" type="datetimeFigureOut">
               <a:rPr lang="zh-CN" altLang="en-US" dirty="0"/>
-              <a:t>2018-03-05</a:t>
+              <a:t>2018-03-13</a:t>
             </a:fld>
             <a:endParaRPr lang="zh-CN" altLang="en-US" dirty="0"/>
           </a:p>
@@ -6887,7 +6887,7 @@
             <a:pPr lvl="0"/>
             <a:fld id="{BB962C8B-B14F-4D97-AF65-F5344CB8AC3E}" type="datetimeFigureOut">
               <a:rPr lang="zh-CN" altLang="en-US" dirty="0"/>
-              <a:t>2018-03-05</a:t>
+              <a:t>2018-03-13</a:t>
             </a:fld>
             <a:endParaRPr lang="zh-CN" altLang="en-US" dirty="0"/>
           </a:p>
@@ -7171,7 +7171,7 @@
             <a:pPr lvl="0"/>
             <a:fld id="{BB962C8B-B14F-4D97-AF65-F5344CB8AC3E}" type="datetimeFigureOut">
               <a:rPr lang="zh-CN" altLang="en-US" dirty="0"/>
-              <a:t>2018-03-05</a:t>
+              <a:t>2018-03-13</a:t>
             </a:fld>
             <a:endParaRPr lang="zh-CN" altLang="en-US" dirty="0"/>
           </a:p>
@@ -7547,7 +7547,7 @@
             <a:pPr lvl="0"/>
             <a:fld id="{BB962C8B-B14F-4D97-AF65-F5344CB8AC3E}" type="datetimeFigureOut">
               <a:rPr lang="zh-CN" altLang="en-US" dirty="0"/>
-              <a:t>2018-03-05</a:t>
+              <a:t>2018-03-13</a:t>
             </a:fld>
             <a:endParaRPr lang="zh-CN" altLang="en-US" dirty="0"/>
           </a:p>
@@ -7731,7 +7731,7 @@
             <a:pPr lvl="0"/>
             <a:fld id="{BB962C8B-B14F-4D97-AF65-F5344CB8AC3E}" type="datetimeFigureOut">
               <a:rPr lang="zh-CN" altLang="en-US" dirty="0"/>
-              <a:t>2018-03-05</a:t>
+              <a:t>2018-03-13</a:t>
             </a:fld>
             <a:endParaRPr lang="zh-CN" altLang="en-US" dirty="0"/>
           </a:p>
@@ -7915,7 +7915,7 @@
             <a:pPr lvl="0"/>
             <a:fld id="{BB962C8B-B14F-4D97-AF65-F5344CB8AC3E}" type="datetimeFigureOut">
               <a:rPr lang="zh-CN" altLang="en-US" dirty="0"/>
-              <a:t>2018-03-05</a:t>
+              <a:t>2018-03-13</a:t>
             </a:fld>
             <a:endParaRPr lang="zh-CN" altLang="en-US" dirty="0"/>
           </a:p>
@@ -11435,7 +11435,7 @@
             <a:pPr lvl="0"/>
             <a:fld id="{BB962C8B-B14F-4D97-AF65-F5344CB8AC3E}" type="datetimeFigureOut">
               <a:rPr lang="zh-CN" altLang="en-US" dirty="0"/>
-              <a:t>2018-03-05</a:t>
+              <a:t>2018-03-13</a:t>
             </a:fld>
             <a:endParaRPr lang="zh-CN" altLang="en-US" dirty="0"/>
           </a:p>
@@ -11619,7 +11619,7 @@
             <a:pPr lvl="0"/>
             <a:fld id="{BB962C8B-B14F-4D97-AF65-F5344CB8AC3E}" type="datetimeFigureOut">
               <a:rPr lang="zh-CN" altLang="en-US" dirty="0"/>
-              <a:t>2018-03-05</a:t>
+              <a:t>2018-03-13</a:t>
             </a:fld>
             <a:endParaRPr lang="zh-CN" altLang="en-US" dirty="0"/>
           </a:p>
@@ -11869,7 +11869,7 @@
             <a:pPr lvl="0"/>
             <a:fld id="{BB962C8B-B14F-4D97-AF65-F5344CB8AC3E}" type="datetimeFigureOut">
               <a:rPr lang="zh-CN" altLang="en-US" dirty="0"/>
-              <a:t>2018-03-05</a:t>
+              <a:t>2018-03-13</a:t>
             </a:fld>
             <a:endParaRPr lang="zh-CN" altLang="en-US" dirty="0"/>
           </a:p>
@@ -12113,7 +12113,7 @@
             <a:pPr lvl="0"/>
             <a:fld id="{BB962C8B-B14F-4D97-AF65-F5344CB8AC3E}" type="datetimeFigureOut">
               <a:rPr lang="zh-CN" altLang="en-US" dirty="0"/>
-              <a:t>2018-03-05</a:t>
+              <a:t>2018-03-13</a:t>
             </a:fld>
             <a:endParaRPr lang="zh-CN" altLang="en-US" dirty="0"/>
           </a:p>
@@ -12493,7 +12493,7 @@
             <a:pPr lvl="0"/>
             <a:fld id="{BB962C8B-B14F-4D97-AF65-F5344CB8AC3E}" type="datetimeFigureOut">
               <a:rPr lang="zh-CN" altLang="en-US" dirty="0"/>
-              <a:t>2018-03-05</a:t>
+              <a:t>2018-03-13</a:t>
             </a:fld>
             <a:endParaRPr lang="zh-CN" altLang="en-US" dirty="0"/>
           </a:p>
@@ -12617,7 +12617,7 @@
             <a:pPr lvl="0"/>
             <a:fld id="{BB962C8B-B14F-4D97-AF65-F5344CB8AC3E}" type="datetimeFigureOut">
               <a:rPr lang="zh-CN" altLang="en-US" dirty="0"/>
-              <a:t>2018-03-05</a:t>
+              <a:t>2018-03-13</a:t>
             </a:fld>
             <a:endParaRPr lang="zh-CN" altLang="en-US" dirty="0"/>
           </a:p>
@@ -12886,7 +12886,7 @@
             <a:pPr lvl="0"/>
             <a:fld id="{BB962C8B-B14F-4D97-AF65-F5344CB8AC3E}" type="datetimeFigureOut">
               <a:rPr lang="zh-CN" altLang="en-US" dirty="0"/>
-              <a:t>2018-03-05</a:t>
+              <a:t>2018-03-13</a:t>
             </a:fld>
             <a:endParaRPr lang="zh-CN" altLang="en-US" dirty="0"/>
           </a:p>
@@ -13170,7 +13170,7 @@
             <a:pPr lvl="0"/>
             <a:fld id="{BB962C8B-B14F-4D97-AF65-F5344CB8AC3E}" type="datetimeFigureOut">
               <a:rPr lang="zh-CN" altLang="en-US" dirty="0"/>
-              <a:t>2018-03-05</a:t>
+              <a:t>2018-03-13</a:t>
             </a:fld>
             <a:endParaRPr lang="zh-CN" altLang="en-US" dirty="0"/>
           </a:p>
@@ -13430,7 +13430,7 @@
             <a:pPr lvl="0"/>
             <a:fld id="{BB962C8B-B14F-4D97-AF65-F5344CB8AC3E}" type="datetimeFigureOut">
               <a:rPr lang="zh-CN" altLang="en-US" dirty="0"/>
-              <a:t>2018-03-05</a:t>
+              <a:t>2018-03-13</a:t>
             </a:fld>
             <a:endParaRPr lang="zh-CN" altLang="en-US" dirty="0"/>
           </a:p>
@@ -13614,7 +13614,7 @@
             <a:pPr lvl="0"/>
             <a:fld id="{BB962C8B-B14F-4D97-AF65-F5344CB8AC3E}" type="datetimeFigureOut">
               <a:rPr lang="zh-CN" altLang="en-US" dirty="0"/>
-              <a:t>2018-03-05</a:t>
+              <a:t>2018-03-13</a:t>
             </a:fld>
             <a:endParaRPr lang="zh-CN" altLang="en-US" dirty="0"/>
           </a:p>
@@ -13798,7 +13798,7 @@
             <a:pPr lvl="0"/>
             <a:fld id="{BB962C8B-B14F-4D97-AF65-F5344CB8AC3E}" type="datetimeFigureOut">
               <a:rPr lang="zh-CN" altLang="en-US" dirty="0"/>
-              <a:t>2018-03-05</a:t>
+              <a:t>2018-03-13</a:t>
             </a:fld>
             <a:endParaRPr lang="zh-CN" altLang="en-US" dirty="0"/>
           </a:p>
@@ -13994,7 +13994,7 @@
             <a:pPr lvl="0"/>
             <a:fld id="{BB962C8B-B14F-4D97-AF65-F5344CB8AC3E}" type="datetimeFigureOut">
               <a:rPr lang="zh-CN" altLang="en-US" dirty="0"/>
-              <a:t>2018-03-05</a:t>
+              <a:t>2018-03-13</a:t>
             </a:fld>
             <a:endParaRPr lang="zh-CN" altLang="en-US" dirty="0"/>
           </a:p>
@@ -14178,7 +14178,7 @@
             <a:pPr lvl="0"/>
             <a:fld id="{BB962C8B-B14F-4D97-AF65-F5344CB8AC3E}" type="datetimeFigureOut">
               <a:rPr lang="zh-CN" altLang="en-US" dirty="0"/>
-              <a:t>2018-03-05</a:t>
+              <a:t>2018-03-13</a:t>
             </a:fld>
             <a:endParaRPr lang="zh-CN" altLang="en-US" dirty="0"/>
           </a:p>
@@ -14428,7 +14428,7 @@
             <a:pPr lvl="0"/>
             <a:fld id="{BB962C8B-B14F-4D97-AF65-F5344CB8AC3E}" type="datetimeFigureOut">
               <a:rPr lang="zh-CN" altLang="en-US" dirty="0"/>
-              <a:t>2018-03-05</a:t>
+              <a:t>2018-03-13</a:t>
             </a:fld>
             <a:endParaRPr lang="zh-CN" altLang="en-US" dirty="0"/>
           </a:p>
@@ -14672,7 +14672,7 @@
             <a:pPr lvl="0"/>
             <a:fld id="{BB962C8B-B14F-4D97-AF65-F5344CB8AC3E}" type="datetimeFigureOut">
               <a:rPr lang="zh-CN" altLang="en-US" dirty="0"/>
-              <a:t>2018-03-05</a:t>
+              <a:t>2018-03-13</a:t>
             </a:fld>
             <a:endParaRPr lang="zh-CN" altLang="en-US" dirty="0"/>
           </a:p>
@@ -15052,7 +15052,7 @@
             <a:pPr lvl="0"/>
             <a:fld id="{BB962C8B-B14F-4D97-AF65-F5344CB8AC3E}" type="datetimeFigureOut">
               <a:rPr lang="zh-CN" altLang="en-US" dirty="0"/>
-              <a:t>2018-03-05</a:t>
+              <a:t>2018-03-13</a:t>
             </a:fld>
             <a:endParaRPr lang="zh-CN" altLang="en-US" dirty="0"/>
           </a:p>
@@ -15488,7 +15488,7 @@
             <a:pPr lvl="0"/>
             <a:fld id="{BB962C8B-B14F-4D97-AF65-F5344CB8AC3E}" type="datetimeFigureOut">
               <a:rPr lang="zh-CN" altLang="en-US" dirty="0"/>
-              <a:t>2018-03-05</a:t>
+              <a:t>2018-03-13</a:t>
             </a:fld>
             <a:endParaRPr lang="zh-CN" altLang="en-US" dirty="0"/>
           </a:p>
@@ -15581,7 +15581,7 @@
             <a:pPr lvl="0"/>
             <a:fld id="{BB962C8B-B14F-4D97-AF65-F5344CB8AC3E}" type="datetimeFigureOut">
               <a:rPr lang="zh-CN" altLang="en-US" dirty="0"/>
-              <a:t>2018-03-05</a:t>
+              <a:t>2018-03-13</a:t>
             </a:fld>
             <a:endParaRPr lang="zh-CN" altLang="en-US" dirty="0"/>
           </a:p>
@@ -15865,7 +15865,7 @@
             <a:pPr lvl="0"/>
             <a:fld id="{BB962C8B-B14F-4D97-AF65-F5344CB8AC3E}" type="datetimeFigureOut">
               <a:rPr lang="zh-CN" altLang="en-US" dirty="0"/>
-              <a:t>2018-03-05</a:t>
+              <a:t>2018-03-13</a:t>
             </a:fld>
             <a:endParaRPr lang="zh-CN" altLang="en-US" dirty="0"/>
           </a:p>
@@ -16125,7 +16125,7 @@
             <a:pPr lvl="0"/>
             <a:fld id="{BB962C8B-B14F-4D97-AF65-F5344CB8AC3E}" type="datetimeFigureOut">
               <a:rPr lang="zh-CN" altLang="en-US" dirty="0"/>
-              <a:t>2018-03-05</a:t>
+              <a:t>2018-03-13</a:t>
             </a:fld>
             <a:endParaRPr lang="zh-CN" altLang="en-US" dirty="0"/>
           </a:p>
@@ -16309,7 +16309,7 @@
             <a:pPr lvl="0"/>
             <a:fld id="{BB962C8B-B14F-4D97-AF65-F5344CB8AC3E}" type="datetimeFigureOut">
               <a:rPr lang="zh-CN" altLang="en-US" dirty="0"/>
-              <a:t>2018-03-05</a:t>
+              <a:t>2018-03-13</a:t>
             </a:fld>
             <a:endParaRPr lang="zh-CN" altLang="en-US" dirty="0"/>
           </a:p>
@@ -16493,7 +16493,7 @@
             <a:pPr lvl="0"/>
             <a:fld id="{BB962C8B-B14F-4D97-AF65-F5344CB8AC3E}" type="datetimeFigureOut">
               <a:rPr lang="zh-CN" altLang="en-US" dirty="0"/>
-              <a:t>2018-03-05</a:t>
+              <a:t>2018-03-13</a:t>
             </a:fld>
             <a:endParaRPr lang="zh-CN" altLang="en-US" dirty="0"/>
           </a:p>
@@ -16689,7 +16689,7 @@
             <a:pPr lvl="0"/>
             <a:fld id="{BB962C8B-B14F-4D97-AF65-F5344CB8AC3E}" type="datetimeFigureOut">
               <a:rPr lang="zh-CN" altLang="en-US" dirty="0"/>
-              <a:t>2018-03-05</a:t>
+              <a:t>2018-03-13</a:t>
             </a:fld>
             <a:endParaRPr lang="zh-CN" altLang="en-US" dirty="0"/>
           </a:p>
@@ -16873,7 +16873,7 @@
             <a:pPr lvl="0"/>
             <a:fld id="{BB962C8B-B14F-4D97-AF65-F5344CB8AC3E}" type="datetimeFigureOut">
               <a:rPr lang="zh-CN" altLang="en-US" dirty="0"/>
-              <a:t>2018-03-05</a:t>
+              <a:t>2018-03-13</a:t>
             </a:fld>
             <a:endParaRPr lang="zh-CN" altLang="en-US" dirty="0"/>
           </a:p>
@@ -17123,7 +17123,7 @@
             <a:pPr lvl="0"/>
             <a:fld id="{BB962C8B-B14F-4D97-AF65-F5344CB8AC3E}" type="datetimeFigureOut">
               <a:rPr lang="zh-CN" altLang="en-US" dirty="0"/>
-              <a:t>2018-03-05</a:t>
+              <a:t>2018-03-13</a:t>
             </a:fld>
             <a:endParaRPr lang="zh-CN" altLang="en-US" dirty="0"/>
           </a:p>
@@ -17367,7 +17367,7 @@
             <a:pPr lvl="0"/>
             <a:fld id="{BB962C8B-B14F-4D97-AF65-F5344CB8AC3E}" type="datetimeFigureOut">
               <a:rPr lang="zh-CN" altLang="en-US" dirty="0"/>
-              <a:t>2018-03-05</a:t>
+              <a:t>2018-03-13</a:t>
             </a:fld>
             <a:endParaRPr lang="zh-CN" altLang="en-US" dirty="0"/>
           </a:p>
@@ -17803,7 +17803,7 @@
             <a:pPr lvl="0"/>
             <a:fld id="{BB962C8B-B14F-4D97-AF65-F5344CB8AC3E}" type="datetimeFigureOut">
               <a:rPr lang="zh-CN" altLang="en-US" dirty="0"/>
-              <a:t>2018-03-05</a:t>
+              <a:t>2018-03-13</a:t>
             </a:fld>
             <a:endParaRPr lang="zh-CN" altLang="en-US" dirty="0"/>
           </a:p>
@@ -17927,7 +17927,7 @@
             <a:pPr lvl="0"/>
             <a:fld id="{BB962C8B-B14F-4D97-AF65-F5344CB8AC3E}" type="datetimeFigureOut">
               <a:rPr lang="zh-CN" altLang="en-US" dirty="0"/>
-              <a:t>2018-03-05</a:t>
+              <a:t>2018-03-13</a:t>
             </a:fld>
             <a:endParaRPr lang="zh-CN" altLang="en-US" dirty="0"/>
           </a:p>
@@ -18020,7 +18020,7 @@
             <a:pPr lvl="0"/>
             <a:fld id="{BB962C8B-B14F-4D97-AF65-F5344CB8AC3E}" type="datetimeFigureOut">
               <a:rPr lang="zh-CN" altLang="en-US" dirty="0"/>
-              <a:t>2018-03-05</a:t>
+              <a:t>2018-03-13</a:t>
             </a:fld>
             <a:endParaRPr lang="zh-CN" altLang="en-US" dirty="0"/>
           </a:p>
@@ -18304,7 +18304,7 @@
             <a:pPr lvl="0"/>
             <a:fld id="{BB962C8B-B14F-4D97-AF65-F5344CB8AC3E}" type="datetimeFigureOut">
               <a:rPr lang="zh-CN" altLang="en-US" dirty="0"/>
-              <a:t>2018-03-05</a:t>
+              <a:t>2018-03-13</a:t>
             </a:fld>
             <a:endParaRPr lang="zh-CN" altLang="en-US" dirty="0"/>
           </a:p>
@@ -18564,7 +18564,7 @@
             <a:pPr lvl="0"/>
             <a:fld id="{BB962C8B-B14F-4D97-AF65-F5344CB8AC3E}" type="datetimeFigureOut">
               <a:rPr lang="zh-CN" altLang="en-US" dirty="0"/>
-              <a:t>2018-03-05</a:t>
+              <a:t>2018-03-13</a:t>
             </a:fld>
             <a:endParaRPr lang="zh-CN" altLang="en-US" dirty="0"/>
           </a:p>
@@ -18748,7 +18748,7 @@
             <a:pPr lvl="0"/>
             <a:fld id="{BB962C8B-B14F-4D97-AF65-F5344CB8AC3E}" type="datetimeFigureOut">
               <a:rPr lang="zh-CN" altLang="en-US" dirty="0"/>
-              <a:t>2018-03-05</a:t>
+              <a:t>2018-03-13</a:t>
             </a:fld>
             <a:endParaRPr lang="zh-CN" altLang="en-US" dirty="0"/>
           </a:p>
@@ -18932,7 +18932,7 @@
             <a:pPr lvl="0"/>
             <a:fld id="{BB962C8B-B14F-4D97-AF65-F5344CB8AC3E}" type="datetimeFigureOut">
               <a:rPr lang="zh-CN" altLang="en-US" dirty="0"/>
-              <a:t>2018-03-05</a:t>
+              <a:t>2018-03-13</a:t>
             </a:fld>
             <a:endParaRPr lang="zh-CN" altLang="en-US" dirty="0"/>
           </a:p>
@@ -19128,7 +19128,7 @@
             <a:pPr lvl="0"/>
             <a:fld id="{BB962C8B-B14F-4D97-AF65-F5344CB8AC3E}" type="datetimeFigureOut">
               <a:rPr lang="zh-CN" altLang="en-US" dirty="0"/>
-              <a:t>2018-03-05</a:t>
+              <a:t>2018-03-13</a:t>
             </a:fld>
             <a:endParaRPr lang="zh-CN" altLang="en-US" dirty="0"/>
           </a:p>
@@ -19312,7 +19312,7 @@
             <a:pPr lvl="0"/>
             <a:fld id="{BB962C8B-B14F-4D97-AF65-F5344CB8AC3E}" type="datetimeFigureOut">
               <a:rPr lang="zh-CN" altLang="en-US" dirty="0"/>
-              <a:t>2018-03-05</a:t>
+              <a:t>2018-03-13</a:t>
             </a:fld>
             <a:endParaRPr lang="zh-CN" altLang="en-US" dirty="0"/>
           </a:p>
@@ -19562,7 +19562,7 @@
             <a:pPr lvl="0"/>
             <a:fld id="{BB962C8B-B14F-4D97-AF65-F5344CB8AC3E}" type="datetimeFigureOut">
               <a:rPr lang="zh-CN" altLang="en-US" dirty="0"/>
-              <a:t>2018-03-05</a:t>
+              <a:t>2018-03-13</a:t>
             </a:fld>
             <a:endParaRPr lang="zh-CN" altLang="en-US" dirty="0"/>
           </a:p>
@@ -19831,7 +19831,7 @@
             <a:pPr lvl="0"/>
             <a:fld id="{BB962C8B-B14F-4D97-AF65-F5344CB8AC3E}" type="datetimeFigureOut">
               <a:rPr lang="zh-CN" altLang="en-US" dirty="0"/>
-              <a:t>2018-03-05</a:t>
+              <a:t>2018-03-13</a:t>
             </a:fld>
             <a:endParaRPr lang="zh-CN" altLang="en-US" dirty="0"/>
           </a:p>
@@ -20211,7 +20211,7 @@
             <a:pPr lvl="0"/>
             <a:fld id="{BB962C8B-B14F-4D97-AF65-F5344CB8AC3E}" type="datetimeFigureOut">
               <a:rPr lang="zh-CN" altLang="en-US" dirty="0"/>
-              <a:t>2018-03-05</a:t>
+              <a:t>2018-03-13</a:t>
             </a:fld>
             <a:endParaRPr lang="zh-CN" altLang="en-US" dirty="0"/>
           </a:p>
@@ -20335,7 +20335,7 @@
             <a:pPr lvl="0"/>
             <a:fld id="{BB962C8B-B14F-4D97-AF65-F5344CB8AC3E}" type="datetimeFigureOut">
               <a:rPr lang="zh-CN" altLang="en-US" dirty="0"/>
-              <a:t>2018-03-05</a:t>
+              <a:t>2018-03-13</a:t>
             </a:fld>
             <a:endParaRPr lang="zh-CN" altLang="en-US" dirty="0"/>
           </a:p>
@@ -20428,7 +20428,7 @@
             <a:pPr lvl="0"/>
             <a:fld id="{BB962C8B-B14F-4D97-AF65-F5344CB8AC3E}" type="datetimeFigureOut">
               <a:rPr lang="zh-CN" altLang="en-US" dirty="0"/>
-              <a:t>2018-03-05</a:t>
+              <a:t>2018-03-13</a:t>
             </a:fld>
             <a:endParaRPr lang="zh-CN" altLang="en-US" dirty="0"/>
           </a:p>
@@ -20712,7 +20712,7 @@
             <a:pPr lvl="0"/>
             <a:fld id="{BB962C8B-B14F-4D97-AF65-F5344CB8AC3E}" type="datetimeFigureOut">
               <a:rPr lang="zh-CN" altLang="en-US" dirty="0"/>
-              <a:t>2018-03-05</a:t>
+              <a:t>2018-03-13</a:t>
             </a:fld>
             <a:endParaRPr lang="zh-CN" altLang="en-US" dirty="0"/>
           </a:p>
@@ -20972,7 +20972,7 @@
             <a:pPr lvl="0"/>
             <a:fld id="{BB962C8B-B14F-4D97-AF65-F5344CB8AC3E}" type="datetimeFigureOut">
               <a:rPr lang="zh-CN" altLang="en-US" dirty="0"/>
-              <a:t>2018-03-05</a:t>
+              <a:t>2018-03-13</a:t>
             </a:fld>
             <a:endParaRPr lang="zh-CN" altLang="en-US" dirty="0"/>
           </a:p>
@@ -21156,7 +21156,7 @@
             <a:pPr lvl="0"/>
             <a:fld id="{BB962C8B-B14F-4D97-AF65-F5344CB8AC3E}" type="datetimeFigureOut">
               <a:rPr lang="zh-CN" altLang="en-US" dirty="0"/>
-              <a:t>2018-03-05</a:t>
+              <a:t>2018-03-13</a:t>
             </a:fld>
             <a:endParaRPr lang="zh-CN" altLang="en-US" dirty="0"/>
           </a:p>
@@ -21340,7 +21340,7 @@
             <a:pPr lvl="0"/>
             <a:fld id="{BB962C8B-B14F-4D97-AF65-F5344CB8AC3E}" type="datetimeFigureOut">
               <a:rPr lang="zh-CN" altLang="en-US" dirty="0"/>
-              <a:t>2018-03-05</a:t>
+              <a:t>2018-03-13</a:t>
             </a:fld>
             <a:endParaRPr lang="zh-CN" altLang="en-US" dirty="0"/>
           </a:p>
@@ -21536,7 +21536,7 @@
             <a:pPr lvl="0"/>
             <a:fld id="{BB962C8B-B14F-4D97-AF65-F5344CB8AC3E}" type="datetimeFigureOut">
               <a:rPr lang="zh-CN" altLang="en-US" dirty="0"/>
-              <a:t>2018-03-05</a:t>
+              <a:t>2018-03-13</a:t>
             </a:fld>
             <a:endParaRPr lang="zh-CN" altLang="en-US" dirty="0"/>
           </a:p>
@@ -21720,7 +21720,7 @@
             <a:pPr lvl="0"/>
             <a:fld id="{BB962C8B-B14F-4D97-AF65-F5344CB8AC3E}" type="datetimeFigureOut">
               <a:rPr lang="zh-CN" altLang="en-US" dirty="0"/>
-              <a:t>2018-03-05</a:t>
+              <a:t>2018-03-13</a:t>
             </a:fld>
             <a:endParaRPr lang="zh-CN" altLang="en-US" dirty="0"/>
           </a:p>
@@ -22186,7 +22186,7 @@
             <a:pPr lvl="0"/>
             <a:fld id="{BB962C8B-B14F-4D97-AF65-F5344CB8AC3E}" type="datetimeFigureOut">
               <a:rPr lang="zh-CN" altLang="en-US" dirty="0"/>
-              <a:t>2018-03-05</a:t>
+              <a:t>2018-03-13</a:t>
             </a:fld>
             <a:endParaRPr lang="zh-CN" altLang="en-US" dirty="0"/>
           </a:p>
@@ -22430,7 +22430,7 @@
             <a:pPr lvl="0"/>
             <a:fld id="{BB962C8B-B14F-4D97-AF65-F5344CB8AC3E}" type="datetimeFigureOut">
               <a:rPr lang="zh-CN" altLang="en-US" dirty="0"/>
-              <a:t>2018-03-05</a:t>
+              <a:t>2018-03-13</a:t>
             </a:fld>
             <a:endParaRPr lang="zh-CN" altLang="en-US" dirty="0"/>
           </a:p>
@@ -22810,7 +22810,7 @@
             <a:pPr lvl="0"/>
             <a:fld id="{BB962C8B-B14F-4D97-AF65-F5344CB8AC3E}" type="datetimeFigureOut">
               <a:rPr lang="zh-CN" altLang="en-US" dirty="0"/>
-              <a:t>2018-03-05</a:t>
+              <a:t>2018-03-13</a:t>
             </a:fld>
             <a:endParaRPr lang="zh-CN" altLang="en-US" dirty="0"/>
           </a:p>
@@ -22934,7 +22934,7 @@
             <a:pPr lvl="0"/>
             <a:fld id="{BB962C8B-B14F-4D97-AF65-F5344CB8AC3E}" type="datetimeFigureOut">
               <a:rPr lang="zh-CN" altLang="en-US" dirty="0"/>
-              <a:t>2018-03-05</a:t>
+              <a:t>2018-03-13</a:t>
             </a:fld>
             <a:endParaRPr lang="zh-CN" altLang="en-US" dirty="0"/>
           </a:p>
@@ -23027,7 +23027,7 @@
             <a:pPr lvl="0"/>
             <a:fld id="{BB962C8B-B14F-4D97-AF65-F5344CB8AC3E}" type="datetimeFigureOut">
               <a:rPr lang="zh-CN" altLang="en-US" dirty="0"/>
-              <a:t>2018-03-05</a:t>
+              <a:t>2018-03-13</a:t>
             </a:fld>
             <a:endParaRPr lang="zh-CN" altLang="en-US" dirty="0"/>
           </a:p>
@@ -23311,7 +23311,7 @@
             <a:pPr lvl="0"/>
             <a:fld id="{BB962C8B-B14F-4D97-AF65-F5344CB8AC3E}" type="datetimeFigureOut">
               <a:rPr lang="zh-CN" altLang="en-US" dirty="0"/>
-              <a:t>2018-03-05</a:t>
+              <a:t>2018-03-13</a:t>
             </a:fld>
             <a:endParaRPr lang="zh-CN" altLang="en-US" dirty="0"/>
           </a:p>
@@ -23571,7 +23571,7 @@
             <a:pPr lvl="0"/>
             <a:fld id="{BB962C8B-B14F-4D97-AF65-F5344CB8AC3E}" type="datetimeFigureOut">
               <a:rPr lang="zh-CN" altLang="en-US" dirty="0"/>
-              <a:t>2018-03-05</a:t>
+              <a:t>2018-03-13</a:t>
             </a:fld>
             <a:endParaRPr lang="zh-CN" altLang="en-US" dirty="0"/>
           </a:p>
@@ -23755,7 +23755,7 @@
             <a:pPr lvl="0"/>
             <a:fld id="{BB962C8B-B14F-4D97-AF65-F5344CB8AC3E}" type="datetimeFigureOut">
               <a:rPr lang="zh-CN" altLang="en-US" dirty="0"/>
-              <a:t>2018-03-05</a:t>
+              <a:t>2018-03-13</a:t>
             </a:fld>
             <a:endParaRPr lang="zh-CN" altLang="en-US" dirty="0"/>
           </a:p>
@@ -23939,7 +23939,7 @@
             <a:pPr lvl="0"/>
             <a:fld id="{BB962C8B-B14F-4D97-AF65-F5344CB8AC3E}" type="datetimeFigureOut">
               <a:rPr lang="zh-CN" altLang="en-US" dirty="0"/>
-              <a:t>2018-03-05</a:t>
+              <a:t>2018-03-13</a:t>
             </a:fld>
             <a:endParaRPr lang="zh-CN" altLang="en-US" dirty="0"/>
           </a:p>
@@ -24135,7 +24135,7 @@
             <a:pPr lvl="0"/>
             <a:fld id="{BB962C8B-B14F-4D97-AF65-F5344CB8AC3E}" type="datetimeFigureOut">
               <a:rPr lang="zh-CN" altLang="en-US" dirty="0"/>
-              <a:t>2018-03-05</a:t>
+              <a:t>2018-03-13</a:t>
             </a:fld>
             <a:endParaRPr lang="zh-CN" altLang="en-US" dirty="0"/>
           </a:p>
@@ -24511,7 +24511,7 @@
             <a:pPr lvl="0"/>
             <a:fld id="{BB962C8B-B14F-4D97-AF65-F5344CB8AC3E}" type="datetimeFigureOut">
               <a:rPr lang="zh-CN" altLang="en-US" dirty="0"/>
-              <a:t>2018-03-05</a:t>
+              <a:t>2018-03-13</a:t>
             </a:fld>
             <a:endParaRPr lang="zh-CN" altLang="en-US" dirty="0"/>
           </a:p>
@@ -24761,7 +24761,7 @@
             <a:pPr lvl="0"/>
             <a:fld id="{BB962C8B-B14F-4D97-AF65-F5344CB8AC3E}" type="datetimeFigureOut">
               <a:rPr lang="zh-CN" altLang="en-US" dirty="0"/>
-              <a:t>2018-03-05</a:t>
+              <a:t>2018-03-13</a:t>
             </a:fld>
             <a:endParaRPr lang="zh-CN" altLang="en-US" dirty="0"/>
           </a:p>
@@ -25005,7 +25005,7 @@
             <a:pPr lvl="0"/>
             <a:fld id="{BB962C8B-B14F-4D97-AF65-F5344CB8AC3E}" type="datetimeFigureOut">
               <a:rPr lang="zh-CN" altLang="en-US" dirty="0"/>
-              <a:t>2018-03-05</a:t>
+              <a:t>2018-03-13</a:t>
             </a:fld>
             <a:endParaRPr lang="zh-CN" altLang="en-US" dirty="0"/>
           </a:p>
@@ -25385,7 +25385,7 @@
             <a:pPr lvl="0"/>
             <a:fld id="{BB962C8B-B14F-4D97-AF65-F5344CB8AC3E}" type="datetimeFigureOut">
               <a:rPr lang="zh-CN" altLang="en-US" dirty="0"/>
-              <a:t>2018-03-05</a:t>
+              <a:t>2018-03-13</a:t>
             </a:fld>
             <a:endParaRPr lang="zh-CN" altLang="en-US" dirty="0"/>
           </a:p>
@@ -25509,7 +25509,7 @@
             <a:pPr lvl="0"/>
             <a:fld id="{BB962C8B-B14F-4D97-AF65-F5344CB8AC3E}" type="datetimeFigureOut">
               <a:rPr lang="zh-CN" altLang="en-US" dirty="0"/>
-              <a:t>2018-03-05</a:t>
+              <a:t>2018-03-13</a:t>
             </a:fld>
             <a:endParaRPr lang="zh-CN" altLang="en-US" dirty="0"/>
           </a:p>
@@ -25602,7 +25602,7 @@
             <a:pPr lvl="0"/>
             <a:fld id="{BB962C8B-B14F-4D97-AF65-F5344CB8AC3E}" type="datetimeFigureOut">
               <a:rPr lang="zh-CN" altLang="en-US" dirty="0"/>
-              <a:t>2018-03-05</a:t>
+              <a:t>2018-03-13</a:t>
             </a:fld>
             <a:endParaRPr lang="zh-CN" altLang="en-US" dirty="0"/>
           </a:p>
@@ -25886,7 +25886,7 @@
             <a:pPr lvl="0"/>
             <a:fld id="{BB962C8B-B14F-4D97-AF65-F5344CB8AC3E}" type="datetimeFigureOut">
               <a:rPr lang="zh-CN" altLang="en-US" dirty="0"/>
-              <a:t>2018-03-05</a:t>
+              <a:t>2018-03-13</a:t>
             </a:fld>
             <a:endParaRPr lang="zh-CN" altLang="en-US" dirty="0"/>
           </a:p>
@@ -26146,7 +26146,7 @@
             <a:pPr lvl="0"/>
             <a:fld id="{BB962C8B-B14F-4D97-AF65-F5344CB8AC3E}" type="datetimeFigureOut">
               <a:rPr lang="zh-CN" altLang="en-US" dirty="0"/>
-              <a:t>2018-03-05</a:t>
+              <a:t>2018-03-13</a:t>
             </a:fld>
             <a:endParaRPr lang="zh-CN" altLang="en-US" dirty="0"/>
           </a:p>
@@ -26330,7 +26330,7 @@
             <a:pPr lvl="0"/>
             <a:fld id="{BB962C8B-B14F-4D97-AF65-F5344CB8AC3E}" type="datetimeFigureOut">
               <a:rPr lang="zh-CN" altLang="en-US" dirty="0"/>
-              <a:t>2018-03-05</a:t>
+              <a:t>2018-03-13</a:t>
             </a:fld>
             <a:endParaRPr lang="zh-CN" altLang="en-US" dirty="0"/>
           </a:p>
@@ -26514,7 +26514,7 @@
             <a:pPr lvl="0"/>
             <a:fld id="{BB962C8B-B14F-4D97-AF65-F5344CB8AC3E}" type="datetimeFigureOut">
               <a:rPr lang="zh-CN" altLang="en-US" dirty="0"/>
-              <a:t>2018-03-05</a:t>
+              <a:t>2018-03-13</a:t>
             </a:fld>
             <a:endParaRPr lang="zh-CN" altLang="en-US" dirty="0"/>
           </a:p>
@@ -27060,7 +27060,7 @@
             <a:pPr lvl="0"/>
             <a:fld id="{BB962C8B-B14F-4D97-AF65-F5344CB8AC3E}" type="datetimeFigureOut">
               <a:rPr lang="zh-CN" altLang="en-US" dirty="0"/>
-              <a:t>2018-03-05</a:t>
+              <a:t>2018-03-13</a:t>
             </a:fld>
             <a:endParaRPr lang="zh-CN" altLang="en-US" dirty="0"/>
           </a:p>
@@ -27605,7 +27605,7 @@
             <a:pPr lvl="0"/>
             <a:fld id="{BB962C8B-B14F-4D97-AF65-F5344CB8AC3E}" type="datetimeFigureOut">
               <a:rPr lang="zh-CN" altLang="en-US" dirty="0"/>
-              <a:t>2018-03-05</a:t>
+              <a:t>2018-03-13</a:t>
             </a:fld>
             <a:endParaRPr lang="zh-CN" altLang="en-US" dirty="0"/>
           </a:p>
@@ -28150,7 +28150,7 @@
             <a:pPr lvl="0"/>
             <a:fld id="{BB962C8B-B14F-4D97-AF65-F5344CB8AC3E}" type="datetimeFigureOut">
               <a:rPr lang="zh-CN" altLang="en-US" dirty="0"/>
-              <a:t>2018-03-05</a:t>
+              <a:t>2018-03-13</a:t>
             </a:fld>
             <a:endParaRPr lang="zh-CN" altLang="en-US" dirty="0"/>
           </a:p>
@@ -29718,7 +29718,7 @@
             <a:pPr lvl="0"/>
             <a:fld id="{BB962C8B-B14F-4D97-AF65-F5344CB8AC3E}" type="datetimeFigureOut">
               <a:rPr lang="zh-CN" altLang="en-US" dirty="0"/>
-              <a:t>2018-03-05</a:t>
+              <a:t>2018-03-13</a:t>
             </a:fld>
             <a:endParaRPr lang="zh-CN" altLang="en-US" dirty="0"/>
           </a:p>
@@ -30263,7 +30263,7 @@
             <a:pPr lvl="0"/>
             <a:fld id="{BB962C8B-B14F-4D97-AF65-F5344CB8AC3E}" type="datetimeFigureOut">
               <a:rPr lang="zh-CN" altLang="en-US" dirty="0"/>
-              <a:t>2018-03-05</a:t>
+              <a:t>2018-03-13</a:t>
             </a:fld>
             <a:endParaRPr lang="zh-CN" altLang="en-US" dirty="0"/>
           </a:p>
@@ -30808,7 +30808,7 @@
             <a:pPr lvl="0"/>
             <a:fld id="{BB962C8B-B14F-4D97-AF65-F5344CB8AC3E}" type="datetimeFigureOut">
               <a:rPr lang="zh-CN" altLang="en-US" dirty="0"/>
-              <a:t>2018-03-05</a:t>
+              <a:t>2018-03-13</a:t>
             </a:fld>
             <a:endParaRPr lang="zh-CN" altLang="en-US" dirty="0"/>
           </a:p>
@@ -31353,7 +31353,7 @@
             <a:pPr lvl="0"/>
             <a:fld id="{BB962C8B-B14F-4D97-AF65-F5344CB8AC3E}" type="datetimeFigureOut">
               <a:rPr lang="zh-CN" altLang="en-US" dirty="0"/>
-              <a:t>2018-03-05</a:t>
+              <a:t>2018-03-13</a:t>
             </a:fld>
             <a:endParaRPr lang="zh-CN" altLang="en-US" dirty="0"/>
           </a:p>
@@ -31898,7 +31898,7 @@
             <a:pPr lvl="0"/>
             <a:fld id="{BB962C8B-B14F-4D97-AF65-F5344CB8AC3E}" type="datetimeFigureOut">
               <a:rPr lang="zh-CN" altLang="en-US" dirty="0"/>
-              <a:t>2018-03-05</a:t>
+              <a:t>2018-03-13</a:t>
             </a:fld>
             <a:endParaRPr lang="zh-CN" altLang="en-US" dirty="0"/>
           </a:p>
@@ -32443,7 +32443,7 @@
             <a:pPr lvl="0"/>
             <a:fld id="{BB962C8B-B14F-4D97-AF65-F5344CB8AC3E}" type="datetimeFigureOut">
               <a:rPr lang="zh-CN" altLang="en-US" dirty="0"/>
-              <a:t>2018-03-05</a:t>
+              <a:t>2018-03-13</a:t>
             </a:fld>
             <a:endParaRPr lang="zh-CN" altLang="en-US" dirty="0"/>
           </a:p>
@@ -33185,7 +33185,7 @@
                 <a:latin typeface="微软雅黑" pitchFamily="2" charset="-122"/>
                 <a:ea typeface="微软雅黑" pitchFamily="2" charset="-122"/>
               </a:rPr>
-              <a:t>20180117</a:t>
+              <a:t>20180313</a:t>
             </a:r>
             <a:endParaRPr lang="zh-CN" altLang="en-US" dirty="0">
               <a:solidFill>
@@ -34803,14 +34803,7 @@
                 <a:latin typeface="微软雅黑" pitchFamily="2" charset="-122"/>
                 <a:ea typeface="微软雅黑" pitchFamily="2" charset="-122"/>
               </a:rPr>
-              <a:t>电力系统中尚未解决的</a:t>
-            </a:r>
-            <a:r>
-              <a:rPr lang="zh-CN" altLang="en-US" sz="1600" b="1" dirty="0" smtClean="0">
-                <a:latin typeface="微软雅黑" pitchFamily="2" charset="-122"/>
-                <a:ea typeface="微软雅黑" pitchFamily="2" charset="-122"/>
-              </a:rPr>
-              <a:t>问题</a:t>
+              <a:t>电力系统中尚未解决的问题</a:t>
             </a:r>
             <a:endParaRPr lang="zh-CN" altLang="en-US" sz="1600" b="1" dirty="0">
               <a:latin typeface="微软雅黑" pitchFamily="2" charset="-122"/>
@@ -35539,27 +35532,7 @@
                 <a:latin typeface="微软雅黑" pitchFamily="2" charset="-122"/>
                 <a:ea typeface="微软雅黑" pitchFamily="2" charset="-122"/>
               </a:rPr>
-              <a:t>基于</a:t>
-            </a:r>
-            <a:r>
-              <a:rPr lang="zh-CN" altLang="en-US" sz="2000" dirty="0" smtClean="0">
-                <a:solidFill>
-                  <a:srgbClr val="404040"/>
-                </a:solidFill>
-                <a:latin typeface="微软雅黑" pitchFamily="2" charset="-122"/>
-                <a:ea typeface="微软雅黑" pitchFamily="2" charset="-122"/>
-              </a:rPr>
-              <a:t>机器学习</a:t>
-            </a:r>
-            <a:r>
-              <a:rPr lang="zh-CN" altLang="en-US" sz="2000" dirty="0" smtClean="0">
-                <a:solidFill>
-                  <a:srgbClr val="404040"/>
-                </a:solidFill>
-                <a:latin typeface="微软雅黑" pitchFamily="2" charset="-122"/>
-                <a:ea typeface="微软雅黑" pitchFamily="2" charset="-122"/>
-              </a:rPr>
-              <a:t>的的</a:t>
+              <a:t>基于机器学习的的</a:t>
             </a:r>
             <a:r>
               <a:rPr lang="zh-CN" altLang="en-US" sz="2000" dirty="0">
@@ -35673,7 +35646,7 @@
         </p:nvGrpSpPr>
         <p:grpSpPr>
           <a:xfrm>
-            <a:off x="2128838" y="1576388"/>
+            <a:off x="2306638" y="1868488"/>
             <a:ext cx="8240712" cy="4389437"/>
             <a:chOff x="0" y="0"/>
             <a:chExt cx="9367838" cy="4989078"/>
@@ -35925,14 +35898,7 @@
                   <a:latin typeface="微软雅黑" pitchFamily="2" charset="-122"/>
                   <a:ea typeface="微软雅黑" pitchFamily="2" charset="-122"/>
                 </a:rPr>
-                <a:t>研究并</a:t>
-              </a:r>
-              <a:r>
-                <a:rPr lang="zh-CN" altLang="en-US" dirty="0" smtClean="0">
-                  <a:latin typeface="微软雅黑" pitchFamily="2" charset="-122"/>
-                  <a:ea typeface="微软雅黑" pitchFamily="2" charset="-122"/>
-                </a:rPr>
-                <a:t>建立其故障仿真模型</a:t>
+                <a:t>研究并建立其故障仿真模型</a:t>
               </a:r>
               <a:endParaRPr lang="zh-CN" altLang="en-US" dirty="0">
                 <a:ea typeface="微软雅黑" pitchFamily="2" charset="-122"/>
@@ -36221,14 +36187,7 @@
                   <a:latin typeface="微软雅黑" pitchFamily="2" charset="-122"/>
                   <a:ea typeface="微软雅黑" pitchFamily="2" charset="-122"/>
                 </a:rPr>
-                <a:t>框架进行深入</a:t>
-              </a:r>
-              <a:r>
-                <a:rPr lang="zh-CN" altLang="en-US" dirty="0" smtClean="0">
-                  <a:latin typeface="微软雅黑" pitchFamily="2" charset="-122"/>
-                  <a:ea typeface="微软雅黑" pitchFamily="2" charset="-122"/>
-                </a:rPr>
-                <a:t>研究</a:t>
+                <a:t>框架进行深入研究</a:t>
               </a:r>
               <a:endParaRPr lang="zh-CN" altLang="en-US" dirty="0">
                 <a:ea typeface="微软雅黑" pitchFamily="2" charset="-122"/>
@@ -36503,14 +36462,35 @@
                   <a:latin typeface="微软雅黑" pitchFamily="2" charset="-122"/>
                   <a:ea typeface="微软雅黑" pitchFamily="2" charset="-122"/>
                 </a:rPr>
-                <a:t>机器学习</a:t>
+                <a:t>机器学习算法</a:t>
               </a:r>
               <a:r>
                 <a:rPr lang="zh-CN" altLang="en-US" dirty="0" smtClean="0">
                   <a:latin typeface="微软雅黑" pitchFamily="2" charset="-122"/>
                   <a:ea typeface="微软雅黑" pitchFamily="2" charset="-122"/>
                 </a:rPr>
-                <a:t>算法的编写、训练与改进</a:t>
+                <a:t>的</a:t>
+              </a:r>
+              <a:r>
+                <a:rPr lang="zh-CN" altLang="en-US" dirty="0" smtClean="0">
+                  <a:latin typeface="微软雅黑" pitchFamily="2" charset="-122"/>
+                  <a:ea typeface="微软雅黑" pitchFamily="2" charset="-122"/>
+                </a:rPr>
+                <a:t>参数设置</a:t>
+              </a:r>
+              <a:r>
+                <a:rPr lang="zh-CN" altLang="en-US" dirty="0" smtClean="0">
+                  <a:latin typeface="微软雅黑" pitchFamily="2" charset="-122"/>
+                  <a:ea typeface="微软雅黑" pitchFamily="2" charset="-122"/>
+                </a:rPr>
+                <a:t>、</a:t>
+              </a:r>
+              <a:r>
+                <a:rPr lang="zh-CN" altLang="en-US" dirty="0" smtClean="0">
+                  <a:latin typeface="微软雅黑" pitchFamily="2" charset="-122"/>
+                  <a:ea typeface="微软雅黑" pitchFamily="2" charset="-122"/>
+                </a:rPr>
+                <a:t>训练与改进</a:t>
               </a:r>
               <a:endParaRPr lang="zh-CN" altLang="en-US" dirty="0">
                 <a:ea typeface="微软雅黑" pitchFamily="2" charset="-122"/>
@@ -36799,31 +36779,14 @@
                   <a:latin typeface="微软雅黑" pitchFamily="2" charset="-122"/>
                   <a:ea typeface="微软雅黑" pitchFamily="2" charset="-122"/>
                 </a:rPr>
-                <a:t>的新方法</a:t>
-              </a:r>
-              <a:endParaRPr lang="zh-CN" altLang="en-US" dirty="0">
-                <a:ea typeface="微软雅黑" pitchFamily="2" charset="-122"/>
-              </a:endParaRPr>
-            </a:p>
-            <a:p>
-              <a:pPr lvl="0" algn="ctr">
-                <a:lnSpc>
-                  <a:spcPct val="130000"/>
-                </a:lnSpc>
-              </a:pPr>
-              <a:r>
-                <a:rPr lang="zh-CN" altLang="en-US" dirty="0" smtClean="0">
-                  <a:latin typeface="微软雅黑" pitchFamily="2" charset="-122"/>
-                  <a:ea typeface="微软雅黑" pitchFamily="2" charset="-122"/>
-                </a:rPr>
-                <a:t>练</a:t>
+                <a:t>的新</a:t>
               </a:r>
               <a:r>
                 <a:rPr lang="zh-CN" altLang="en-US" dirty="0" smtClean="0">
                   <a:latin typeface="微软雅黑" pitchFamily="2" charset="-122"/>
                   <a:ea typeface="微软雅黑" pitchFamily="2" charset="-122"/>
                 </a:rPr>
-                <a:t>算法</a:t>
+                <a:t>方法</a:t>
               </a:r>
               <a:endParaRPr lang="zh-CN" altLang="en-US" dirty="0">
                 <a:ea typeface="微软雅黑" pitchFamily="2" charset="-122"/>
@@ -36959,8 +36922,8 @@
         </p:nvSpPr>
         <p:spPr>
           <a:xfrm>
-            <a:off x="7710465" y="2952539"/>
-            <a:ext cx="4217480" cy="2400361"/>
+            <a:off x="7423544" y="3117639"/>
+            <a:ext cx="4504401" cy="2400361"/>
           </a:xfrm>
           <a:prstGeom prst="rect">
             <a:avLst/>
@@ -37049,14 +37012,7 @@
                 <a:latin typeface="微软雅黑" pitchFamily="2" charset="-122"/>
                 <a:ea typeface="微软雅黑" pitchFamily="2" charset="-122"/>
               </a:rPr>
-              <a:t>、</a:t>
-            </a:r>
-            <a:r>
-              <a:rPr lang="zh-CN" altLang="en-US" b="1" dirty="0" smtClean="0">
-                <a:latin typeface="微软雅黑" pitchFamily="2" charset="-122"/>
-                <a:ea typeface="微软雅黑" pitchFamily="2" charset="-122"/>
-              </a:rPr>
-              <a:t>数据预处理</a:t>
+              <a:t>、数据预处理</a:t>
             </a:r>
             <a:r>
               <a:rPr lang="zh-CN" altLang="en-US" b="1" dirty="0">
@@ -37088,7 +37044,35 @@
                 <a:latin typeface="微软雅黑" pitchFamily="2" charset="-122"/>
                 <a:ea typeface="微软雅黑" pitchFamily="2" charset="-122"/>
               </a:rPr>
-              <a:t>、故障识别算法的编写、训练与改进</a:t>
+              <a:t>、故障识别算法</a:t>
+            </a:r>
+            <a:r>
+              <a:rPr lang="zh-CN" altLang="en-US" b="1" dirty="0" smtClean="0">
+                <a:latin typeface="微软雅黑" pitchFamily="2" charset="-122"/>
+                <a:ea typeface="微软雅黑" pitchFamily="2" charset="-122"/>
+              </a:rPr>
+              <a:t>的</a:t>
+            </a:r>
+            <a:r>
+              <a:rPr lang="zh-CN" altLang="en-US" b="1" dirty="0" smtClean="0">
+                <a:latin typeface="微软雅黑" pitchFamily="2" charset="-122"/>
+                <a:ea typeface="微软雅黑" pitchFamily="2" charset="-122"/>
+              </a:rPr>
+              <a:t>参数设置</a:t>
+            </a:r>
+            <a:r>
+              <a:rPr lang="zh-CN" altLang="en-US" b="1" dirty="0" smtClean="0">
+                <a:latin typeface="微软雅黑" pitchFamily="2" charset="-122"/>
+                <a:ea typeface="微软雅黑" pitchFamily="2" charset="-122"/>
+              </a:rPr>
+              <a:t>、</a:t>
+            </a:r>
+            <a:r>
+              <a:rPr lang="zh-CN" altLang="en-US" b="1" dirty="0" smtClean="0">
+                <a:latin typeface="微软雅黑" pitchFamily="2" charset="-122"/>
+                <a:ea typeface="微软雅黑" pitchFamily="2" charset="-122"/>
+              </a:rPr>
+              <a:t>训练与改进</a:t>
             </a:r>
             <a:endParaRPr lang="en-US" altLang="zh-CN" b="1" dirty="0">
               <a:latin typeface="微软雅黑" pitchFamily="2" charset="-122"/>
@@ -37127,7 +37111,14 @@
                 <a:latin typeface="微软雅黑" pitchFamily="2" charset="-122"/>
                 <a:ea typeface="微软雅黑" pitchFamily="2" charset="-122"/>
               </a:rPr>
-              <a:t>算法编写、训练与改进</a:t>
+              <a:t>算法的参数设置、</a:t>
+            </a:r>
+            <a:r>
+              <a:rPr lang="zh-CN" altLang="en-US" b="1" dirty="0" smtClean="0">
+                <a:latin typeface="微软雅黑" pitchFamily="2" charset="-122"/>
+                <a:ea typeface="微软雅黑" pitchFamily="2" charset="-122"/>
+              </a:rPr>
+              <a:t>训练与改进</a:t>
             </a:r>
             <a:endParaRPr lang="en-US" altLang="zh-CN" b="1" dirty="0">
               <a:latin typeface="微软雅黑" pitchFamily="2" charset="-122"/>
@@ -37155,7 +37146,7 @@
         </p:nvSpPr>
         <p:spPr>
           <a:xfrm>
-            <a:off x="3676862" y="2029280"/>
+            <a:off x="3257762" y="2181680"/>
             <a:ext cx="1755228" cy="249716"/>
           </a:xfrm>
           <a:prstGeom prst="rect">
@@ -37212,7 +37203,7 @@
         </p:nvSpPr>
         <p:spPr>
           <a:xfrm>
-            <a:off x="4402076" y="2278996"/>
+            <a:off x="3982976" y="2431396"/>
             <a:ext cx="357352" cy="302118"/>
           </a:xfrm>
           <a:prstGeom prst="downArrow">
@@ -37252,7 +37243,7 @@
         </p:nvSpPr>
         <p:spPr>
           <a:xfrm>
-            <a:off x="3676862" y="2581114"/>
+            <a:off x="3257762" y="2733514"/>
             <a:ext cx="1755228" cy="265440"/>
           </a:xfrm>
           <a:prstGeom prst="rect">
@@ -37302,7 +37293,7 @@
         </p:nvSpPr>
         <p:spPr>
           <a:xfrm>
-            <a:off x="4402076" y="2846554"/>
+            <a:off x="3982976" y="2998954"/>
             <a:ext cx="357352" cy="374322"/>
           </a:xfrm>
           <a:prstGeom prst="downArrow">
@@ -37342,7 +37333,7 @@
         </p:nvSpPr>
         <p:spPr>
           <a:xfrm>
-            <a:off x="1564273" y="3220876"/>
+            <a:off x="1145173" y="3373276"/>
             <a:ext cx="5917338" cy="261938"/>
           </a:xfrm>
           <a:prstGeom prst="rect">
@@ -37389,7 +37380,7 @@
         </p:nvSpPr>
         <p:spPr>
           <a:xfrm>
-            <a:off x="2394603" y="3496638"/>
+            <a:off x="1975503" y="3649038"/>
             <a:ext cx="620110" cy="360498"/>
           </a:xfrm>
           <a:prstGeom prst="downArrow">
@@ -37429,7 +37420,7 @@
         </p:nvSpPr>
         <p:spPr>
           <a:xfrm>
-            <a:off x="1795517" y="3838615"/>
+            <a:off x="1376417" y="3991015"/>
             <a:ext cx="1734207" cy="628211"/>
           </a:xfrm>
           <a:prstGeom prst="roundRect">
@@ -37476,7 +37467,7 @@
         </p:nvSpPr>
         <p:spPr>
           <a:xfrm>
-            <a:off x="6567201" y="3482815"/>
+            <a:off x="6148101" y="3635215"/>
             <a:ext cx="620110" cy="374322"/>
           </a:xfrm>
           <a:prstGeom prst="downArrow">
@@ -37516,7 +37507,7 @@
         </p:nvSpPr>
         <p:spPr>
           <a:xfrm>
-            <a:off x="6257146" y="3859635"/>
+            <a:off x="5838046" y="4012035"/>
             <a:ext cx="1240220" cy="628211"/>
           </a:xfrm>
           <a:prstGeom prst="roundRect">
@@ -37563,7 +37554,7 @@
         </p:nvCxnSpPr>
         <p:spPr>
           <a:xfrm flipV="1">
-            <a:off x="1564273" y="4670938"/>
+            <a:off x="1145173" y="4823338"/>
             <a:ext cx="4821083" cy="27127"/>
           </a:xfrm>
           <a:prstGeom prst="line">
@@ -37594,7 +37585,7 @@
         </p:nvCxnSpPr>
         <p:spPr>
           <a:xfrm flipV="1">
-            <a:off x="1879597" y="4854031"/>
+            <a:off x="1460497" y="5006431"/>
             <a:ext cx="5602014" cy="31532"/>
           </a:xfrm>
           <a:prstGeom prst="line">
@@ -37625,7 +37616,7 @@
         </p:nvSpPr>
         <p:spPr>
           <a:xfrm>
-            <a:off x="2352563" y="4466826"/>
+            <a:off x="1933463" y="4619226"/>
             <a:ext cx="620110" cy="240061"/>
           </a:xfrm>
           <a:prstGeom prst="downArrow">
@@ -37665,7 +37656,7 @@
         </p:nvSpPr>
         <p:spPr>
           <a:xfrm>
-            <a:off x="6519896" y="4487846"/>
+            <a:off x="6100796" y="4640246"/>
             <a:ext cx="772523" cy="366185"/>
           </a:xfrm>
           <a:prstGeom prst="downArrow">
@@ -37705,7 +37696,7 @@
         </p:nvSpPr>
         <p:spPr>
           <a:xfrm>
-            <a:off x="1432900" y="5022085"/>
+            <a:off x="1013800" y="5174485"/>
             <a:ext cx="893393" cy="304793"/>
           </a:xfrm>
           <a:prstGeom prst="rect">
@@ -37753,7 +37744,7 @@
         </p:nvSpPr>
         <p:spPr>
           <a:xfrm>
-            <a:off x="2462906" y="5019225"/>
+            <a:off x="2043806" y="5171625"/>
             <a:ext cx="893393" cy="304793"/>
           </a:xfrm>
           <a:prstGeom prst="rect">
@@ -37805,7 +37796,7 @@
         </p:nvSpPr>
         <p:spPr>
           <a:xfrm>
-            <a:off x="3482417" y="5022084"/>
+            <a:off x="3063317" y="5174484"/>
             <a:ext cx="1169289" cy="304793"/>
           </a:xfrm>
           <a:prstGeom prst="rect">
@@ -37853,7 +37844,7 @@
         </p:nvSpPr>
         <p:spPr>
           <a:xfrm>
-            <a:off x="4801462" y="5019345"/>
+            <a:off x="4382362" y="5171745"/>
             <a:ext cx="1145631" cy="304793"/>
           </a:xfrm>
           <a:prstGeom prst="rect">
@@ -37901,7 +37892,7 @@
         </p:nvSpPr>
         <p:spPr>
           <a:xfrm>
-            <a:off x="6162545" y="5022085"/>
+            <a:off x="5743445" y="5174485"/>
             <a:ext cx="1165616" cy="304793"/>
           </a:xfrm>
           <a:prstGeom prst="rect">
@@ -37949,7 +37940,7 @@
         </p:nvSpPr>
         <p:spPr>
           <a:xfrm>
-            <a:off x="1995209" y="4885562"/>
+            <a:off x="1576109" y="5037962"/>
             <a:ext cx="73573" cy="136522"/>
           </a:xfrm>
           <a:prstGeom prst="downArrow">
@@ -37989,7 +37980,7 @@
         </p:nvSpPr>
         <p:spPr>
           <a:xfrm>
-            <a:off x="1711432" y="4727907"/>
+            <a:off x="1292332" y="4880307"/>
             <a:ext cx="45719" cy="294177"/>
           </a:xfrm>
           <a:prstGeom prst="downArrow">
@@ -38029,7 +38020,7 @@
         </p:nvSpPr>
         <p:spPr>
           <a:xfrm>
-            <a:off x="3676862" y="4727907"/>
+            <a:off x="3257762" y="4880307"/>
             <a:ext cx="45719" cy="294177"/>
           </a:xfrm>
           <a:prstGeom prst="downArrow">
@@ -38069,7 +38060,7 @@
         </p:nvSpPr>
         <p:spPr>
           <a:xfrm>
-            <a:off x="2793997" y="4706887"/>
+            <a:off x="2374897" y="4859287"/>
             <a:ext cx="45719" cy="312338"/>
           </a:xfrm>
           <a:prstGeom prst="downArrow">
@@ -38109,7 +38100,7 @@
         </p:nvSpPr>
         <p:spPr>
           <a:xfrm>
-            <a:off x="5047690" y="4706887"/>
+            <a:off x="4628590" y="4859287"/>
             <a:ext cx="45719" cy="333708"/>
           </a:xfrm>
           <a:prstGeom prst="downArrow">
@@ -38149,7 +38140,7 @@
         </p:nvSpPr>
         <p:spPr>
           <a:xfrm>
-            <a:off x="6257146" y="4693221"/>
+            <a:off x="5838046" y="4845621"/>
             <a:ext cx="45719" cy="347374"/>
           </a:xfrm>
           <a:prstGeom prst="downArrow">
@@ -38189,7 +38180,7 @@
         </p:nvSpPr>
         <p:spPr>
           <a:xfrm>
-            <a:off x="3109307" y="4885562"/>
+            <a:off x="2690207" y="5037962"/>
             <a:ext cx="45719" cy="133663"/>
           </a:xfrm>
           <a:prstGeom prst="downArrow">
@@ -38229,7 +38220,7 @@
         </p:nvSpPr>
         <p:spPr>
           <a:xfrm>
-            <a:off x="4212894" y="4909711"/>
+            <a:off x="3793794" y="5062111"/>
             <a:ext cx="45719" cy="100692"/>
           </a:xfrm>
           <a:prstGeom prst="downArrow">
@@ -38269,7 +38260,7 @@
         </p:nvSpPr>
         <p:spPr>
           <a:xfrm>
-            <a:off x="5567432" y="4902048"/>
+            <a:off x="5148332" y="5054448"/>
             <a:ext cx="45719" cy="109639"/>
           </a:xfrm>
           <a:prstGeom prst="downArrow">
@@ -38309,7 +38300,7 @@
         </p:nvSpPr>
         <p:spPr>
           <a:xfrm>
-            <a:off x="7126718" y="4854031"/>
+            <a:off x="6707618" y="5006431"/>
             <a:ext cx="45719" cy="156372"/>
           </a:xfrm>
           <a:prstGeom prst="downArrow">
@@ -38349,7 +38340,7 @@
         </p:nvCxnSpPr>
         <p:spPr>
           <a:xfrm>
-            <a:off x="1432900" y="5607499"/>
+            <a:off x="1013800" y="5759899"/>
             <a:ext cx="5895261" cy="0"/>
           </a:xfrm>
           <a:prstGeom prst="line">
@@ -38380,7 +38371,7 @@
         </p:nvSpPr>
         <p:spPr>
           <a:xfrm>
-            <a:off x="1795517" y="5324018"/>
+            <a:off x="1376417" y="5476418"/>
             <a:ext cx="84079" cy="283481"/>
           </a:xfrm>
           <a:prstGeom prst="downArrow">
@@ -38420,7 +38411,7 @@
         </p:nvSpPr>
         <p:spPr>
           <a:xfrm>
-            <a:off x="2900937" y="5313508"/>
+            <a:off x="2481837" y="5465908"/>
             <a:ext cx="45719" cy="283481"/>
           </a:xfrm>
           <a:prstGeom prst="downArrow">
@@ -38460,7 +38451,7 @@
         </p:nvSpPr>
         <p:spPr>
           <a:xfrm>
-            <a:off x="4023183" y="5293058"/>
+            <a:off x="3604083" y="5445458"/>
             <a:ext cx="65676" cy="319852"/>
           </a:xfrm>
           <a:prstGeom prst="downArrow">
@@ -38500,7 +38491,7 @@
         </p:nvSpPr>
         <p:spPr>
           <a:xfrm>
-            <a:off x="5374277" y="5313508"/>
+            <a:off x="4955177" y="5465908"/>
             <a:ext cx="57813" cy="283481"/>
           </a:xfrm>
           <a:prstGeom prst="downArrow">
@@ -38540,7 +38531,7 @@
         </p:nvSpPr>
         <p:spPr>
           <a:xfrm>
-            <a:off x="6745353" y="5313508"/>
+            <a:off x="6326253" y="5465908"/>
             <a:ext cx="49940" cy="283481"/>
           </a:xfrm>
           <a:prstGeom prst="downArrow">
@@ -38580,7 +38571,7 @@
         </p:nvSpPr>
         <p:spPr>
           <a:xfrm>
-            <a:off x="3489510" y="6031183"/>
+            <a:off x="3070410" y="6183583"/>
             <a:ext cx="2142273" cy="252248"/>
           </a:xfrm>
           <a:prstGeom prst="rect">
@@ -38630,7 +38621,7 @@
         </p:nvSpPr>
         <p:spPr>
           <a:xfrm>
-            <a:off x="4332158" y="5644440"/>
+            <a:off x="3913058" y="5796840"/>
             <a:ext cx="548128" cy="376233"/>
           </a:xfrm>
           <a:prstGeom prst="downArrow">
@@ -39370,14 +39361,7 @@
                 <a:latin typeface="微软雅黑" pitchFamily="2" charset="-122"/>
                 <a:ea typeface="微软雅黑" pitchFamily="2" charset="-122"/>
               </a:rPr>
-              <a:t>等影响</a:t>
-            </a:r>
-            <a:r>
-              <a:rPr lang="zh-CN" altLang="en-US" sz="1600" b="1" dirty="0" smtClean="0">
-                <a:latin typeface="微软雅黑" pitchFamily="2" charset="-122"/>
-                <a:ea typeface="微软雅黑" pitchFamily="2" charset="-122"/>
-              </a:rPr>
-              <a:t>；</a:t>
+              <a:t>等影响；</a:t>
             </a:r>
             <a:endParaRPr lang="en-US" altLang="zh-CN" sz="1600" b="1" dirty="0" smtClean="0">
               <a:latin typeface="微软雅黑" pitchFamily="2" charset="-122"/>
@@ -39526,14 +39510,7 @@
                 <a:latin typeface="微软雅黑" pitchFamily="2" charset="-122"/>
                 <a:ea typeface="微软雅黑" pitchFamily="2" charset="-122"/>
               </a:rPr>
-              <a:t>、具有高效性</a:t>
-            </a:r>
-            <a:r>
-              <a:rPr lang="zh-CN" altLang="en-US" sz="1600" b="1" dirty="0" smtClean="0">
-                <a:latin typeface="微软雅黑" pitchFamily="2" charset="-122"/>
-                <a:ea typeface="微软雅黑" pitchFamily="2" charset="-122"/>
-              </a:rPr>
-              <a:t>；</a:t>
+              <a:t>、具有高效性；</a:t>
             </a:r>
             <a:endParaRPr lang="en-US" altLang="zh-CN" sz="1600" b="1" dirty="0" smtClean="0">
               <a:latin typeface="微软雅黑" pitchFamily="2" charset="-122"/>
@@ -39567,10 +39544,6 @@
               </a:rPr>
               <a:t>达标。</a:t>
             </a:r>
-            <a:endParaRPr lang="zh-CN" altLang="en-US" sz="1600" b="1" dirty="0" smtClean="0">
-              <a:latin typeface="微软雅黑" pitchFamily="2" charset="-122"/>
-              <a:ea typeface="微软雅黑" pitchFamily="2" charset="-122"/>
-            </a:endParaRPr>
           </a:p>
           <a:p>
             <a:pPr lvl="0" algn="just">
@@ -40754,14 +40727,7 @@
                   <a:latin typeface="微软雅黑" pitchFamily="2" charset="-122"/>
                   <a:ea typeface="微软雅黑" pitchFamily="2" charset="-122"/>
                 </a:rPr>
-                <a:t>算法</a:t>
-              </a:r>
-              <a:r>
-                <a:rPr lang="zh-CN" altLang="en-US" sz="1400" b="1" dirty="0" smtClean="0">
-                  <a:latin typeface="微软雅黑" pitchFamily="2" charset="-122"/>
-                  <a:ea typeface="微软雅黑" pitchFamily="2" charset="-122"/>
-                </a:rPr>
-                <a:t>；</a:t>
+                <a:t>算法；</a:t>
               </a:r>
               <a:endParaRPr lang="en-US" altLang="zh-CN" sz="1400" b="1" dirty="0" smtClean="0">
                 <a:latin typeface="微软雅黑" pitchFamily="2" charset="-122"/>

--- a/开题/我要学习-开题1.pptx
+++ b/开题/我要学习-开题1.pptx
@@ -22,9 +22,10 @@
     <p:sldId id="260" r:id="rId16"/>
     <p:sldId id="261" r:id="rId17"/>
     <p:sldId id="280" r:id="rId18"/>
-    <p:sldId id="264" r:id="rId19"/>
-    <p:sldId id="263" r:id="rId20"/>
-    <p:sldId id="257" r:id="rId21"/>
+    <p:sldId id="281" r:id="rId19"/>
+    <p:sldId id="264" r:id="rId20"/>
+    <p:sldId id="263" r:id="rId21"/>
+    <p:sldId id="257" r:id="rId22"/>
   </p:sldIdLst>
   <p:sldSz cx="12192000" cy="6858000"/>
   <p:notesSz cx="6858000" cy="9144000"/>
@@ -602,7 +603,7 @@
             <a:pPr lvl="0"/>
             <a:fld id="{BB962C8B-B14F-4D97-AF65-F5344CB8AC3E}" type="datetimeFigureOut">
               <a:rPr lang="zh-CN" altLang="en-US" dirty="0"/>
-              <a:t>2018-03-13</a:t>
+              <a:t>2018-03-16</a:t>
             </a:fld>
             <a:endParaRPr lang="zh-CN" altLang="en-US" dirty="0"/>
           </a:p>
@@ -786,7 +787,7 @@
             <a:pPr lvl="0"/>
             <a:fld id="{BB962C8B-B14F-4D97-AF65-F5344CB8AC3E}" type="datetimeFigureOut">
               <a:rPr lang="zh-CN" altLang="en-US" dirty="0"/>
-              <a:t>2018-03-13</a:t>
+              <a:t>2018-03-16</a:t>
             </a:fld>
             <a:endParaRPr lang="zh-CN" altLang="en-US" dirty="0"/>
           </a:p>
@@ -1036,7 +1037,7 @@
             <a:pPr lvl="0"/>
             <a:fld id="{BB962C8B-B14F-4D97-AF65-F5344CB8AC3E}" type="datetimeFigureOut">
               <a:rPr lang="zh-CN" altLang="en-US" dirty="0"/>
-              <a:t>2018-03-13</a:t>
+              <a:t>2018-03-16</a:t>
             </a:fld>
             <a:endParaRPr lang="zh-CN" altLang="en-US" dirty="0"/>
           </a:p>
@@ -1280,7 +1281,7 @@
             <a:pPr lvl="0"/>
             <a:fld id="{BB962C8B-B14F-4D97-AF65-F5344CB8AC3E}" type="datetimeFigureOut">
               <a:rPr lang="zh-CN" altLang="en-US" dirty="0"/>
-              <a:t>2018-03-13</a:t>
+              <a:t>2018-03-16</a:t>
             </a:fld>
             <a:endParaRPr lang="zh-CN" altLang="en-US" dirty="0"/>
           </a:p>
@@ -1660,7 +1661,7 @@
             <a:pPr lvl="0"/>
             <a:fld id="{BB962C8B-B14F-4D97-AF65-F5344CB8AC3E}" type="datetimeFigureOut">
               <a:rPr lang="zh-CN" altLang="en-US" dirty="0"/>
-              <a:t>2018-03-13</a:t>
+              <a:t>2018-03-16</a:t>
             </a:fld>
             <a:endParaRPr lang="zh-CN" altLang="en-US" dirty="0"/>
           </a:p>
@@ -1784,7 +1785,7 @@
             <a:pPr lvl="0"/>
             <a:fld id="{BB962C8B-B14F-4D97-AF65-F5344CB8AC3E}" type="datetimeFigureOut">
               <a:rPr lang="zh-CN" altLang="en-US" dirty="0"/>
-              <a:t>2018-03-13</a:t>
+              <a:t>2018-03-16</a:t>
             </a:fld>
             <a:endParaRPr lang="zh-CN" altLang="en-US" dirty="0"/>
           </a:p>
@@ -1877,7 +1878,7 @@
             <a:pPr lvl="0"/>
             <a:fld id="{BB962C8B-B14F-4D97-AF65-F5344CB8AC3E}" type="datetimeFigureOut">
               <a:rPr lang="zh-CN" altLang="en-US" dirty="0"/>
-              <a:t>2018-03-13</a:t>
+              <a:t>2018-03-16</a:t>
             </a:fld>
             <a:endParaRPr lang="zh-CN" altLang="en-US" dirty="0"/>
           </a:p>
@@ -2161,7 +2162,7 @@
             <a:pPr lvl="0"/>
             <a:fld id="{BB962C8B-B14F-4D97-AF65-F5344CB8AC3E}" type="datetimeFigureOut">
               <a:rPr lang="zh-CN" altLang="en-US" dirty="0"/>
-              <a:t>2018-03-13</a:t>
+              <a:t>2018-03-16</a:t>
             </a:fld>
             <a:endParaRPr lang="zh-CN" altLang="en-US" dirty="0"/>
           </a:p>
@@ -2421,7 +2422,7 @@
             <a:pPr lvl="0"/>
             <a:fld id="{BB962C8B-B14F-4D97-AF65-F5344CB8AC3E}" type="datetimeFigureOut">
               <a:rPr lang="zh-CN" altLang="en-US" dirty="0"/>
-              <a:t>2018-03-13</a:t>
+              <a:t>2018-03-16</a:t>
             </a:fld>
             <a:endParaRPr lang="zh-CN" altLang="en-US" dirty="0"/>
           </a:p>
@@ -2605,7 +2606,7 @@
             <a:pPr lvl="0"/>
             <a:fld id="{BB962C8B-B14F-4D97-AF65-F5344CB8AC3E}" type="datetimeFigureOut">
               <a:rPr lang="zh-CN" altLang="en-US" dirty="0"/>
-              <a:t>2018-03-13</a:t>
+              <a:t>2018-03-16</a:t>
             </a:fld>
             <a:endParaRPr lang="zh-CN" altLang="en-US" dirty="0"/>
           </a:p>
@@ -2905,7 +2906,7 @@
             <a:pPr lvl="0"/>
             <a:fld id="{BB962C8B-B14F-4D97-AF65-F5344CB8AC3E}" type="datetimeFigureOut">
               <a:rPr lang="zh-CN" altLang="en-US" dirty="0"/>
-              <a:t>2018-03-13</a:t>
+              <a:t>2018-03-16</a:t>
             </a:fld>
             <a:endParaRPr lang="zh-CN" altLang="en-US" dirty="0"/>
           </a:p>
@@ -3101,7 +3102,7 @@
             <a:pPr lvl="0"/>
             <a:fld id="{BB962C8B-B14F-4D97-AF65-F5344CB8AC3E}" type="datetimeFigureOut">
               <a:rPr lang="zh-CN" altLang="en-US" dirty="0"/>
-              <a:t>2018-03-13</a:t>
+              <a:t>2018-03-16</a:t>
             </a:fld>
             <a:endParaRPr lang="zh-CN" altLang="en-US" dirty="0"/>
           </a:p>
@@ -3285,7 +3286,7 @@
             <a:pPr lvl="0"/>
             <a:fld id="{BB962C8B-B14F-4D97-AF65-F5344CB8AC3E}" type="datetimeFigureOut">
               <a:rPr lang="zh-CN" altLang="en-US" dirty="0"/>
-              <a:t>2018-03-13</a:t>
+              <a:t>2018-03-16</a:t>
             </a:fld>
             <a:endParaRPr lang="zh-CN" altLang="en-US" dirty="0"/>
           </a:p>
@@ -3535,7 +3536,7 @@
             <a:pPr lvl="0"/>
             <a:fld id="{BB962C8B-B14F-4D97-AF65-F5344CB8AC3E}" type="datetimeFigureOut">
               <a:rPr lang="zh-CN" altLang="en-US" dirty="0"/>
-              <a:t>2018-03-13</a:t>
+              <a:t>2018-03-16</a:t>
             </a:fld>
             <a:endParaRPr lang="zh-CN" altLang="en-US" dirty="0"/>
           </a:p>
@@ -3779,7 +3780,7 @@
             <a:pPr lvl="0"/>
             <a:fld id="{BB962C8B-B14F-4D97-AF65-F5344CB8AC3E}" type="datetimeFigureOut">
               <a:rPr lang="zh-CN" altLang="en-US" dirty="0"/>
-              <a:t>2018-03-13</a:t>
+              <a:t>2018-03-16</a:t>
             </a:fld>
             <a:endParaRPr lang="zh-CN" altLang="en-US" dirty="0"/>
           </a:p>
@@ -4159,7 +4160,7 @@
             <a:pPr lvl="0"/>
             <a:fld id="{BB962C8B-B14F-4D97-AF65-F5344CB8AC3E}" type="datetimeFigureOut">
               <a:rPr lang="zh-CN" altLang="en-US" dirty="0"/>
-              <a:t>2018-03-13</a:t>
+              <a:t>2018-03-16</a:t>
             </a:fld>
             <a:endParaRPr lang="zh-CN" altLang="en-US" dirty="0"/>
           </a:p>
@@ -4283,7 +4284,7 @@
             <a:pPr lvl="0"/>
             <a:fld id="{BB962C8B-B14F-4D97-AF65-F5344CB8AC3E}" type="datetimeFigureOut">
               <a:rPr lang="zh-CN" altLang="en-US" dirty="0"/>
-              <a:t>2018-03-13</a:t>
+              <a:t>2018-03-16</a:t>
             </a:fld>
             <a:endParaRPr lang="zh-CN" altLang="en-US" dirty="0"/>
           </a:p>
@@ -4376,7 +4377,7 @@
             <a:pPr lvl="0"/>
             <a:fld id="{BB962C8B-B14F-4D97-AF65-F5344CB8AC3E}" type="datetimeFigureOut">
               <a:rPr lang="zh-CN" altLang="en-US" dirty="0"/>
-              <a:t>2018-03-13</a:t>
+              <a:t>2018-03-16</a:t>
             </a:fld>
             <a:endParaRPr lang="zh-CN" altLang="en-US" dirty="0"/>
           </a:p>
@@ -4660,7 +4661,7 @@
             <a:pPr lvl="0"/>
             <a:fld id="{BB962C8B-B14F-4D97-AF65-F5344CB8AC3E}" type="datetimeFigureOut">
               <a:rPr lang="zh-CN" altLang="en-US" dirty="0"/>
-              <a:t>2018-03-13</a:t>
+              <a:t>2018-03-16</a:t>
             </a:fld>
             <a:endParaRPr lang="zh-CN" altLang="en-US" dirty="0"/>
           </a:p>
@@ -4920,7 +4921,7 @@
             <a:pPr lvl="0"/>
             <a:fld id="{BB962C8B-B14F-4D97-AF65-F5344CB8AC3E}" type="datetimeFigureOut">
               <a:rPr lang="zh-CN" altLang="en-US" dirty="0"/>
-              <a:t>2018-03-13</a:t>
+              <a:t>2018-03-16</a:t>
             </a:fld>
             <a:endParaRPr lang="zh-CN" altLang="en-US" dirty="0"/>
           </a:p>
@@ -5232,7 +5233,7 @@
             <a:pPr lvl="0"/>
             <a:fld id="{BB962C8B-B14F-4D97-AF65-F5344CB8AC3E}" type="datetimeFigureOut">
               <a:rPr lang="zh-CN" altLang="en-US" dirty="0"/>
-              <a:t>2018-03-13</a:t>
+              <a:t>2018-03-16</a:t>
             </a:fld>
             <a:endParaRPr lang="zh-CN" altLang="en-US" dirty="0"/>
           </a:p>
@@ -5416,7 +5417,7 @@
             <a:pPr lvl="0"/>
             <a:fld id="{BB962C8B-B14F-4D97-AF65-F5344CB8AC3E}" type="datetimeFigureOut">
               <a:rPr lang="zh-CN" altLang="en-US" dirty="0"/>
-              <a:t>2018-03-13</a:t>
+              <a:t>2018-03-16</a:t>
             </a:fld>
             <a:endParaRPr lang="zh-CN" altLang="en-US" dirty="0"/>
           </a:p>
@@ -5612,7 +5613,7 @@
             <a:pPr lvl="0"/>
             <a:fld id="{BB962C8B-B14F-4D97-AF65-F5344CB8AC3E}" type="datetimeFigureOut">
               <a:rPr lang="zh-CN" altLang="en-US" dirty="0"/>
-              <a:t>2018-03-13</a:t>
+              <a:t>2018-03-16</a:t>
             </a:fld>
             <a:endParaRPr lang="zh-CN" altLang="en-US" dirty="0"/>
           </a:p>
@@ -5796,7 +5797,7 @@
             <a:pPr lvl="0"/>
             <a:fld id="{BB962C8B-B14F-4D97-AF65-F5344CB8AC3E}" type="datetimeFigureOut">
               <a:rPr lang="zh-CN" altLang="en-US" dirty="0"/>
-              <a:t>2018-03-13</a:t>
+              <a:t>2018-03-16</a:t>
             </a:fld>
             <a:endParaRPr lang="zh-CN" altLang="en-US" dirty="0"/>
           </a:p>
@@ -6046,7 +6047,7 @@
             <a:pPr lvl="0"/>
             <a:fld id="{BB962C8B-B14F-4D97-AF65-F5344CB8AC3E}" type="datetimeFigureOut">
               <a:rPr lang="zh-CN" altLang="en-US" dirty="0"/>
-              <a:t>2018-03-13</a:t>
+              <a:t>2018-03-16</a:t>
             </a:fld>
             <a:endParaRPr lang="zh-CN" altLang="en-US" dirty="0"/>
           </a:p>
@@ -6290,7 +6291,7 @@
             <a:pPr lvl="0"/>
             <a:fld id="{BB962C8B-B14F-4D97-AF65-F5344CB8AC3E}" type="datetimeFigureOut">
               <a:rPr lang="zh-CN" altLang="en-US" dirty="0"/>
-              <a:t>2018-03-13</a:t>
+              <a:t>2018-03-16</a:t>
             </a:fld>
             <a:endParaRPr lang="zh-CN" altLang="en-US" dirty="0"/>
           </a:p>
@@ -6670,7 +6671,7 @@
             <a:pPr lvl="0"/>
             <a:fld id="{BB962C8B-B14F-4D97-AF65-F5344CB8AC3E}" type="datetimeFigureOut">
               <a:rPr lang="zh-CN" altLang="en-US" dirty="0"/>
-              <a:t>2018-03-13</a:t>
+              <a:t>2018-03-16</a:t>
             </a:fld>
             <a:endParaRPr lang="zh-CN" altLang="en-US" dirty="0"/>
           </a:p>
@@ -6794,7 +6795,7 @@
             <a:pPr lvl="0"/>
             <a:fld id="{BB962C8B-B14F-4D97-AF65-F5344CB8AC3E}" type="datetimeFigureOut">
               <a:rPr lang="zh-CN" altLang="en-US" dirty="0"/>
-              <a:t>2018-03-13</a:t>
+              <a:t>2018-03-16</a:t>
             </a:fld>
             <a:endParaRPr lang="zh-CN" altLang="en-US" dirty="0"/>
           </a:p>
@@ -6887,7 +6888,7 @@
             <a:pPr lvl="0"/>
             <a:fld id="{BB962C8B-B14F-4D97-AF65-F5344CB8AC3E}" type="datetimeFigureOut">
               <a:rPr lang="zh-CN" altLang="en-US" dirty="0"/>
-              <a:t>2018-03-13</a:t>
+              <a:t>2018-03-16</a:t>
             </a:fld>
             <a:endParaRPr lang="zh-CN" altLang="en-US" dirty="0"/>
           </a:p>
@@ -7171,7 +7172,7 @@
             <a:pPr lvl="0"/>
             <a:fld id="{BB962C8B-B14F-4D97-AF65-F5344CB8AC3E}" type="datetimeFigureOut">
               <a:rPr lang="zh-CN" altLang="en-US" dirty="0"/>
-              <a:t>2018-03-13</a:t>
+              <a:t>2018-03-16</a:t>
             </a:fld>
             <a:endParaRPr lang="zh-CN" altLang="en-US" dirty="0"/>
           </a:p>
@@ -7547,7 +7548,7 @@
             <a:pPr lvl="0"/>
             <a:fld id="{BB962C8B-B14F-4D97-AF65-F5344CB8AC3E}" type="datetimeFigureOut">
               <a:rPr lang="zh-CN" altLang="en-US" dirty="0"/>
-              <a:t>2018-03-13</a:t>
+              <a:t>2018-03-16</a:t>
             </a:fld>
             <a:endParaRPr lang="zh-CN" altLang="en-US" dirty="0"/>
           </a:p>
@@ -7731,7 +7732,7 @@
             <a:pPr lvl="0"/>
             <a:fld id="{BB962C8B-B14F-4D97-AF65-F5344CB8AC3E}" type="datetimeFigureOut">
               <a:rPr lang="zh-CN" altLang="en-US" dirty="0"/>
-              <a:t>2018-03-13</a:t>
+              <a:t>2018-03-16</a:t>
             </a:fld>
             <a:endParaRPr lang="zh-CN" altLang="en-US" dirty="0"/>
           </a:p>
@@ -7915,7 +7916,7 @@
             <a:pPr lvl="0"/>
             <a:fld id="{BB962C8B-B14F-4D97-AF65-F5344CB8AC3E}" type="datetimeFigureOut">
               <a:rPr lang="zh-CN" altLang="en-US" dirty="0"/>
-              <a:t>2018-03-13</a:t>
+              <a:t>2018-03-16</a:t>
             </a:fld>
             <a:endParaRPr lang="zh-CN" altLang="en-US" dirty="0"/>
           </a:p>
@@ -11435,7 +11436,7 @@
             <a:pPr lvl="0"/>
             <a:fld id="{BB962C8B-B14F-4D97-AF65-F5344CB8AC3E}" type="datetimeFigureOut">
               <a:rPr lang="zh-CN" altLang="en-US" dirty="0"/>
-              <a:t>2018-03-13</a:t>
+              <a:t>2018-03-16</a:t>
             </a:fld>
             <a:endParaRPr lang="zh-CN" altLang="en-US" dirty="0"/>
           </a:p>
@@ -11619,7 +11620,7 @@
             <a:pPr lvl="0"/>
             <a:fld id="{BB962C8B-B14F-4D97-AF65-F5344CB8AC3E}" type="datetimeFigureOut">
               <a:rPr lang="zh-CN" altLang="en-US" dirty="0"/>
-              <a:t>2018-03-13</a:t>
+              <a:t>2018-03-16</a:t>
             </a:fld>
             <a:endParaRPr lang="zh-CN" altLang="en-US" dirty="0"/>
           </a:p>
@@ -11869,7 +11870,7 @@
             <a:pPr lvl="0"/>
             <a:fld id="{BB962C8B-B14F-4D97-AF65-F5344CB8AC3E}" type="datetimeFigureOut">
               <a:rPr lang="zh-CN" altLang="en-US" dirty="0"/>
-              <a:t>2018-03-13</a:t>
+              <a:t>2018-03-16</a:t>
             </a:fld>
             <a:endParaRPr lang="zh-CN" altLang="en-US" dirty="0"/>
           </a:p>
@@ -12113,7 +12114,7 @@
             <a:pPr lvl="0"/>
             <a:fld id="{BB962C8B-B14F-4D97-AF65-F5344CB8AC3E}" type="datetimeFigureOut">
               <a:rPr lang="zh-CN" altLang="en-US" dirty="0"/>
-              <a:t>2018-03-13</a:t>
+              <a:t>2018-03-16</a:t>
             </a:fld>
             <a:endParaRPr lang="zh-CN" altLang="en-US" dirty="0"/>
           </a:p>
@@ -12493,7 +12494,7 @@
             <a:pPr lvl="0"/>
             <a:fld id="{BB962C8B-B14F-4D97-AF65-F5344CB8AC3E}" type="datetimeFigureOut">
               <a:rPr lang="zh-CN" altLang="en-US" dirty="0"/>
-              <a:t>2018-03-13</a:t>
+              <a:t>2018-03-16</a:t>
             </a:fld>
             <a:endParaRPr lang="zh-CN" altLang="en-US" dirty="0"/>
           </a:p>
@@ -12617,7 +12618,7 @@
             <a:pPr lvl="0"/>
             <a:fld id="{BB962C8B-B14F-4D97-AF65-F5344CB8AC3E}" type="datetimeFigureOut">
               <a:rPr lang="zh-CN" altLang="en-US" dirty="0"/>
-              <a:t>2018-03-13</a:t>
+              <a:t>2018-03-16</a:t>
             </a:fld>
             <a:endParaRPr lang="zh-CN" altLang="en-US" dirty="0"/>
           </a:p>
@@ -12886,7 +12887,7 @@
             <a:pPr lvl="0"/>
             <a:fld id="{BB962C8B-B14F-4D97-AF65-F5344CB8AC3E}" type="datetimeFigureOut">
               <a:rPr lang="zh-CN" altLang="en-US" dirty="0"/>
-              <a:t>2018-03-13</a:t>
+              <a:t>2018-03-16</a:t>
             </a:fld>
             <a:endParaRPr lang="zh-CN" altLang="en-US" dirty="0"/>
           </a:p>
@@ -13170,7 +13171,7 @@
             <a:pPr lvl="0"/>
             <a:fld id="{BB962C8B-B14F-4D97-AF65-F5344CB8AC3E}" type="datetimeFigureOut">
               <a:rPr lang="zh-CN" altLang="en-US" dirty="0"/>
-              <a:t>2018-03-13</a:t>
+              <a:t>2018-03-16</a:t>
             </a:fld>
             <a:endParaRPr lang="zh-CN" altLang="en-US" dirty="0"/>
           </a:p>
@@ -13430,7 +13431,7 @@
             <a:pPr lvl="0"/>
             <a:fld id="{BB962C8B-B14F-4D97-AF65-F5344CB8AC3E}" type="datetimeFigureOut">
               <a:rPr lang="zh-CN" altLang="en-US" dirty="0"/>
-              <a:t>2018-03-13</a:t>
+              <a:t>2018-03-16</a:t>
             </a:fld>
             <a:endParaRPr lang="zh-CN" altLang="en-US" dirty="0"/>
           </a:p>
@@ -13614,7 +13615,7 @@
             <a:pPr lvl="0"/>
             <a:fld id="{BB962C8B-B14F-4D97-AF65-F5344CB8AC3E}" type="datetimeFigureOut">
               <a:rPr lang="zh-CN" altLang="en-US" dirty="0"/>
-              <a:t>2018-03-13</a:t>
+              <a:t>2018-03-16</a:t>
             </a:fld>
             <a:endParaRPr lang="zh-CN" altLang="en-US" dirty="0"/>
           </a:p>
@@ -13798,7 +13799,7 @@
             <a:pPr lvl="0"/>
             <a:fld id="{BB962C8B-B14F-4D97-AF65-F5344CB8AC3E}" type="datetimeFigureOut">
               <a:rPr lang="zh-CN" altLang="en-US" dirty="0"/>
-              <a:t>2018-03-13</a:t>
+              <a:t>2018-03-16</a:t>
             </a:fld>
             <a:endParaRPr lang="zh-CN" altLang="en-US" dirty="0"/>
           </a:p>
@@ -13994,7 +13995,7 @@
             <a:pPr lvl="0"/>
             <a:fld id="{BB962C8B-B14F-4D97-AF65-F5344CB8AC3E}" type="datetimeFigureOut">
               <a:rPr lang="zh-CN" altLang="en-US" dirty="0"/>
-              <a:t>2018-03-13</a:t>
+              <a:t>2018-03-16</a:t>
             </a:fld>
             <a:endParaRPr lang="zh-CN" altLang="en-US" dirty="0"/>
           </a:p>
@@ -14178,7 +14179,7 @@
             <a:pPr lvl="0"/>
             <a:fld id="{BB962C8B-B14F-4D97-AF65-F5344CB8AC3E}" type="datetimeFigureOut">
               <a:rPr lang="zh-CN" altLang="en-US" dirty="0"/>
-              <a:t>2018-03-13</a:t>
+              <a:t>2018-03-16</a:t>
             </a:fld>
             <a:endParaRPr lang="zh-CN" altLang="en-US" dirty="0"/>
           </a:p>
@@ -14428,7 +14429,7 @@
             <a:pPr lvl="0"/>
             <a:fld id="{BB962C8B-B14F-4D97-AF65-F5344CB8AC3E}" type="datetimeFigureOut">
               <a:rPr lang="zh-CN" altLang="en-US" dirty="0"/>
-              <a:t>2018-03-13</a:t>
+              <a:t>2018-03-16</a:t>
             </a:fld>
             <a:endParaRPr lang="zh-CN" altLang="en-US" dirty="0"/>
           </a:p>
@@ -14672,7 +14673,7 @@
             <a:pPr lvl="0"/>
             <a:fld id="{BB962C8B-B14F-4D97-AF65-F5344CB8AC3E}" type="datetimeFigureOut">
               <a:rPr lang="zh-CN" altLang="en-US" dirty="0"/>
-              <a:t>2018-03-13</a:t>
+              <a:t>2018-03-16</a:t>
             </a:fld>
             <a:endParaRPr lang="zh-CN" altLang="en-US" dirty="0"/>
           </a:p>
@@ -15052,7 +15053,7 @@
             <a:pPr lvl="0"/>
             <a:fld id="{BB962C8B-B14F-4D97-AF65-F5344CB8AC3E}" type="datetimeFigureOut">
               <a:rPr lang="zh-CN" altLang="en-US" dirty="0"/>
-              <a:t>2018-03-13</a:t>
+              <a:t>2018-03-16</a:t>
             </a:fld>
             <a:endParaRPr lang="zh-CN" altLang="en-US" dirty="0"/>
           </a:p>
@@ -15488,7 +15489,7 @@
             <a:pPr lvl="0"/>
             <a:fld id="{BB962C8B-B14F-4D97-AF65-F5344CB8AC3E}" type="datetimeFigureOut">
               <a:rPr lang="zh-CN" altLang="en-US" dirty="0"/>
-              <a:t>2018-03-13</a:t>
+              <a:t>2018-03-16</a:t>
             </a:fld>
             <a:endParaRPr lang="zh-CN" altLang="en-US" dirty="0"/>
           </a:p>
@@ -15581,7 +15582,7 @@
             <a:pPr lvl="0"/>
             <a:fld id="{BB962C8B-B14F-4D97-AF65-F5344CB8AC3E}" type="datetimeFigureOut">
               <a:rPr lang="zh-CN" altLang="en-US" dirty="0"/>
-              <a:t>2018-03-13</a:t>
+              <a:t>2018-03-16</a:t>
             </a:fld>
             <a:endParaRPr lang="zh-CN" altLang="en-US" dirty="0"/>
           </a:p>
@@ -15865,7 +15866,7 @@
             <a:pPr lvl="0"/>
             <a:fld id="{BB962C8B-B14F-4D97-AF65-F5344CB8AC3E}" type="datetimeFigureOut">
               <a:rPr lang="zh-CN" altLang="en-US" dirty="0"/>
-              <a:t>2018-03-13</a:t>
+              <a:t>2018-03-16</a:t>
             </a:fld>
             <a:endParaRPr lang="zh-CN" altLang="en-US" dirty="0"/>
           </a:p>
@@ -16125,7 +16126,7 @@
             <a:pPr lvl="0"/>
             <a:fld id="{BB962C8B-B14F-4D97-AF65-F5344CB8AC3E}" type="datetimeFigureOut">
               <a:rPr lang="zh-CN" altLang="en-US" dirty="0"/>
-              <a:t>2018-03-13</a:t>
+              <a:t>2018-03-16</a:t>
             </a:fld>
             <a:endParaRPr lang="zh-CN" altLang="en-US" dirty="0"/>
           </a:p>
@@ -16309,7 +16310,7 @@
             <a:pPr lvl="0"/>
             <a:fld id="{BB962C8B-B14F-4D97-AF65-F5344CB8AC3E}" type="datetimeFigureOut">
               <a:rPr lang="zh-CN" altLang="en-US" dirty="0"/>
-              <a:t>2018-03-13</a:t>
+              <a:t>2018-03-16</a:t>
             </a:fld>
             <a:endParaRPr lang="zh-CN" altLang="en-US" dirty="0"/>
           </a:p>
@@ -16493,7 +16494,7 @@
             <a:pPr lvl="0"/>
             <a:fld id="{BB962C8B-B14F-4D97-AF65-F5344CB8AC3E}" type="datetimeFigureOut">
               <a:rPr lang="zh-CN" altLang="en-US" dirty="0"/>
-              <a:t>2018-03-13</a:t>
+              <a:t>2018-03-16</a:t>
             </a:fld>
             <a:endParaRPr lang="zh-CN" altLang="en-US" dirty="0"/>
           </a:p>
@@ -16689,7 +16690,7 @@
             <a:pPr lvl="0"/>
             <a:fld id="{BB962C8B-B14F-4D97-AF65-F5344CB8AC3E}" type="datetimeFigureOut">
               <a:rPr lang="zh-CN" altLang="en-US" dirty="0"/>
-              <a:t>2018-03-13</a:t>
+              <a:t>2018-03-16</a:t>
             </a:fld>
             <a:endParaRPr lang="zh-CN" altLang="en-US" dirty="0"/>
           </a:p>
@@ -16873,7 +16874,7 @@
             <a:pPr lvl="0"/>
             <a:fld id="{BB962C8B-B14F-4D97-AF65-F5344CB8AC3E}" type="datetimeFigureOut">
               <a:rPr lang="zh-CN" altLang="en-US" dirty="0"/>
-              <a:t>2018-03-13</a:t>
+              <a:t>2018-03-16</a:t>
             </a:fld>
             <a:endParaRPr lang="zh-CN" altLang="en-US" dirty="0"/>
           </a:p>
@@ -17123,7 +17124,7 @@
             <a:pPr lvl="0"/>
             <a:fld id="{BB962C8B-B14F-4D97-AF65-F5344CB8AC3E}" type="datetimeFigureOut">
               <a:rPr lang="zh-CN" altLang="en-US" dirty="0"/>
-              <a:t>2018-03-13</a:t>
+              <a:t>2018-03-16</a:t>
             </a:fld>
             <a:endParaRPr lang="zh-CN" altLang="en-US" dirty="0"/>
           </a:p>
@@ -17367,7 +17368,7 @@
             <a:pPr lvl="0"/>
             <a:fld id="{BB962C8B-B14F-4D97-AF65-F5344CB8AC3E}" type="datetimeFigureOut">
               <a:rPr lang="zh-CN" altLang="en-US" dirty="0"/>
-              <a:t>2018-03-13</a:t>
+              <a:t>2018-03-16</a:t>
             </a:fld>
             <a:endParaRPr lang="zh-CN" altLang="en-US" dirty="0"/>
           </a:p>
@@ -17803,7 +17804,7 @@
             <a:pPr lvl="0"/>
             <a:fld id="{BB962C8B-B14F-4D97-AF65-F5344CB8AC3E}" type="datetimeFigureOut">
               <a:rPr lang="zh-CN" altLang="en-US" dirty="0"/>
-              <a:t>2018-03-13</a:t>
+              <a:t>2018-03-16</a:t>
             </a:fld>
             <a:endParaRPr lang="zh-CN" altLang="en-US" dirty="0"/>
           </a:p>
@@ -17927,7 +17928,7 @@
             <a:pPr lvl="0"/>
             <a:fld id="{BB962C8B-B14F-4D97-AF65-F5344CB8AC3E}" type="datetimeFigureOut">
               <a:rPr lang="zh-CN" altLang="en-US" dirty="0"/>
-              <a:t>2018-03-13</a:t>
+              <a:t>2018-03-16</a:t>
             </a:fld>
             <a:endParaRPr lang="zh-CN" altLang="en-US" dirty="0"/>
           </a:p>
@@ -18020,7 +18021,7 @@
             <a:pPr lvl="0"/>
             <a:fld id="{BB962C8B-B14F-4D97-AF65-F5344CB8AC3E}" type="datetimeFigureOut">
               <a:rPr lang="zh-CN" altLang="en-US" dirty="0"/>
-              <a:t>2018-03-13</a:t>
+              <a:t>2018-03-16</a:t>
             </a:fld>
             <a:endParaRPr lang="zh-CN" altLang="en-US" dirty="0"/>
           </a:p>
@@ -18304,7 +18305,7 @@
             <a:pPr lvl="0"/>
             <a:fld id="{BB962C8B-B14F-4D97-AF65-F5344CB8AC3E}" type="datetimeFigureOut">
               <a:rPr lang="zh-CN" altLang="en-US" dirty="0"/>
-              <a:t>2018-03-13</a:t>
+              <a:t>2018-03-16</a:t>
             </a:fld>
             <a:endParaRPr lang="zh-CN" altLang="en-US" dirty="0"/>
           </a:p>
@@ -18564,7 +18565,7 @@
             <a:pPr lvl="0"/>
             <a:fld id="{BB962C8B-B14F-4D97-AF65-F5344CB8AC3E}" type="datetimeFigureOut">
               <a:rPr lang="zh-CN" altLang="en-US" dirty="0"/>
-              <a:t>2018-03-13</a:t>
+              <a:t>2018-03-16</a:t>
             </a:fld>
             <a:endParaRPr lang="zh-CN" altLang="en-US" dirty="0"/>
           </a:p>
@@ -18748,7 +18749,7 @@
             <a:pPr lvl="0"/>
             <a:fld id="{BB962C8B-B14F-4D97-AF65-F5344CB8AC3E}" type="datetimeFigureOut">
               <a:rPr lang="zh-CN" altLang="en-US" dirty="0"/>
-              <a:t>2018-03-13</a:t>
+              <a:t>2018-03-16</a:t>
             </a:fld>
             <a:endParaRPr lang="zh-CN" altLang="en-US" dirty="0"/>
           </a:p>
@@ -18932,7 +18933,7 @@
             <a:pPr lvl="0"/>
             <a:fld id="{BB962C8B-B14F-4D97-AF65-F5344CB8AC3E}" type="datetimeFigureOut">
               <a:rPr lang="zh-CN" altLang="en-US" dirty="0"/>
-              <a:t>2018-03-13</a:t>
+              <a:t>2018-03-16</a:t>
             </a:fld>
             <a:endParaRPr lang="zh-CN" altLang="en-US" dirty="0"/>
           </a:p>
@@ -19128,7 +19129,7 @@
             <a:pPr lvl="0"/>
             <a:fld id="{BB962C8B-B14F-4D97-AF65-F5344CB8AC3E}" type="datetimeFigureOut">
               <a:rPr lang="zh-CN" altLang="en-US" dirty="0"/>
-              <a:t>2018-03-13</a:t>
+              <a:t>2018-03-16</a:t>
             </a:fld>
             <a:endParaRPr lang="zh-CN" altLang="en-US" dirty="0"/>
           </a:p>
@@ -19312,7 +19313,7 @@
             <a:pPr lvl="0"/>
             <a:fld id="{BB962C8B-B14F-4D97-AF65-F5344CB8AC3E}" type="datetimeFigureOut">
               <a:rPr lang="zh-CN" altLang="en-US" dirty="0"/>
-              <a:t>2018-03-13</a:t>
+              <a:t>2018-03-16</a:t>
             </a:fld>
             <a:endParaRPr lang="zh-CN" altLang="en-US" dirty="0"/>
           </a:p>
@@ -19562,7 +19563,7 @@
             <a:pPr lvl="0"/>
             <a:fld id="{BB962C8B-B14F-4D97-AF65-F5344CB8AC3E}" type="datetimeFigureOut">
               <a:rPr lang="zh-CN" altLang="en-US" dirty="0"/>
-              <a:t>2018-03-13</a:t>
+              <a:t>2018-03-16</a:t>
             </a:fld>
             <a:endParaRPr lang="zh-CN" altLang="en-US" dirty="0"/>
           </a:p>
@@ -19831,7 +19832,7 @@
             <a:pPr lvl="0"/>
             <a:fld id="{BB962C8B-B14F-4D97-AF65-F5344CB8AC3E}" type="datetimeFigureOut">
               <a:rPr lang="zh-CN" altLang="en-US" dirty="0"/>
-              <a:t>2018-03-13</a:t>
+              <a:t>2018-03-16</a:t>
             </a:fld>
             <a:endParaRPr lang="zh-CN" altLang="en-US" dirty="0"/>
           </a:p>
@@ -20211,7 +20212,7 @@
             <a:pPr lvl="0"/>
             <a:fld id="{BB962C8B-B14F-4D97-AF65-F5344CB8AC3E}" type="datetimeFigureOut">
               <a:rPr lang="zh-CN" altLang="en-US" dirty="0"/>
-              <a:t>2018-03-13</a:t>
+              <a:t>2018-03-16</a:t>
             </a:fld>
             <a:endParaRPr lang="zh-CN" altLang="en-US" dirty="0"/>
           </a:p>
@@ -20335,7 +20336,7 @@
             <a:pPr lvl="0"/>
             <a:fld id="{BB962C8B-B14F-4D97-AF65-F5344CB8AC3E}" type="datetimeFigureOut">
               <a:rPr lang="zh-CN" altLang="en-US" dirty="0"/>
-              <a:t>2018-03-13</a:t>
+              <a:t>2018-03-16</a:t>
             </a:fld>
             <a:endParaRPr lang="zh-CN" altLang="en-US" dirty="0"/>
           </a:p>
@@ -20428,7 +20429,7 @@
             <a:pPr lvl="0"/>
             <a:fld id="{BB962C8B-B14F-4D97-AF65-F5344CB8AC3E}" type="datetimeFigureOut">
               <a:rPr lang="zh-CN" altLang="en-US" dirty="0"/>
-              <a:t>2018-03-13</a:t>
+              <a:t>2018-03-16</a:t>
             </a:fld>
             <a:endParaRPr lang="zh-CN" altLang="en-US" dirty="0"/>
           </a:p>
@@ -20712,7 +20713,7 @@
             <a:pPr lvl="0"/>
             <a:fld id="{BB962C8B-B14F-4D97-AF65-F5344CB8AC3E}" type="datetimeFigureOut">
               <a:rPr lang="zh-CN" altLang="en-US" dirty="0"/>
-              <a:t>2018-03-13</a:t>
+              <a:t>2018-03-16</a:t>
             </a:fld>
             <a:endParaRPr lang="zh-CN" altLang="en-US" dirty="0"/>
           </a:p>
@@ -20972,7 +20973,7 @@
             <a:pPr lvl="0"/>
             <a:fld id="{BB962C8B-B14F-4D97-AF65-F5344CB8AC3E}" type="datetimeFigureOut">
               <a:rPr lang="zh-CN" altLang="en-US" dirty="0"/>
-              <a:t>2018-03-13</a:t>
+              <a:t>2018-03-16</a:t>
             </a:fld>
             <a:endParaRPr lang="zh-CN" altLang="en-US" dirty="0"/>
           </a:p>
@@ -21156,7 +21157,7 @@
             <a:pPr lvl="0"/>
             <a:fld id="{BB962C8B-B14F-4D97-AF65-F5344CB8AC3E}" type="datetimeFigureOut">
               <a:rPr lang="zh-CN" altLang="en-US" dirty="0"/>
-              <a:t>2018-03-13</a:t>
+              <a:t>2018-03-16</a:t>
             </a:fld>
             <a:endParaRPr lang="zh-CN" altLang="en-US" dirty="0"/>
           </a:p>
@@ -21340,7 +21341,7 @@
             <a:pPr lvl="0"/>
             <a:fld id="{BB962C8B-B14F-4D97-AF65-F5344CB8AC3E}" type="datetimeFigureOut">
               <a:rPr lang="zh-CN" altLang="en-US" dirty="0"/>
-              <a:t>2018-03-13</a:t>
+              <a:t>2018-03-16</a:t>
             </a:fld>
             <a:endParaRPr lang="zh-CN" altLang="en-US" dirty="0"/>
           </a:p>
@@ -21536,7 +21537,7 @@
             <a:pPr lvl="0"/>
             <a:fld id="{BB962C8B-B14F-4D97-AF65-F5344CB8AC3E}" type="datetimeFigureOut">
               <a:rPr lang="zh-CN" altLang="en-US" dirty="0"/>
-              <a:t>2018-03-13</a:t>
+              <a:t>2018-03-16</a:t>
             </a:fld>
             <a:endParaRPr lang="zh-CN" altLang="en-US" dirty="0"/>
           </a:p>
@@ -21720,7 +21721,7 @@
             <a:pPr lvl="0"/>
             <a:fld id="{BB962C8B-B14F-4D97-AF65-F5344CB8AC3E}" type="datetimeFigureOut">
               <a:rPr lang="zh-CN" altLang="en-US" dirty="0"/>
-              <a:t>2018-03-13</a:t>
+              <a:t>2018-03-16</a:t>
             </a:fld>
             <a:endParaRPr lang="zh-CN" altLang="en-US" dirty="0"/>
           </a:p>
@@ -22186,7 +22187,7 @@
             <a:pPr lvl="0"/>
             <a:fld id="{BB962C8B-B14F-4D97-AF65-F5344CB8AC3E}" type="datetimeFigureOut">
               <a:rPr lang="zh-CN" altLang="en-US" dirty="0"/>
-              <a:t>2018-03-13</a:t>
+              <a:t>2018-03-16</a:t>
             </a:fld>
             <a:endParaRPr lang="zh-CN" altLang="en-US" dirty="0"/>
           </a:p>
@@ -22430,7 +22431,7 @@
             <a:pPr lvl="0"/>
             <a:fld id="{BB962C8B-B14F-4D97-AF65-F5344CB8AC3E}" type="datetimeFigureOut">
               <a:rPr lang="zh-CN" altLang="en-US" dirty="0"/>
-              <a:t>2018-03-13</a:t>
+              <a:t>2018-03-16</a:t>
             </a:fld>
             <a:endParaRPr lang="zh-CN" altLang="en-US" dirty="0"/>
           </a:p>
@@ -22810,7 +22811,7 @@
             <a:pPr lvl="0"/>
             <a:fld id="{BB962C8B-B14F-4D97-AF65-F5344CB8AC3E}" type="datetimeFigureOut">
               <a:rPr lang="zh-CN" altLang="en-US" dirty="0"/>
-              <a:t>2018-03-13</a:t>
+              <a:t>2018-03-16</a:t>
             </a:fld>
             <a:endParaRPr lang="zh-CN" altLang="en-US" dirty="0"/>
           </a:p>
@@ -22934,7 +22935,7 @@
             <a:pPr lvl="0"/>
             <a:fld id="{BB962C8B-B14F-4D97-AF65-F5344CB8AC3E}" type="datetimeFigureOut">
               <a:rPr lang="zh-CN" altLang="en-US" dirty="0"/>
-              <a:t>2018-03-13</a:t>
+              <a:t>2018-03-16</a:t>
             </a:fld>
             <a:endParaRPr lang="zh-CN" altLang="en-US" dirty="0"/>
           </a:p>
@@ -23027,7 +23028,7 @@
             <a:pPr lvl="0"/>
             <a:fld id="{BB962C8B-B14F-4D97-AF65-F5344CB8AC3E}" type="datetimeFigureOut">
               <a:rPr lang="zh-CN" altLang="en-US" dirty="0"/>
-              <a:t>2018-03-13</a:t>
+              <a:t>2018-03-16</a:t>
             </a:fld>
             <a:endParaRPr lang="zh-CN" altLang="en-US" dirty="0"/>
           </a:p>
@@ -23311,7 +23312,7 @@
             <a:pPr lvl="0"/>
             <a:fld id="{BB962C8B-B14F-4D97-AF65-F5344CB8AC3E}" type="datetimeFigureOut">
               <a:rPr lang="zh-CN" altLang="en-US" dirty="0"/>
-              <a:t>2018-03-13</a:t>
+              <a:t>2018-03-16</a:t>
             </a:fld>
             <a:endParaRPr lang="zh-CN" altLang="en-US" dirty="0"/>
           </a:p>
@@ -23571,7 +23572,7 @@
             <a:pPr lvl="0"/>
             <a:fld id="{BB962C8B-B14F-4D97-AF65-F5344CB8AC3E}" type="datetimeFigureOut">
               <a:rPr lang="zh-CN" altLang="en-US" dirty="0"/>
-              <a:t>2018-03-13</a:t>
+              <a:t>2018-03-16</a:t>
             </a:fld>
             <a:endParaRPr lang="zh-CN" altLang="en-US" dirty="0"/>
           </a:p>
@@ -23755,7 +23756,7 @@
             <a:pPr lvl="0"/>
             <a:fld id="{BB962C8B-B14F-4D97-AF65-F5344CB8AC3E}" type="datetimeFigureOut">
               <a:rPr lang="zh-CN" altLang="en-US" dirty="0"/>
-              <a:t>2018-03-13</a:t>
+              <a:t>2018-03-16</a:t>
             </a:fld>
             <a:endParaRPr lang="zh-CN" altLang="en-US" dirty="0"/>
           </a:p>
@@ -23939,7 +23940,7 @@
             <a:pPr lvl="0"/>
             <a:fld id="{BB962C8B-B14F-4D97-AF65-F5344CB8AC3E}" type="datetimeFigureOut">
               <a:rPr lang="zh-CN" altLang="en-US" dirty="0"/>
-              <a:t>2018-03-13</a:t>
+              <a:t>2018-03-16</a:t>
             </a:fld>
             <a:endParaRPr lang="zh-CN" altLang="en-US" dirty="0"/>
           </a:p>
@@ -24135,7 +24136,7 @@
             <a:pPr lvl="0"/>
             <a:fld id="{BB962C8B-B14F-4D97-AF65-F5344CB8AC3E}" type="datetimeFigureOut">
               <a:rPr lang="zh-CN" altLang="en-US" dirty="0"/>
-              <a:t>2018-03-13</a:t>
+              <a:t>2018-03-16</a:t>
             </a:fld>
             <a:endParaRPr lang="zh-CN" altLang="en-US" dirty="0"/>
           </a:p>
@@ -24511,7 +24512,7 @@
             <a:pPr lvl="0"/>
             <a:fld id="{BB962C8B-B14F-4D97-AF65-F5344CB8AC3E}" type="datetimeFigureOut">
               <a:rPr lang="zh-CN" altLang="en-US" dirty="0"/>
-              <a:t>2018-03-13</a:t>
+              <a:t>2018-03-16</a:t>
             </a:fld>
             <a:endParaRPr lang="zh-CN" altLang="en-US" dirty="0"/>
           </a:p>
@@ -24761,7 +24762,7 @@
             <a:pPr lvl="0"/>
             <a:fld id="{BB962C8B-B14F-4D97-AF65-F5344CB8AC3E}" type="datetimeFigureOut">
               <a:rPr lang="zh-CN" altLang="en-US" dirty="0"/>
-              <a:t>2018-03-13</a:t>
+              <a:t>2018-03-16</a:t>
             </a:fld>
             <a:endParaRPr lang="zh-CN" altLang="en-US" dirty="0"/>
           </a:p>
@@ -25005,7 +25006,7 @@
             <a:pPr lvl="0"/>
             <a:fld id="{BB962C8B-B14F-4D97-AF65-F5344CB8AC3E}" type="datetimeFigureOut">
               <a:rPr lang="zh-CN" altLang="en-US" dirty="0"/>
-              <a:t>2018-03-13</a:t>
+              <a:t>2018-03-16</a:t>
             </a:fld>
             <a:endParaRPr lang="zh-CN" altLang="en-US" dirty="0"/>
           </a:p>
@@ -25385,7 +25386,7 @@
             <a:pPr lvl="0"/>
             <a:fld id="{BB962C8B-B14F-4D97-AF65-F5344CB8AC3E}" type="datetimeFigureOut">
               <a:rPr lang="zh-CN" altLang="en-US" dirty="0"/>
-              <a:t>2018-03-13</a:t>
+              <a:t>2018-03-16</a:t>
             </a:fld>
             <a:endParaRPr lang="zh-CN" altLang="en-US" dirty="0"/>
           </a:p>
@@ -25509,7 +25510,7 @@
             <a:pPr lvl="0"/>
             <a:fld id="{BB962C8B-B14F-4D97-AF65-F5344CB8AC3E}" type="datetimeFigureOut">
               <a:rPr lang="zh-CN" altLang="en-US" dirty="0"/>
-              <a:t>2018-03-13</a:t>
+              <a:t>2018-03-16</a:t>
             </a:fld>
             <a:endParaRPr lang="zh-CN" altLang="en-US" dirty="0"/>
           </a:p>
@@ -25602,7 +25603,7 @@
             <a:pPr lvl="0"/>
             <a:fld id="{BB962C8B-B14F-4D97-AF65-F5344CB8AC3E}" type="datetimeFigureOut">
               <a:rPr lang="zh-CN" altLang="en-US" dirty="0"/>
-              <a:t>2018-03-13</a:t>
+              <a:t>2018-03-16</a:t>
             </a:fld>
             <a:endParaRPr lang="zh-CN" altLang="en-US" dirty="0"/>
           </a:p>
@@ -25886,7 +25887,7 @@
             <a:pPr lvl="0"/>
             <a:fld id="{BB962C8B-B14F-4D97-AF65-F5344CB8AC3E}" type="datetimeFigureOut">
               <a:rPr lang="zh-CN" altLang="en-US" dirty="0"/>
-              <a:t>2018-03-13</a:t>
+              <a:t>2018-03-16</a:t>
             </a:fld>
             <a:endParaRPr lang="zh-CN" altLang="en-US" dirty="0"/>
           </a:p>
@@ -26146,7 +26147,7 @@
             <a:pPr lvl="0"/>
             <a:fld id="{BB962C8B-B14F-4D97-AF65-F5344CB8AC3E}" type="datetimeFigureOut">
               <a:rPr lang="zh-CN" altLang="en-US" dirty="0"/>
-              <a:t>2018-03-13</a:t>
+              <a:t>2018-03-16</a:t>
             </a:fld>
             <a:endParaRPr lang="zh-CN" altLang="en-US" dirty="0"/>
           </a:p>
@@ -26330,7 +26331,7 @@
             <a:pPr lvl="0"/>
             <a:fld id="{BB962C8B-B14F-4D97-AF65-F5344CB8AC3E}" type="datetimeFigureOut">
               <a:rPr lang="zh-CN" altLang="en-US" dirty="0"/>
-              <a:t>2018-03-13</a:t>
+              <a:t>2018-03-16</a:t>
             </a:fld>
             <a:endParaRPr lang="zh-CN" altLang="en-US" dirty="0"/>
           </a:p>
@@ -26514,7 +26515,7 @@
             <a:pPr lvl="0"/>
             <a:fld id="{BB962C8B-B14F-4D97-AF65-F5344CB8AC3E}" type="datetimeFigureOut">
               <a:rPr lang="zh-CN" altLang="en-US" dirty="0"/>
-              <a:t>2018-03-13</a:t>
+              <a:t>2018-03-16</a:t>
             </a:fld>
             <a:endParaRPr lang="zh-CN" altLang="en-US" dirty="0"/>
           </a:p>
@@ -27060,7 +27061,7 @@
             <a:pPr lvl="0"/>
             <a:fld id="{BB962C8B-B14F-4D97-AF65-F5344CB8AC3E}" type="datetimeFigureOut">
               <a:rPr lang="zh-CN" altLang="en-US" dirty="0"/>
-              <a:t>2018-03-13</a:t>
+              <a:t>2018-03-16</a:t>
             </a:fld>
             <a:endParaRPr lang="zh-CN" altLang="en-US" dirty="0"/>
           </a:p>
@@ -27605,7 +27606,7 @@
             <a:pPr lvl="0"/>
             <a:fld id="{BB962C8B-B14F-4D97-AF65-F5344CB8AC3E}" type="datetimeFigureOut">
               <a:rPr lang="zh-CN" altLang="en-US" dirty="0"/>
-              <a:t>2018-03-13</a:t>
+              <a:t>2018-03-16</a:t>
             </a:fld>
             <a:endParaRPr lang="zh-CN" altLang="en-US" dirty="0"/>
           </a:p>
@@ -28150,7 +28151,7 @@
             <a:pPr lvl="0"/>
             <a:fld id="{BB962C8B-B14F-4D97-AF65-F5344CB8AC3E}" type="datetimeFigureOut">
               <a:rPr lang="zh-CN" altLang="en-US" dirty="0"/>
-              <a:t>2018-03-13</a:t>
+              <a:t>2018-03-16</a:t>
             </a:fld>
             <a:endParaRPr lang="zh-CN" altLang="en-US" dirty="0"/>
           </a:p>
@@ -29718,7 +29719,7 @@
             <a:pPr lvl="0"/>
             <a:fld id="{BB962C8B-B14F-4D97-AF65-F5344CB8AC3E}" type="datetimeFigureOut">
               <a:rPr lang="zh-CN" altLang="en-US" dirty="0"/>
-              <a:t>2018-03-13</a:t>
+              <a:t>2018-03-16</a:t>
             </a:fld>
             <a:endParaRPr lang="zh-CN" altLang="en-US" dirty="0"/>
           </a:p>
@@ -30263,7 +30264,7 @@
             <a:pPr lvl="0"/>
             <a:fld id="{BB962C8B-B14F-4D97-AF65-F5344CB8AC3E}" type="datetimeFigureOut">
               <a:rPr lang="zh-CN" altLang="en-US" dirty="0"/>
-              <a:t>2018-03-13</a:t>
+              <a:t>2018-03-16</a:t>
             </a:fld>
             <a:endParaRPr lang="zh-CN" altLang="en-US" dirty="0"/>
           </a:p>
@@ -30808,7 +30809,7 @@
             <a:pPr lvl="0"/>
             <a:fld id="{BB962C8B-B14F-4D97-AF65-F5344CB8AC3E}" type="datetimeFigureOut">
               <a:rPr lang="zh-CN" altLang="en-US" dirty="0"/>
-              <a:t>2018-03-13</a:t>
+              <a:t>2018-03-16</a:t>
             </a:fld>
             <a:endParaRPr lang="zh-CN" altLang="en-US" dirty="0"/>
           </a:p>
@@ -31353,7 +31354,7 @@
             <a:pPr lvl="0"/>
             <a:fld id="{BB962C8B-B14F-4D97-AF65-F5344CB8AC3E}" type="datetimeFigureOut">
               <a:rPr lang="zh-CN" altLang="en-US" dirty="0"/>
-              <a:t>2018-03-13</a:t>
+              <a:t>2018-03-16</a:t>
             </a:fld>
             <a:endParaRPr lang="zh-CN" altLang="en-US" dirty="0"/>
           </a:p>
@@ -31898,7 +31899,7 @@
             <a:pPr lvl="0"/>
             <a:fld id="{BB962C8B-B14F-4D97-AF65-F5344CB8AC3E}" type="datetimeFigureOut">
               <a:rPr lang="zh-CN" altLang="en-US" dirty="0"/>
-              <a:t>2018-03-13</a:t>
+              <a:t>2018-03-16</a:t>
             </a:fld>
             <a:endParaRPr lang="zh-CN" altLang="en-US" dirty="0"/>
           </a:p>
@@ -32443,7 +32444,7 @@
             <a:pPr lvl="0"/>
             <a:fld id="{BB962C8B-B14F-4D97-AF65-F5344CB8AC3E}" type="datetimeFigureOut">
               <a:rPr lang="zh-CN" altLang="en-US" dirty="0"/>
-              <a:t>2018-03-13</a:t>
+              <a:t>2018-03-16</a:t>
             </a:fld>
             <a:endParaRPr lang="zh-CN" altLang="en-US" dirty="0"/>
           </a:p>
@@ -33188,6 +33189,188 @@
               <a:t>20180313</a:t>
             </a:r>
             <a:endParaRPr lang="zh-CN" altLang="en-US" dirty="0">
+              <a:solidFill>
+                <a:schemeClr val="bg1"/>
+              </a:solidFill>
+              <a:latin typeface="微软雅黑" pitchFamily="2" charset="-122"/>
+              <a:ea typeface="微软雅黑" pitchFamily="2" charset="-122"/>
+            </a:endParaRPr>
+          </a:p>
+        </p:txBody>
+      </p:sp>
+    </p:spTree>
+  </p:cSld>
+  <p:clrMapOvr>
+    <a:masterClrMapping/>
+  </p:clrMapOvr>
+  <p:timing>
+    <p:tnLst>
+      <p:par>
+        <p:cTn id="1" dur="indefinite" restart="never" nodeType="tmRoot"/>
+      </p:par>
+    </p:tnLst>
+  </p:timing>
+</p:sld>
+</file>
+
+<file path=ppt/slides/slide10.xml><?xml version="1.0" encoding="utf-8"?>
+<p:sld xmlns:a="http://schemas.openxmlformats.org/drawingml/2006/main" xmlns:r="http://schemas.openxmlformats.org/officeDocument/2006/relationships" xmlns:p="http://schemas.openxmlformats.org/presentationml/2006/main">
+  <p:cSld>
+    <p:spTree>
+      <p:nvGrpSpPr>
+        <p:cNvPr id="1" name=""/>
+        <p:cNvGrpSpPr/>
+        <p:nvPr/>
+      </p:nvGrpSpPr>
+      <p:grpSpPr>
+        <a:xfrm>
+          <a:off x="0" y="0"/>
+          <a:ext cx="0" cy="0"/>
+          <a:chOff x="0" y="0"/>
+          <a:chExt cx="0" cy="0"/>
+        </a:xfrm>
+      </p:grpSpPr>
+      <p:pic>
+        <p:nvPicPr>
+          <p:cNvPr id="34818" name="图片 6"/>
+          <p:cNvPicPr>
+            <a:picLocks noChangeAspect="1"/>
+          </p:cNvPicPr>
+          <p:nvPr/>
+        </p:nvPicPr>
+        <p:blipFill>
+          <a:blip r:embed="rId2"/>
+          <a:srcRect l="47130"/>
+          <a:stretch>
+            <a:fillRect/>
+          </a:stretch>
+        </p:blipFill>
+        <p:spPr>
+          <a:xfrm>
+            <a:off x="-131762" y="1143000"/>
+            <a:ext cx="2454275" cy="4572000"/>
+          </a:xfrm>
+          <a:prstGeom prst="rect">
+            <a:avLst/>
+          </a:prstGeom>
+          <a:noFill/>
+          <a:ln w="9525">
+            <a:noFill/>
+            <a:miter/>
+          </a:ln>
+        </p:spPr>
+      </p:pic>
+      <p:pic>
+        <p:nvPicPr>
+          <p:cNvPr id="34819" name="图片 9"/>
+          <p:cNvPicPr>
+            <a:picLocks noChangeAspect="1"/>
+          </p:cNvPicPr>
+          <p:nvPr/>
+        </p:nvPicPr>
+        <p:blipFill>
+          <a:blip r:embed="rId3"/>
+          <a:srcRect/>
+          <a:stretch>
+            <a:fillRect/>
+          </a:stretch>
+        </p:blipFill>
+        <p:spPr>
+          <a:xfrm>
+            <a:off x="3840163" y="1812925"/>
+            <a:ext cx="5692775" cy="531813"/>
+          </a:xfrm>
+          <a:prstGeom prst="rect">
+            <a:avLst/>
+          </a:prstGeom>
+          <a:noFill/>
+          <a:ln w="9525">
+            <a:noFill/>
+            <a:miter/>
+          </a:ln>
+        </p:spPr>
+      </p:pic>
+      <p:pic>
+        <p:nvPicPr>
+          <p:cNvPr id="34820" name="图片 10"/>
+          <p:cNvPicPr>
+            <a:picLocks noChangeAspect="1"/>
+          </p:cNvPicPr>
+          <p:nvPr/>
+        </p:nvPicPr>
+        <p:blipFill>
+          <a:blip r:embed="rId4"/>
+          <a:srcRect/>
+          <a:stretch>
+            <a:fillRect/>
+          </a:stretch>
+        </p:blipFill>
+        <p:spPr>
+          <a:xfrm>
+            <a:off x="3840163" y="4548188"/>
+            <a:ext cx="5692775" cy="530225"/>
+          </a:xfrm>
+          <a:prstGeom prst="rect">
+            <a:avLst/>
+          </a:prstGeom>
+          <a:noFill/>
+          <a:ln w="9525">
+            <a:noFill/>
+            <a:miter/>
+          </a:ln>
+        </p:spPr>
+      </p:pic>
+      <p:sp>
+        <p:nvSpPr>
+          <p:cNvPr id="34821" name="矩形 11"/>
+          <p:cNvSpPr/>
+          <p:nvPr/>
+        </p:nvSpPr>
+        <p:spPr>
+          <a:xfrm>
+            <a:off x="3943350" y="2568575"/>
+            <a:ext cx="5486400" cy="1754188"/>
+          </a:xfrm>
+          <a:prstGeom prst="rect">
+            <a:avLst/>
+          </a:prstGeom>
+          <a:noFill/>
+          <a:ln w="9525">
+            <a:noFill/>
+            <a:miter/>
+          </a:ln>
+        </p:spPr>
+        <p:txBody>
+          <a:bodyPr>
+            <a:spAutoFit/>
+          </a:bodyPr>
+          <a:lstStyle/>
+          <a:p>
+            <a:pPr lvl="0" algn="ctr"/>
+            <a:r>
+              <a:rPr lang="en-US" altLang="x-none" sz="5400" b="1" dirty="0">
+                <a:solidFill>
+                  <a:schemeClr val="bg1"/>
+                </a:solidFill>
+                <a:latin typeface="微软雅黑" pitchFamily="2" charset="-122"/>
+                <a:ea typeface="微软雅黑" pitchFamily="2" charset="-122"/>
+              </a:rPr>
+              <a:t>THANKS FOR</a:t>
+            </a:r>
+          </a:p>
+          <a:p>
+            <a:pPr lvl="0" algn="ctr"/>
+            <a:r>
+              <a:rPr lang="en-US" altLang="x-none" sz="5400" b="1" dirty="0">
+                <a:solidFill>
+                  <a:schemeClr val="bg1"/>
+                </a:solidFill>
+                <a:latin typeface="微软雅黑" pitchFamily="2" charset="-122"/>
+                <a:ea typeface="微软雅黑" pitchFamily="2" charset="-122"/>
+              </a:rPr>
+              <a:t>WATCHING</a:t>
+            </a:r>
+            <a:endParaRPr lang="zh-CN" altLang="en-US" sz="6600" b="1" dirty="0">
               <a:solidFill>
                 <a:schemeClr val="bg1"/>
               </a:solidFill>
@@ -34515,7 +34698,7 @@
         </p:nvSpPr>
         <p:spPr>
           <a:xfrm>
-            <a:off x="8896350" y="5584825"/>
+            <a:off x="8896350" y="5229225"/>
             <a:ext cx="2878138" cy="830997"/>
           </a:xfrm>
           <a:prstGeom prst="rect">
@@ -34605,11 +34788,18 @@
               </a:lnSpc>
             </a:pPr>
             <a:r>
+              <a:rPr lang="zh-CN" altLang="en-US" sz="1600" dirty="0">
+                <a:latin typeface="微软雅黑" pitchFamily="2" charset="-122"/>
+                <a:ea typeface="微软雅黑" pitchFamily="2" charset="-122"/>
+              </a:rPr>
+              <a:t>切实解决工业界问题</a:t>
+            </a:r>
+            <a:r>
               <a:rPr lang="zh-CN" altLang="en-US" sz="1600" dirty="0" smtClean="0">
                 <a:latin typeface="微软雅黑" pitchFamily="2" charset="-122"/>
                 <a:ea typeface="微软雅黑" pitchFamily="2" charset="-122"/>
               </a:rPr>
-              <a:t>切实工业界解决问题；</a:t>
+              <a:t>；</a:t>
             </a:r>
             <a:endParaRPr lang="en-US" altLang="zh-CN" sz="1600" dirty="0" smtClean="0">
               <a:latin typeface="微软雅黑" pitchFamily="2" charset="-122"/>
@@ -34627,7 +34817,14 @@
                 <a:latin typeface="微软雅黑" pitchFamily="2" charset="-122"/>
                 <a:ea typeface="微软雅黑" pitchFamily="2" charset="-122"/>
               </a:rPr>
-              <a:t>备受电力领域关注；</a:t>
+              <a:t>备受电力领域</a:t>
+            </a:r>
+            <a:r>
+              <a:rPr lang="zh-CN" altLang="en-US" sz="1600" dirty="0" smtClean="0">
+                <a:latin typeface="微软雅黑" pitchFamily="2" charset="-122"/>
+                <a:ea typeface="微软雅黑" pitchFamily="2" charset="-122"/>
+              </a:rPr>
+              <a:t>关注。</a:t>
             </a:r>
             <a:endParaRPr lang="zh-CN" altLang="en-US" sz="1600" dirty="0">
               <a:latin typeface="微软雅黑" pitchFamily="2" charset="-122"/>
@@ -34691,8 +34888,8 @@
         </p:nvSpPr>
         <p:spPr>
           <a:xfrm>
-            <a:off x="139701" y="5487988"/>
-            <a:ext cx="3087688" cy="830997"/>
+            <a:off x="139701" y="5145088"/>
+            <a:ext cx="3150856" cy="1569660"/>
           </a:xfrm>
           <a:prstGeom prst="rect">
             <a:avLst/>
@@ -34709,7 +34906,7 @@
           </a:bodyPr>
           <a:lstStyle/>
           <a:p>
-            <a:pPr lvl="0" algn="r">
+            <a:pPr lvl="0">
               <a:lnSpc>
                 <a:spcPct val="150000"/>
               </a:lnSpc>
@@ -34727,24 +34924,17 @@
             </a:endParaRPr>
           </a:p>
           <a:p>
-            <a:pPr lvl="0" algn="r">
+            <a:pPr lvl="0">
               <a:lnSpc>
                 <a:spcPct val="150000"/>
               </a:lnSpc>
             </a:pPr>
             <a:r>
-              <a:rPr lang="zh-CN" altLang="en-US" sz="1600" dirty="0">
-                <a:latin typeface="微软雅黑" pitchFamily="2" charset="-122"/>
-                <a:ea typeface="微软雅黑" pitchFamily="2" charset="-122"/>
-              </a:rPr>
-              <a:t>故障分析</a:t>
-            </a:r>
-            <a:r>
               <a:rPr lang="zh-CN" altLang="en-US" sz="1600" dirty="0" smtClean="0">
                 <a:latin typeface="微软雅黑" pitchFamily="2" charset="-122"/>
                 <a:ea typeface="微软雅黑" pitchFamily="2" charset="-122"/>
               </a:rPr>
-              <a:t>与定位</a:t>
+              <a:t>是故障定位</a:t>
             </a:r>
             <a:r>
               <a:rPr lang="zh-CN" altLang="en-US" sz="1600" dirty="0">
@@ -34758,8 +34948,37 @@
                 <a:latin typeface="微软雅黑" pitchFamily="2" charset="-122"/>
                 <a:ea typeface="微软雅黑" pitchFamily="2" charset="-122"/>
               </a:rPr>
-              <a:t>保障；</a:t>
-            </a:r>
+              <a:t>保障</a:t>
+            </a:r>
+            <a:r>
+              <a:rPr lang="zh-CN" altLang="en-US" sz="1600" dirty="0" smtClean="0">
+                <a:latin typeface="微软雅黑" pitchFamily="2" charset="-122"/>
+                <a:ea typeface="微软雅黑" pitchFamily="2" charset="-122"/>
+              </a:rPr>
+              <a:t>；</a:t>
+            </a:r>
+            <a:endParaRPr lang="en-US" altLang="zh-CN" sz="1600" dirty="0" smtClean="0">
+              <a:latin typeface="微软雅黑" pitchFamily="2" charset="-122"/>
+              <a:ea typeface="微软雅黑" pitchFamily="2" charset="-122"/>
+            </a:endParaRPr>
+          </a:p>
+          <a:p>
+            <a:pPr lvl="0">
+              <a:lnSpc>
+                <a:spcPct val="150000"/>
+              </a:lnSpc>
+            </a:pPr>
+            <a:endParaRPr lang="en-US" altLang="zh-CN" sz="1600" dirty="0">
+              <a:latin typeface="微软雅黑" pitchFamily="2" charset="-122"/>
+              <a:ea typeface="微软雅黑" pitchFamily="2" charset="-122"/>
+            </a:endParaRPr>
+          </a:p>
+          <a:p>
+            <a:pPr lvl="0">
+              <a:lnSpc>
+                <a:spcPct val="150000"/>
+              </a:lnSpc>
+            </a:pPr>
             <a:endParaRPr lang="zh-CN" altLang="en-US" sz="1600" dirty="0">
               <a:latin typeface="微软雅黑" pitchFamily="2" charset="-122"/>
               <a:ea typeface="微软雅黑" pitchFamily="2" charset="-122"/>
@@ -34775,7 +34994,7 @@
         </p:nvSpPr>
         <p:spPr>
           <a:xfrm>
-            <a:off x="520700" y="5232779"/>
+            <a:off x="520700" y="4889879"/>
             <a:ext cx="2689226" cy="387798"/>
           </a:xfrm>
           <a:prstGeom prst="rect">
@@ -34867,7 +35086,7 @@
         </p:nvSpPr>
         <p:spPr>
           <a:xfrm>
-            <a:off x="3208338" y="5245100"/>
+            <a:off x="3208338" y="4902200"/>
             <a:ext cx="1038225" cy="923925"/>
           </a:xfrm>
           <a:prstGeom prst="rect">
@@ -34914,7 +35133,7 @@
         </p:nvSpPr>
         <p:spPr>
           <a:xfrm>
-            <a:off x="7877175" y="5326063"/>
+            <a:off x="7877175" y="4970463"/>
             <a:ext cx="1036638" cy="923925"/>
           </a:xfrm>
           <a:prstGeom prst="rect">
@@ -34985,7 +35204,7 @@
         </p:nvCxnSpPr>
         <p:spPr>
           <a:xfrm>
-            <a:off x="3224213" y="5326063"/>
+            <a:off x="3224213" y="4983163"/>
             <a:ext cx="0" cy="801687"/>
           </a:xfrm>
           <a:prstGeom prst="line">
@@ -35009,7 +35228,7 @@
         </p:nvCxnSpPr>
         <p:spPr>
           <a:xfrm>
-            <a:off x="8886825" y="5405438"/>
+            <a:off x="8886825" y="5049838"/>
             <a:ext cx="0" cy="803275"/>
           </a:xfrm>
           <a:prstGeom prst="line">
@@ -35033,7 +35252,7 @@
         </p:nvSpPr>
         <p:spPr>
           <a:xfrm>
-            <a:off x="8824308" y="5317293"/>
+            <a:off x="8824308" y="4961693"/>
             <a:ext cx="2011965" cy="338554"/>
           </a:xfrm>
           <a:prstGeom prst="rect">
@@ -35532,7 +35751,17 @@
                 <a:latin typeface="微软雅黑" pitchFamily="2" charset="-122"/>
                 <a:ea typeface="微软雅黑" pitchFamily="2" charset="-122"/>
               </a:rPr>
-              <a:t>基于机器学习的的</a:t>
+              <a:t>基于</a:t>
+            </a:r>
+            <a:r>
+              <a:rPr lang="zh-CN" altLang="en-US" sz="2000" dirty="0" smtClean="0">
+                <a:solidFill>
+                  <a:srgbClr val="404040"/>
+                </a:solidFill>
+                <a:latin typeface="微软雅黑" pitchFamily="2" charset="-122"/>
+                <a:ea typeface="微软雅黑" pitchFamily="2" charset="-122"/>
+              </a:rPr>
+              <a:t>机器学习的</a:t>
             </a:r>
             <a:r>
               <a:rPr lang="zh-CN" altLang="en-US" sz="2000" dirty="0">
@@ -36462,35 +36691,7 @@
                   <a:latin typeface="微软雅黑" pitchFamily="2" charset="-122"/>
                   <a:ea typeface="微软雅黑" pitchFamily="2" charset="-122"/>
                 </a:rPr>
-                <a:t>机器学习算法</a:t>
-              </a:r>
-              <a:r>
-                <a:rPr lang="zh-CN" altLang="en-US" dirty="0" smtClean="0">
-                  <a:latin typeface="微软雅黑" pitchFamily="2" charset="-122"/>
-                  <a:ea typeface="微软雅黑" pitchFamily="2" charset="-122"/>
-                </a:rPr>
-                <a:t>的</a:t>
-              </a:r>
-              <a:r>
-                <a:rPr lang="zh-CN" altLang="en-US" dirty="0" smtClean="0">
-                  <a:latin typeface="微软雅黑" pitchFamily="2" charset="-122"/>
-                  <a:ea typeface="微软雅黑" pitchFamily="2" charset="-122"/>
-                </a:rPr>
-                <a:t>参数设置</a:t>
-              </a:r>
-              <a:r>
-                <a:rPr lang="zh-CN" altLang="en-US" dirty="0" smtClean="0">
-                  <a:latin typeface="微软雅黑" pitchFamily="2" charset="-122"/>
-                  <a:ea typeface="微软雅黑" pitchFamily="2" charset="-122"/>
-                </a:rPr>
-                <a:t>、</a:t>
-              </a:r>
-              <a:r>
-                <a:rPr lang="zh-CN" altLang="en-US" dirty="0" smtClean="0">
-                  <a:latin typeface="微软雅黑" pitchFamily="2" charset="-122"/>
-                  <a:ea typeface="微软雅黑" pitchFamily="2" charset="-122"/>
-                </a:rPr>
-                <a:t>训练与改进</a:t>
+                <a:t>机器学习算法的参数设置、训练与改进</a:t>
               </a:r>
               <a:endParaRPr lang="zh-CN" altLang="en-US" dirty="0">
                 <a:ea typeface="微软雅黑" pitchFamily="2" charset="-122"/>
@@ -36779,14 +36980,7 @@
                   <a:latin typeface="微软雅黑" pitchFamily="2" charset="-122"/>
                   <a:ea typeface="微软雅黑" pitchFamily="2" charset="-122"/>
                 </a:rPr>
-                <a:t>的新</a:t>
-              </a:r>
-              <a:r>
-                <a:rPr lang="zh-CN" altLang="en-US" dirty="0" smtClean="0">
-                  <a:latin typeface="微软雅黑" pitchFamily="2" charset="-122"/>
-                  <a:ea typeface="微软雅黑" pitchFamily="2" charset="-122"/>
-                </a:rPr>
-                <a:t>方法</a:t>
+                <a:t>的新方法</a:t>
               </a:r>
               <a:endParaRPr lang="zh-CN" altLang="en-US" dirty="0">
                 <a:ea typeface="微软雅黑" pitchFamily="2" charset="-122"/>
@@ -37044,21 +37238,25 @@
                 <a:latin typeface="微软雅黑" pitchFamily="2" charset="-122"/>
                 <a:ea typeface="微软雅黑" pitchFamily="2" charset="-122"/>
               </a:rPr>
-              <a:t>、故障识别算法</a:t>
-            </a:r>
-            <a:r>
-              <a:rPr lang="zh-CN" altLang="en-US" b="1" dirty="0" smtClean="0">
+              <a:t>、故障识别算法的参数设置、训练与改进</a:t>
+            </a:r>
+            <a:endParaRPr lang="en-US" altLang="zh-CN" b="1" dirty="0">
+              <a:latin typeface="微软雅黑" pitchFamily="2" charset="-122"/>
+              <a:ea typeface="微软雅黑" pitchFamily="2" charset="-122"/>
+            </a:endParaRPr>
+          </a:p>
+          <a:p>
+            <a:pPr lvl="0" algn="just">
+              <a:lnSpc>
+                <a:spcPct val="130000"/>
+              </a:lnSpc>
+            </a:pPr>
+            <a:r>
+              <a:rPr lang="en-US" altLang="zh-CN" b="1" dirty="0" smtClean="0">
                 <a:latin typeface="微软雅黑" pitchFamily="2" charset="-122"/>
                 <a:ea typeface="微软雅黑" pitchFamily="2" charset="-122"/>
               </a:rPr>
-              <a:t>的</a:t>
-            </a:r>
-            <a:r>
-              <a:rPr lang="zh-CN" altLang="en-US" b="1" dirty="0" smtClean="0">
-                <a:latin typeface="微软雅黑" pitchFamily="2" charset="-122"/>
-                <a:ea typeface="微软雅黑" pitchFamily="2" charset="-122"/>
-              </a:rPr>
-              <a:t>参数设置</a:t>
+              <a:t>4</a:t>
             </a:r>
             <a:r>
               <a:rPr lang="zh-CN" altLang="en-US" b="1" dirty="0" smtClean="0">
@@ -37068,38 +37266,6 @@
               <a:t>、</a:t>
             </a:r>
             <a:r>
-              <a:rPr lang="zh-CN" altLang="en-US" b="1" dirty="0" smtClean="0">
-                <a:latin typeface="微软雅黑" pitchFamily="2" charset="-122"/>
-                <a:ea typeface="微软雅黑" pitchFamily="2" charset="-122"/>
-              </a:rPr>
-              <a:t>训练与改进</a:t>
-            </a:r>
-            <a:endParaRPr lang="en-US" altLang="zh-CN" b="1" dirty="0">
-              <a:latin typeface="微软雅黑" pitchFamily="2" charset="-122"/>
-              <a:ea typeface="微软雅黑" pitchFamily="2" charset="-122"/>
-            </a:endParaRPr>
-          </a:p>
-          <a:p>
-            <a:pPr lvl="0" algn="just">
-              <a:lnSpc>
-                <a:spcPct val="130000"/>
-              </a:lnSpc>
-            </a:pPr>
-            <a:r>
-              <a:rPr lang="en-US" altLang="zh-CN" b="1" dirty="0" smtClean="0">
-                <a:latin typeface="微软雅黑" pitchFamily="2" charset="-122"/>
-                <a:ea typeface="微软雅黑" pitchFamily="2" charset="-122"/>
-              </a:rPr>
-              <a:t>4</a:t>
-            </a:r>
-            <a:r>
-              <a:rPr lang="zh-CN" altLang="en-US" b="1" dirty="0" smtClean="0">
-                <a:latin typeface="微软雅黑" pitchFamily="2" charset="-122"/>
-                <a:ea typeface="微软雅黑" pitchFamily="2" charset="-122"/>
-              </a:rPr>
-              <a:t>、</a:t>
-            </a:r>
-            <a:r>
               <a:rPr lang="zh-CN" altLang="en-US" b="1" dirty="0">
                 <a:latin typeface="微软雅黑" pitchFamily="2" charset="-122"/>
                 <a:ea typeface="微软雅黑" pitchFamily="2" charset="-122"/>
@@ -37111,14 +37277,7 @@
                 <a:latin typeface="微软雅黑" pitchFamily="2" charset="-122"/>
                 <a:ea typeface="微软雅黑" pitchFamily="2" charset="-122"/>
               </a:rPr>
-              <a:t>算法的参数设置、</a:t>
-            </a:r>
-            <a:r>
-              <a:rPr lang="zh-CN" altLang="en-US" b="1" dirty="0" smtClean="0">
-                <a:latin typeface="微软雅黑" pitchFamily="2" charset="-122"/>
-                <a:ea typeface="微软雅黑" pitchFamily="2" charset="-122"/>
-              </a:rPr>
-              <a:t>训练与改进</a:t>
+              <a:t>算法的参数设置、训练与改进</a:t>
             </a:r>
             <a:endParaRPr lang="en-US" altLang="zh-CN" b="1" dirty="0">
               <a:latin typeface="微软雅黑" pitchFamily="2" charset="-122"/>
@@ -38674,6 +38833,291 @@
 </file>
 
 <file path=ppt/slides/slide7.xml><?xml version="1.0" encoding="utf-8"?>
+<p:sld xmlns:a="http://schemas.openxmlformats.org/drawingml/2006/main" xmlns:r="http://schemas.openxmlformats.org/officeDocument/2006/relationships" xmlns:p="http://schemas.openxmlformats.org/presentationml/2006/main">
+  <p:cSld>
+    <p:spTree>
+      <p:nvGrpSpPr>
+        <p:cNvPr id="1" name=""/>
+        <p:cNvGrpSpPr/>
+        <p:nvPr/>
+      </p:nvGrpSpPr>
+      <p:grpSpPr>
+        <a:xfrm>
+          <a:off x="0" y="0"/>
+          <a:ext cx="0" cy="0"/>
+          <a:chOff x="0" y="0"/>
+          <a:chExt cx="0" cy="0"/>
+        </a:xfrm>
+      </p:grpSpPr>
+      <p:sp>
+        <p:nvSpPr>
+          <p:cNvPr id="29699" name="标题 6"/>
+          <p:cNvSpPr>
+            <a:spLocks noGrp="1"/>
+          </p:cNvSpPr>
+          <p:nvPr>
+            <p:ph type="title" idx="4294967295"/>
+          </p:nvPr>
+        </p:nvSpPr>
+        <p:spPr>
+          <a:xfrm>
+            <a:off x="771525" y="598488"/>
+            <a:ext cx="5845175" cy="698500"/>
+          </a:xfrm>
+          <a:prstGeom prst="rect">
+            <a:avLst/>
+          </a:prstGeom>
+          <a:noFill/>
+          <a:ln w="9525">
+            <a:noFill/>
+            <a:miter/>
+          </a:ln>
+        </p:spPr>
+        <p:txBody>
+          <a:bodyPr anchor="ctr"/>
+          <a:lstStyle/>
+          <a:p>
+            <a:pPr lvl="0"/>
+            <a:r>
+              <a:rPr lang="zh-CN" altLang="en-US" sz="2800" b="1" dirty="0">
+                <a:solidFill>
+                  <a:schemeClr val="bg1"/>
+                </a:solidFill>
+                <a:latin typeface="微软雅黑" pitchFamily="2" charset="-122"/>
+                <a:ea typeface="微软雅黑" pitchFamily="2" charset="-122"/>
+              </a:rPr>
+              <a:t>四、技术</a:t>
+            </a:r>
+            <a:r>
+              <a:rPr lang="zh-CN" altLang="en-US" sz="2800" b="1" dirty="0" smtClean="0">
+                <a:solidFill>
+                  <a:schemeClr val="bg1"/>
+                </a:solidFill>
+                <a:latin typeface="微软雅黑" pitchFamily="2" charset="-122"/>
+                <a:ea typeface="微软雅黑" pitchFamily="2" charset="-122"/>
+              </a:rPr>
+              <a:t>难点</a:t>
+            </a:r>
+            <a:endParaRPr lang="zh-CN" altLang="en-US" sz="2800" b="1" dirty="0">
+              <a:solidFill>
+                <a:schemeClr val="bg1"/>
+              </a:solidFill>
+              <a:latin typeface="微软雅黑" pitchFamily="2" charset="-122"/>
+              <a:ea typeface="微软雅黑" pitchFamily="2" charset="-122"/>
+            </a:endParaRPr>
+          </a:p>
+        </p:txBody>
+      </p:sp>
+      <p:sp>
+        <p:nvSpPr>
+          <p:cNvPr id="29705" name="TextBox 59"/>
+          <p:cNvSpPr txBox="1"/>
+          <p:nvPr/>
+        </p:nvSpPr>
+        <p:spPr>
+          <a:xfrm>
+            <a:off x="7423544" y="3117639"/>
+            <a:ext cx="4504401" cy="2400361"/>
+          </a:xfrm>
+          <a:prstGeom prst="rect">
+            <a:avLst/>
+          </a:prstGeom>
+          <a:noFill/>
+          <a:ln w="9525">
+            <a:noFill/>
+            <a:miter/>
+          </a:ln>
+        </p:spPr>
+        <p:txBody>
+          <a:bodyPr lIns="90000" rIns="90000" anchor="ctr"/>
+          <a:lstStyle/>
+          <a:p>
+            <a:pPr lvl="0" algn="just">
+              <a:lnSpc>
+                <a:spcPct val="130000"/>
+              </a:lnSpc>
+            </a:pPr>
+            <a:r>
+              <a:rPr lang="zh-CN" altLang="en-US" b="1" dirty="0" smtClean="0">
+                <a:latin typeface="微软雅黑" pitchFamily="2" charset="-122"/>
+                <a:ea typeface="微软雅黑" pitchFamily="2" charset="-122"/>
+              </a:rPr>
+              <a:t>难点：</a:t>
+            </a:r>
+            <a:endParaRPr lang="en-US" altLang="zh-CN" b="1" dirty="0" smtClean="0">
+              <a:latin typeface="微软雅黑" pitchFamily="2" charset="-122"/>
+              <a:ea typeface="微软雅黑" pitchFamily="2" charset="-122"/>
+            </a:endParaRPr>
+          </a:p>
+          <a:p>
+            <a:pPr algn="just">
+              <a:lnSpc>
+                <a:spcPct val="130000"/>
+              </a:lnSpc>
+            </a:pPr>
+            <a:r>
+              <a:rPr lang="en-US" altLang="zh-CN" b="1" dirty="0" smtClean="0">
+                <a:latin typeface="微软雅黑" pitchFamily="2" charset="-122"/>
+                <a:ea typeface="微软雅黑" pitchFamily="2" charset="-122"/>
+              </a:rPr>
+              <a:t>1</a:t>
+            </a:r>
+            <a:r>
+              <a:rPr lang="zh-CN" altLang="en-US" b="1" dirty="0" smtClean="0">
+                <a:latin typeface="微软雅黑" pitchFamily="2" charset="-122"/>
+                <a:ea typeface="微软雅黑" pitchFamily="2" charset="-122"/>
+              </a:rPr>
+              <a:t>、</a:t>
+            </a:r>
+            <a:r>
+              <a:rPr lang="zh-CN" altLang="zh-CN" b="1" dirty="0" smtClean="0">
+                <a:latin typeface="微软雅黑" pitchFamily="2" charset="-122"/>
+                <a:ea typeface="微软雅黑" pitchFamily="2" charset="-122"/>
+              </a:rPr>
+              <a:t>故障</a:t>
+            </a:r>
+            <a:r>
+              <a:rPr lang="zh-CN" altLang="zh-CN" b="1" dirty="0">
+                <a:latin typeface="微软雅黑" pitchFamily="2" charset="-122"/>
+                <a:ea typeface="微软雅黑" pitchFamily="2" charset="-122"/>
+              </a:rPr>
+              <a:t>的仿真模型的建立</a:t>
+            </a:r>
+            <a:endParaRPr lang="en-US" altLang="x-none" b="1" dirty="0">
+              <a:latin typeface="微软雅黑" pitchFamily="2" charset="-122"/>
+              <a:ea typeface="微软雅黑" pitchFamily="2" charset="-122"/>
+            </a:endParaRPr>
+          </a:p>
+          <a:p>
+            <a:pPr lvl="0" algn="just">
+              <a:lnSpc>
+                <a:spcPct val="130000"/>
+              </a:lnSpc>
+            </a:pPr>
+            <a:r>
+              <a:rPr lang="en-US" altLang="zh-CN" b="1" dirty="0" smtClean="0">
+                <a:latin typeface="微软雅黑" pitchFamily="2" charset="-122"/>
+                <a:ea typeface="微软雅黑" pitchFamily="2" charset="-122"/>
+              </a:rPr>
+              <a:t>2</a:t>
+            </a:r>
+            <a:r>
+              <a:rPr lang="zh-CN" altLang="en-US" b="1" dirty="0" smtClean="0">
+                <a:latin typeface="微软雅黑" pitchFamily="2" charset="-122"/>
+                <a:ea typeface="微软雅黑" pitchFamily="2" charset="-122"/>
+              </a:rPr>
+              <a:t>、数据预处理</a:t>
+            </a:r>
+            <a:r>
+              <a:rPr lang="zh-CN" altLang="en-US" b="1" dirty="0">
+                <a:latin typeface="微软雅黑" pitchFamily="2" charset="-122"/>
+                <a:ea typeface="微软雅黑" pitchFamily="2" charset="-122"/>
+              </a:rPr>
+              <a:t>的方法</a:t>
+            </a:r>
+            <a:endParaRPr lang="en-US" altLang="zh-CN" b="1" dirty="0">
+              <a:latin typeface="微软雅黑" pitchFamily="2" charset="-122"/>
+              <a:ea typeface="微软雅黑" pitchFamily="2" charset="-122"/>
+            </a:endParaRPr>
+          </a:p>
+          <a:p>
+            <a:pPr lvl="0" algn="just">
+              <a:lnSpc>
+                <a:spcPct val="130000"/>
+              </a:lnSpc>
+            </a:pPr>
+            <a:r>
+              <a:rPr lang="en-US" altLang="zh-CN" b="1" dirty="0" smtClean="0">
+                <a:latin typeface="微软雅黑" pitchFamily="2" charset="-122"/>
+                <a:ea typeface="微软雅黑" pitchFamily="2" charset="-122"/>
+              </a:rPr>
+              <a:t>3</a:t>
+            </a:r>
+            <a:r>
+              <a:rPr lang="zh-CN" altLang="en-US" b="1" dirty="0" smtClean="0">
+                <a:latin typeface="微软雅黑" pitchFamily="2" charset="-122"/>
+                <a:ea typeface="微软雅黑" pitchFamily="2" charset="-122"/>
+              </a:rPr>
+              <a:t>、故障识别算法的参数设置、训练与改进</a:t>
+            </a:r>
+            <a:endParaRPr lang="en-US" altLang="zh-CN" b="1" dirty="0">
+              <a:latin typeface="微软雅黑" pitchFamily="2" charset="-122"/>
+              <a:ea typeface="微软雅黑" pitchFamily="2" charset="-122"/>
+            </a:endParaRPr>
+          </a:p>
+          <a:p>
+            <a:pPr lvl="0" algn="just">
+              <a:lnSpc>
+                <a:spcPct val="130000"/>
+              </a:lnSpc>
+            </a:pPr>
+            <a:r>
+              <a:rPr lang="en-US" altLang="zh-CN" b="1" dirty="0" smtClean="0">
+                <a:latin typeface="微软雅黑" pitchFamily="2" charset="-122"/>
+                <a:ea typeface="微软雅黑" pitchFamily="2" charset="-122"/>
+              </a:rPr>
+              <a:t>4</a:t>
+            </a:r>
+            <a:r>
+              <a:rPr lang="zh-CN" altLang="en-US" b="1" dirty="0" smtClean="0">
+                <a:latin typeface="微软雅黑" pitchFamily="2" charset="-122"/>
+                <a:ea typeface="微软雅黑" pitchFamily="2" charset="-122"/>
+              </a:rPr>
+              <a:t>、</a:t>
+            </a:r>
+            <a:r>
+              <a:rPr lang="zh-CN" altLang="en-US" b="1" dirty="0">
+                <a:latin typeface="微软雅黑" pitchFamily="2" charset="-122"/>
+                <a:ea typeface="微软雅黑" pitchFamily="2" charset="-122"/>
+              </a:rPr>
+              <a:t>故障测距</a:t>
+            </a:r>
+            <a:r>
+              <a:rPr lang="zh-CN" altLang="en-US" b="1" dirty="0" smtClean="0">
+                <a:latin typeface="微软雅黑" pitchFamily="2" charset="-122"/>
+                <a:ea typeface="微软雅黑" pitchFamily="2" charset="-122"/>
+              </a:rPr>
+              <a:t>算法的参数设置、训练与改进</a:t>
+            </a:r>
+            <a:endParaRPr lang="en-US" altLang="zh-CN" b="1" dirty="0">
+              <a:latin typeface="微软雅黑" pitchFamily="2" charset="-122"/>
+              <a:ea typeface="微软雅黑" pitchFamily="2" charset="-122"/>
+            </a:endParaRPr>
+          </a:p>
+          <a:p>
+            <a:pPr lvl="0" algn="just">
+              <a:lnSpc>
+                <a:spcPct val="130000"/>
+              </a:lnSpc>
+            </a:pPr>
+            <a:endParaRPr lang="en-US" altLang="x-none" sz="1600" b="1" dirty="0">
+              <a:latin typeface="微软雅黑" pitchFamily="2" charset="-122"/>
+              <a:ea typeface="微软雅黑" pitchFamily="2" charset="-122"/>
+            </a:endParaRPr>
+          </a:p>
+        </p:txBody>
+      </p:sp>
+    </p:spTree>
+    <p:extLst>
+      <p:ext uri="{BB962C8B-B14F-4D97-AF65-F5344CB8AC3E}">
+        <p14:creationId xmlns:p14="http://schemas.microsoft.com/office/powerpoint/2010/main" val="956168051"/>
+      </p:ext>
+    </p:extLst>
+  </p:cSld>
+  <p:clrMapOvr>
+    <a:masterClrMapping/>
+  </p:clrMapOvr>
+  <p:timing>
+    <p:tnLst>
+      <p:par>
+        <p:cTn id="1" dur="indefinite" restart="never" nodeType="tmRoot"/>
+      </p:par>
+    </p:tnLst>
+  </p:timing>
+</p:sld>
+</file>
+
+<file path=ppt/slides/slide8.xml><?xml version="1.0" encoding="utf-8"?>
 <p:sld xmlns:a="http://schemas.openxmlformats.org/drawingml/2006/main" xmlns:r="http://schemas.openxmlformats.org/officeDocument/2006/relationships" xmlns:p="http://schemas.openxmlformats.org/presentationml/2006/main">
   <p:cSld>
     <p:spTree>
@@ -39699,7 +40143,7 @@
 </p:sld>
 </file>
 
-<file path=ppt/slides/slide8.xml><?xml version="1.0" encoding="utf-8"?>
+<file path=ppt/slides/slide9.xml><?xml version="1.0" encoding="utf-8"?>
 <p:sld xmlns:a="http://schemas.openxmlformats.org/drawingml/2006/main" xmlns:r="http://schemas.openxmlformats.org/officeDocument/2006/relationships" xmlns:p="http://schemas.openxmlformats.org/presentationml/2006/main">
   <p:cSld>
     <p:spTree>
@@ -41003,188 +41447,6 @@
           </p:txBody>
         </p:sp>
       </p:grpSp>
-    </p:spTree>
-  </p:cSld>
-  <p:clrMapOvr>
-    <a:masterClrMapping/>
-  </p:clrMapOvr>
-  <p:timing>
-    <p:tnLst>
-      <p:par>
-        <p:cTn id="1" dur="indefinite" restart="never" nodeType="tmRoot"/>
-      </p:par>
-    </p:tnLst>
-  </p:timing>
-</p:sld>
-</file>
-
-<file path=ppt/slides/slide9.xml><?xml version="1.0" encoding="utf-8"?>
-<p:sld xmlns:a="http://schemas.openxmlformats.org/drawingml/2006/main" xmlns:r="http://schemas.openxmlformats.org/officeDocument/2006/relationships" xmlns:p="http://schemas.openxmlformats.org/presentationml/2006/main">
-  <p:cSld>
-    <p:spTree>
-      <p:nvGrpSpPr>
-        <p:cNvPr id="1" name=""/>
-        <p:cNvGrpSpPr/>
-        <p:nvPr/>
-      </p:nvGrpSpPr>
-      <p:grpSpPr>
-        <a:xfrm>
-          <a:off x="0" y="0"/>
-          <a:ext cx="0" cy="0"/>
-          <a:chOff x="0" y="0"/>
-          <a:chExt cx="0" cy="0"/>
-        </a:xfrm>
-      </p:grpSpPr>
-      <p:pic>
-        <p:nvPicPr>
-          <p:cNvPr id="34818" name="图片 6"/>
-          <p:cNvPicPr>
-            <a:picLocks noChangeAspect="1"/>
-          </p:cNvPicPr>
-          <p:nvPr/>
-        </p:nvPicPr>
-        <p:blipFill>
-          <a:blip r:embed="rId2"/>
-          <a:srcRect l="47130"/>
-          <a:stretch>
-            <a:fillRect/>
-          </a:stretch>
-        </p:blipFill>
-        <p:spPr>
-          <a:xfrm>
-            <a:off x="-131762" y="1143000"/>
-            <a:ext cx="2454275" cy="4572000"/>
-          </a:xfrm>
-          <a:prstGeom prst="rect">
-            <a:avLst/>
-          </a:prstGeom>
-          <a:noFill/>
-          <a:ln w="9525">
-            <a:noFill/>
-            <a:miter/>
-          </a:ln>
-        </p:spPr>
-      </p:pic>
-      <p:pic>
-        <p:nvPicPr>
-          <p:cNvPr id="34819" name="图片 9"/>
-          <p:cNvPicPr>
-            <a:picLocks noChangeAspect="1"/>
-          </p:cNvPicPr>
-          <p:nvPr/>
-        </p:nvPicPr>
-        <p:blipFill>
-          <a:blip r:embed="rId3"/>
-          <a:srcRect/>
-          <a:stretch>
-            <a:fillRect/>
-          </a:stretch>
-        </p:blipFill>
-        <p:spPr>
-          <a:xfrm>
-            <a:off x="3840163" y="1812925"/>
-            <a:ext cx="5692775" cy="531813"/>
-          </a:xfrm>
-          <a:prstGeom prst="rect">
-            <a:avLst/>
-          </a:prstGeom>
-          <a:noFill/>
-          <a:ln w="9525">
-            <a:noFill/>
-            <a:miter/>
-          </a:ln>
-        </p:spPr>
-      </p:pic>
-      <p:pic>
-        <p:nvPicPr>
-          <p:cNvPr id="34820" name="图片 10"/>
-          <p:cNvPicPr>
-            <a:picLocks noChangeAspect="1"/>
-          </p:cNvPicPr>
-          <p:nvPr/>
-        </p:nvPicPr>
-        <p:blipFill>
-          <a:blip r:embed="rId4"/>
-          <a:srcRect/>
-          <a:stretch>
-            <a:fillRect/>
-          </a:stretch>
-        </p:blipFill>
-        <p:spPr>
-          <a:xfrm>
-            <a:off x="3840163" y="4548188"/>
-            <a:ext cx="5692775" cy="530225"/>
-          </a:xfrm>
-          <a:prstGeom prst="rect">
-            <a:avLst/>
-          </a:prstGeom>
-          <a:noFill/>
-          <a:ln w="9525">
-            <a:noFill/>
-            <a:miter/>
-          </a:ln>
-        </p:spPr>
-      </p:pic>
-      <p:sp>
-        <p:nvSpPr>
-          <p:cNvPr id="34821" name="矩形 11"/>
-          <p:cNvSpPr/>
-          <p:nvPr/>
-        </p:nvSpPr>
-        <p:spPr>
-          <a:xfrm>
-            <a:off x="3943350" y="2568575"/>
-            <a:ext cx="5486400" cy="1754188"/>
-          </a:xfrm>
-          <a:prstGeom prst="rect">
-            <a:avLst/>
-          </a:prstGeom>
-          <a:noFill/>
-          <a:ln w="9525">
-            <a:noFill/>
-            <a:miter/>
-          </a:ln>
-        </p:spPr>
-        <p:txBody>
-          <a:bodyPr>
-            <a:spAutoFit/>
-          </a:bodyPr>
-          <a:lstStyle/>
-          <a:p>
-            <a:pPr lvl="0" algn="ctr"/>
-            <a:r>
-              <a:rPr lang="en-US" altLang="x-none" sz="5400" b="1" dirty="0">
-                <a:solidFill>
-                  <a:schemeClr val="bg1"/>
-                </a:solidFill>
-                <a:latin typeface="微软雅黑" pitchFamily="2" charset="-122"/>
-                <a:ea typeface="微软雅黑" pitchFamily="2" charset="-122"/>
-              </a:rPr>
-              <a:t>THANKS FOR</a:t>
-            </a:r>
-          </a:p>
-          <a:p>
-            <a:pPr lvl="0" algn="ctr"/>
-            <a:r>
-              <a:rPr lang="en-US" altLang="x-none" sz="5400" b="1" dirty="0">
-                <a:solidFill>
-                  <a:schemeClr val="bg1"/>
-                </a:solidFill>
-                <a:latin typeface="微软雅黑" pitchFamily="2" charset="-122"/>
-                <a:ea typeface="微软雅黑" pitchFamily="2" charset="-122"/>
-              </a:rPr>
-              <a:t>WATCHING</a:t>
-            </a:r>
-            <a:endParaRPr lang="zh-CN" altLang="en-US" sz="6600" b="1" dirty="0">
-              <a:solidFill>
-                <a:schemeClr val="bg1"/>
-              </a:solidFill>
-              <a:latin typeface="微软雅黑" pitchFamily="2" charset="-122"/>
-              <a:ea typeface="微软雅黑" pitchFamily="2" charset="-122"/>
-            </a:endParaRPr>
-          </a:p>
-        </p:txBody>
-      </p:sp>
     </p:spTree>
   </p:cSld>
   <p:clrMapOvr>

--- a/开题/我要学习-开题1.pptx
+++ b/开题/我要学习-开题1.pptx
@@ -603,7 +603,7 @@
             <a:pPr lvl="0"/>
             <a:fld id="{BB962C8B-B14F-4D97-AF65-F5344CB8AC3E}" type="datetimeFigureOut">
               <a:rPr lang="zh-CN" altLang="en-US" dirty="0"/>
-              <a:t>2018-03-16</a:t>
+              <a:t>2018-03-17</a:t>
             </a:fld>
             <a:endParaRPr lang="zh-CN" altLang="en-US" dirty="0"/>
           </a:p>
@@ -787,7 +787,7 @@
             <a:pPr lvl="0"/>
             <a:fld id="{BB962C8B-B14F-4D97-AF65-F5344CB8AC3E}" type="datetimeFigureOut">
               <a:rPr lang="zh-CN" altLang="en-US" dirty="0"/>
-              <a:t>2018-03-16</a:t>
+              <a:t>2018-03-17</a:t>
             </a:fld>
             <a:endParaRPr lang="zh-CN" altLang="en-US" dirty="0"/>
           </a:p>
@@ -1037,7 +1037,7 @@
             <a:pPr lvl="0"/>
             <a:fld id="{BB962C8B-B14F-4D97-AF65-F5344CB8AC3E}" type="datetimeFigureOut">
               <a:rPr lang="zh-CN" altLang="en-US" dirty="0"/>
-              <a:t>2018-03-16</a:t>
+              <a:t>2018-03-17</a:t>
             </a:fld>
             <a:endParaRPr lang="zh-CN" altLang="en-US" dirty="0"/>
           </a:p>
@@ -1281,7 +1281,7 @@
             <a:pPr lvl="0"/>
             <a:fld id="{BB962C8B-B14F-4D97-AF65-F5344CB8AC3E}" type="datetimeFigureOut">
               <a:rPr lang="zh-CN" altLang="en-US" dirty="0"/>
-              <a:t>2018-03-16</a:t>
+              <a:t>2018-03-17</a:t>
             </a:fld>
             <a:endParaRPr lang="zh-CN" altLang="en-US" dirty="0"/>
           </a:p>
@@ -1661,7 +1661,7 @@
             <a:pPr lvl="0"/>
             <a:fld id="{BB962C8B-B14F-4D97-AF65-F5344CB8AC3E}" type="datetimeFigureOut">
               <a:rPr lang="zh-CN" altLang="en-US" dirty="0"/>
-              <a:t>2018-03-16</a:t>
+              <a:t>2018-03-17</a:t>
             </a:fld>
             <a:endParaRPr lang="zh-CN" altLang="en-US" dirty="0"/>
           </a:p>
@@ -1785,7 +1785,7 @@
             <a:pPr lvl="0"/>
             <a:fld id="{BB962C8B-B14F-4D97-AF65-F5344CB8AC3E}" type="datetimeFigureOut">
               <a:rPr lang="zh-CN" altLang="en-US" dirty="0"/>
-              <a:t>2018-03-16</a:t>
+              <a:t>2018-03-17</a:t>
             </a:fld>
             <a:endParaRPr lang="zh-CN" altLang="en-US" dirty="0"/>
           </a:p>
@@ -1878,7 +1878,7 @@
             <a:pPr lvl="0"/>
             <a:fld id="{BB962C8B-B14F-4D97-AF65-F5344CB8AC3E}" type="datetimeFigureOut">
               <a:rPr lang="zh-CN" altLang="en-US" dirty="0"/>
-              <a:t>2018-03-16</a:t>
+              <a:t>2018-03-17</a:t>
             </a:fld>
             <a:endParaRPr lang="zh-CN" altLang="en-US" dirty="0"/>
           </a:p>
@@ -2162,7 +2162,7 @@
             <a:pPr lvl="0"/>
             <a:fld id="{BB962C8B-B14F-4D97-AF65-F5344CB8AC3E}" type="datetimeFigureOut">
               <a:rPr lang="zh-CN" altLang="en-US" dirty="0"/>
-              <a:t>2018-03-16</a:t>
+              <a:t>2018-03-17</a:t>
             </a:fld>
             <a:endParaRPr lang="zh-CN" altLang="en-US" dirty="0"/>
           </a:p>
@@ -2422,7 +2422,7 @@
             <a:pPr lvl="0"/>
             <a:fld id="{BB962C8B-B14F-4D97-AF65-F5344CB8AC3E}" type="datetimeFigureOut">
               <a:rPr lang="zh-CN" altLang="en-US" dirty="0"/>
-              <a:t>2018-03-16</a:t>
+              <a:t>2018-03-17</a:t>
             </a:fld>
             <a:endParaRPr lang="zh-CN" altLang="en-US" dirty="0"/>
           </a:p>
@@ -2606,7 +2606,7 @@
             <a:pPr lvl="0"/>
             <a:fld id="{BB962C8B-B14F-4D97-AF65-F5344CB8AC3E}" type="datetimeFigureOut">
               <a:rPr lang="zh-CN" altLang="en-US" dirty="0"/>
-              <a:t>2018-03-16</a:t>
+              <a:t>2018-03-17</a:t>
             </a:fld>
             <a:endParaRPr lang="zh-CN" altLang="en-US" dirty="0"/>
           </a:p>
@@ -2906,7 +2906,7 @@
             <a:pPr lvl="0"/>
             <a:fld id="{BB962C8B-B14F-4D97-AF65-F5344CB8AC3E}" type="datetimeFigureOut">
               <a:rPr lang="zh-CN" altLang="en-US" dirty="0"/>
-              <a:t>2018-03-16</a:t>
+              <a:t>2018-03-17</a:t>
             </a:fld>
             <a:endParaRPr lang="zh-CN" altLang="en-US" dirty="0"/>
           </a:p>
@@ -3102,7 +3102,7 @@
             <a:pPr lvl="0"/>
             <a:fld id="{BB962C8B-B14F-4D97-AF65-F5344CB8AC3E}" type="datetimeFigureOut">
               <a:rPr lang="zh-CN" altLang="en-US" dirty="0"/>
-              <a:t>2018-03-16</a:t>
+              <a:t>2018-03-17</a:t>
             </a:fld>
             <a:endParaRPr lang="zh-CN" altLang="en-US" dirty="0"/>
           </a:p>
@@ -3286,7 +3286,7 @@
             <a:pPr lvl="0"/>
             <a:fld id="{BB962C8B-B14F-4D97-AF65-F5344CB8AC3E}" type="datetimeFigureOut">
               <a:rPr lang="zh-CN" altLang="en-US" dirty="0"/>
-              <a:t>2018-03-16</a:t>
+              <a:t>2018-03-17</a:t>
             </a:fld>
             <a:endParaRPr lang="zh-CN" altLang="en-US" dirty="0"/>
           </a:p>
@@ -3536,7 +3536,7 @@
             <a:pPr lvl="0"/>
             <a:fld id="{BB962C8B-B14F-4D97-AF65-F5344CB8AC3E}" type="datetimeFigureOut">
               <a:rPr lang="zh-CN" altLang="en-US" dirty="0"/>
-              <a:t>2018-03-16</a:t>
+              <a:t>2018-03-17</a:t>
             </a:fld>
             <a:endParaRPr lang="zh-CN" altLang="en-US" dirty="0"/>
           </a:p>
@@ -3780,7 +3780,7 @@
             <a:pPr lvl="0"/>
             <a:fld id="{BB962C8B-B14F-4D97-AF65-F5344CB8AC3E}" type="datetimeFigureOut">
               <a:rPr lang="zh-CN" altLang="en-US" dirty="0"/>
-              <a:t>2018-03-16</a:t>
+              <a:t>2018-03-17</a:t>
             </a:fld>
             <a:endParaRPr lang="zh-CN" altLang="en-US" dirty="0"/>
           </a:p>
@@ -4160,7 +4160,7 @@
             <a:pPr lvl="0"/>
             <a:fld id="{BB962C8B-B14F-4D97-AF65-F5344CB8AC3E}" type="datetimeFigureOut">
               <a:rPr lang="zh-CN" altLang="en-US" dirty="0"/>
-              <a:t>2018-03-16</a:t>
+              <a:t>2018-03-17</a:t>
             </a:fld>
             <a:endParaRPr lang="zh-CN" altLang="en-US" dirty="0"/>
           </a:p>
@@ -4284,7 +4284,7 @@
             <a:pPr lvl="0"/>
             <a:fld id="{BB962C8B-B14F-4D97-AF65-F5344CB8AC3E}" type="datetimeFigureOut">
               <a:rPr lang="zh-CN" altLang="en-US" dirty="0"/>
-              <a:t>2018-03-16</a:t>
+              <a:t>2018-03-17</a:t>
             </a:fld>
             <a:endParaRPr lang="zh-CN" altLang="en-US" dirty="0"/>
           </a:p>
@@ -4377,7 +4377,7 @@
             <a:pPr lvl="0"/>
             <a:fld id="{BB962C8B-B14F-4D97-AF65-F5344CB8AC3E}" type="datetimeFigureOut">
               <a:rPr lang="zh-CN" altLang="en-US" dirty="0"/>
-              <a:t>2018-03-16</a:t>
+              <a:t>2018-03-17</a:t>
             </a:fld>
             <a:endParaRPr lang="zh-CN" altLang="en-US" dirty="0"/>
           </a:p>
@@ -4661,7 +4661,7 @@
             <a:pPr lvl="0"/>
             <a:fld id="{BB962C8B-B14F-4D97-AF65-F5344CB8AC3E}" type="datetimeFigureOut">
               <a:rPr lang="zh-CN" altLang="en-US" dirty="0"/>
-              <a:t>2018-03-16</a:t>
+              <a:t>2018-03-17</a:t>
             </a:fld>
             <a:endParaRPr lang="zh-CN" altLang="en-US" dirty="0"/>
           </a:p>
@@ -4921,7 +4921,7 @@
             <a:pPr lvl="0"/>
             <a:fld id="{BB962C8B-B14F-4D97-AF65-F5344CB8AC3E}" type="datetimeFigureOut">
               <a:rPr lang="zh-CN" altLang="en-US" dirty="0"/>
-              <a:t>2018-03-16</a:t>
+              <a:t>2018-03-17</a:t>
             </a:fld>
             <a:endParaRPr lang="zh-CN" altLang="en-US" dirty="0"/>
           </a:p>
@@ -5233,7 +5233,7 @@
             <a:pPr lvl="0"/>
             <a:fld id="{BB962C8B-B14F-4D97-AF65-F5344CB8AC3E}" type="datetimeFigureOut">
               <a:rPr lang="zh-CN" altLang="en-US" dirty="0"/>
-              <a:t>2018-03-16</a:t>
+              <a:t>2018-03-17</a:t>
             </a:fld>
             <a:endParaRPr lang="zh-CN" altLang="en-US" dirty="0"/>
           </a:p>
@@ -5417,7 +5417,7 @@
             <a:pPr lvl="0"/>
             <a:fld id="{BB962C8B-B14F-4D97-AF65-F5344CB8AC3E}" type="datetimeFigureOut">
               <a:rPr lang="zh-CN" altLang="en-US" dirty="0"/>
-              <a:t>2018-03-16</a:t>
+              <a:t>2018-03-17</a:t>
             </a:fld>
             <a:endParaRPr lang="zh-CN" altLang="en-US" dirty="0"/>
           </a:p>
@@ -5613,7 +5613,7 @@
             <a:pPr lvl="0"/>
             <a:fld id="{BB962C8B-B14F-4D97-AF65-F5344CB8AC3E}" type="datetimeFigureOut">
               <a:rPr lang="zh-CN" altLang="en-US" dirty="0"/>
-              <a:t>2018-03-16</a:t>
+              <a:t>2018-03-17</a:t>
             </a:fld>
             <a:endParaRPr lang="zh-CN" altLang="en-US" dirty="0"/>
           </a:p>
@@ -5797,7 +5797,7 @@
             <a:pPr lvl="0"/>
             <a:fld id="{BB962C8B-B14F-4D97-AF65-F5344CB8AC3E}" type="datetimeFigureOut">
               <a:rPr lang="zh-CN" altLang="en-US" dirty="0"/>
-              <a:t>2018-03-16</a:t>
+              <a:t>2018-03-17</a:t>
             </a:fld>
             <a:endParaRPr lang="zh-CN" altLang="en-US" dirty="0"/>
           </a:p>
@@ -6047,7 +6047,7 @@
             <a:pPr lvl="0"/>
             <a:fld id="{BB962C8B-B14F-4D97-AF65-F5344CB8AC3E}" type="datetimeFigureOut">
               <a:rPr lang="zh-CN" altLang="en-US" dirty="0"/>
-              <a:t>2018-03-16</a:t>
+              <a:t>2018-03-17</a:t>
             </a:fld>
             <a:endParaRPr lang="zh-CN" altLang="en-US" dirty="0"/>
           </a:p>
@@ -6291,7 +6291,7 @@
             <a:pPr lvl="0"/>
             <a:fld id="{BB962C8B-B14F-4D97-AF65-F5344CB8AC3E}" type="datetimeFigureOut">
               <a:rPr lang="zh-CN" altLang="en-US" dirty="0"/>
-              <a:t>2018-03-16</a:t>
+              <a:t>2018-03-17</a:t>
             </a:fld>
             <a:endParaRPr lang="zh-CN" altLang="en-US" dirty="0"/>
           </a:p>
@@ -6671,7 +6671,7 @@
             <a:pPr lvl="0"/>
             <a:fld id="{BB962C8B-B14F-4D97-AF65-F5344CB8AC3E}" type="datetimeFigureOut">
               <a:rPr lang="zh-CN" altLang="en-US" dirty="0"/>
-              <a:t>2018-03-16</a:t>
+              <a:t>2018-03-17</a:t>
             </a:fld>
             <a:endParaRPr lang="zh-CN" altLang="en-US" dirty="0"/>
           </a:p>
@@ -6795,7 +6795,7 @@
             <a:pPr lvl="0"/>
             <a:fld id="{BB962C8B-B14F-4D97-AF65-F5344CB8AC3E}" type="datetimeFigureOut">
               <a:rPr lang="zh-CN" altLang="en-US" dirty="0"/>
-              <a:t>2018-03-16</a:t>
+              <a:t>2018-03-17</a:t>
             </a:fld>
             <a:endParaRPr lang="zh-CN" altLang="en-US" dirty="0"/>
           </a:p>
@@ -6888,7 +6888,7 @@
             <a:pPr lvl="0"/>
             <a:fld id="{BB962C8B-B14F-4D97-AF65-F5344CB8AC3E}" type="datetimeFigureOut">
               <a:rPr lang="zh-CN" altLang="en-US" dirty="0"/>
-              <a:t>2018-03-16</a:t>
+              <a:t>2018-03-17</a:t>
             </a:fld>
             <a:endParaRPr lang="zh-CN" altLang="en-US" dirty="0"/>
           </a:p>
@@ -7172,7 +7172,7 @@
             <a:pPr lvl="0"/>
             <a:fld id="{BB962C8B-B14F-4D97-AF65-F5344CB8AC3E}" type="datetimeFigureOut">
               <a:rPr lang="zh-CN" altLang="en-US" dirty="0"/>
-              <a:t>2018-03-16</a:t>
+              <a:t>2018-03-17</a:t>
             </a:fld>
             <a:endParaRPr lang="zh-CN" altLang="en-US" dirty="0"/>
           </a:p>
@@ -7548,7 +7548,7 @@
             <a:pPr lvl="0"/>
             <a:fld id="{BB962C8B-B14F-4D97-AF65-F5344CB8AC3E}" type="datetimeFigureOut">
               <a:rPr lang="zh-CN" altLang="en-US" dirty="0"/>
-              <a:t>2018-03-16</a:t>
+              <a:t>2018-03-17</a:t>
             </a:fld>
             <a:endParaRPr lang="zh-CN" altLang="en-US" dirty="0"/>
           </a:p>
@@ -7732,7 +7732,7 @@
             <a:pPr lvl="0"/>
             <a:fld id="{BB962C8B-B14F-4D97-AF65-F5344CB8AC3E}" type="datetimeFigureOut">
               <a:rPr lang="zh-CN" altLang="en-US" dirty="0"/>
-              <a:t>2018-03-16</a:t>
+              <a:t>2018-03-17</a:t>
             </a:fld>
             <a:endParaRPr lang="zh-CN" altLang="en-US" dirty="0"/>
           </a:p>
@@ -7916,7 +7916,7 @@
             <a:pPr lvl="0"/>
             <a:fld id="{BB962C8B-B14F-4D97-AF65-F5344CB8AC3E}" type="datetimeFigureOut">
               <a:rPr lang="zh-CN" altLang="en-US" dirty="0"/>
-              <a:t>2018-03-16</a:t>
+              <a:t>2018-03-17</a:t>
             </a:fld>
             <a:endParaRPr lang="zh-CN" altLang="en-US" dirty="0"/>
           </a:p>
@@ -11436,7 +11436,7 @@
             <a:pPr lvl="0"/>
             <a:fld id="{BB962C8B-B14F-4D97-AF65-F5344CB8AC3E}" type="datetimeFigureOut">
               <a:rPr lang="zh-CN" altLang="en-US" dirty="0"/>
-              <a:t>2018-03-16</a:t>
+              <a:t>2018-03-17</a:t>
             </a:fld>
             <a:endParaRPr lang="zh-CN" altLang="en-US" dirty="0"/>
           </a:p>
@@ -11620,7 +11620,7 @@
             <a:pPr lvl="0"/>
             <a:fld id="{BB962C8B-B14F-4D97-AF65-F5344CB8AC3E}" type="datetimeFigureOut">
               <a:rPr lang="zh-CN" altLang="en-US" dirty="0"/>
-              <a:t>2018-03-16</a:t>
+              <a:t>2018-03-17</a:t>
             </a:fld>
             <a:endParaRPr lang="zh-CN" altLang="en-US" dirty="0"/>
           </a:p>
@@ -11870,7 +11870,7 @@
             <a:pPr lvl="0"/>
             <a:fld id="{BB962C8B-B14F-4D97-AF65-F5344CB8AC3E}" type="datetimeFigureOut">
               <a:rPr lang="zh-CN" altLang="en-US" dirty="0"/>
-              <a:t>2018-03-16</a:t>
+              <a:t>2018-03-17</a:t>
             </a:fld>
             <a:endParaRPr lang="zh-CN" altLang="en-US" dirty="0"/>
           </a:p>
@@ -12114,7 +12114,7 @@
             <a:pPr lvl="0"/>
             <a:fld id="{BB962C8B-B14F-4D97-AF65-F5344CB8AC3E}" type="datetimeFigureOut">
               <a:rPr lang="zh-CN" altLang="en-US" dirty="0"/>
-              <a:t>2018-03-16</a:t>
+              <a:t>2018-03-17</a:t>
             </a:fld>
             <a:endParaRPr lang="zh-CN" altLang="en-US" dirty="0"/>
           </a:p>
@@ -12494,7 +12494,7 @@
             <a:pPr lvl="0"/>
             <a:fld id="{BB962C8B-B14F-4D97-AF65-F5344CB8AC3E}" type="datetimeFigureOut">
               <a:rPr lang="zh-CN" altLang="en-US" dirty="0"/>
-              <a:t>2018-03-16</a:t>
+              <a:t>2018-03-17</a:t>
             </a:fld>
             <a:endParaRPr lang="zh-CN" altLang="en-US" dirty="0"/>
           </a:p>
@@ -12618,7 +12618,7 @@
             <a:pPr lvl="0"/>
             <a:fld id="{BB962C8B-B14F-4D97-AF65-F5344CB8AC3E}" type="datetimeFigureOut">
               <a:rPr lang="zh-CN" altLang="en-US" dirty="0"/>
-              <a:t>2018-03-16</a:t>
+              <a:t>2018-03-17</a:t>
             </a:fld>
             <a:endParaRPr lang="zh-CN" altLang="en-US" dirty="0"/>
           </a:p>
@@ -12887,7 +12887,7 @@
             <a:pPr lvl="0"/>
             <a:fld id="{BB962C8B-B14F-4D97-AF65-F5344CB8AC3E}" type="datetimeFigureOut">
               <a:rPr lang="zh-CN" altLang="en-US" dirty="0"/>
-              <a:t>2018-03-16</a:t>
+              <a:t>2018-03-17</a:t>
             </a:fld>
             <a:endParaRPr lang="zh-CN" altLang="en-US" dirty="0"/>
           </a:p>
@@ -13171,7 +13171,7 @@
             <a:pPr lvl="0"/>
             <a:fld id="{BB962C8B-B14F-4D97-AF65-F5344CB8AC3E}" type="datetimeFigureOut">
               <a:rPr lang="zh-CN" altLang="en-US" dirty="0"/>
-              <a:t>2018-03-16</a:t>
+              <a:t>2018-03-17</a:t>
             </a:fld>
             <a:endParaRPr lang="zh-CN" altLang="en-US" dirty="0"/>
           </a:p>
@@ -13431,7 +13431,7 @@
             <a:pPr lvl="0"/>
             <a:fld id="{BB962C8B-B14F-4D97-AF65-F5344CB8AC3E}" type="datetimeFigureOut">
               <a:rPr lang="zh-CN" altLang="en-US" dirty="0"/>
-              <a:t>2018-03-16</a:t>
+              <a:t>2018-03-17</a:t>
             </a:fld>
             <a:endParaRPr lang="zh-CN" altLang="en-US" dirty="0"/>
           </a:p>
@@ -13615,7 +13615,7 @@
             <a:pPr lvl="0"/>
             <a:fld id="{BB962C8B-B14F-4D97-AF65-F5344CB8AC3E}" type="datetimeFigureOut">
               <a:rPr lang="zh-CN" altLang="en-US" dirty="0"/>
-              <a:t>2018-03-16</a:t>
+              <a:t>2018-03-17</a:t>
             </a:fld>
             <a:endParaRPr lang="zh-CN" altLang="en-US" dirty="0"/>
           </a:p>
@@ -13799,7 +13799,7 @@
             <a:pPr lvl="0"/>
             <a:fld id="{BB962C8B-B14F-4D97-AF65-F5344CB8AC3E}" type="datetimeFigureOut">
               <a:rPr lang="zh-CN" altLang="en-US" dirty="0"/>
-              <a:t>2018-03-16</a:t>
+              <a:t>2018-03-17</a:t>
             </a:fld>
             <a:endParaRPr lang="zh-CN" altLang="en-US" dirty="0"/>
           </a:p>
@@ -13995,7 +13995,7 @@
             <a:pPr lvl="0"/>
             <a:fld id="{BB962C8B-B14F-4D97-AF65-F5344CB8AC3E}" type="datetimeFigureOut">
               <a:rPr lang="zh-CN" altLang="en-US" dirty="0"/>
-              <a:t>2018-03-16</a:t>
+              <a:t>2018-03-17</a:t>
             </a:fld>
             <a:endParaRPr lang="zh-CN" altLang="en-US" dirty="0"/>
           </a:p>
@@ -14179,7 +14179,7 @@
             <a:pPr lvl="0"/>
             <a:fld id="{BB962C8B-B14F-4D97-AF65-F5344CB8AC3E}" type="datetimeFigureOut">
               <a:rPr lang="zh-CN" altLang="en-US" dirty="0"/>
-              <a:t>2018-03-16</a:t>
+              <a:t>2018-03-17</a:t>
             </a:fld>
             <a:endParaRPr lang="zh-CN" altLang="en-US" dirty="0"/>
           </a:p>
@@ -14429,7 +14429,7 @@
             <a:pPr lvl="0"/>
             <a:fld id="{BB962C8B-B14F-4D97-AF65-F5344CB8AC3E}" type="datetimeFigureOut">
               <a:rPr lang="zh-CN" altLang="en-US" dirty="0"/>
-              <a:t>2018-03-16</a:t>
+              <a:t>2018-03-17</a:t>
             </a:fld>
             <a:endParaRPr lang="zh-CN" altLang="en-US" dirty="0"/>
           </a:p>
@@ -14673,7 +14673,7 @@
             <a:pPr lvl="0"/>
             <a:fld id="{BB962C8B-B14F-4D97-AF65-F5344CB8AC3E}" type="datetimeFigureOut">
               <a:rPr lang="zh-CN" altLang="en-US" dirty="0"/>
-              <a:t>2018-03-16</a:t>
+              <a:t>2018-03-17</a:t>
             </a:fld>
             <a:endParaRPr lang="zh-CN" altLang="en-US" dirty="0"/>
           </a:p>
@@ -15053,7 +15053,7 @@
             <a:pPr lvl="0"/>
             <a:fld id="{BB962C8B-B14F-4D97-AF65-F5344CB8AC3E}" type="datetimeFigureOut">
               <a:rPr lang="zh-CN" altLang="en-US" dirty="0"/>
-              <a:t>2018-03-16</a:t>
+              <a:t>2018-03-17</a:t>
             </a:fld>
             <a:endParaRPr lang="zh-CN" altLang="en-US" dirty="0"/>
           </a:p>
@@ -15489,7 +15489,7 @@
             <a:pPr lvl="0"/>
             <a:fld id="{BB962C8B-B14F-4D97-AF65-F5344CB8AC3E}" type="datetimeFigureOut">
               <a:rPr lang="zh-CN" altLang="en-US" dirty="0"/>
-              <a:t>2018-03-16</a:t>
+              <a:t>2018-03-17</a:t>
             </a:fld>
             <a:endParaRPr lang="zh-CN" altLang="en-US" dirty="0"/>
           </a:p>
@@ -15582,7 +15582,7 @@
             <a:pPr lvl="0"/>
             <a:fld id="{BB962C8B-B14F-4D97-AF65-F5344CB8AC3E}" type="datetimeFigureOut">
               <a:rPr lang="zh-CN" altLang="en-US" dirty="0"/>
-              <a:t>2018-03-16</a:t>
+              <a:t>2018-03-17</a:t>
             </a:fld>
             <a:endParaRPr lang="zh-CN" altLang="en-US" dirty="0"/>
           </a:p>
@@ -15866,7 +15866,7 @@
             <a:pPr lvl="0"/>
             <a:fld id="{BB962C8B-B14F-4D97-AF65-F5344CB8AC3E}" type="datetimeFigureOut">
               <a:rPr lang="zh-CN" altLang="en-US" dirty="0"/>
-              <a:t>2018-03-16</a:t>
+              <a:t>2018-03-17</a:t>
             </a:fld>
             <a:endParaRPr lang="zh-CN" altLang="en-US" dirty="0"/>
           </a:p>
@@ -16126,7 +16126,7 @@
             <a:pPr lvl="0"/>
             <a:fld id="{BB962C8B-B14F-4D97-AF65-F5344CB8AC3E}" type="datetimeFigureOut">
               <a:rPr lang="zh-CN" altLang="en-US" dirty="0"/>
-              <a:t>2018-03-16</a:t>
+              <a:t>2018-03-17</a:t>
             </a:fld>
             <a:endParaRPr lang="zh-CN" altLang="en-US" dirty="0"/>
           </a:p>
@@ -16310,7 +16310,7 @@
             <a:pPr lvl="0"/>
             <a:fld id="{BB962C8B-B14F-4D97-AF65-F5344CB8AC3E}" type="datetimeFigureOut">
               <a:rPr lang="zh-CN" altLang="en-US" dirty="0"/>
-              <a:t>2018-03-16</a:t>
+              <a:t>2018-03-17</a:t>
             </a:fld>
             <a:endParaRPr lang="zh-CN" altLang="en-US" dirty="0"/>
           </a:p>
@@ -16494,7 +16494,7 @@
             <a:pPr lvl="0"/>
             <a:fld id="{BB962C8B-B14F-4D97-AF65-F5344CB8AC3E}" type="datetimeFigureOut">
               <a:rPr lang="zh-CN" altLang="en-US" dirty="0"/>
-              <a:t>2018-03-16</a:t>
+              <a:t>2018-03-17</a:t>
             </a:fld>
             <a:endParaRPr lang="zh-CN" altLang="en-US" dirty="0"/>
           </a:p>
@@ -16690,7 +16690,7 @@
             <a:pPr lvl="0"/>
             <a:fld id="{BB962C8B-B14F-4D97-AF65-F5344CB8AC3E}" type="datetimeFigureOut">
               <a:rPr lang="zh-CN" altLang="en-US" dirty="0"/>
-              <a:t>2018-03-16</a:t>
+              <a:t>2018-03-17</a:t>
             </a:fld>
             <a:endParaRPr lang="zh-CN" altLang="en-US" dirty="0"/>
           </a:p>
@@ -16874,7 +16874,7 @@
             <a:pPr lvl="0"/>
             <a:fld id="{BB962C8B-B14F-4D97-AF65-F5344CB8AC3E}" type="datetimeFigureOut">
               <a:rPr lang="zh-CN" altLang="en-US" dirty="0"/>
-              <a:t>2018-03-16</a:t>
+              <a:t>2018-03-17</a:t>
             </a:fld>
             <a:endParaRPr lang="zh-CN" altLang="en-US" dirty="0"/>
           </a:p>
@@ -17124,7 +17124,7 @@
             <a:pPr lvl="0"/>
             <a:fld id="{BB962C8B-B14F-4D97-AF65-F5344CB8AC3E}" type="datetimeFigureOut">
               <a:rPr lang="zh-CN" altLang="en-US" dirty="0"/>
-              <a:t>2018-03-16</a:t>
+              <a:t>2018-03-17</a:t>
             </a:fld>
             <a:endParaRPr lang="zh-CN" altLang="en-US" dirty="0"/>
           </a:p>
@@ -17368,7 +17368,7 @@
             <a:pPr lvl="0"/>
             <a:fld id="{BB962C8B-B14F-4D97-AF65-F5344CB8AC3E}" type="datetimeFigureOut">
               <a:rPr lang="zh-CN" altLang="en-US" dirty="0"/>
-              <a:t>2018-03-16</a:t>
+              <a:t>2018-03-17</a:t>
             </a:fld>
             <a:endParaRPr lang="zh-CN" altLang="en-US" dirty="0"/>
           </a:p>
@@ -17804,7 +17804,7 @@
             <a:pPr lvl="0"/>
             <a:fld id="{BB962C8B-B14F-4D97-AF65-F5344CB8AC3E}" type="datetimeFigureOut">
               <a:rPr lang="zh-CN" altLang="en-US" dirty="0"/>
-              <a:t>2018-03-16</a:t>
+              <a:t>2018-03-17</a:t>
             </a:fld>
             <a:endParaRPr lang="zh-CN" altLang="en-US" dirty="0"/>
           </a:p>
@@ -17928,7 +17928,7 @@
             <a:pPr lvl="0"/>
             <a:fld id="{BB962C8B-B14F-4D97-AF65-F5344CB8AC3E}" type="datetimeFigureOut">
               <a:rPr lang="zh-CN" altLang="en-US" dirty="0"/>
-              <a:t>2018-03-16</a:t>
+              <a:t>2018-03-17</a:t>
             </a:fld>
             <a:endParaRPr lang="zh-CN" altLang="en-US" dirty="0"/>
           </a:p>
@@ -18021,7 +18021,7 @@
             <a:pPr lvl="0"/>
             <a:fld id="{BB962C8B-B14F-4D97-AF65-F5344CB8AC3E}" type="datetimeFigureOut">
               <a:rPr lang="zh-CN" altLang="en-US" dirty="0"/>
-              <a:t>2018-03-16</a:t>
+              <a:t>2018-03-17</a:t>
             </a:fld>
             <a:endParaRPr lang="zh-CN" altLang="en-US" dirty="0"/>
           </a:p>
@@ -18305,7 +18305,7 @@
             <a:pPr lvl="0"/>
             <a:fld id="{BB962C8B-B14F-4D97-AF65-F5344CB8AC3E}" type="datetimeFigureOut">
               <a:rPr lang="zh-CN" altLang="en-US" dirty="0"/>
-              <a:t>2018-03-16</a:t>
+              <a:t>2018-03-17</a:t>
             </a:fld>
             <a:endParaRPr lang="zh-CN" altLang="en-US" dirty="0"/>
           </a:p>
@@ -18565,7 +18565,7 @@
             <a:pPr lvl="0"/>
             <a:fld id="{BB962C8B-B14F-4D97-AF65-F5344CB8AC3E}" type="datetimeFigureOut">
               <a:rPr lang="zh-CN" altLang="en-US" dirty="0"/>
-              <a:t>2018-03-16</a:t>
+              <a:t>2018-03-17</a:t>
             </a:fld>
             <a:endParaRPr lang="zh-CN" altLang="en-US" dirty="0"/>
           </a:p>
@@ -18749,7 +18749,7 @@
             <a:pPr lvl="0"/>
             <a:fld id="{BB962C8B-B14F-4D97-AF65-F5344CB8AC3E}" type="datetimeFigureOut">
               <a:rPr lang="zh-CN" altLang="en-US" dirty="0"/>
-              <a:t>2018-03-16</a:t>
+              <a:t>2018-03-17</a:t>
             </a:fld>
             <a:endParaRPr lang="zh-CN" altLang="en-US" dirty="0"/>
           </a:p>
@@ -18933,7 +18933,7 @@
             <a:pPr lvl="0"/>
             <a:fld id="{BB962C8B-B14F-4D97-AF65-F5344CB8AC3E}" type="datetimeFigureOut">
               <a:rPr lang="zh-CN" altLang="en-US" dirty="0"/>
-              <a:t>2018-03-16</a:t>
+              <a:t>2018-03-17</a:t>
             </a:fld>
             <a:endParaRPr lang="zh-CN" altLang="en-US" dirty="0"/>
           </a:p>
@@ -19129,7 +19129,7 @@
             <a:pPr lvl="0"/>
             <a:fld id="{BB962C8B-B14F-4D97-AF65-F5344CB8AC3E}" type="datetimeFigureOut">
               <a:rPr lang="zh-CN" altLang="en-US" dirty="0"/>
-              <a:t>2018-03-16</a:t>
+              <a:t>2018-03-17</a:t>
             </a:fld>
             <a:endParaRPr lang="zh-CN" altLang="en-US" dirty="0"/>
           </a:p>
@@ -19313,7 +19313,7 @@
             <a:pPr lvl="0"/>
             <a:fld id="{BB962C8B-B14F-4D97-AF65-F5344CB8AC3E}" type="datetimeFigureOut">
               <a:rPr lang="zh-CN" altLang="en-US" dirty="0"/>
-              <a:t>2018-03-16</a:t>
+              <a:t>2018-03-17</a:t>
             </a:fld>
             <a:endParaRPr lang="zh-CN" altLang="en-US" dirty="0"/>
           </a:p>
@@ -19563,7 +19563,7 @@
             <a:pPr lvl="0"/>
             <a:fld id="{BB962C8B-B14F-4D97-AF65-F5344CB8AC3E}" type="datetimeFigureOut">
               <a:rPr lang="zh-CN" altLang="en-US" dirty="0"/>
-              <a:t>2018-03-16</a:t>
+              <a:t>2018-03-17</a:t>
             </a:fld>
             <a:endParaRPr lang="zh-CN" altLang="en-US" dirty="0"/>
           </a:p>
@@ -19832,7 +19832,7 @@
             <a:pPr lvl="0"/>
             <a:fld id="{BB962C8B-B14F-4D97-AF65-F5344CB8AC3E}" type="datetimeFigureOut">
               <a:rPr lang="zh-CN" altLang="en-US" dirty="0"/>
-              <a:t>2018-03-16</a:t>
+              <a:t>2018-03-17</a:t>
             </a:fld>
             <a:endParaRPr lang="zh-CN" altLang="en-US" dirty="0"/>
           </a:p>
@@ -20212,7 +20212,7 @@
             <a:pPr lvl="0"/>
             <a:fld id="{BB962C8B-B14F-4D97-AF65-F5344CB8AC3E}" type="datetimeFigureOut">
               <a:rPr lang="zh-CN" altLang="en-US" dirty="0"/>
-              <a:t>2018-03-16</a:t>
+              <a:t>2018-03-17</a:t>
             </a:fld>
             <a:endParaRPr lang="zh-CN" altLang="en-US" dirty="0"/>
           </a:p>
@@ -20336,7 +20336,7 @@
             <a:pPr lvl="0"/>
             <a:fld id="{BB962C8B-B14F-4D97-AF65-F5344CB8AC3E}" type="datetimeFigureOut">
               <a:rPr lang="zh-CN" altLang="en-US" dirty="0"/>
-              <a:t>2018-03-16</a:t>
+              <a:t>2018-03-17</a:t>
             </a:fld>
             <a:endParaRPr lang="zh-CN" altLang="en-US" dirty="0"/>
           </a:p>
@@ -20429,7 +20429,7 @@
             <a:pPr lvl="0"/>
             <a:fld id="{BB962C8B-B14F-4D97-AF65-F5344CB8AC3E}" type="datetimeFigureOut">
               <a:rPr lang="zh-CN" altLang="en-US" dirty="0"/>
-              <a:t>2018-03-16</a:t>
+              <a:t>2018-03-17</a:t>
             </a:fld>
             <a:endParaRPr lang="zh-CN" altLang="en-US" dirty="0"/>
           </a:p>
@@ -20713,7 +20713,7 @@
             <a:pPr lvl="0"/>
             <a:fld id="{BB962C8B-B14F-4D97-AF65-F5344CB8AC3E}" type="datetimeFigureOut">
               <a:rPr lang="zh-CN" altLang="en-US" dirty="0"/>
-              <a:t>2018-03-16</a:t>
+              <a:t>2018-03-17</a:t>
             </a:fld>
             <a:endParaRPr lang="zh-CN" altLang="en-US" dirty="0"/>
           </a:p>
@@ -20973,7 +20973,7 @@
             <a:pPr lvl="0"/>
             <a:fld id="{BB962C8B-B14F-4D97-AF65-F5344CB8AC3E}" type="datetimeFigureOut">
               <a:rPr lang="zh-CN" altLang="en-US" dirty="0"/>
-              <a:t>2018-03-16</a:t>
+              <a:t>2018-03-17</a:t>
             </a:fld>
             <a:endParaRPr lang="zh-CN" altLang="en-US" dirty="0"/>
           </a:p>
@@ -21157,7 +21157,7 @@
             <a:pPr lvl="0"/>
             <a:fld id="{BB962C8B-B14F-4D97-AF65-F5344CB8AC3E}" type="datetimeFigureOut">
               <a:rPr lang="zh-CN" altLang="en-US" dirty="0"/>
-              <a:t>2018-03-16</a:t>
+              <a:t>2018-03-17</a:t>
             </a:fld>
             <a:endParaRPr lang="zh-CN" altLang="en-US" dirty="0"/>
           </a:p>
@@ -21341,7 +21341,7 @@
             <a:pPr lvl="0"/>
             <a:fld id="{BB962C8B-B14F-4D97-AF65-F5344CB8AC3E}" type="datetimeFigureOut">
               <a:rPr lang="zh-CN" altLang="en-US" dirty="0"/>
-              <a:t>2018-03-16</a:t>
+              <a:t>2018-03-17</a:t>
             </a:fld>
             <a:endParaRPr lang="zh-CN" altLang="en-US" dirty="0"/>
           </a:p>
@@ -21537,7 +21537,7 @@
             <a:pPr lvl="0"/>
             <a:fld id="{BB962C8B-B14F-4D97-AF65-F5344CB8AC3E}" type="datetimeFigureOut">
               <a:rPr lang="zh-CN" altLang="en-US" dirty="0"/>
-              <a:t>2018-03-16</a:t>
+              <a:t>2018-03-17</a:t>
             </a:fld>
             <a:endParaRPr lang="zh-CN" altLang="en-US" dirty="0"/>
           </a:p>
@@ -21721,7 +21721,7 @@
             <a:pPr lvl="0"/>
             <a:fld id="{BB962C8B-B14F-4D97-AF65-F5344CB8AC3E}" type="datetimeFigureOut">
               <a:rPr lang="zh-CN" altLang="en-US" dirty="0"/>
-              <a:t>2018-03-16</a:t>
+              <a:t>2018-03-17</a:t>
             </a:fld>
             <a:endParaRPr lang="zh-CN" altLang="en-US" dirty="0"/>
           </a:p>
@@ -22187,7 +22187,7 @@
             <a:pPr lvl="0"/>
             <a:fld id="{BB962C8B-B14F-4D97-AF65-F5344CB8AC3E}" type="datetimeFigureOut">
               <a:rPr lang="zh-CN" altLang="en-US" dirty="0"/>
-              <a:t>2018-03-16</a:t>
+              <a:t>2018-03-17</a:t>
             </a:fld>
             <a:endParaRPr lang="zh-CN" altLang="en-US" dirty="0"/>
           </a:p>
@@ -22431,7 +22431,7 @@
             <a:pPr lvl="0"/>
             <a:fld id="{BB962C8B-B14F-4D97-AF65-F5344CB8AC3E}" type="datetimeFigureOut">
               <a:rPr lang="zh-CN" altLang="en-US" dirty="0"/>
-              <a:t>2018-03-16</a:t>
+              <a:t>2018-03-17</a:t>
             </a:fld>
             <a:endParaRPr lang="zh-CN" altLang="en-US" dirty="0"/>
           </a:p>
@@ -22811,7 +22811,7 @@
             <a:pPr lvl="0"/>
             <a:fld id="{BB962C8B-B14F-4D97-AF65-F5344CB8AC3E}" type="datetimeFigureOut">
               <a:rPr lang="zh-CN" altLang="en-US" dirty="0"/>
-              <a:t>2018-03-16</a:t>
+              <a:t>2018-03-17</a:t>
             </a:fld>
             <a:endParaRPr lang="zh-CN" altLang="en-US" dirty="0"/>
           </a:p>
@@ -22935,7 +22935,7 @@
             <a:pPr lvl="0"/>
             <a:fld id="{BB962C8B-B14F-4D97-AF65-F5344CB8AC3E}" type="datetimeFigureOut">
               <a:rPr lang="zh-CN" altLang="en-US" dirty="0"/>
-              <a:t>2018-03-16</a:t>
+              <a:t>2018-03-17</a:t>
             </a:fld>
             <a:endParaRPr lang="zh-CN" altLang="en-US" dirty="0"/>
           </a:p>
@@ -23028,7 +23028,7 @@
             <a:pPr lvl="0"/>
             <a:fld id="{BB962C8B-B14F-4D97-AF65-F5344CB8AC3E}" type="datetimeFigureOut">
               <a:rPr lang="zh-CN" altLang="en-US" dirty="0"/>
-              <a:t>2018-03-16</a:t>
+              <a:t>2018-03-17</a:t>
             </a:fld>
             <a:endParaRPr lang="zh-CN" altLang="en-US" dirty="0"/>
           </a:p>
@@ -23312,7 +23312,7 @@
             <a:pPr lvl="0"/>
             <a:fld id="{BB962C8B-B14F-4D97-AF65-F5344CB8AC3E}" type="datetimeFigureOut">
               <a:rPr lang="zh-CN" altLang="en-US" dirty="0"/>
-              <a:t>2018-03-16</a:t>
+              <a:t>2018-03-17</a:t>
             </a:fld>
             <a:endParaRPr lang="zh-CN" altLang="en-US" dirty="0"/>
           </a:p>
@@ -23572,7 +23572,7 @@
             <a:pPr lvl="0"/>
             <a:fld id="{BB962C8B-B14F-4D97-AF65-F5344CB8AC3E}" type="datetimeFigureOut">
               <a:rPr lang="zh-CN" altLang="en-US" dirty="0"/>
-              <a:t>2018-03-16</a:t>
+              <a:t>2018-03-17</a:t>
             </a:fld>
             <a:endParaRPr lang="zh-CN" altLang="en-US" dirty="0"/>
           </a:p>
@@ -23756,7 +23756,7 @@
             <a:pPr lvl="0"/>
             <a:fld id="{BB962C8B-B14F-4D97-AF65-F5344CB8AC3E}" type="datetimeFigureOut">
               <a:rPr lang="zh-CN" altLang="en-US" dirty="0"/>
-              <a:t>2018-03-16</a:t>
+              <a:t>2018-03-17</a:t>
             </a:fld>
             <a:endParaRPr lang="zh-CN" altLang="en-US" dirty="0"/>
           </a:p>
@@ -23940,7 +23940,7 @@
             <a:pPr lvl="0"/>
             <a:fld id="{BB962C8B-B14F-4D97-AF65-F5344CB8AC3E}" type="datetimeFigureOut">
               <a:rPr lang="zh-CN" altLang="en-US" dirty="0"/>
-              <a:t>2018-03-16</a:t>
+              <a:t>2018-03-17</a:t>
             </a:fld>
             <a:endParaRPr lang="zh-CN" altLang="en-US" dirty="0"/>
           </a:p>
@@ -24136,7 +24136,7 @@
             <a:pPr lvl="0"/>
             <a:fld id="{BB962C8B-B14F-4D97-AF65-F5344CB8AC3E}" type="datetimeFigureOut">
               <a:rPr lang="zh-CN" altLang="en-US" dirty="0"/>
-              <a:t>2018-03-16</a:t>
+              <a:t>2018-03-17</a:t>
             </a:fld>
             <a:endParaRPr lang="zh-CN" altLang="en-US" dirty="0"/>
           </a:p>
@@ -24512,7 +24512,7 @@
             <a:pPr lvl="0"/>
             <a:fld id="{BB962C8B-B14F-4D97-AF65-F5344CB8AC3E}" type="datetimeFigureOut">
               <a:rPr lang="zh-CN" altLang="en-US" dirty="0"/>
-              <a:t>2018-03-16</a:t>
+              <a:t>2018-03-17</a:t>
             </a:fld>
             <a:endParaRPr lang="zh-CN" altLang="en-US" dirty="0"/>
           </a:p>
@@ -24762,7 +24762,7 @@
             <a:pPr lvl="0"/>
             <a:fld id="{BB962C8B-B14F-4D97-AF65-F5344CB8AC3E}" type="datetimeFigureOut">
               <a:rPr lang="zh-CN" altLang="en-US" dirty="0"/>
-              <a:t>2018-03-16</a:t>
+              <a:t>2018-03-17</a:t>
             </a:fld>
             <a:endParaRPr lang="zh-CN" altLang="en-US" dirty="0"/>
           </a:p>
@@ -25006,7 +25006,7 @@
             <a:pPr lvl="0"/>
             <a:fld id="{BB962C8B-B14F-4D97-AF65-F5344CB8AC3E}" type="datetimeFigureOut">
               <a:rPr lang="zh-CN" altLang="en-US" dirty="0"/>
-              <a:t>2018-03-16</a:t>
+              <a:t>2018-03-17</a:t>
             </a:fld>
             <a:endParaRPr lang="zh-CN" altLang="en-US" dirty="0"/>
           </a:p>
@@ -25386,7 +25386,7 @@
             <a:pPr lvl="0"/>
             <a:fld id="{BB962C8B-B14F-4D97-AF65-F5344CB8AC3E}" type="datetimeFigureOut">
               <a:rPr lang="zh-CN" altLang="en-US" dirty="0"/>
-              <a:t>2018-03-16</a:t>
+              <a:t>2018-03-17</a:t>
             </a:fld>
             <a:endParaRPr lang="zh-CN" altLang="en-US" dirty="0"/>
           </a:p>
@@ -25510,7 +25510,7 @@
             <a:pPr lvl="0"/>
             <a:fld id="{BB962C8B-B14F-4D97-AF65-F5344CB8AC3E}" type="datetimeFigureOut">
               <a:rPr lang="zh-CN" altLang="en-US" dirty="0"/>
-              <a:t>2018-03-16</a:t>
+              <a:t>2018-03-17</a:t>
             </a:fld>
             <a:endParaRPr lang="zh-CN" altLang="en-US" dirty="0"/>
           </a:p>
@@ -25603,7 +25603,7 @@
             <a:pPr lvl="0"/>
             <a:fld id="{BB962C8B-B14F-4D97-AF65-F5344CB8AC3E}" type="datetimeFigureOut">
               <a:rPr lang="zh-CN" altLang="en-US" dirty="0"/>
-              <a:t>2018-03-16</a:t>
+              <a:t>2018-03-17</a:t>
             </a:fld>
             <a:endParaRPr lang="zh-CN" altLang="en-US" dirty="0"/>
           </a:p>
@@ -25887,7 +25887,7 @@
             <a:pPr lvl="0"/>
             <a:fld id="{BB962C8B-B14F-4D97-AF65-F5344CB8AC3E}" type="datetimeFigureOut">
               <a:rPr lang="zh-CN" altLang="en-US" dirty="0"/>
-              <a:t>2018-03-16</a:t>
+              <a:t>2018-03-17</a:t>
             </a:fld>
             <a:endParaRPr lang="zh-CN" altLang="en-US" dirty="0"/>
           </a:p>
@@ -26147,7 +26147,7 @@
             <a:pPr lvl="0"/>
             <a:fld id="{BB962C8B-B14F-4D97-AF65-F5344CB8AC3E}" type="datetimeFigureOut">
               <a:rPr lang="zh-CN" altLang="en-US" dirty="0"/>
-              <a:t>2018-03-16</a:t>
+              <a:t>2018-03-17</a:t>
             </a:fld>
             <a:endParaRPr lang="zh-CN" altLang="en-US" dirty="0"/>
           </a:p>
@@ -26331,7 +26331,7 @@
             <a:pPr lvl="0"/>
             <a:fld id="{BB962C8B-B14F-4D97-AF65-F5344CB8AC3E}" type="datetimeFigureOut">
               <a:rPr lang="zh-CN" altLang="en-US" dirty="0"/>
-              <a:t>2018-03-16</a:t>
+              <a:t>2018-03-17</a:t>
             </a:fld>
             <a:endParaRPr lang="zh-CN" altLang="en-US" dirty="0"/>
           </a:p>
@@ -26515,7 +26515,7 @@
             <a:pPr lvl="0"/>
             <a:fld id="{BB962C8B-B14F-4D97-AF65-F5344CB8AC3E}" type="datetimeFigureOut">
               <a:rPr lang="zh-CN" altLang="en-US" dirty="0"/>
-              <a:t>2018-03-16</a:t>
+              <a:t>2018-03-17</a:t>
             </a:fld>
             <a:endParaRPr lang="zh-CN" altLang="en-US" dirty="0"/>
           </a:p>
@@ -27061,7 +27061,7 @@
             <a:pPr lvl="0"/>
             <a:fld id="{BB962C8B-B14F-4D97-AF65-F5344CB8AC3E}" type="datetimeFigureOut">
               <a:rPr lang="zh-CN" altLang="en-US" dirty="0"/>
-              <a:t>2018-03-16</a:t>
+              <a:t>2018-03-17</a:t>
             </a:fld>
             <a:endParaRPr lang="zh-CN" altLang="en-US" dirty="0"/>
           </a:p>
@@ -27606,7 +27606,7 @@
             <a:pPr lvl="0"/>
             <a:fld id="{BB962C8B-B14F-4D97-AF65-F5344CB8AC3E}" type="datetimeFigureOut">
               <a:rPr lang="zh-CN" altLang="en-US" dirty="0"/>
-              <a:t>2018-03-16</a:t>
+              <a:t>2018-03-17</a:t>
             </a:fld>
             <a:endParaRPr lang="zh-CN" altLang="en-US" dirty="0"/>
           </a:p>
@@ -28151,7 +28151,7 @@
             <a:pPr lvl="0"/>
             <a:fld id="{BB962C8B-B14F-4D97-AF65-F5344CB8AC3E}" type="datetimeFigureOut">
               <a:rPr lang="zh-CN" altLang="en-US" dirty="0"/>
-              <a:t>2018-03-16</a:t>
+              <a:t>2018-03-17</a:t>
             </a:fld>
             <a:endParaRPr lang="zh-CN" altLang="en-US" dirty="0"/>
           </a:p>
@@ -29719,7 +29719,7 @@
             <a:pPr lvl="0"/>
             <a:fld id="{BB962C8B-B14F-4D97-AF65-F5344CB8AC3E}" type="datetimeFigureOut">
               <a:rPr lang="zh-CN" altLang="en-US" dirty="0"/>
-              <a:t>2018-03-16</a:t>
+              <a:t>2018-03-17</a:t>
             </a:fld>
             <a:endParaRPr lang="zh-CN" altLang="en-US" dirty="0"/>
           </a:p>
@@ -30264,7 +30264,7 @@
             <a:pPr lvl="0"/>
             <a:fld id="{BB962C8B-B14F-4D97-AF65-F5344CB8AC3E}" type="datetimeFigureOut">
               <a:rPr lang="zh-CN" altLang="en-US" dirty="0"/>
-              <a:t>2018-03-16</a:t>
+              <a:t>2018-03-17</a:t>
             </a:fld>
             <a:endParaRPr lang="zh-CN" altLang="en-US" dirty="0"/>
           </a:p>
@@ -30809,7 +30809,7 @@
             <a:pPr lvl="0"/>
             <a:fld id="{BB962C8B-B14F-4D97-AF65-F5344CB8AC3E}" type="datetimeFigureOut">
               <a:rPr lang="zh-CN" altLang="en-US" dirty="0"/>
-              <a:t>2018-03-16</a:t>
+              <a:t>2018-03-17</a:t>
             </a:fld>
             <a:endParaRPr lang="zh-CN" altLang="en-US" dirty="0"/>
           </a:p>
@@ -31354,7 +31354,7 @@
             <a:pPr lvl="0"/>
             <a:fld id="{BB962C8B-B14F-4D97-AF65-F5344CB8AC3E}" type="datetimeFigureOut">
               <a:rPr lang="zh-CN" altLang="en-US" dirty="0"/>
-              <a:t>2018-03-16</a:t>
+              <a:t>2018-03-17</a:t>
             </a:fld>
             <a:endParaRPr lang="zh-CN" altLang="en-US" dirty="0"/>
           </a:p>
@@ -31899,7 +31899,7 @@
             <a:pPr lvl="0"/>
             <a:fld id="{BB962C8B-B14F-4D97-AF65-F5344CB8AC3E}" type="datetimeFigureOut">
               <a:rPr lang="zh-CN" altLang="en-US" dirty="0"/>
-              <a:t>2018-03-16</a:t>
+              <a:t>2018-03-17</a:t>
             </a:fld>
             <a:endParaRPr lang="zh-CN" altLang="en-US" dirty="0"/>
           </a:p>
@@ -32444,7 +32444,7 @@
             <a:pPr lvl="0"/>
             <a:fld id="{BB962C8B-B14F-4D97-AF65-F5344CB8AC3E}" type="datetimeFigureOut">
               <a:rPr lang="zh-CN" altLang="en-US" dirty="0"/>
-              <a:t>2018-03-16</a:t>
+              <a:t>2018-03-17</a:t>
             </a:fld>
             <a:endParaRPr lang="zh-CN" altLang="en-US" dirty="0"/>
           </a:p>
@@ -34698,8 +34698,8 @@
         </p:nvSpPr>
         <p:spPr>
           <a:xfrm>
-            <a:off x="8896350" y="5229225"/>
-            <a:ext cx="2878138" cy="830997"/>
+            <a:off x="8451850" y="5026024"/>
+            <a:ext cx="3709794" cy="1338828"/>
           </a:xfrm>
           <a:prstGeom prst="rect">
             <a:avLst/>
@@ -34711,7 +34711,7 @@
           </a:ln>
         </p:spPr>
         <p:txBody>
-          <a:bodyPr>
+          <a:bodyPr wrap="square">
             <a:spAutoFit/>
           </a:bodyPr>
           <a:lstStyle/>
@@ -34722,38 +34722,49 @@
               </a:lnSpc>
             </a:pPr>
             <a:r>
-              <a:rPr lang="zh-CN" altLang="en-US" sz="1600" dirty="0">
+              <a:rPr lang="zh-CN" altLang="en-US" dirty="0">
                 <a:latin typeface="微软雅黑" pitchFamily="2" charset="-122"/>
                 <a:ea typeface="微软雅黑" pitchFamily="2" charset="-122"/>
               </a:rPr>
-              <a:t>迫切</a:t>
-            </a:r>
-            <a:r>
-              <a:rPr lang="zh-CN" altLang="en-US" sz="1600" dirty="0" smtClean="0">
+              <a:t>输电线路故障定位</a:t>
+            </a:r>
+            <a:r>
+              <a:rPr lang="zh-CN" altLang="en-US" dirty="0" smtClean="0">
                 <a:latin typeface="微软雅黑" pitchFamily="2" charset="-122"/>
                 <a:ea typeface="微软雅黑" pitchFamily="2" charset="-122"/>
               </a:rPr>
-              <a:t>需要高效</a:t>
-            </a:r>
-            <a:r>
-              <a:rPr lang="zh-CN" altLang="en-US" sz="1600" dirty="0">
+              <a:t>算法的</a:t>
+            </a:r>
+            <a:r>
+              <a:rPr lang="zh-CN" altLang="en-US" dirty="0" smtClean="0">
                 <a:latin typeface="微软雅黑" pitchFamily="2" charset="-122"/>
                 <a:ea typeface="微软雅黑" pitchFamily="2" charset="-122"/>
               </a:rPr>
-              <a:t>、准确、快速的输电线路故障定位</a:t>
-            </a:r>
-            <a:r>
-              <a:rPr lang="zh-CN" altLang="en-US" sz="1600" dirty="0" smtClean="0">
-                <a:latin typeface="微软雅黑" pitchFamily="2" charset="-122"/>
-                <a:ea typeface="微软雅黑" pitchFamily="2" charset="-122"/>
-              </a:rPr>
-              <a:t>算法；</a:t>
-            </a:r>
-            <a:endParaRPr lang="zh-CN" altLang="en-US" sz="1600" dirty="0">
+              <a:t>高效性、准确性、无法满足电力系统的需求。</a:t>
+            </a:r>
+            <a:endParaRPr lang="en-US" altLang="zh-CN" dirty="0" smtClean="0">
               <a:latin typeface="微软雅黑" pitchFamily="2" charset="-122"/>
               <a:ea typeface="微软雅黑" pitchFamily="2" charset="-122"/>
             </a:endParaRPr>
           </a:p>
+          <a:p>
+            <a:pPr lvl="0">
+              <a:lnSpc>
+                <a:spcPct val="150000"/>
+              </a:lnSpc>
+            </a:pPr>
+            <a:r>
+              <a:rPr lang="zh-CN" altLang="en-US" u="sng" dirty="0" smtClean="0">
+                <a:latin typeface="华文楷体" panose="02010600040101010101" pitchFamily="2" charset="-122"/>
+                <a:ea typeface="华文楷体" panose="02010600040101010101" pitchFamily="2" charset="-122"/>
+              </a:rPr>
+              <a:t>中性点非有效接地故障测距问题</a:t>
+            </a:r>
+            <a:endParaRPr lang="zh-CN" altLang="en-US" u="sng" dirty="0">
+              <a:latin typeface="华文楷体" panose="02010600040101010101" pitchFamily="2" charset="-122"/>
+              <a:ea typeface="华文楷体" panose="02010600040101010101" pitchFamily="2" charset="-122"/>
+            </a:endParaRPr>
+          </a:p>
         </p:txBody>
       </p:sp>
       <p:sp>
@@ -34764,8 +34775,8 @@
         </p:nvSpPr>
         <p:spPr>
           <a:xfrm>
-            <a:off x="6697988" y="1709738"/>
-            <a:ext cx="3143250" cy="830997"/>
+            <a:off x="6687040" y="1747588"/>
+            <a:ext cx="4755660" cy="923330"/>
           </a:xfrm>
           <a:prstGeom prst="rect">
             <a:avLst/>
@@ -34777,7 +34788,7 @@
           </a:ln>
         </p:spPr>
         <p:txBody>
-          <a:bodyPr>
+          <a:bodyPr wrap="square">
             <a:spAutoFit/>
           </a:bodyPr>
           <a:lstStyle/>
@@ -34788,20 +34799,27 @@
               </a:lnSpc>
             </a:pPr>
             <a:r>
-              <a:rPr lang="zh-CN" altLang="en-US" sz="1600" dirty="0">
+              <a:rPr lang="zh-CN" altLang="en-US" dirty="0" smtClean="0">
                 <a:latin typeface="微软雅黑" pitchFamily="2" charset="-122"/>
                 <a:ea typeface="微软雅黑" pitchFamily="2" charset="-122"/>
               </a:rPr>
-              <a:t>切实解决工业界问题</a:t>
-            </a:r>
-            <a:r>
-              <a:rPr lang="zh-CN" altLang="en-US" sz="1600" dirty="0" smtClean="0">
+              <a:t>具有超强的学习能力，切实</a:t>
+            </a:r>
+            <a:r>
+              <a:rPr lang="zh-CN" altLang="en-US" dirty="0">
+                <a:latin typeface="微软雅黑" pitchFamily="2" charset="-122"/>
+                <a:ea typeface="微软雅黑" pitchFamily="2" charset="-122"/>
+              </a:rPr>
+              <a:t>解决工业界问题</a:t>
+            </a:r>
+            <a:r>
+              <a:rPr lang="zh-CN" altLang="en-US" dirty="0" smtClean="0">
                 <a:latin typeface="微软雅黑" pitchFamily="2" charset="-122"/>
                 <a:ea typeface="微软雅黑" pitchFamily="2" charset="-122"/>
               </a:rPr>
               <a:t>；</a:t>
             </a:r>
-            <a:endParaRPr lang="en-US" altLang="zh-CN" sz="1600" dirty="0" smtClean="0">
+            <a:endParaRPr lang="en-US" altLang="zh-CN" dirty="0" smtClean="0">
               <a:latin typeface="微软雅黑" pitchFamily="2" charset="-122"/>
               <a:ea typeface="微软雅黑" pitchFamily="2" charset="-122"/>
             </a:endParaRPr>
@@ -34813,20 +34831,13 @@
               </a:lnSpc>
             </a:pPr>
             <a:r>
-              <a:rPr lang="zh-CN" altLang="en-US" sz="1600" dirty="0" smtClean="0">
+              <a:rPr lang="zh-CN" altLang="en-US" dirty="0" smtClean="0">
                 <a:latin typeface="微软雅黑" pitchFamily="2" charset="-122"/>
                 <a:ea typeface="微软雅黑" pitchFamily="2" charset="-122"/>
               </a:rPr>
-              <a:t>备受电力领域</a:t>
-            </a:r>
-            <a:r>
-              <a:rPr lang="zh-CN" altLang="en-US" sz="1600" dirty="0" smtClean="0">
-                <a:latin typeface="微软雅黑" pitchFamily="2" charset="-122"/>
-                <a:ea typeface="微软雅黑" pitchFamily="2" charset="-122"/>
-              </a:rPr>
-              <a:t>关注。</a:t>
-            </a:r>
-            <a:endParaRPr lang="zh-CN" altLang="en-US" sz="1600" dirty="0">
+              <a:t>备受电力领域关注。</a:t>
+            </a:r>
+            <a:endParaRPr lang="zh-CN" altLang="en-US" dirty="0">
               <a:latin typeface="微软雅黑" pitchFamily="2" charset="-122"/>
               <a:ea typeface="微软雅黑" pitchFamily="2" charset="-122"/>
             </a:endParaRPr>
@@ -34842,7 +34853,7 @@
         <p:spPr>
           <a:xfrm>
             <a:off x="6548819" y="1465263"/>
-            <a:ext cx="2709481" cy="338554"/>
+            <a:ext cx="2709481" cy="369332"/>
           </a:xfrm>
           <a:prstGeom prst="rect">
             <a:avLst/>
@@ -34861,7 +34872,7 @@
           <a:p>
             <a:pPr lvl="0" algn="ctr"/>
             <a:r>
-              <a:rPr lang="zh-CN" altLang="en-US" sz="1600" b="1" dirty="0" smtClean="0">
+              <a:rPr lang="zh-CN" altLang="en-US" b="1" dirty="0" smtClean="0">
                 <a:solidFill>
                   <a:srgbClr val="0D0D0D"/>
                 </a:solidFill>
@@ -34870,7 +34881,7 @@
               </a:rPr>
               <a:t>人工智能领域的研究热点</a:t>
             </a:r>
-            <a:endParaRPr lang="zh-CN" altLang="en-US" sz="1600" b="1" dirty="0">
+            <a:endParaRPr lang="zh-CN" altLang="en-US" b="1" dirty="0">
               <a:solidFill>
                 <a:srgbClr val="0D0D0D"/>
               </a:solidFill>
@@ -34888,8 +34899,8 @@
         </p:nvSpPr>
         <p:spPr>
           <a:xfrm>
-            <a:off x="139701" y="5145088"/>
-            <a:ext cx="3150856" cy="1569660"/>
+            <a:off x="495917" y="4845771"/>
+            <a:ext cx="3087784" cy="2123658"/>
           </a:xfrm>
           <a:prstGeom prst="rect">
             <a:avLst/>
@@ -34912,65 +34923,118 @@
               </a:lnSpc>
             </a:pPr>
             <a:r>
-              <a:rPr lang="zh-CN" altLang="en-US" sz="1600" dirty="0" smtClean="0">
+              <a:rPr lang="zh-CN" altLang="en-US" dirty="0" smtClean="0">
+                <a:latin typeface="微软雅黑" pitchFamily="2" charset="-122"/>
+                <a:ea typeface="微软雅黑" pitchFamily="2" charset="-122"/>
+              </a:rPr>
+              <a:t>是</a:t>
+            </a:r>
+            <a:r>
+              <a:rPr lang="zh-CN" altLang="en-US" dirty="0" smtClean="0">
+                <a:latin typeface="微软雅黑" pitchFamily="2" charset="-122"/>
+                <a:ea typeface="微软雅黑" pitchFamily="2" charset="-122"/>
+              </a:rPr>
+              <a:t>故障定位</a:t>
+            </a:r>
+            <a:r>
+              <a:rPr lang="zh-CN" altLang="en-US" dirty="0">
+                <a:latin typeface="微软雅黑" pitchFamily="2" charset="-122"/>
+                <a:ea typeface="微软雅黑" pitchFamily="2" charset="-122"/>
+              </a:rPr>
+              <a:t>的一个重要</a:t>
+            </a:r>
+            <a:r>
+              <a:rPr lang="zh-CN" altLang="en-US" dirty="0" smtClean="0">
+                <a:latin typeface="微软雅黑" pitchFamily="2" charset="-122"/>
+                <a:ea typeface="微软雅黑" pitchFamily="2" charset="-122"/>
+              </a:rPr>
+              <a:t>保障</a:t>
+            </a:r>
+            <a:r>
+              <a:rPr lang="zh-CN" altLang="en-US" dirty="0" smtClean="0">
+                <a:latin typeface="微软雅黑" pitchFamily="2" charset="-122"/>
+                <a:ea typeface="微软雅黑" pitchFamily="2" charset="-122"/>
+              </a:rPr>
+              <a:t>；</a:t>
+            </a:r>
+            <a:endParaRPr lang="en-US" altLang="zh-CN" dirty="0" smtClean="0">
+              <a:latin typeface="微软雅黑" pitchFamily="2" charset="-122"/>
+              <a:ea typeface="微软雅黑" pitchFamily="2" charset="-122"/>
+            </a:endParaRPr>
+          </a:p>
+          <a:p>
+            <a:pPr>
+              <a:lnSpc>
+                <a:spcPct val="150000"/>
+              </a:lnSpc>
+            </a:pPr>
+            <a:r>
+              <a:rPr lang="zh-CN" altLang="en-US" dirty="0">
                 <a:latin typeface="微软雅黑" pitchFamily="2" charset="-122"/>
                 <a:ea typeface="微软雅黑" pitchFamily="2" charset="-122"/>
               </a:rPr>
               <a:t>输电线路故障类型有十余种；</a:t>
             </a:r>
-            <a:endParaRPr lang="en-US" altLang="zh-CN" sz="1600" dirty="0" smtClean="0">
+            <a:endParaRPr lang="en-US" altLang="zh-CN" dirty="0">
               <a:latin typeface="微软雅黑" pitchFamily="2" charset="-122"/>
               <a:ea typeface="微软雅黑" pitchFamily="2" charset="-122"/>
             </a:endParaRPr>
           </a:p>
           <a:p>
-            <a:pPr lvl="0">
+            <a:pPr>
               <a:lnSpc>
                 <a:spcPct val="150000"/>
               </a:lnSpc>
             </a:pPr>
             <a:r>
-              <a:rPr lang="zh-CN" altLang="en-US" sz="1600" dirty="0" smtClean="0">
+              <a:rPr lang="zh-CN" altLang="zh-CN" dirty="0" smtClean="0">
                 <a:latin typeface="微软雅黑" pitchFamily="2" charset="-122"/>
                 <a:ea typeface="微软雅黑" pitchFamily="2" charset="-122"/>
               </a:rPr>
-              <a:t>是故障定位</a:t>
-            </a:r>
-            <a:r>
-              <a:rPr lang="zh-CN" altLang="en-US" sz="1600" dirty="0">
+              <a:t>分类</a:t>
+            </a:r>
+            <a:r>
+              <a:rPr lang="zh-CN" altLang="zh-CN" dirty="0">
                 <a:latin typeface="微软雅黑" pitchFamily="2" charset="-122"/>
                 <a:ea typeface="微软雅黑" pitchFamily="2" charset="-122"/>
               </a:rPr>
-              <a:t>的一个重要</a:t>
-            </a:r>
-            <a:r>
-              <a:rPr lang="zh-CN" altLang="en-US" sz="1600" dirty="0" smtClean="0">
+              <a:t>速度和分类</a:t>
+            </a:r>
+            <a:r>
+              <a:rPr lang="zh-CN" altLang="zh-CN" dirty="0" smtClean="0">
                 <a:latin typeface="微软雅黑" pitchFamily="2" charset="-122"/>
                 <a:ea typeface="微软雅黑" pitchFamily="2" charset="-122"/>
               </a:rPr>
-              <a:t>保障</a:t>
-            </a:r>
-            <a:r>
-              <a:rPr lang="zh-CN" altLang="en-US" sz="1600" dirty="0" smtClean="0">
+              <a:t>准确性</a:t>
+            </a:r>
+            <a:r>
+              <a:rPr lang="zh-CN" altLang="en-US" dirty="0" smtClean="0">
                 <a:latin typeface="微软雅黑" pitchFamily="2" charset="-122"/>
                 <a:ea typeface="微软雅黑" pitchFamily="2" charset="-122"/>
               </a:rPr>
-              <a:t>；</a:t>
-            </a:r>
-            <a:endParaRPr lang="en-US" altLang="zh-CN" sz="1600" dirty="0" smtClean="0">
+              <a:t>不足。</a:t>
+            </a:r>
+            <a:endParaRPr lang="en-US" altLang="zh-CN" dirty="0">
               <a:latin typeface="微软雅黑" pitchFamily="2" charset="-122"/>
               <a:ea typeface="微软雅黑" pitchFamily="2" charset="-122"/>
             </a:endParaRPr>
           </a:p>
           <a:p>
-            <a:pPr lvl="0">
+            <a:pPr>
               <a:lnSpc>
                 <a:spcPct val="150000"/>
               </a:lnSpc>
             </a:pPr>
-            <a:endParaRPr lang="en-US" altLang="zh-CN" sz="1600" dirty="0">
-              <a:latin typeface="微软雅黑" pitchFamily="2" charset="-122"/>
-              <a:ea typeface="微软雅黑" pitchFamily="2" charset="-122"/>
+            <a:r>
+              <a:rPr lang="zh-CN" altLang="en-US" u="sng" dirty="0">
+                <a:latin typeface="华文楷体" panose="02010600040101010101" pitchFamily="2" charset="-122"/>
+                <a:ea typeface="华文楷体" panose="02010600040101010101" pitchFamily="2" charset="-122"/>
+              </a:rPr>
+              <a:t>小电流接地故障选线问题</a:t>
+            </a:r>
+            <a:endParaRPr lang="en-US" altLang="zh-CN" u="sng" dirty="0">
+              <a:latin typeface="华文楷体" panose="02010600040101010101" pitchFamily="2" charset="-122"/>
+              <a:ea typeface="华文楷体" panose="02010600040101010101" pitchFamily="2" charset="-122"/>
             </a:endParaRPr>
           </a:p>
           <a:p>
@@ -34994,8 +35058,8 @@
         </p:nvSpPr>
         <p:spPr>
           <a:xfrm>
-            <a:off x="520700" y="4889879"/>
-            <a:ext cx="2689226" cy="387798"/>
+            <a:off x="410153" y="4421039"/>
+            <a:ext cx="3113457" cy="424732"/>
           </a:xfrm>
           <a:prstGeom prst="rect">
             <a:avLst/>
@@ -35018,13 +35082,13 @@
               </a:lnSpc>
             </a:pPr>
             <a:r>
-              <a:rPr lang="zh-CN" altLang="en-US" sz="1600" b="1" dirty="0" smtClean="0">
+              <a:rPr lang="zh-CN" altLang="en-US" b="1" dirty="0" smtClean="0">
                 <a:latin typeface="微软雅黑" pitchFamily="2" charset="-122"/>
                 <a:ea typeface="微软雅黑" pitchFamily="2" charset="-122"/>
               </a:rPr>
               <a:t>电力系统中尚未解决的问题</a:t>
             </a:r>
-            <a:endParaRPr lang="zh-CN" altLang="en-US" sz="1600" b="1" dirty="0">
+            <a:endParaRPr lang="zh-CN" altLang="en-US" b="1" dirty="0">
               <a:latin typeface="微软雅黑" pitchFamily="2" charset="-122"/>
               <a:ea typeface="微软雅黑" pitchFamily="2" charset="-122"/>
             </a:endParaRPr>
@@ -35039,8 +35103,8 @@
         </p:nvSpPr>
         <p:spPr>
           <a:xfrm>
-            <a:off x="5518150" y="1427163"/>
-            <a:ext cx="1038225" cy="923925"/>
+            <a:off x="5810250" y="1427163"/>
+            <a:ext cx="611065" cy="923330"/>
           </a:xfrm>
           <a:prstGeom prst="rect">
             <a:avLst/>
@@ -35059,14 +35123,14 @@
           <a:p>
             <a:pPr lvl="0"/>
             <a:r>
-              <a:rPr lang="en-US" altLang="x-none" sz="5400" b="1" dirty="0">
+              <a:rPr lang="en-US" altLang="x-none" sz="5400" b="1" dirty="0" smtClean="0">
                 <a:solidFill>
                   <a:srgbClr val="00A99D"/>
                 </a:solidFill>
                 <a:latin typeface="微软雅黑" pitchFamily="2" charset="-122"/>
                 <a:ea typeface="微软雅黑" pitchFamily="2" charset="-122"/>
               </a:rPr>
-              <a:t>01</a:t>
+              <a:t>1</a:t>
             </a:r>
             <a:endParaRPr lang="zh-CN" altLang="en-US" sz="5400" b="1" dirty="0">
               <a:solidFill>
@@ -35086,8 +35150,8 @@
         </p:nvSpPr>
         <p:spPr>
           <a:xfrm>
-            <a:off x="3208338" y="4902200"/>
-            <a:ext cx="1038225" cy="923925"/>
+            <a:off x="3665538" y="4902200"/>
+            <a:ext cx="611065" cy="923330"/>
           </a:xfrm>
           <a:prstGeom prst="rect">
             <a:avLst/>
@@ -35106,14 +35170,14 @@
           <a:p>
             <a:pPr lvl="0"/>
             <a:r>
-              <a:rPr lang="en-US" altLang="x-none" sz="5400" b="1" dirty="0">
+              <a:rPr lang="en-US" altLang="x-none" sz="5400" b="1" dirty="0" smtClean="0">
                 <a:solidFill>
                   <a:srgbClr val="00A99D"/>
                 </a:solidFill>
                 <a:latin typeface="微软雅黑" pitchFamily="2" charset="-122"/>
                 <a:ea typeface="微软雅黑" pitchFamily="2" charset="-122"/>
               </a:rPr>
-              <a:t>02</a:t>
+              <a:t>2</a:t>
             </a:r>
             <a:endParaRPr lang="zh-CN" altLang="en-US" sz="5400" b="1" dirty="0">
               <a:solidFill>
@@ -35134,7 +35198,7 @@
         <p:spPr>
           <a:xfrm>
             <a:off x="7877175" y="4970463"/>
-            <a:ext cx="1036638" cy="923925"/>
+            <a:ext cx="611065" cy="923330"/>
           </a:xfrm>
           <a:prstGeom prst="rect">
             <a:avLst/>
@@ -35153,14 +35217,14 @@
           <a:p>
             <a:pPr lvl="0"/>
             <a:r>
-              <a:rPr lang="en-US" altLang="x-none" sz="5400" b="1" dirty="0">
+              <a:rPr lang="en-US" altLang="x-none" sz="5400" b="1" dirty="0" smtClean="0">
                 <a:solidFill>
                   <a:srgbClr val="00A99D"/>
                 </a:solidFill>
                 <a:latin typeface="微软雅黑" pitchFamily="2" charset="-122"/>
                 <a:ea typeface="微软雅黑" pitchFamily="2" charset="-122"/>
               </a:rPr>
-              <a:t>03</a:t>
+              <a:t>3</a:t>
             </a:r>
             <a:endParaRPr lang="zh-CN" altLang="en-US" sz="5400" b="1" dirty="0">
               <a:solidFill>
@@ -35179,9 +35243,9 @@
           <p:nvPr/>
         </p:nvCxnSpPr>
         <p:spPr>
-          <a:xfrm>
-            <a:off x="6561138" y="1508125"/>
-            <a:ext cx="0" cy="801688"/>
+          <a:xfrm flipH="1">
+            <a:off x="6556375" y="1508125"/>
+            <a:ext cx="4763" cy="1113870"/>
           </a:xfrm>
           <a:prstGeom prst="line">
             <a:avLst/>
@@ -35203,9 +35267,9 @@
           <p:nvPr/>
         </p:nvCxnSpPr>
         <p:spPr>
-          <a:xfrm>
-            <a:off x="3224213" y="4983163"/>
-            <a:ext cx="0" cy="801687"/>
+          <a:xfrm flipH="1">
+            <a:off x="3667126" y="4568247"/>
+            <a:ext cx="5475" cy="1743653"/>
           </a:xfrm>
           <a:prstGeom prst="line">
             <a:avLst/>
@@ -35227,9 +35291,9 @@
           <p:nvPr/>
         </p:nvCxnSpPr>
         <p:spPr>
-          <a:xfrm>
-            <a:off x="8886825" y="5049838"/>
-            <a:ext cx="0" cy="803275"/>
+          <a:xfrm flipH="1">
+            <a:off x="8451850" y="4631746"/>
+            <a:ext cx="1" cy="1629354"/>
           </a:xfrm>
           <a:prstGeom prst="line">
             <a:avLst/>
@@ -35252,8 +35316,8 @@
         </p:nvSpPr>
         <p:spPr>
           <a:xfrm>
-            <a:off x="8824308" y="4961693"/>
-            <a:ext cx="2011965" cy="338554"/>
+            <a:off x="8456008" y="4580693"/>
+            <a:ext cx="2011965" cy="369332"/>
           </a:xfrm>
           <a:prstGeom prst="rect">
             <a:avLst/>
@@ -35272,7 +35336,7 @@
           <a:p>
             <a:pPr lvl="0" algn="ctr"/>
             <a:r>
-              <a:rPr lang="zh-CN" altLang="en-US" sz="1600" b="1" dirty="0" smtClean="0">
+              <a:rPr lang="zh-CN" altLang="en-US" b="1" dirty="0" smtClean="0">
                 <a:solidFill>
                   <a:srgbClr val="0D0D0D"/>
                 </a:solidFill>
@@ -35281,7 +35345,7 @@
               </a:rPr>
               <a:t>电力领域研究热点</a:t>
             </a:r>
-            <a:endParaRPr lang="zh-CN" altLang="en-US" sz="1600" b="1" dirty="0">
+            <a:endParaRPr lang="zh-CN" altLang="en-US" b="1" dirty="0">
               <a:solidFill>
                 <a:srgbClr val="0D0D0D"/>
               </a:solidFill>
@@ -35400,7 +35464,7 @@
           </a:gradFill>
           <a:ln w="3175" cap="flat" cmpd="sng">
             <a:solidFill>
-              <a:srgbClr val="EAEAEA"/>
+              <a:srgbClr val="01BBAE"/>
             </a:solidFill>
             <a:prstDash val="solid"/>
             <a:miter/>
@@ -35751,7 +35815,17 @@
                 <a:latin typeface="微软雅黑" pitchFamily="2" charset="-122"/>
                 <a:ea typeface="微软雅黑" pitchFamily="2" charset="-122"/>
               </a:rPr>
-              <a:t>基于</a:t>
+              <a:t>基于机器学习的</a:t>
+            </a:r>
+            <a:r>
+              <a:rPr lang="zh-CN" altLang="en-US" sz="2000" dirty="0">
+                <a:solidFill>
+                  <a:srgbClr val="404040"/>
+                </a:solidFill>
+                <a:latin typeface="微软雅黑" pitchFamily="2" charset="-122"/>
+                <a:ea typeface="微软雅黑" pitchFamily="2" charset="-122"/>
+              </a:rPr>
+              <a:t>输电线路故障分类与定位的新</a:t>
             </a:r>
             <a:r>
               <a:rPr lang="zh-CN" altLang="en-US" sz="2000" dirty="0" smtClean="0">
@@ -35761,27 +35835,7 @@
                 <a:latin typeface="微软雅黑" pitchFamily="2" charset="-122"/>
                 <a:ea typeface="微软雅黑" pitchFamily="2" charset="-122"/>
               </a:rPr>
-              <a:t>机器学习的</a:t>
-            </a:r>
-            <a:r>
-              <a:rPr lang="zh-CN" altLang="en-US" sz="2000" dirty="0">
-                <a:solidFill>
-                  <a:srgbClr val="404040"/>
-                </a:solidFill>
-                <a:latin typeface="微软雅黑" pitchFamily="2" charset="-122"/>
-                <a:ea typeface="微软雅黑" pitchFamily="2" charset="-122"/>
-              </a:rPr>
-              <a:t>输电线路故障分类与定位的新方法</a:t>
-            </a:r>
-            <a:r>
-              <a:rPr lang="zh-CN" altLang="en-US" sz="2000" dirty="0" smtClean="0">
-                <a:solidFill>
-                  <a:srgbClr val="404040"/>
-                </a:solidFill>
-                <a:latin typeface="微软雅黑" pitchFamily="2" charset="-122"/>
-                <a:ea typeface="微软雅黑" pitchFamily="2" charset="-122"/>
-              </a:rPr>
-              <a:t>；</a:t>
+              <a:t>方法，并在软件层面实现；</a:t>
             </a:r>
             <a:endParaRPr lang="zh-CN" altLang="en-US" sz="2000" dirty="0">
               <a:solidFill>
@@ -35875,8 +35929,8 @@
         </p:nvGrpSpPr>
         <p:grpSpPr>
           <a:xfrm>
-            <a:off x="2306638" y="1868488"/>
-            <a:ext cx="8240712" cy="4389437"/>
+            <a:off x="1765300" y="1868488"/>
+            <a:ext cx="8991600" cy="4389437"/>
             <a:chOff x="0" y="0"/>
             <a:chExt cx="9367838" cy="4989078"/>
           </a:xfrm>
@@ -36110,24 +36164,38 @@
             <a:bodyPr anchor="ctr"/>
             <a:lstStyle/>
             <a:p>
-              <a:pPr lvl="0" algn="ctr">
+              <a:pPr lvl="0">
                 <a:lnSpc>
                   <a:spcPct val="130000"/>
                 </a:lnSpc>
               </a:pPr>
               <a:r>
+                <a:rPr lang="zh-CN" altLang="en-US" dirty="0" smtClean="0">
+                  <a:latin typeface="微软雅黑" pitchFamily="2" charset="-122"/>
+                  <a:ea typeface="微软雅黑" pitchFamily="2" charset="-122"/>
+                </a:rPr>
+                <a:t>对输电线路</a:t>
+              </a:r>
+              <a:r>
                 <a:rPr lang="zh-CN" altLang="en-US" dirty="0">
                   <a:latin typeface="微软雅黑" pitchFamily="2" charset="-122"/>
                   <a:ea typeface="微软雅黑" pitchFamily="2" charset="-122"/>
                 </a:rPr>
-                <a:t>对电网的输电线路故障进行理论分析和</a:t>
+                <a:t>故障进行理论分析和</a:t>
               </a:r>
               <a:r>
                 <a:rPr lang="zh-CN" altLang="en-US" dirty="0" smtClean="0">
                   <a:latin typeface="微软雅黑" pitchFamily="2" charset="-122"/>
                   <a:ea typeface="微软雅黑" pitchFamily="2" charset="-122"/>
                 </a:rPr>
-                <a:t>研究并建立其故障仿真模型</a:t>
+                <a:t>研究并</a:t>
+              </a:r>
+              <a:r>
+                <a:rPr lang="zh-CN" altLang="en-US" dirty="0" smtClean="0">
+                  <a:latin typeface="微软雅黑" pitchFamily="2" charset="-122"/>
+                  <a:ea typeface="微软雅黑" pitchFamily="2" charset="-122"/>
+                </a:rPr>
+                <a:t>建立各类故障的仿真模型</a:t>
               </a:r>
               <a:endParaRPr lang="zh-CN" altLang="en-US" dirty="0">
                 <a:ea typeface="微软雅黑" pitchFamily="2" charset="-122"/>
@@ -36392,7 +36460,7 @@
             <a:bodyPr anchor="ctr"/>
             <a:lstStyle/>
             <a:p>
-              <a:pPr lvl="0" algn="ctr">
+              <a:pPr lvl="0">
                 <a:lnSpc>
                   <a:spcPct val="130000"/>
                 </a:lnSpc>
@@ -36402,7 +36470,14 @@
                   <a:latin typeface="微软雅黑" pitchFamily="2" charset="-122"/>
                   <a:ea typeface="微软雅黑" pitchFamily="2" charset="-122"/>
                 </a:rPr>
-                <a:t>机器学习算法和</a:t>
+                <a:t>机器学习</a:t>
+              </a:r>
+              <a:r>
+                <a:rPr lang="zh-CN" altLang="en-US" dirty="0" smtClean="0">
+                  <a:latin typeface="微软雅黑" pitchFamily="2" charset="-122"/>
+                  <a:ea typeface="微软雅黑" pitchFamily="2" charset="-122"/>
+                </a:rPr>
+                <a:t>算法和</a:t>
               </a:r>
               <a:r>
                 <a:rPr lang="en-US" altLang="zh-CN" dirty="0" err="1" smtClean="0">
@@ -36416,7 +36491,14 @@
                   <a:latin typeface="微软雅黑" pitchFamily="2" charset="-122"/>
                   <a:ea typeface="微软雅黑" pitchFamily="2" charset="-122"/>
                 </a:rPr>
-                <a:t>框架进行深入研究</a:t>
+                <a:t>框架进行</a:t>
+              </a:r>
+              <a:r>
+                <a:rPr lang="zh-CN" altLang="en-US" dirty="0" smtClean="0">
+                  <a:latin typeface="微软雅黑" pitchFamily="2" charset="-122"/>
+                  <a:ea typeface="微软雅黑" pitchFamily="2" charset="-122"/>
+                </a:rPr>
+                <a:t>深入研究</a:t>
               </a:r>
               <a:endParaRPr lang="zh-CN" altLang="en-US" dirty="0">
                 <a:ea typeface="微软雅黑" pitchFamily="2" charset="-122"/>
@@ -36681,7 +36763,7 @@
             <a:bodyPr anchor="ctr"/>
             <a:lstStyle/>
             <a:p>
-              <a:pPr lvl="0" algn="ctr">
+              <a:pPr lvl="0">
                 <a:lnSpc>
                   <a:spcPct val="130000"/>
                 </a:lnSpc>
@@ -36691,7 +36773,28 @@
                   <a:latin typeface="微软雅黑" pitchFamily="2" charset="-122"/>
                   <a:ea typeface="微软雅黑" pitchFamily="2" charset="-122"/>
                 </a:rPr>
-                <a:t>机器学习算法的参数设置、训练与改进</a:t>
+                <a:t>机器学习算法的参数设置</a:t>
+              </a:r>
+              <a:r>
+                <a:rPr lang="zh-CN" altLang="en-US" dirty="0" smtClean="0">
+                  <a:latin typeface="微软雅黑" pitchFamily="2" charset="-122"/>
+                  <a:ea typeface="微软雅黑" pitchFamily="2" charset="-122"/>
+                </a:rPr>
+                <a:t>、模型训练</a:t>
+              </a:r>
+              <a:r>
+                <a:rPr lang="zh-CN" altLang="en-US" dirty="0" smtClean="0">
+                  <a:latin typeface="微软雅黑" pitchFamily="2" charset="-122"/>
+                  <a:ea typeface="微软雅黑" pitchFamily="2" charset="-122"/>
+                </a:rPr>
+                <a:t>与</a:t>
+              </a:r>
+              <a:r>
+                <a:rPr lang="zh-CN" altLang="en-US" dirty="0" smtClean="0">
+                  <a:latin typeface="微软雅黑" pitchFamily="2" charset="-122"/>
+                  <a:ea typeface="微软雅黑" pitchFamily="2" charset="-122"/>
+                </a:rPr>
+                <a:t>改进的深入研究</a:t>
               </a:r>
               <a:endParaRPr lang="zh-CN" altLang="en-US" dirty="0">
                 <a:ea typeface="微软雅黑" pitchFamily="2" charset="-122"/>
@@ -36956,24 +37059,31 @@
             <a:bodyPr anchor="ctr"/>
             <a:lstStyle/>
             <a:p>
-              <a:pPr algn="ctr">
+              <a:pPr>
                 <a:lnSpc>
                   <a:spcPct val="130000"/>
                 </a:lnSpc>
               </a:pPr>
               <a:r>
+                <a:rPr lang="zh-CN" altLang="en-US" dirty="0">
+                  <a:latin typeface="微软雅黑" pitchFamily="2" charset="-122"/>
+                  <a:ea typeface="微软雅黑" pitchFamily="2" charset="-122"/>
+                </a:rPr>
+                <a:t>结合</a:t>
+              </a:r>
+              <a:r>
                 <a:rPr lang="zh-CN" altLang="en-US" dirty="0" smtClean="0">
                   <a:latin typeface="微软雅黑" pitchFamily="2" charset="-122"/>
                   <a:ea typeface="微软雅黑" pitchFamily="2" charset="-122"/>
                 </a:rPr>
-                <a:t>提出</a:t>
+                <a:t>机器学习算法提出解决</a:t>
               </a:r>
               <a:r>
                 <a:rPr lang="zh-CN" altLang="en-US" dirty="0">
                   <a:latin typeface="微软雅黑" pitchFamily="2" charset="-122"/>
                   <a:ea typeface="微软雅黑" pitchFamily="2" charset="-122"/>
                 </a:rPr>
-                <a:t>解决输电线路故障分类与定位问题</a:t>
+                <a:t>输电线路故障分类与定位问题</a:t>
               </a:r>
               <a:r>
                 <a:rPr lang="zh-CN" altLang="en-US" dirty="0" smtClean="0">
@@ -37116,8 +37226,8 @@
         </p:nvSpPr>
         <p:spPr>
           <a:xfrm>
-            <a:off x="7423544" y="3117639"/>
-            <a:ext cx="4504401" cy="2400361"/>
+            <a:off x="473611" y="2593197"/>
+            <a:ext cx="3596275" cy="2400361"/>
           </a:xfrm>
           <a:prstGeom prst="rect">
             <a:avLst/>
@@ -37238,58 +37348,22 @@
                 <a:latin typeface="微软雅黑" pitchFamily="2" charset="-122"/>
                 <a:ea typeface="微软雅黑" pitchFamily="2" charset="-122"/>
               </a:rPr>
-              <a:t>、故障识别算法的参数设置、训练与改进</a:t>
-            </a:r>
-            <a:endParaRPr lang="en-US" altLang="zh-CN" b="1" dirty="0">
-              <a:latin typeface="微软雅黑" pitchFamily="2" charset="-122"/>
-              <a:ea typeface="微软雅黑" pitchFamily="2" charset="-122"/>
-            </a:endParaRPr>
-          </a:p>
-          <a:p>
-            <a:pPr lvl="0" algn="just">
-              <a:lnSpc>
-                <a:spcPct val="130000"/>
-              </a:lnSpc>
-            </a:pPr>
-            <a:r>
-              <a:rPr lang="en-US" altLang="zh-CN" b="1" dirty="0" smtClean="0">
-                <a:latin typeface="微软雅黑" pitchFamily="2" charset="-122"/>
-                <a:ea typeface="微软雅黑" pitchFamily="2" charset="-122"/>
-              </a:rPr>
-              <a:t>4</a:t>
+              <a:t>、算法</a:t>
             </a:r>
             <a:r>
               <a:rPr lang="zh-CN" altLang="en-US" b="1" dirty="0" smtClean="0">
                 <a:latin typeface="微软雅黑" pitchFamily="2" charset="-122"/>
                 <a:ea typeface="微软雅黑" pitchFamily="2" charset="-122"/>
               </a:rPr>
-              <a:t>、</a:t>
-            </a:r>
-            <a:r>
-              <a:rPr lang="zh-CN" altLang="en-US" b="1" dirty="0">
-                <a:latin typeface="微软雅黑" pitchFamily="2" charset="-122"/>
-                <a:ea typeface="微软雅黑" pitchFamily="2" charset="-122"/>
-              </a:rPr>
-              <a:t>故障测距</a:t>
+              <a:t>的参数</a:t>
             </a:r>
             <a:r>
               <a:rPr lang="zh-CN" altLang="en-US" b="1" dirty="0" smtClean="0">
                 <a:latin typeface="微软雅黑" pitchFamily="2" charset="-122"/>
                 <a:ea typeface="微软雅黑" pitchFamily="2" charset="-122"/>
               </a:rPr>
-              <a:t>算法的参数设置、训练与改进</a:t>
-            </a:r>
-            <a:endParaRPr lang="en-US" altLang="zh-CN" b="1" dirty="0">
-              <a:latin typeface="微软雅黑" pitchFamily="2" charset="-122"/>
-              <a:ea typeface="微软雅黑" pitchFamily="2" charset="-122"/>
-            </a:endParaRPr>
-          </a:p>
-          <a:p>
-            <a:pPr lvl="0" algn="just">
-              <a:lnSpc>
-                <a:spcPct val="130000"/>
-              </a:lnSpc>
-            </a:pPr>
+              <a:t>设置与模型训练</a:t>
+            </a:r>
             <a:endParaRPr lang="en-US" altLang="x-none" sz="1600" b="1" dirty="0">
               <a:latin typeface="微软雅黑" pitchFamily="2" charset="-122"/>
               <a:ea typeface="微软雅黑" pitchFamily="2" charset="-122"/>
@@ -37305,8 +37379,8 @@
         </p:nvSpPr>
         <p:spPr>
           <a:xfrm>
-            <a:off x="3257762" y="2181680"/>
-            <a:ext cx="1755228" cy="249716"/>
+            <a:off x="6823202" y="1630578"/>
+            <a:ext cx="1860088" cy="419818"/>
           </a:xfrm>
           <a:prstGeom prst="rect">
             <a:avLst/>
@@ -37316,16 +37390,14 @@
           </a:solidFill>
         </p:spPr>
         <p:style>
-          <a:lnRef idx="2">
-            <a:schemeClr val="accent4">
-              <a:shade val="50000"/>
-            </a:schemeClr>
+          <a:lnRef idx="1">
+            <a:schemeClr val="accent5"/>
           </a:lnRef>
-          <a:fillRef idx="1">
-            <a:schemeClr val="accent4"/>
+          <a:fillRef idx="3">
+            <a:schemeClr val="accent5"/>
           </a:fillRef>
-          <a:effectRef idx="0">
-            <a:schemeClr val="accent4"/>
+          <a:effectRef idx="2">
+            <a:schemeClr val="accent5"/>
           </a:effectRef>
           <a:fontRef idx="minor">
             <a:schemeClr val="lt1"/>
@@ -37341,13 +37413,13 @@
               <a:t> </a:t>
             </a:r>
             <a:r>
-              <a:rPr lang="zh-CN" altLang="en-US" dirty="0" smtClean="0">
+              <a:rPr lang="zh-CN" altLang="en-US" sz="2000" b="1" dirty="0" smtClean="0">
                 <a:latin typeface="微软雅黑" panose="020B0503020204020204" pitchFamily="34" charset="-122"/>
                 <a:ea typeface="微软雅黑" panose="020B0503020204020204" pitchFamily="34" charset="-122"/>
               </a:rPr>
               <a:t>搭建仿真模型</a:t>
             </a:r>
-            <a:endParaRPr lang="zh-CN" altLang="en-US" dirty="0">
+            <a:endParaRPr lang="zh-CN" altLang="en-US" sz="2000" b="1" dirty="0">
               <a:latin typeface="微软雅黑" panose="020B0503020204020204" pitchFamily="34" charset="-122"/>
               <a:ea typeface="微软雅黑" panose="020B0503020204020204" pitchFamily="34" charset="-122"/>
             </a:endParaRPr>
@@ -37362,27 +37434,28 @@
         </p:nvSpPr>
         <p:spPr>
           <a:xfrm>
-            <a:off x="3982976" y="2431396"/>
+            <a:off x="7599216" y="2050396"/>
             <a:ext cx="357352" cy="302118"/>
           </a:xfrm>
           <a:prstGeom prst="downArrow">
             <a:avLst/>
           </a:prstGeom>
+          <a:solidFill>
+            <a:srgbClr val="01BBAE"/>
+          </a:solidFill>
         </p:spPr>
         <p:style>
-          <a:lnRef idx="2">
-            <a:schemeClr val="accent1">
-              <a:shade val="50000"/>
-            </a:schemeClr>
+          <a:lnRef idx="1">
+            <a:schemeClr val="accent1"/>
           </a:lnRef>
-          <a:fillRef idx="1">
+          <a:fillRef idx="2">
             <a:schemeClr val="accent1"/>
           </a:fillRef>
-          <a:effectRef idx="0">
+          <a:effectRef idx="1">
             <a:schemeClr val="accent1"/>
           </a:effectRef>
           <a:fontRef idx="minor">
-            <a:schemeClr val="lt1"/>
+            <a:schemeClr val="dk1"/>
           </a:fontRef>
         </p:style>
         <p:txBody>
@@ -37402,8 +37475,8 @@
         </p:nvSpPr>
         <p:spPr>
           <a:xfrm>
-            <a:off x="3257762" y="2733514"/>
-            <a:ext cx="1755228" cy="265440"/>
+            <a:off x="6797801" y="2321370"/>
+            <a:ext cx="1936289" cy="360084"/>
           </a:xfrm>
           <a:prstGeom prst="rect">
             <a:avLst/>
@@ -37413,16 +37486,14 @@
           </a:solidFill>
         </p:spPr>
         <p:style>
-          <a:lnRef idx="2">
-            <a:schemeClr val="accent4">
-              <a:shade val="50000"/>
-            </a:schemeClr>
+          <a:lnRef idx="1">
+            <a:schemeClr val="accent5"/>
           </a:lnRef>
-          <a:fillRef idx="1">
-            <a:schemeClr val="accent4"/>
+          <a:fillRef idx="3">
+            <a:schemeClr val="accent5"/>
           </a:fillRef>
-          <a:effectRef idx="0">
-            <a:schemeClr val="accent4"/>
+          <a:effectRef idx="2">
+            <a:schemeClr val="accent5"/>
           </a:effectRef>
           <a:fontRef idx="minor">
             <a:schemeClr val="lt1"/>
@@ -37434,13 +37505,20 @@
           <a:p>
             <a:pPr algn="ctr"/>
             <a:r>
-              <a:rPr lang="en-US" altLang="zh-CN" dirty="0"/>
+              <a:rPr lang="en-US" altLang="zh-CN" sz="2000" dirty="0" smtClean="0"/>
               <a:t> </a:t>
             </a:r>
             <a:r>
-              <a:rPr lang="zh-CN" altLang="en-US" dirty="0"/>
+              <a:rPr lang="zh-CN" altLang="en-US" sz="2000" b="1" dirty="0">
+                <a:latin typeface="微软雅黑" panose="020B0503020204020204" pitchFamily="34" charset="-122"/>
+                <a:ea typeface="微软雅黑" panose="020B0503020204020204" pitchFamily="34" charset="-122"/>
+              </a:rPr>
               <a:t>故障电压电流</a:t>
             </a:r>
+            <a:endParaRPr lang="zh-CN" altLang="en-US" sz="2000" b="1" dirty="0">
+              <a:latin typeface="微软雅黑" panose="020B0503020204020204" pitchFamily="34" charset="-122"/>
+              <a:ea typeface="微软雅黑" panose="020B0503020204020204" pitchFamily="34" charset="-122"/>
+            </a:endParaRPr>
           </a:p>
         </p:txBody>
       </p:sp>
@@ -37452,27 +37530,28 @@
         </p:nvSpPr>
         <p:spPr>
           <a:xfrm>
-            <a:off x="3982976" y="2998954"/>
+            <a:off x="7599216" y="2681454"/>
             <a:ext cx="357352" cy="374322"/>
           </a:xfrm>
           <a:prstGeom prst="downArrow">
             <a:avLst/>
           </a:prstGeom>
+          <a:solidFill>
+            <a:srgbClr val="01BBAE"/>
+          </a:solidFill>
         </p:spPr>
         <p:style>
-          <a:lnRef idx="2">
-            <a:schemeClr val="accent1">
-              <a:shade val="50000"/>
-            </a:schemeClr>
+          <a:lnRef idx="1">
+            <a:schemeClr val="accent5"/>
           </a:lnRef>
-          <a:fillRef idx="1">
-            <a:schemeClr val="accent1"/>
+          <a:fillRef idx="2">
+            <a:schemeClr val="accent5"/>
           </a:fillRef>
-          <a:effectRef idx="0">
-            <a:schemeClr val="accent1"/>
+          <a:effectRef idx="1">
+            <a:schemeClr val="accent5"/>
           </a:effectRef>
           <a:fontRef idx="minor">
-            <a:schemeClr val="lt1"/>
+            <a:schemeClr val="dk1"/>
           </a:fontRef>
         </p:style>
         <p:txBody>
@@ -37492,23 +37571,76 @@
         </p:nvSpPr>
         <p:spPr>
           <a:xfrm>
-            <a:off x="1145173" y="3373276"/>
-            <a:ext cx="5917338" cy="261938"/>
+            <a:off x="4761413" y="3061499"/>
+            <a:ext cx="5917338" cy="345115"/>
           </a:xfrm>
           <a:prstGeom prst="rect">
             <a:avLst/>
           </a:prstGeom>
+          <a:ln>
+            <a:solidFill>
+              <a:srgbClr val="01BBAE"/>
+            </a:solidFill>
+          </a:ln>
         </p:spPr>
         <p:style>
-          <a:lnRef idx="2">
-            <a:schemeClr val="accent2">
-              <a:shade val="50000"/>
-            </a:schemeClr>
+          <a:lnRef idx="1">
+            <a:schemeClr val="accent2"/>
+          </a:lnRef>
+          <a:fillRef idx="2">
+            <a:schemeClr val="accent2"/>
+          </a:fillRef>
+          <a:effectRef idx="1">
+            <a:schemeClr val="accent2"/>
+          </a:effectRef>
+          <a:fontRef idx="minor">
+            <a:schemeClr val="dk1"/>
+          </a:fontRef>
+        </p:style>
+        <p:txBody>
+          <a:bodyPr rtlCol="0" anchor="ctr"/>
+          <a:lstStyle/>
+          <a:p>
+            <a:pPr algn="ctr"/>
+            <a:r>
+              <a:rPr lang="en-US" altLang="zh-CN" dirty="0"/>
+              <a:t> </a:t>
+            </a:r>
+            <a:r>
+              <a:rPr lang="zh-CN" altLang="en-US" sz="2000" b="1" dirty="0"/>
+              <a:t>数据预处理</a:t>
+            </a:r>
+          </a:p>
+        </p:txBody>
+      </p:sp>
+      <p:sp>
+        <p:nvSpPr>
+          <p:cNvPr id="7" name="下箭头 6"/>
+          <p:cNvSpPr/>
+          <p:nvPr/>
+        </p:nvSpPr>
+        <p:spPr>
+          <a:xfrm>
+            <a:off x="5591743" y="3420438"/>
+            <a:ext cx="620110" cy="360498"/>
+          </a:xfrm>
+          <a:prstGeom prst="downArrow">
+            <a:avLst/>
+          </a:prstGeom>
+          <a:ln>
+            <a:solidFill>
+              <a:srgbClr val="01BBAE"/>
+            </a:solidFill>
+          </a:ln>
+        </p:spPr>
+        <p:style>
+          <a:lnRef idx="3">
+            <a:schemeClr val="lt1"/>
           </a:lnRef>
           <a:fillRef idx="1">
             <a:schemeClr val="accent2"/>
           </a:fillRef>
-          <a:effectRef idx="0">
+          <a:effectRef idx="1">
             <a:schemeClr val="accent2"/>
           </a:effectRef>
           <a:fontRef idx="minor">
@@ -37520,53 +37652,6 @@
           <a:lstStyle/>
           <a:p>
             <a:pPr algn="ctr"/>
-            <a:r>
-              <a:rPr lang="en-US" altLang="zh-CN" dirty="0"/>
-              <a:t> </a:t>
-            </a:r>
-            <a:r>
-              <a:rPr lang="zh-CN" altLang="en-US" b="1" dirty="0"/>
-              <a:t>数据预处理</a:t>
-            </a:r>
-          </a:p>
-        </p:txBody>
-      </p:sp>
-      <p:sp>
-        <p:nvSpPr>
-          <p:cNvPr id="7" name="下箭头 6"/>
-          <p:cNvSpPr/>
-          <p:nvPr/>
-        </p:nvSpPr>
-        <p:spPr>
-          <a:xfrm>
-            <a:off x="1975503" y="3649038"/>
-            <a:ext cx="620110" cy="360498"/>
-          </a:xfrm>
-          <a:prstGeom prst="downArrow">
-            <a:avLst/>
-          </a:prstGeom>
-        </p:spPr>
-        <p:style>
-          <a:lnRef idx="2">
-            <a:schemeClr val="accent1">
-              <a:shade val="50000"/>
-            </a:schemeClr>
-          </a:lnRef>
-          <a:fillRef idx="1">
-            <a:schemeClr val="accent1"/>
-          </a:fillRef>
-          <a:effectRef idx="0">
-            <a:schemeClr val="accent1"/>
-          </a:effectRef>
-          <a:fontRef idx="minor">
-            <a:schemeClr val="lt1"/>
-          </a:fontRef>
-        </p:style>
-        <p:txBody>
-          <a:bodyPr rtlCol="0" anchor="ctr"/>
-          <a:lstStyle/>
-          <a:p>
-            <a:pPr algn="ctr"/>
             <a:endParaRPr lang="zh-CN" altLang="en-US"/>
           </a:p>
         </p:txBody>
@@ -37579,23 +37664,26 @@
         </p:nvSpPr>
         <p:spPr>
           <a:xfrm>
-            <a:off x="1376417" y="3991015"/>
-            <a:ext cx="1734207" cy="628211"/>
+            <a:off x="4802157" y="3793378"/>
+            <a:ext cx="2430866" cy="521048"/>
           </a:xfrm>
           <a:prstGeom prst="roundRect">
             <a:avLst/>
           </a:prstGeom>
+          <a:ln>
+            <a:solidFill>
+              <a:srgbClr val="01BBAE"/>
+            </a:solidFill>
+          </a:ln>
         </p:spPr>
         <p:style>
-          <a:lnRef idx="2">
-            <a:schemeClr val="accent2">
-              <a:shade val="50000"/>
-            </a:schemeClr>
+          <a:lnRef idx="3">
+            <a:schemeClr val="lt1"/>
           </a:lnRef>
           <a:fillRef idx="1">
             <a:schemeClr val="accent2"/>
           </a:fillRef>
-          <a:effectRef idx="0">
+          <a:effectRef idx="1">
             <a:schemeClr val="accent2"/>
           </a:effectRef>
           <a:fontRef idx="minor">
@@ -37612,7 +37700,7 @@
               <a:t> </a:t>
             </a:r>
             <a:r>
-              <a:rPr lang="zh-CN" altLang="en-US" b="1" dirty="0"/>
+              <a:rPr lang="zh-CN" altLang="en-US" sz="2000" b="1" dirty="0"/>
               <a:t>故障类型识别算法</a:t>
             </a:r>
           </a:p>
@@ -37626,27 +37714,30 @@
         </p:nvSpPr>
         <p:spPr>
           <a:xfrm>
-            <a:off x="6148101" y="3635215"/>
-            <a:ext cx="620110" cy="374322"/>
+            <a:off x="9711095" y="3405960"/>
+            <a:ext cx="443992" cy="374322"/>
           </a:xfrm>
           <a:prstGeom prst="downArrow">
             <a:avLst/>
           </a:prstGeom>
+          <a:ln>
+            <a:solidFill>
+              <a:srgbClr val="01BBAE"/>
+            </a:solidFill>
+          </a:ln>
         </p:spPr>
         <p:style>
-          <a:lnRef idx="2">
-            <a:schemeClr val="accent5">
-              <a:shade val="50000"/>
-            </a:schemeClr>
+          <a:lnRef idx="1">
+            <a:schemeClr val="accent2"/>
           </a:lnRef>
-          <a:fillRef idx="1">
-            <a:schemeClr val="accent5"/>
+          <a:fillRef idx="2">
+            <a:schemeClr val="accent2"/>
           </a:fillRef>
-          <a:effectRef idx="0">
-            <a:schemeClr val="accent5"/>
+          <a:effectRef idx="1">
+            <a:schemeClr val="accent2"/>
           </a:effectRef>
           <a:fontRef idx="minor">
-            <a:schemeClr val="lt1"/>
+            <a:schemeClr val="dk1"/>
           </a:fontRef>
         </p:style>
         <p:txBody>
@@ -37666,27 +37757,30 @@
         </p:nvSpPr>
         <p:spPr>
           <a:xfrm>
-            <a:off x="5838046" y="4012035"/>
-            <a:ext cx="1240220" cy="628211"/>
+            <a:off x="8993586" y="3783435"/>
+            <a:ext cx="1700920" cy="628211"/>
           </a:xfrm>
           <a:prstGeom prst="roundRect">
             <a:avLst/>
           </a:prstGeom>
+          <a:ln>
+            <a:solidFill>
+              <a:srgbClr val="01BBAE"/>
+            </a:solidFill>
+          </a:ln>
         </p:spPr>
         <p:style>
-          <a:lnRef idx="2">
-            <a:schemeClr val="accent2">
-              <a:shade val="50000"/>
-            </a:schemeClr>
+          <a:lnRef idx="1">
+            <a:schemeClr val="accent2"/>
           </a:lnRef>
-          <a:fillRef idx="1">
+          <a:fillRef idx="2">
             <a:schemeClr val="accent2"/>
           </a:fillRef>
-          <a:effectRef idx="0">
+          <a:effectRef idx="1">
             <a:schemeClr val="accent2"/>
           </a:effectRef>
           <a:fontRef idx="minor">
-            <a:schemeClr val="lt1"/>
+            <a:schemeClr val="dk1"/>
           </a:fontRef>
         </p:style>
         <p:txBody>
@@ -37713,23 +37807,23 @@
         </p:nvCxnSpPr>
         <p:spPr>
           <a:xfrm flipV="1">
-            <a:off x="1145173" y="4823338"/>
+            <a:off x="4761413" y="4594738"/>
             <a:ext cx="4821083" cy="27127"/>
           </a:xfrm>
           <a:prstGeom prst="line">
             <a:avLst/>
           </a:prstGeom>
-          <a:ln w="38100"/>
+          <a:ln/>
         </p:spPr>
         <p:style>
-          <a:lnRef idx="1">
-            <a:schemeClr val="accent1"/>
+          <a:lnRef idx="3">
+            <a:schemeClr val="accent2"/>
           </a:lnRef>
           <a:fillRef idx="0">
-            <a:schemeClr val="accent1"/>
+            <a:schemeClr val="accent2"/>
           </a:fillRef>
-          <a:effectRef idx="0">
-            <a:schemeClr val="accent1"/>
+          <a:effectRef idx="2">
+            <a:schemeClr val="accent2"/>
           </a:effectRef>
           <a:fontRef idx="minor">
             <a:schemeClr val="tx1"/>
@@ -37744,7 +37838,7 @@
         </p:nvCxnSpPr>
         <p:spPr>
           <a:xfrm flipV="1">
-            <a:off x="1460497" y="5006431"/>
+            <a:off x="5076737" y="4777831"/>
             <a:ext cx="5602014" cy="31532"/>
           </a:xfrm>
           <a:prstGeom prst="line">
@@ -37754,13 +37848,13 @@
         </p:spPr>
         <p:style>
           <a:lnRef idx="2">
-            <a:schemeClr val="accent5"/>
+            <a:schemeClr val="accent6"/>
           </a:lnRef>
           <a:fillRef idx="0">
-            <a:schemeClr val="accent5"/>
+            <a:schemeClr val="accent6"/>
           </a:fillRef>
           <a:effectRef idx="1">
-            <a:schemeClr val="accent5"/>
+            <a:schemeClr val="accent6"/>
           </a:effectRef>
           <a:fontRef idx="minor">
             <a:schemeClr val="tx1"/>
@@ -37775,24 +37869,27 @@
         </p:nvSpPr>
         <p:spPr>
           <a:xfrm>
-            <a:off x="1933463" y="4619226"/>
+            <a:off x="5600503" y="4339826"/>
             <a:ext cx="620110" cy="240061"/>
           </a:xfrm>
           <a:prstGeom prst="downArrow">
             <a:avLst/>
           </a:prstGeom>
+          <a:ln>
+            <a:solidFill>
+              <a:srgbClr val="01BBAE"/>
+            </a:solidFill>
+          </a:ln>
         </p:spPr>
         <p:style>
-          <a:lnRef idx="2">
-            <a:schemeClr val="accent1">
-              <a:shade val="50000"/>
-            </a:schemeClr>
+          <a:lnRef idx="3">
+            <a:schemeClr val="lt1"/>
           </a:lnRef>
           <a:fillRef idx="1">
-            <a:schemeClr val="accent1"/>
+            <a:schemeClr val="accent2"/>
           </a:fillRef>
-          <a:effectRef idx="0">
-            <a:schemeClr val="accent1"/>
+          <a:effectRef idx="1">
+            <a:schemeClr val="accent2"/>
           </a:effectRef>
           <a:fontRef idx="minor">
             <a:schemeClr val="lt1"/>
@@ -37815,23 +37912,72 @@
         </p:nvSpPr>
         <p:spPr>
           <a:xfrm>
-            <a:off x="6100796" y="4640246"/>
-            <a:ext cx="772523" cy="366185"/>
+            <a:off x="9678363" y="4411646"/>
+            <a:ext cx="509455" cy="366185"/>
           </a:xfrm>
           <a:prstGeom prst="downArrow">
             <a:avLst/>
           </a:prstGeom>
+          <a:ln>
+            <a:solidFill>
+              <a:srgbClr val="01BBAE"/>
+            </a:solidFill>
+          </a:ln>
         </p:spPr>
         <p:style>
-          <a:lnRef idx="2">
-            <a:schemeClr val="accent5">
-              <a:shade val="50000"/>
-            </a:schemeClr>
+          <a:lnRef idx="1">
+            <a:schemeClr val="accent2"/>
           </a:lnRef>
-          <a:fillRef idx="1">
+          <a:fillRef idx="2">
+            <a:schemeClr val="accent2"/>
+          </a:fillRef>
+          <a:effectRef idx="1">
+            <a:schemeClr val="accent2"/>
+          </a:effectRef>
+          <a:fontRef idx="minor">
+            <a:schemeClr val="dk1"/>
+          </a:fontRef>
+        </p:style>
+        <p:txBody>
+          <a:bodyPr rtlCol="0" anchor="ctr"/>
+          <a:lstStyle/>
+          <a:p>
+            <a:pPr algn="ctr"/>
+            <a:endParaRPr lang="zh-CN" altLang="en-US"/>
+          </a:p>
+        </p:txBody>
+      </p:sp>
+      <p:sp>
+        <p:nvSpPr>
+          <p:cNvPr id="16" name="矩形 15"/>
+          <p:cNvSpPr/>
+          <p:nvPr/>
+        </p:nvSpPr>
+        <p:spPr>
+          <a:xfrm>
+            <a:off x="4630040" y="4945885"/>
+            <a:ext cx="893393" cy="304793"/>
+          </a:xfrm>
+          <a:prstGeom prst="rect">
+            <a:avLst/>
+          </a:prstGeom>
+          <a:solidFill>
+            <a:srgbClr val="01BBAE"/>
+          </a:solidFill>
+          <a:ln>
+            <a:solidFill>
+              <a:srgbClr val="01BBAE"/>
+            </a:solidFill>
+          </a:ln>
+        </p:spPr>
+        <p:style>
+          <a:lnRef idx="1">
+            <a:schemeClr val="accent5"/>
+          </a:lnRef>
+          <a:fillRef idx="3">
             <a:schemeClr val="accent5"/>
           </a:fillRef>
-          <a:effectRef idx="0">
+          <a:effectRef idx="2">
             <a:schemeClr val="accent5"/>
           </a:effectRef>
           <a:fontRef idx="minor">
@@ -37843,36 +37989,50 @@
           <a:lstStyle/>
           <a:p>
             <a:pPr algn="ctr"/>
-            <a:endParaRPr lang="zh-CN" altLang="en-US"/>
-          </a:p>
-        </p:txBody>
-      </p:sp>
-      <p:sp>
-        <p:nvSpPr>
-          <p:cNvPr id="16" name="矩形 15"/>
+            <a:r>
+              <a:rPr lang="en-US" altLang="zh-CN" sz="1200" b="1" dirty="0" smtClean="0"/>
+              <a:t> </a:t>
+            </a:r>
+            <a:r>
+              <a:rPr lang="zh-CN" altLang="en-US" sz="1200" b="1" dirty="0" smtClean="0"/>
+              <a:t>三相短路</a:t>
+            </a:r>
+            <a:endParaRPr lang="zh-CN" altLang="en-US" sz="1200" b="1" dirty="0"/>
+          </a:p>
+        </p:txBody>
+      </p:sp>
+      <p:sp>
+        <p:nvSpPr>
+          <p:cNvPr id="32" name="矩形 31"/>
           <p:cNvSpPr/>
           <p:nvPr/>
         </p:nvSpPr>
         <p:spPr>
           <a:xfrm>
-            <a:off x="1013800" y="5174485"/>
+            <a:off x="5660046" y="4943025"/>
             <a:ext cx="893393" cy="304793"/>
           </a:xfrm>
           <a:prstGeom prst="rect">
             <a:avLst/>
           </a:prstGeom>
+          <a:solidFill>
+            <a:srgbClr val="01BBAE"/>
+          </a:solidFill>
+          <a:ln>
+            <a:solidFill>
+              <a:srgbClr val="01BBAE"/>
+            </a:solidFill>
+          </a:ln>
         </p:spPr>
         <p:style>
-          <a:lnRef idx="2">
-            <a:schemeClr val="accent1">
-              <a:shade val="50000"/>
-            </a:schemeClr>
+          <a:lnRef idx="1">
+            <a:schemeClr val="accent5"/>
           </a:lnRef>
-          <a:fillRef idx="1">
-            <a:schemeClr val="accent1"/>
+          <a:fillRef idx="3">
+            <a:schemeClr val="accent5"/>
           </a:fillRef>
-          <a:effectRef idx="0">
-            <a:schemeClr val="accent1"/>
+          <a:effectRef idx="2">
+            <a:schemeClr val="accent5"/>
           </a:effectRef>
           <a:fontRef idx="minor">
             <a:schemeClr val="lt1"/>
@@ -37888,39 +38048,49 @@
               <a:t> </a:t>
             </a:r>
             <a:r>
-              <a:rPr lang="zh-CN" altLang="en-US" sz="1200" dirty="0" smtClean="0"/>
-              <a:t>三相短路</a:t>
-            </a:r>
-            <a:endParaRPr lang="zh-CN" altLang="en-US" sz="1200" dirty="0"/>
-          </a:p>
-        </p:txBody>
-      </p:sp>
-      <p:sp>
-        <p:nvSpPr>
-          <p:cNvPr id="32" name="矩形 31"/>
+              <a:rPr lang="zh-CN" altLang="en-US" sz="1200" b="1" dirty="0"/>
+              <a:t>两</a:t>
+            </a:r>
+            <a:r>
+              <a:rPr lang="zh-CN" altLang="en-US" sz="1200" b="1" dirty="0" smtClean="0"/>
+              <a:t>相短路</a:t>
+            </a:r>
+            <a:endParaRPr lang="zh-CN" altLang="en-US" sz="1200" b="1" dirty="0"/>
+          </a:p>
+        </p:txBody>
+      </p:sp>
+      <p:sp>
+        <p:nvSpPr>
+          <p:cNvPr id="33" name="矩形 32"/>
           <p:cNvSpPr/>
           <p:nvPr/>
         </p:nvSpPr>
         <p:spPr>
           <a:xfrm>
-            <a:off x="2043806" y="5171625"/>
-            <a:ext cx="893393" cy="304793"/>
+            <a:off x="6679557" y="4945884"/>
+            <a:ext cx="1169289" cy="304793"/>
           </a:xfrm>
           <a:prstGeom prst="rect">
             <a:avLst/>
           </a:prstGeom>
+          <a:solidFill>
+            <a:srgbClr val="01BBAE"/>
+          </a:solidFill>
+          <a:ln>
+            <a:solidFill>
+              <a:srgbClr val="01BBAE"/>
+            </a:solidFill>
+          </a:ln>
         </p:spPr>
         <p:style>
-          <a:lnRef idx="2">
-            <a:schemeClr val="accent1">
-              <a:shade val="50000"/>
-            </a:schemeClr>
+          <a:lnRef idx="1">
+            <a:schemeClr val="accent5"/>
           </a:lnRef>
-          <a:fillRef idx="1">
-            <a:schemeClr val="accent1"/>
+          <a:fillRef idx="3">
+            <a:schemeClr val="accent5"/>
           </a:fillRef>
-          <a:effectRef idx="0">
-            <a:schemeClr val="accent1"/>
+          <a:effectRef idx="2">
+            <a:schemeClr val="accent5"/>
           </a:effectRef>
           <a:fontRef idx="minor">
             <a:schemeClr val="lt1"/>
@@ -37936,43 +38106,45 @@
               <a:t> </a:t>
             </a:r>
             <a:r>
-              <a:rPr lang="zh-CN" altLang="en-US" sz="1200" dirty="0"/>
-              <a:t>两</a:t>
-            </a:r>
-            <a:r>
-              <a:rPr lang="zh-CN" altLang="en-US" sz="1200" dirty="0" smtClean="0"/>
-              <a:t>相短路</a:t>
-            </a:r>
-            <a:endParaRPr lang="zh-CN" altLang="en-US" sz="1200" dirty="0"/>
-          </a:p>
-        </p:txBody>
-      </p:sp>
-      <p:sp>
-        <p:nvSpPr>
-          <p:cNvPr id="33" name="矩形 32"/>
+              <a:rPr lang="zh-CN" altLang="en-US" sz="1200" b="1" dirty="0" smtClean="0"/>
+              <a:t>单相接地短路</a:t>
+            </a:r>
+            <a:endParaRPr lang="zh-CN" altLang="en-US" sz="1200" b="1" dirty="0"/>
+          </a:p>
+        </p:txBody>
+      </p:sp>
+      <p:sp>
+        <p:nvSpPr>
+          <p:cNvPr id="34" name="矩形 33"/>
           <p:cNvSpPr/>
           <p:nvPr/>
         </p:nvSpPr>
         <p:spPr>
           <a:xfrm>
-            <a:off x="3063317" y="5174484"/>
-            <a:ext cx="1169289" cy="304793"/>
+            <a:off x="7998602" y="4943145"/>
+            <a:ext cx="1145631" cy="304793"/>
           </a:xfrm>
           <a:prstGeom prst="rect">
             <a:avLst/>
           </a:prstGeom>
+          <a:solidFill>
+            <a:srgbClr val="01BBAE"/>
+          </a:solidFill>
+          <a:ln>
+            <a:solidFill>
+              <a:srgbClr val="01BBAE"/>
+            </a:solidFill>
+          </a:ln>
         </p:spPr>
         <p:style>
-          <a:lnRef idx="2">
-            <a:schemeClr val="accent1">
-              <a:shade val="50000"/>
-            </a:schemeClr>
+          <a:lnRef idx="1">
+            <a:schemeClr val="accent5"/>
           </a:lnRef>
-          <a:fillRef idx="1">
-            <a:schemeClr val="accent1"/>
+          <a:fillRef idx="3">
+            <a:schemeClr val="accent5"/>
           </a:fillRef>
-          <a:effectRef idx="0">
-            <a:schemeClr val="accent1"/>
+          <a:effectRef idx="2">
+            <a:schemeClr val="accent5"/>
           </a:effectRef>
           <a:fontRef idx="minor">
             <a:schemeClr val="lt1"/>
@@ -37988,39 +38160,45 @@
               <a:t> </a:t>
             </a:r>
             <a:r>
-              <a:rPr lang="zh-CN" altLang="en-US" sz="1200" dirty="0" smtClean="0"/>
-              <a:t>单相接地短路</a:t>
-            </a:r>
-            <a:endParaRPr lang="zh-CN" altLang="en-US" sz="1200" dirty="0"/>
-          </a:p>
-        </p:txBody>
-      </p:sp>
-      <p:sp>
-        <p:nvSpPr>
-          <p:cNvPr id="34" name="矩形 33"/>
+              <a:rPr lang="zh-CN" altLang="en-US" sz="1200" b="1" dirty="0" smtClean="0"/>
+              <a:t>两相接地短路</a:t>
+            </a:r>
+            <a:endParaRPr lang="zh-CN" altLang="en-US" sz="1200" b="1" dirty="0"/>
+          </a:p>
+        </p:txBody>
+      </p:sp>
+      <p:sp>
+        <p:nvSpPr>
+          <p:cNvPr id="35" name="矩形 34"/>
           <p:cNvSpPr/>
           <p:nvPr/>
         </p:nvSpPr>
         <p:spPr>
           <a:xfrm>
-            <a:off x="4382362" y="5171745"/>
-            <a:ext cx="1145631" cy="304793"/>
+            <a:off x="9359685" y="4945885"/>
+            <a:ext cx="1165616" cy="304793"/>
           </a:xfrm>
           <a:prstGeom prst="rect">
             <a:avLst/>
           </a:prstGeom>
+          <a:solidFill>
+            <a:srgbClr val="01BBAE"/>
+          </a:solidFill>
+          <a:ln>
+            <a:solidFill>
+              <a:srgbClr val="01BBAE"/>
+            </a:solidFill>
+          </a:ln>
         </p:spPr>
         <p:style>
-          <a:lnRef idx="2">
-            <a:schemeClr val="accent1">
-              <a:shade val="50000"/>
-            </a:schemeClr>
+          <a:lnRef idx="1">
+            <a:schemeClr val="accent5"/>
           </a:lnRef>
-          <a:fillRef idx="1">
-            <a:schemeClr val="accent1"/>
+          <a:fillRef idx="3">
+            <a:schemeClr val="accent5"/>
           </a:fillRef>
-          <a:effectRef idx="0">
-            <a:schemeClr val="accent1"/>
+          <a:effectRef idx="2">
+            <a:schemeClr val="accent5"/>
           </a:effectRef>
           <a:fontRef idx="minor">
             <a:schemeClr val="lt1"/>
@@ -38036,58 +38214,10 @@
               <a:t> </a:t>
             </a:r>
             <a:r>
-              <a:rPr lang="zh-CN" altLang="en-US" sz="1200" dirty="0" smtClean="0"/>
-              <a:t>两相接地短路</a:t>
-            </a:r>
-            <a:endParaRPr lang="zh-CN" altLang="en-US" sz="1200" dirty="0"/>
-          </a:p>
-        </p:txBody>
-      </p:sp>
-      <p:sp>
-        <p:nvSpPr>
-          <p:cNvPr id="35" name="矩形 34"/>
-          <p:cNvSpPr/>
-          <p:nvPr/>
-        </p:nvSpPr>
-        <p:spPr>
-          <a:xfrm>
-            <a:off x="5743445" y="5174485"/>
-            <a:ext cx="1165616" cy="304793"/>
-          </a:xfrm>
-          <a:prstGeom prst="rect">
-            <a:avLst/>
-          </a:prstGeom>
-        </p:spPr>
-        <p:style>
-          <a:lnRef idx="2">
-            <a:schemeClr val="accent1">
-              <a:shade val="50000"/>
-            </a:schemeClr>
-          </a:lnRef>
-          <a:fillRef idx="1">
-            <a:schemeClr val="accent1"/>
-          </a:fillRef>
-          <a:effectRef idx="0">
-            <a:schemeClr val="accent1"/>
-          </a:effectRef>
-          <a:fontRef idx="minor">
-            <a:schemeClr val="lt1"/>
-          </a:fontRef>
-        </p:style>
-        <p:txBody>
-          <a:bodyPr rtlCol="0" anchor="ctr"/>
-          <a:lstStyle/>
-          <a:p>
-            <a:pPr algn="ctr"/>
-            <a:r>
-              <a:rPr lang="en-US" altLang="zh-CN" sz="1200" dirty="0" smtClean="0"/>
-              <a:t> </a:t>
-            </a:r>
-            <a:r>
-              <a:rPr lang="zh-CN" altLang="en-US" sz="1200" dirty="0" smtClean="0"/>
+              <a:rPr lang="zh-CN" altLang="en-US" sz="1200" b="1" dirty="0" smtClean="0"/>
               <a:t>三相接地短路</a:t>
             </a:r>
-            <a:endParaRPr lang="zh-CN" altLang="en-US" sz="1200" dirty="0"/>
+            <a:endParaRPr lang="zh-CN" altLang="en-US" sz="1200" b="1" dirty="0"/>
           </a:p>
         </p:txBody>
       </p:sp>
@@ -38099,7 +38229,7 @@
         </p:nvSpPr>
         <p:spPr>
           <a:xfrm>
-            <a:off x="1576109" y="5037962"/>
+            <a:off x="5192349" y="4809362"/>
             <a:ext cx="73573" cy="136522"/>
           </a:xfrm>
           <a:prstGeom prst="downArrow">
@@ -38139,7 +38269,7 @@
         </p:nvSpPr>
         <p:spPr>
           <a:xfrm>
-            <a:off x="1292332" y="4880307"/>
+            <a:off x="4908572" y="4651707"/>
             <a:ext cx="45719" cy="294177"/>
           </a:xfrm>
           <a:prstGeom prst="downArrow">
@@ -38147,16 +38277,14 @@
           </a:prstGeom>
         </p:spPr>
         <p:style>
-          <a:lnRef idx="2">
-            <a:schemeClr val="accent1">
-              <a:shade val="50000"/>
-            </a:schemeClr>
+          <a:lnRef idx="1">
+            <a:schemeClr val="accent2"/>
           </a:lnRef>
-          <a:fillRef idx="1">
-            <a:schemeClr val="accent1"/>
+          <a:fillRef idx="3">
+            <a:schemeClr val="accent2"/>
           </a:fillRef>
-          <a:effectRef idx="0">
-            <a:schemeClr val="accent1"/>
+          <a:effectRef idx="2">
+            <a:schemeClr val="accent2"/>
           </a:effectRef>
           <a:fontRef idx="minor">
             <a:schemeClr val="lt1"/>
@@ -38179,7 +38307,7 @@
         </p:nvSpPr>
         <p:spPr>
           <a:xfrm>
-            <a:off x="3257762" y="4880307"/>
+            <a:off x="6874002" y="4651707"/>
             <a:ext cx="45719" cy="294177"/>
           </a:xfrm>
           <a:prstGeom prst="downArrow">
@@ -38187,16 +38315,14 @@
           </a:prstGeom>
         </p:spPr>
         <p:style>
-          <a:lnRef idx="2">
-            <a:schemeClr val="accent1">
-              <a:shade val="50000"/>
-            </a:schemeClr>
+          <a:lnRef idx="1">
+            <a:schemeClr val="accent2"/>
           </a:lnRef>
-          <a:fillRef idx="1">
-            <a:schemeClr val="accent1"/>
+          <a:fillRef idx="3">
+            <a:schemeClr val="accent2"/>
           </a:fillRef>
-          <a:effectRef idx="0">
-            <a:schemeClr val="accent1"/>
+          <a:effectRef idx="2">
+            <a:schemeClr val="accent2"/>
           </a:effectRef>
           <a:fontRef idx="minor">
             <a:schemeClr val="lt1"/>
@@ -38219,7 +38345,7 @@
         </p:nvSpPr>
         <p:spPr>
           <a:xfrm>
-            <a:off x="2374897" y="4859287"/>
+            <a:off x="5991137" y="4630687"/>
             <a:ext cx="45719" cy="312338"/>
           </a:xfrm>
           <a:prstGeom prst="downArrow">
@@ -38227,16 +38353,14 @@
           </a:prstGeom>
         </p:spPr>
         <p:style>
-          <a:lnRef idx="2">
-            <a:schemeClr val="accent1">
-              <a:shade val="50000"/>
-            </a:schemeClr>
+          <a:lnRef idx="1">
+            <a:schemeClr val="accent2"/>
           </a:lnRef>
-          <a:fillRef idx="1">
-            <a:schemeClr val="accent1"/>
+          <a:fillRef idx="3">
+            <a:schemeClr val="accent2"/>
           </a:fillRef>
-          <a:effectRef idx="0">
-            <a:schemeClr val="accent1"/>
+          <a:effectRef idx="2">
+            <a:schemeClr val="accent2"/>
           </a:effectRef>
           <a:fontRef idx="minor">
             <a:schemeClr val="lt1"/>
@@ -38259,7 +38383,7 @@
         </p:nvSpPr>
         <p:spPr>
           <a:xfrm>
-            <a:off x="4628590" y="4859287"/>
+            <a:off x="8244830" y="4630687"/>
             <a:ext cx="45719" cy="333708"/>
           </a:xfrm>
           <a:prstGeom prst="downArrow">
@@ -38267,16 +38391,14 @@
           </a:prstGeom>
         </p:spPr>
         <p:style>
-          <a:lnRef idx="2">
-            <a:schemeClr val="accent1">
-              <a:shade val="50000"/>
-            </a:schemeClr>
+          <a:lnRef idx="1">
+            <a:schemeClr val="accent2"/>
           </a:lnRef>
-          <a:fillRef idx="1">
-            <a:schemeClr val="accent1"/>
+          <a:fillRef idx="3">
+            <a:schemeClr val="accent2"/>
           </a:fillRef>
-          <a:effectRef idx="0">
-            <a:schemeClr val="accent1"/>
+          <a:effectRef idx="2">
+            <a:schemeClr val="accent2"/>
           </a:effectRef>
           <a:fontRef idx="minor">
             <a:schemeClr val="lt1"/>
@@ -38299,7 +38421,7 @@
         </p:nvSpPr>
         <p:spPr>
           <a:xfrm>
-            <a:off x="5838046" y="4845621"/>
+            <a:off x="9454286" y="4617021"/>
             <a:ext cx="45719" cy="347374"/>
           </a:xfrm>
           <a:prstGeom prst="downArrow">
@@ -38307,16 +38429,14 @@
           </a:prstGeom>
         </p:spPr>
         <p:style>
-          <a:lnRef idx="2">
-            <a:schemeClr val="accent1">
-              <a:shade val="50000"/>
-            </a:schemeClr>
+          <a:lnRef idx="1">
+            <a:schemeClr val="accent2"/>
           </a:lnRef>
-          <a:fillRef idx="1">
-            <a:schemeClr val="accent1"/>
+          <a:fillRef idx="3">
+            <a:schemeClr val="accent2"/>
           </a:fillRef>
-          <a:effectRef idx="0">
-            <a:schemeClr val="accent1"/>
+          <a:effectRef idx="2">
+            <a:schemeClr val="accent2"/>
           </a:effectRef>
           <a:fontRef idx="minor">
             <a:schemeClr val="lt1"/>
@@ -38339,7 +38459,7 @@
         </p:nvSpPr>
         <p:spPr>
           <a:xfrm>
-            <a:off x="2690207" y="5037962"/>
+            <a:off x="6306447" y="4809362"/>
             <a:ext cx="45719" cy="133663"/>
           </a:xfrm>
           <a:prstGeom prst="downArrow">
@@ -38379,7 +38499,7 @@
         </p:nvSpPr>
         <p:spPr>
           <a:xfrm>
-            <a:off x="3793794" y="5062111"/>
+            <a:off x="7410034" y="4833511"/>
             <a:ext cx="45719" cy="100692"/>
           </a:xfrm>
           <a:prstGeom prst="downArrow">
@@ -38419,7 +38539,7 @@
         </p:nvSpPr>
         <p:spPr>
           <a:xfrm>
-            <a:off x="5148332" y="5054448"/>
+            <a:off x="8764572" y="4825848"/>
             <a:ext cx="45719" cy="109639"/>
           </a:xfrm>
           <a:prstGeom prst="downArrow">
@@ -38459,7 +38579,7 @@
         </p:nvSpPr>
         <p:spPr>
           <a:xfrm>
-            <a:off x="6707618" y="5006431"/>
+            <a:off x="10323858" y="4777831"/>
             <a:ext cx="45719" cy="156372"/>
           </a:xfrm>
           <a:prstGeom prst="downArrow">
@@ -38499,13 +38619,17 @@
         </p:nvCxnSpPr>
         <p:spPr>
           <a:xfrm>
-            <a:off x="1013800" y="5759899"/>
+            <a:off x="4630040" y="5531299"/>
             <a:ext cx="5895261" cy="0"/>
           </a:xfrm>
           <a:prstGeom prst="line">
             <a:avLst/>
           </a:prstGeom>
-          <a:ln w="38100"/>
+          <a:ln w="38100">
+            <a:solidFill>
+              <a:srgbClr val="01BBAE"/>
+            </a:solidFill>
+          </a:ln>
         </p:spPr>
         <p:style>
           <a:lnRef idx="1">
@@ -38530,12 +38654,20 @@
         </p:nvSpPr>
         <p:spPr>
           <a:xfrm>
-            <a:off x="1376417" y="5476418"/>
+            <a:off x="4992657" y="5247818"/>
             <a:ext cx="84079" cy="283481"/>
           </a:xfrm>
           <a:prstGeom prst="downArrow">
             <a:avLst/>
           </a:prstGeom>
+          <a:solidFill>
+            <a:srgbClr val="01BBAE"/>
+          </a:solidFill>
+          <a:ln>
+            <a:solidFill>
+              <a:srgbClr val="01BBAE"/>
+            </a:solidFill>
+          </a:ln>
         </p:spPr>
         <p:style>
           <a:lnRef idx="2">
@@ -38558,7 +38690,11 @@
           <a:lstStyle/>
           <a:p>
             <a:pPr algn="ctr"/>
-            <a:endParaRPr lang="zh-CN" altLang="en-US"/>
+            <a:endParaRPr lang="zh-CN" altLang="en-US">
+              <a:solidFill>
+                <a:srgbClr val="01BBAE"/>
+              </a:solidFill>
+            </a:endParaRPr>
           </a:p>
         </p:txBody>
       </p:sp>
@@ -38570,12 +38706,20 @@
         </p:nvSpPr>
         <p:spPr>
           <a:xfrm>
-            <a:off x="2481837" y="5465908"/>
+            <a:off x="6098077" y="5237308"/>
             <a:ext cx="45719" cy="283481"/>
           </a:xfrm>
           <a:prstGeom prst="downArrow">
             <a:avLst/>
           </a:prstGeom>
+          <a:solidFill>
+            <a:srgbClr val="01BBAE"/>
+          </a:solidFill>
+          <a:ln>
+            <a:solidFill>
+              <a:srgbClr val="01BBAE"/>
+            </a:solidFill>
+          </a:ln>
         </p:spPr>
         <p:style>
           <a:lnRef idx="2">
@@ -38598,7 +38742,11 @@
           <a:lstStyle/>
           <a:p>
             <a:pPr algn="ctr"/>
-            <a:endParaRPr lang="zh-CN" altLang="en-US"/>
+            <a:endParaRPr lang="zh-CN" altLang="en-US">
+              <a:solidFill>
+                <a:srgbClr val="01BBAE"/>
+              </a:solidFill>
+            </a:endParaRPr>
           </a:p>
         </p:txBody>
       </p:sp>
@@ -38610,12 +38758,20 @@
         </p:nvSpPr>
         <p:spPr>
           <a:xfrm>
-            <a:off x="3604083" y="5445458"/>
+            <a:off x="7220323" y="5216858"/>
             <a:ext cx="65676" cy="319852"/>
           </a:xfrm>
           <a:prstGeom prst="downArrow">
             <a:avLst/>
           </a:prstGeom>
+          <a:solidFill>
+            <a:srgbClr val="01BBAE"/>
+          </a:solidFill>
+          <a:ln>
+            <a:solidFill>
+              <a:srgbClr val="01BBAE"/>
+            </a:solidFill>
+          </a:ln>
         </p:spPr>
         <p:style>
           <a:lnRef idx="2">
@@ -38638,7 +38794,11 @@
           <a:lstStyle/>
           <a:p>
             <a:pPr algn="ctr"/>
-            <a:endParaRPr lang="zh-CN" altLang="en-US"/>
+            <a:endParaRPr lang="zh-CN" altLang="en-US">
+              <a:solidFill>
+                <a:srgbClr val="01BBAE"/>
+              </a:solidFill>
+            </a:endParaRPr>
           </a:p>
         </p:txBody>
       </p:sp>
@@ -38650,12 +38810,20 @@
         </p:nvSpPr>
         <p:spPr>
           <a:xfrm>
-            <a:off x="4955177" y="5465908"/>
+            <a:off x="8571417" y="5237308"/>
             <a:ext cx="57813" cy="283481"/>
           </a:xfrm>
           <a:prstGeom prst="downArrow">
             <a:avLst/>
           </a:prstGeom>
+          <a:solidFill>
+            <a:srgbClr val="01BBAE"/>
+          </a:solidFill>
+          <a:ln>
+            <a:solidFill>
+              <a:srgbClr val="01BBAE"/>
+            </a:solidFill>
+          </a:ln>
         </p:spPr>
         <p:style>
           <a:lnRef idx="2">
@@ -38678,7 +38846,11 @@
           <a:lstStyle/>
           <a:p>
             <a:pPr algn="ctr"/>
-            <a:endParaRPr lang="zh-CN" altLang="en-US"/>
+            <a:endParaRPr lang="zh-CN" altLang="en-US">
+              <a:solidFill>
+                <a:srgbClr val="01BBAE"/>
+              </a:solidFill>
+            </a:endParaRPr>
           </a:p>
         </p:txBody>
       </p:sp>
@@ -38690,12 +38862,20 @@
         </p:nvSpPr>
         <p:spPr>
           <a:xfrm>
-            <a:off x="6326253" y="5465908"/>
+            <a:off x="9942493" y="5237308"/>
             <a:ext cx="49940" cy="283481"/>
           </a:xfrm>
           <a:prstGeom prst="downArrow">
             <a:avLst/>
           </a:prstGeom>
+          <a:solidFill>
+            <a:srgbClr val="01BBAE"/>
+          </a:solidFill>
+          <a:ln>
+            <a:solidFill>
+              <a:srgbClr val="01BBAE"/>
+            </a:solidFill>
+          </a:ln>
         </p:spPr>
         <p:style>
           <a:lnRef idx="2">
@@ -38718,7 +38898,11 @@
           <a:lstStyle/>
           <a:p>
             <a:pPr algn="ctr"/>
-            <a:endParaRPr lang="zh-CN" altLang="en-US"/>
+            <a:endParaRPr lang="zh-CN" altLang="en-US">
+              <a:solidFill>
+                <a:srgbClr val="01BBAE"/>
+              </a:solidFill>
+            </a:endParaRPr>
           </a:p>
         </p:txBody>
       </p:sp>
@@ -38730,8 +38914,8 @@
         </p:nvSpPr>
         <p:spPr>
           <a:xfrm>
-            <a:off x="3070410" y="6183583"/>
-            <a:ext cx="2142273" cy="252248"/>
+            <a:off x="6648550" y="5954982"/>
+            <a:ext cx="2306936" cy="471218"/>
           </a:xfrm>
           <a:prstGeom prst="rect">
             <a:avLst/>
@@ -38741,16 +38925,14 @@
           </a:solidFill>
         </p:spPr>
         <p:style>
-          <a:lnRef idx="2">
-            <a:schemeClr val="accent4">
-              <a:shade val="50000"/>
-            </a:schemeClr>
+          <a:lnRef idx="1">
+            <a:schemeClr val="accent5"/>
           </a:lnRef>
-          <a:fillRef idx="1">
-            <a:schemeClr val="accent4"/>
+          <a:fillRef idx="3">
+            <a:schemeClr val="accent5"/>
           </a:fillRef>
-          <a:effectRef idx="0">
-            <a:schemeClr val="accent4"/>
+          <a:effectRef idx="2">
+            <a:schemeClr val="accent5"/>
           </a:effectRef>
           <a:fontRef idx="minor">
             <a:schemeClr val="lt1"/>
@@ -38766,7 +38948,7 @@
               <a:t> </a:t>
             </a:r>
             <a:r>
-              <a:rPr lang="zh-CN" altLang="en-US" dirty="0"/>
+              <a:rPr lang="zh-CN" altLang="en-US" sz="2000" b="1" dirty="0"/>
               <a:t>分类与测距结果 </a:t>
             </a:r>
           </a:p>
@@ -38780,12 +38962,20 @@
         </p:nvSpPr>
         <p:spPr>
           <a:xfrm>
-            <a:off x="3913058" y="5796840"/>
+            <a:off x="7529298" y="5568240"/>
             <a:ext cx="548128" cy="376233"/>
           </a:xfrm>
           <a:prstGeom prst="downArrow">
             <a:avLst/>
           </a:prstGeom>
+          <a:solidFill>
+            <a:srgbClr val="01BBAE"/>
+          </a:solidFill>
+          <a:ln>
+            <a:solidFill>
+              <a:srgbClr val="01BBAE"/>
+            </a:solidFill>
+          </a:ln>
         </p:spPr>
         <p:style>
           <a:lnRef idx="2">
@@ -38910,190 +39100,467 @@
       </p:sp>
       <p:sp>
         <p:nvSpPr>
-          <p:cNvPr id="29705" name="TextBox 59"/>
-          <p:cNvSpPr txBox="1"/>
+          <p:cNvPr id="2" name="流程图: 多文档 1"/>
+          <p:cNvSpPr/>
           <p:nvPr/>
         </p:nvSpPr>
         <p:spPr>
           <a:xfrm>
-            <a:off x="7423544" y="3117639"/>
-            <a:ext cx="4504401" cy="2400361"/>
+            <a:off x="3701675" y="4471232"/>
+            <a:ext cx="1660265" cy="1040568"/>
+          </a:xfrm>
+          <a:prstGeom prst="flowChartMultidocument">
+            <a:avLst/>
+          </a:prstGeom>
+          <a:ln>
+            <a:solidFill>
+              <a:srgbClr val="01BBAE"/>
+            </a:solidFill>
+          </a:ln>
+        </p:spPr>
+        <p:style>
+          <a:lnRef idx="2">
+            <a:schemeClr val="accent6"/>
+          </a:lnRef>
+          <a:fillRef idx="1">
+            <a:schemeClr val="lt1"/>
+          </a:fillRef>
+          <a:effectRef idx="0">
+            <a:schemeClr val="accent6"/>
+          </a:effectRef>
+          <a:fontRef idx="minor">
+            <a:schemeClr val="dk1"/>
+          </a:fontRef>
+        </p:style>
+        <p:txBody>
+          <a:bodyPr rtlCol="0" anchor="ctr"/>
+          <a:lstStyle/>
+          <a:p>
+            <a:pPr algn="ctr"/>
+            <a:r>
+              <a:rPr lang="zh-CN" altLang="en-US" sz="2000" b="1" dirty="0" smtClean="0"/>
+              <a:t>提取数据</a:t>
+            </a:r>
+            <a:endParaRPr lang="zh-CN" altLang="en-US" sz="2000" b="1" dirty="0"/>
+          </a:p>
+        </p:txBody>
+      </p:sp>
+      <p:sp>
+        <p:nvSpPr>
+          <p:cNvPr id="3" name="虚尾箭头 2"/>
+          <p:cNvSpPr/>
+          <p:nvPr/>
+        </p:nvSpPr>
+        <p:spPr>
+          <a:xfrm>
+            <a:off x="5380700" y="4565120"/>
+            <a:ext cx="794040" cy="629180"/>
+          </a:xfrm>
+          <a:prstGeom prst="stripedRightArrow">
+            <a:avLst/>
+          </a:prstGeom>
+          <a:ln>
+            <a:solidFill>
+              <a:srgbClr val="01BBAE"/>
+            </a:solidFill>
+          </a:ln>
+        </p:spPr>
+        <p:style>
+          <a:lnRef idx="1">
+            <a:schemeClr val="accent6"/>
+          </a:lnRef>
+          <a:fillRef idx="2">
+            <a:schemeClr val="accent6"/>
+          </a:fillRef>
+          <a:effectRef idx="1">
+            <a:schemeClr val="accent6"/>
+          </a:effectRef>
+          <a:fontRef idx="minor">
+            <a:schemeClr val="dk1"/>
+          </a:fontRef>
+        </p:style>
+        <p:txBody>
+          <a:bodyPr rtlCol="0" anchor="ctr"/>
+          <a:lstStyle/>
+          <a:p>
+            <a:pPr algn="ctr"/>
+            <a:endParaRPr lang="zh-CN" altLang="en-US"/>
+          </a:p>
+        </p:txBody>
+      </p:sp>
+      <p:sp>
+        <p:nvSpPr>
+          <p:cNvPr id="4" name="流程图: 过程 3"/>
+          <p:cNvSpPr/>
+          <p:nvPr/>
+        </p:nvSpPr>
+        <p:spPr>
+          <a:xfrm>
+            <a:off x="6203034" y="4450126"/>
+            <a:ext cx="1559205" cy="871174"/>
+          </a:xfrm>
+          <a:prstGeom prst="flowChartProcess">
+            <a:avLst/>
+          </a:prstGeom>
+          <a:solidFill>
+            <a:srgbClr val="01BBAE"/>
+          </a:solidFill>
+        </p:spPr>
+        <p:style>
+          <a:lnRef idx="1">
+            <a:schemeClr val="accent5"/>
+          </a:lnRef>
+          <a:fillRef idx="3">
+            <a:schemeClr val="accent5"/>
+          </a:fillRef>
+          <a:effectRef idx="2">
+            <a:schemeClr val="accent5"/>
+          </a:effectRef>
+          <a:fontRef idx="minor">
+            <a:schemeClr val="lt1"/>
+          </a:fontRef>
+        </p:style>
+        <p:txBody>
+          <a:bodyPr rtlCol="0" anchor="ctr"/>
+          <a:lstStyle/>
+          <a:p>
+            <a:pPr algn="ctr"/>
+            <a:r>
+              <a:rPr lang="zh-CN" altLang="en-US" sz="2000" b="1" dirty="0" smtClean="0"/>
+              <a:t>训练算法</a:t>
+            </a:r>
+            <a:endParaRPr lang="zh-CN" altLang="en-US" sz="2000" b="1" dirty="0"/>
+          </a:p>
+        </p:txBody>
+      </p:sp>
+      <p:sp>
+        <p:nvSpPr>
+          <p:cNvPr id="5" name="右箭头 4"/>
+          <p:cNvSpPr/>
+          <p:nvPr/>
+        </p:nvSpPr>
+        <p:spPr>
+          <a:xfrm>
+            <a:off x="7779804" y="4601418"/>
+            <a:ext cx="909536" cy="592882"/>
+          </a:xfrm>
+          <a:prstGeom prst="rightArrow">
+            <a:avLst/>
+          </a:prstGeom>
+          <a:solidFill>
+            <a:srgbClr val="01BBAE"/>
+          </a:solidFill>
+          <a:ln>
+            <a:solidFill>
+              <a:srgbClr val="01BBAE"/>
+            </a:solidFill>
+          </a:ln>
+        </p:spPr>
+        <p:style>
+          <a:lnRef idx="1">
+            <a:schemeClr val="accent5"/>
+          </a:lnRef>
+          <a:fillRef idx="2">
+            <a:schemeClr val="accent5"/>
+          </a:fillRef>
+          <a:effectRef idx="1">
+            <a:schemeClr val="accent5"/>
+          </a:effectRef>
+          <a:fontRef idx="minor">
+            <a:schemeClr val="dk1"/>
+          </a:fontRef>
+        </p:style>
+        <p:txBody>
+          <a:bodyPr rtlCol="0" anchor="ctr"/>
+          <a:lstStyle/>
+          <a:p>
+            <a:pPr algn="ctr"/>
+            <a:endParaRPr lang="zh-CN" altLang="en-US"/>
+          </a:p>
+        </p:txBody>
+      </p:sp>
+      <p:sp>
+        <p:nvSpPr>
+          <p:cNvPr id="6" name="圆角矩形 5"/>
+          <p:cNvSpPr/>
+          <p:nvPr/>
+        </p:nvSpPr>
+        <p:spPr>
+          <a:xfrm>
+            <a:off x="8705864" y="4462226"/>
+            <a:ext cx="1234819" cy="859073"/>
+          </a:xfrm>
+          <a:prstGeom prst="roundRect">
+            <a:avLst/>
+          </a:prstGeom>
+          <a:ln>
+            <a:solidFill>
+              <a:srgbClr val="01BBAE"/>
+            </a:solidFill>
+          </a:ln>
+        </p:spPr>
+        <p:style>
+          <a:lnRef idx="1">
+            <a:schemeClr val="accent6"/>
+          </a:lnRef>
+          <a:fillRef idx="2">
+            <a:schemeClr val="accent6"/>
+          </a:fillRef>
+          <a:effectRef idx="1">
+            <a:schemeClr val="accent6"/>
+          </a:effectRef>
+          <a:fontRef idx="minor">
+            <a:schemeClr val="dk1"/>
+          </a:fontRef>
+        </p:style>
+        <p:txBody>
+          <a:bodyPr rtlCol="0" anchor="ctr"/>
+          <a:lstStyle/>
+          <a:p>
+            <a:pPr algn="ctr"/>
+            <a:r>
+              <a:rPr lang="zh-CN" altLang="en-US" sz="2000" b="1" dirty="0" smtClean="0"/>
+              <a:t>结果</a:t>
+            </a:r>
+            <a:endParaRPr lang="zh-CN" altLang="en-US" sz="2000" b="1" dirty="0"/>
+          </a:p>
+        </p:txBody>
+      </p:sp>
+      <p:sp>
+        <p:nvSpPr>
+          <p:cNvPr id="7" name="下箭头标注 6"/>
+          <p:cNvSpPr/>
+          <p:nvPr/>
+        </p:nvSpPr>
+        <p:spPr>
+          <a:xfrm>
+            <a:off x="6190334" y="3391732"/>
+            <a:ext cx="1559205" cy="1040568"/>
+          </a:xfrm>
+          <a:prstGeom prst="downArrowCallout">
+            <a:avLst/>
+          </a:prstGeom>
+          <a:ln>
+            <a:solidFill>
+              <a:srgbClr val="01BBAE"/>
+            </a:solidFill>
+          </a:ln>
+        </p:spPr>
+        <p:style>
+          <a:lnRef idx="1">
+            <a:schemeClr val="accent2"/>
+          </a:lnRef>
+          <a:fillRef idx="2">
+            <a:schemeClr val="accent2"/>
+          </a:fillRef>
+          <a:effectRef idx="1">
+            <a:schemeClr val="accent2"/>
+          </a:effectRef>
+          <a:fontRef idx="minor">
+            <a:schemeClr val="dk1"/>
+          </a:fontRef>
+        </p:style>
+        <p:txBody>
+          <a:bodyPr rtlCol="0" anchor="ctr"/>
+          <a:lstStyle/>
+          <a:p>
+            <a:pPr algn="ctr"/>
+            <a:r>
+              <a:rPr lang="zh-CN" altLang="en-US" sz="2000" b="1" dirty="0" smtClean="0"/>
+              <a:t>设置参数</a:t>
+            </a:r>
+            <a:endParaRPr lang="zh-CN" altLang="en-US" sz="2000" b="1" dirty="0"/>
+          </a:p>
+        </p:txBody>
+      </p:sp>
+      <p:cxnSp>
+        <p:nvCxnSpPr>
+          <p:cNvPr id="10" name="肘形连接符 9"/>
+          <p:cNvCxnSpPr>
+            <a:stCxn id="6" idx="0"/>
+            <a:endCxn id="7" idx="3"/>
+          </p:cNvCxnSpPr>
+          <p:nvPr/>
+        </p:nvCxnSpPr>
+        <p:spPr>
+          <a:xfrm rot="16200000" flipV="1">
+            <a:off x="8170193" y="3309144"/>
+            <a:ext cx="732429" cy="1573735"/>
+          </a:xfrm>
+          <a:prstGeom prst="bentConnector2">
+            <a:avLst/>
+          </a:prstGeom>
+          <a:ln w="127000" cmpd="dbl">
+            <a:solidFill>
+              <a:srgbClr val="01BBAE"/>
+            </a:solidFill>
+            <a:prstDash val="sysDash"/>
+            <a:headEnd type="oval" w="med" len="med"/>
+            <a:tailEnd type="stealth"/>
+          </a:ln>
+        </p:spPr>
+        <p:style>
+          <a:lnRef idx="1">
+            <a:schemeClr val="accent1"/>
+          </a:lnRef>
+          <a:fillRef idx="0">
+            <a:schemeClr val="accent1"/>
+          </a:fillRef>
+          <a:effectRef idx="0">
+            <a:schemeClr val="accent1"/>
+          </a:effectRef>
+          <a:fontRef idx="minor">
+            <a:schemeClr val="tx1"/>
+          </a:fontRef>
+        </p:style>
+      </p:cxnSp>
+      <p:sp>
+        <p:nvSpPr>
+          <p:cNvPr id="11" name="云形标注 10"/>
+          <p:cNvSpPr/>
+          <p:nvPr/>
+        </p:nvSpPr>
+        <p:spPr>
+          <a:xfrm>
+            <a:off x="2514601" y="1447800"/>
+            <a:ext cx="3863340" cy="2281996"/>
+          </a:xfrm>
+          <a:prstGeom prst="cloudCallout">
+            <a:avLst>
+              <a:gd name="adj1" fmla="val 42807"/>
+              <a:gd name="adj2" fmla="val 47946"/>
+            </a:avLst>
+          </a:prstGeom>
+          <a:solidFill>
+            <a:schemeClr val="accent3"/>
+          </a:solidFill>
+          <a:ln>
+            <a:solidFill>
+              <a:srgbClr val="01BBAE"/>
+            </a:solidFill>
+          </a:ln>
+        </p:spPr>
+        <p:style>
+          <a:lnRef idx="1">
+            <a:schemeClr val="accent5"/>
+          </a:lnRef>
+          <a:fillRef idx="2">
+            <a:schemeClr val="accent5"/>
+          </a:fillRef>
+          <a:effectRef idx="1">
+            <a:schemeClr val="accent5"/>
+          </a:effectRef>
+          <a:fontRef idx="minor">
+            <a:schemeClr val="dk1"/>
+          </a:fontRef>
+        </p:style>
+        <p:txBody>
+          <a:bodyPr rtlCol="0" anchor="ctr"/>
+          <a:lstStyle/>
+          <a:p>
+            <a:pPr algn="ctr"/>
+            <a:endParaRPr lang="en-US" altLang="zh-CN" sz="2000" b="1" dirty="0" smtClean="0"/>
+          </a:p>
+          <a:p>
+            <a:pPr algn="ctr"/>
+            <a:r>
+              <a:rPr lang="en-US" altLang="zh-CN" sz="2000" b="1" dirty="0" smtClean="0"/>
+              <a:t>1</a:t>
+            </a:r>
+            <a:r>
+              <a:rPr lang="zh-CN" altLang="en-US" sz="2000" b="1" dirty="0" smtClean="0"/>
+              <a:t>、初始条件设置</a:t>
+            </a:r>
+            <a:endParaRPr lang="en-US" altLang="zh-CN" sz="2000" b="1" dirty="0" smtClean="0"/>
+          </a:p>
+          <a:p>
+            <a:pPr algn="ctr"/>
+            <a:r>
+              <a:rPr lang="en-US" altLang="zh-CN" sz="2000" b="1" dirty="0" smtClean="0"/>
+              <a:t>2</a:t>
+            </a:r>
+            <a:r>
+              <a:rPr lang="zh-CN" altLang="en-US" sz="2000" b="1" dirty="0" smtClean="0"/>
+              <a:t>、激活函数选择</a:t>
+            </a:r>
+            <a:endParaRPr lang="en-US" altLang="zh-CN" sz="2000" b="1" dirty="0" smtClean="0"/>
+          </a:p>
+          <a:p>
+            <a:pPr algn="ctr"/>
+            <a:r>
+              <a:rPr lang="en-US" altLang="zh-CN" sz="2000" b="1" dirty="0" smtClean="0"/>
+              <a:t>3</a:t>
+            </a:r>
+            <a:r>
+              <a:rPr lang="zh-CN" altLang="en-US" sz="2000" b="1" dirty="0" smtClean="0"/>
+              <a:t>、损失函数定义</a:t>
+            </a:r>
+            <a:endParaRPr lang="en-US" altLang="zh-CN" sz="2000" b="1" dirty="0" smtClean="0"/>
+          </a:p>
+          <a:p>
+            <a:pPr algn="ctr"/>
+            <a:r>
+              <a:rPr lang="en-US" altLang="zh-CN" sz="2000" b="1" dirty="0" smtClean="0"/>
+              <a:t>4</a:t>
+            </a:r>
+            <a:r>
+              <a:rPr lang="zh-CN" altLang="en-US" sz="2000" b="1" dirty="0" smtClean="0"/>
+              <a:t>、优化算法设定</a:t>
+            </a:r>
+            <a:endParaRPr lang="en-US" altLang="zh-CN" sz="2000" b="1" dirty="0" smtClean="0"/>
+          </a:p>
+          <a:p>
+            <a:pPr algn="ctr"/>
+            <a:r>
+              <a:rPr lang="en-US" altLang="zh-CN" sz="2000" b="1" dirty="0" smtClean="0"/>
+              <a:t>……</a:t>
+            </a:r>
+          </a:p>
+        </p:txBody>
+      </p:sp>
+      <p:sp>
+        <p:nvSpPr>
+          <p:cNvPr id="12" name="矩形 11"/>
+          <p:cNvSpPr/>
+          <p:nvPr/>
+        </p:nvSpPr>
+        <p:spPr>
+          <a:xfrm>
+            <a:off x="4531807" y="6048158"/>
+            <a:ext cx="4801314" cy="369332"/>
           </a:xfrm>
           <a:prstGeom prst="rect">
             <a:avLst/>
           </a:prstGeom>
-          <a:noFill/>
-          <a:ln w="9525">
-            <a:noFill/>
-            <a:miter/>
-          </a:ln>
         </p:spPr>
         <p:txBody>
-          <a:bodyPr lIns="90000" rIns="90000" anchor="ctr"/>
-          <a:lstStyle/>
-          <a:p>
-            <a:pPr lvl="0" algn="just">
-              <a:lnSpc>
-                <a:spcPct val="130000"/>
-              </a:lnSpc>
-            </a:pPr>
+          <a:bodyPr wrap="none">
+            <a:spAutoFit/>
+          </a:bodyPr>
+          <a:lstStyle/>
+          <a:p>
             <a:r>
               <a:rPr lang="zh-CN" altLang="en-US" b="1" dirty="0" smtClean="0">
                 <a:latin typeface="微软雅黑" pitchFamily="2" charset="-122"/>
                 <a:ea typeface="微软雅黑" pitchFamily="2" charset="-122"/>
               </a:rPr>
-              <a:t>难点：</a:t>
-            </a:r>
-            <a:endParaRPr lang="en-US" altLang="zh-CN" b="1" dirty="0" smtClean="0">
-              <a:latin typeface="微软雅黑" pitchFamily="2" charset="-122"/>
-              <a:ea typeface="微软雅黑" pitchFamily="2" charset="-122"/>
-            </a:endParaRPr>
-          </a:p>
-          <a:p>
-            <a:pPr algn="just">
-              <a:lnSpc>
-                <a:spcPct val="130000"/>
-              </a:lnSpc>
-            </a:pPr>
-            <a:r>
-              <a:rPr lang="en-US" altLang="zh-CN" b="1" dirty="0" smtClean="0">
+              <a:t>机器学习算法</a:t>
+            </a:r>
+            <a:r>
+              <a:rPr lang="zh-CN" altLang="en-US" b="1" dirty="0">
                 <a:latin typeface="微软雅黑" pitchFamily="2" charset="-122"/>
                 <a:ea typeface="微软雅黑" pitchFamily="2" charset="-122"/>
               </a:rPr>
-              <a:t>1</a:t>
+              <a:t>的参数设置与模型</a:t>
             </a:r>
             <a:r>
               <a:rPr lang="zh-CN" altLang="en-US" b="1" dirty="0" smtClean="0">
                 <a:latin typeface="微软雅黑" pitchFamily="2" charset="-122"/>
                 <a:ea typeface="微软雅黑" pitchFamily="2" charset="-122"/>
               </a:rPr>
-              <a:t>、</a:t>
-            </a:r>
-            <a:r>
-              <a:rPr lang="zh-CN" altLang="zh-CN" b="1" dirty="0" smtClean="0">
-                <a:latin typeface="微软雅黑" pitchFamily="2" charset="-122"/>
-                <a:ea typeface="微软雅黑" pitchFamily="2" charset="-122"/>
-              </a:rPr>
-              <a:t>故障</a:t>
-            </a:r>
-            <a:r>
-              <a:rPr lang="zh-CN" altLang="zh-CN" b="1" dirty="0">
-                <a:latin typeface="微软雅黑" pitchFamily="2" charset="-122"/>
-                <a:ea typeface="微软雅黑" pitchFamily="2" charset="-122"/>
-              </a:rPr>
-              <a:t>的仿真模型的建立</a:t>
-            </a:r>
-            <a:endParaRPr lang="en-US" altLang="x-none" b="1" dirty="0">
-              <a:latin typeface="微软雅黑" pitchFamily="2" charset="-122"/>
-              <a:ea typeface="微软雅黑" pitchFamily="2" charset="-122"/>
-            </a:endParaRPr>
-          </a:p>
-          <a:p>
-            <a:pPr lvl="0" algn="just">
-              <a:lnSpc>
-                <a:spcPct val="130000"/>
-              </a:lnSpc>
-            </a:pPr>
-            <a:r>
-              <a:rPr lang="en-US" altLang="zh-CN" b="1" dirty="0" smtClean="0">
-                <a:latin typeface="微软雅黑" pitchFamily="2" charset="-122"/>
-                <a:ea typeface="微软雅黑" pitchFamily="2" charset="-122"/>
-              </a:rPr>
-              <a:t>2</a:t>
-            </a:r>
-            <a:r>
-              <a:rPr lang="zh-CN" altLang="en-US" b="1" dirty="0" smtClean="0">
-                <a:latin typeface="微软雅黑" pitchFamily="2" charset="-122"/>
-                <a:ea typeface="微软雅黑" pitchFamily="2" charset="-122"/>
-              </a:rPr>
-              <a:t>、数据预处理</a:t>
-            </a:r>
-            <a:r>
-              <a:rPr lang="zh-CN" altLang="en-US" b="1" dirty="0">
-                <a:latin typeface="微软雅黑" pitchFamily="2" charset="-122"/>
-                <a:ea typeface="微软雅黑" pitchFamily="2" charset="-122"/>
-              </a:rPr>
-              <a:t>的方法</a:t>
-            </a:r>
-            <a:endParaRPr lang="en-US" altLang="zh-CN" b="1" dirty="0">
-              <a:latin typeface="微软雅黑" pitchFamily="2" charset="-122"/>
-              <a:ea typeface="微软雅黑" pitchFamily="2" charset="-122"/>
-            </a:endParaRPr>
-          </a:p>
-          <a:p>
-            <a:pPr lvl="0" algn="just">
-              <a:lnSpc>
-                <a:spcPct val="130000"/>
-              </a:lnSpc>
-            </a:pPr>
-            <a:r>
-              <a:rPr lang="en-US" altLang="zh-CN" b="1" dirty="0" smtClean="0">
-                <a:latin typeface="微软雅黑" pitchFamily="2" charset="-122"/>
-                <a:ea typeface="微软雅黑" pitchFamily="2" charset="-122"/>
-              </a:rPr>
-              <a:t>3</a:t>
-            </a:r>
-            <a:r>
-              <a:rPr lang="zh-CN" altLang="en-US" b="1" dirty="0" smtClean="0">
-                <a:latin typeface="微软雅黑" pitchFamily="2" charset="-122"/>
-                <a:ea typeface="微软雅黑" pitchFamily="2" charset="-122"/>
-              </a:rPr>
-              <a:t>、故障识别算法的参数设置、训练与改进</a:t>
-            </a:r>
-            <a:endParaRPr lang="en-US" altLang="zh-CN" b="1" dirty="0">
-              <a:latin typeface="微软雅黑" pitchFamily="2" charset="-122"/>
-              <a:ea typeface="微软雅黑" pitchFamily="2" charset="-122"/>
-            </a:endParaRPr>
-          </a:p>
-          <a:p>
-            <a:pPr lvl="0" algn="just">
-              <a:lnSpc>
-                <a:spcPct val="130000"/>
-              </a:lnSpc>
-            </a:pPr>
-            <a:r>
-              <a:rPr lang="en-US" altLang="zh-CN" b="1" dirty="0" smtClean="0">
-                <a:latin typeface="微软雅黑" pitchFamily="2" charset="-122"/>
-                <a:ea typeface="微软雅黑" pitchFamily="2" charset="-122"/>
-              </a:rPr>
-              <a:t>4</a:t>
-            </a:r>
-            <a:r>
-              <a:rPr lang="zh-CN" altLang="en-US" b="1" dirty="0" smtClean="0">
-                <a:latin typeface="微软雅黑" pitchFamily="2" charset="-122"/>
-                <a:ea typeface="微软雅黑" pitchFamily="2" charset="-122"/>
-              </a:rPr>
-              <a:t>、</a:t>
-            </a:r>
-            <a:r>
-              <a:rPr lang="zh-CN" altLang="en-US" b="1" dirty="0">
-                <a:latin typeface="微软雅黑" pitchFamily="2" charset="-122"/>
-                <a:ea typeface="微软雅黑" pitchFamily="2" charset="-122"/>
-              </a:rPr>
-              <a:t>故障测距</a:t>
-            </a:r>
-            <a:r>
-              <a:rPr lang="zh-CN" altLang="en-US" b="1" dirty="0" smtClean="0">
-                <a:latin typeface="微软雅黑" pitchFamily="2" charset="-122"/>
-                <a:ea typeface="微软雅黑" pitchFamily="2" charset="-122"/>
-              </a:rPr>
-              <a:t>算法的参数设置、训练与改进</a:t>
-            </a:r>
-            <a:endParaRPr lang="en-US" altLang="zh-CN" b="1" dirty="0">
-              <a:latin typeface="微软雅黑" pitchFamily="2" charset="-122"/>
-              <a:ea typeface="微软雅黑" pitchFamily="2" charset="-122"/>
-            </a:endParaRPr>
-          </a:p>
-          <a:p>
-            <a:pPr lvl="0" algn="just">
-              <a:lnSpc>
-                <a:spcPct val="130000"/>
-              </a:lnSpc>
-            </a:pPr>
-            <a:endParaRPr lang="en-US" altLang="x-none" sz="1600" b="1" dirty="0">
-              <a:latin typeface="微软雅黑" pitchFamily="2" charset="-122"/>
-              <a:ea typeface="微软雅黑" pitchFamily="2" charset="-122"/>
-            </a:endParaRPr>
+              <a:t>训练的流程图</a:t>
+            </a:r>
+            <a:endParaRPr lang="zh-CN" altLang="en-US" dirty="0"/>
           </a:p>
         </p:txBody>
       </p:sp>
@@ -39830,7 +40297,7 @@
                 <a:latin typeface="微软雅黑" pitchFamily="2" charset="-122"/>
                 <a:ea typeface="微软雅黑" pitchFamily="2" charset="-122"/>
               </a:rPr>
-              <a:t>、准确率达标。</a:t>
+              <a:t>、保证分类的准确性。</a:t>
             </a:r>
             <a:endParaRPr lang="zh-CN" altLang="en-US" sz="1600" b="1" dirty="0">
               <a:latin typeface="微软雅黑" pitchFamily="2" charset="-122"/>
@@ -39975,18 +40442,32 @@
               <a:t>3</a:t>
             </a:r>
             <a:r>
-              <a:rPr lang="zh-CN" altLang="en-US" sz="1600" b="1" dirty="0">
-                <a:latin typeface="微软雅黑" pitchFamily="2" charset="-122"/>
-                <a:ea typeface="微软雅黑" pitchFamily="2" charset="-122"/>
-              </a:rPr>
-              <a:t>、准确率</a:t>
-            </a:r>
-            <a:r>
               <a:rPr lang="zh-CN" altLang="en-US" sz="1600" b="1" dirty="0" smtClean="0">
                 <a:latin typeface="微软雅黑" pitchFamily="2" charset="-122"/>
                 <a:ea typeface="微软雅黑" pitchFamily="2" charset="-122"/>
               </a:rPr>
-              <a:t>达标。</a:t>
+              <a:t>、</a:t>
+            </a:r>
+            <a:r>
+              <a:rPr lang="zh-CN" altLang="en-US" sz="1600" b="1" dirty="0" smtClean="0">
+                <a:latin typeface="微软雅黑" pitchFamily="2" charset="-122"/>
+                <a:ea typeface="微软雅黑" pitchFamily="2" charset="-122"/>
+              </a:rPr>
+              <a:t>定位精度</a:t>
+            </a:r>
+            <a:r>
+              <a:rPr lang="zh-CN" altLang="en-US" sz="1600" b="1" dirty="0" smtClean="0">
+                <a:latin typeface="微软雅黑" pitchFamily="2" charset="-122"/>
+                <a:ea typeface="微软雅黑" pitchFamily="2" charset="-122"/>
+              </a:rPr>
+              <a:t>达标</a:t>
+            </a:r>
+            <a:r>
+              <a:rPr lang="zh-CN" altLang="en-US" sz="1600" b="1" dirty="0" smtClean="0">
+                <a:latin typeface="微软雅黑" pitchFamily="2" charset="-122"/>
+                <a:ea typeface="微软雅黑" pitchFamily="2" charset="-122"/>
+              </a:rPr>
+              <a:t>。</a:t>
             </a:r>
           </a:p>
           <a:p>

--- a/开题/我要学习-开题1.pptx
+++ b/开题/我要学习-开题1.pptx
@@ -21,11 +21,10 @@
     <p:sldId id="259" r:id="rId15"/>
     <p:sldId id="260" r:id="rId16"/>
     <p:sldId id="261" r:id="rId17"/>
-    <p:sldId id="280" r:id="rId18"/>
-    <p:sldId id="281" r:id="rId19"/>
-    <p:sldId id="264" r:id="rId20"/>
-    <p:sldId id="263" r:id="rId21"/>
-    <p:sldId id="257" r:id="rId22"/>
+    <p:sldId id="283" r:id="rId18"/>
+    <p:sldId id="264" r:id="rId19"/>
+    <p:sldId id="263" r:id="rId20"/>
+    <p:sldId id="257" r:id="rId21"/>
   </p:sldIdLst>
   <p:sldSz cx="12192000" cy="6858000"/>
   <p:notesSz cx="6858000" cy="9144000"/>
@@ -603,7 +602,7 @@
             <a:pPr lvl="0"/>
             <a:fld id="{BB962C8B-B14F-4D97-AF65-F5344CB8AC3E}" type="datetimeFigureOut">
               <a:rPr lang="zh-CN" altLang="en-US" dirty="0"/>
-              <a:t>2018-03-17</a:t>
+              <a:t>2018-03-25</a:t>
             </a:fld>
             <a:endParaRPr lang="zh-CN" altLang="en-US" dirty="0"/>
           </a:p>
@@ -787,7 +786,7 @@
             <a:pPr lvl="0"/>
             <a:fld id="{BB962C8B-B14F-4D97-AF65-F5344CB8AC3E}" type="datetimeFigureOut">
               <a:rPr lang="zh-CN" altLang="en-US" dirty="0"/>
-              <a:t>2018-03-17</a:t>
+              <a:t>2018-03-25</a:t>
             </a:fld>
             <a:endParaRPr lang="zh-CN" altLang="en-US" dirty="0"/>
           </a:p>
@@ -1037,7 +1036,7 @@
             <a:pPr lvl="0"/>
             <a:fld id="{BB962C8B-B14F-4D97-AF65-F5344CB8AC3E}" type="datetimeFigureOut">
               <a:rPr lang="zh-CN" altLang="en-US" dirty="0"/>
-              <a:t>2018-03-17</a:t>
+              <a:t>2018-03-25</a:t>
             </a:fld>
             <a:endParaRPr lang="zh-CN" altLang="en-US" dirty="0"/>
           </a:p>
@@ -1281,7 +1280,7 @@
             <a:pPr lvl="0"/>
             <a:fld id="{BB962C8B-B14F-4D97-AF65-F5344CB8AC3E}" type="datetimeFigureOut">
               <a:rPr lang="zh-CN" altLang="en-US" dirty="0"/>
-              <a:t>2018-03-17</a:t>
+              <a:t>2018-03-25</a:t>
             </a:fld>
             <a:endParaRPr lang="zh-CN" altLang="en-US" dirty="0"/>
           </a:p>
@@ -1661,7 +1660,7 @@
             <a:pPr lvl="0"/>
             <a:fld id="{BB962C8B-B14F-4D97-AF65-F5344CB8AC3E}" type="datetimeFigureOut">
               <a:rPr lang="zh-CN" altLang="en-US" dirty="0"/>
-              <a:t>2018-03-17</a:t>
+              <a:t>2018-03-25</a:t>
             </a:fld>
             <a:endParaRPr lang="zh-CN" altLang="en-US" dirty="0"/>
           </a:p>
@@ -1785,7 +1784,7 @@
             <a:pPr lvl="0"/>
             <a:fld id="{BB962C8B-B14F-4D97-AF65-F5344CB8AC3E}" type="datetimeFigureOut">
               <a:rPr lang="zh-CN" altLang="en-US" dirty="0"/>
-              <a:t>2018-03-17</a:t>
+              <a:t>2018-03-25</a:t>
             </a:fld>
             <a:endParaRPr lang="zh-CN" altLang="en-US" dirty="0"/>
           </a:p>
@@ -1878,7 +1877,7 @@
             <a:pPr lvl="0"/>
             <a:fld id="{BB962C8B-B14F-4D97-AF65-F5344CB8AC3E}" type="datetimeFigureOut">
               <a:rPr lang="zh-CN" altLang="en-US" dirty="0"/>
-              <a:t>2018-03-17</a:t>
+              <a:t>2018-03-25</a:t>
             </a:fld>
             <a:endParaRPr lang="zh-CN" altLang="en-US" dirty="0"/>
           </a:p>
@@ -2162,7 +2161,7 @@
             <a:pPr lvl="0"/>
             <a:fld id="{BB962C8B-B14F-4D97-AF65-F5344CB8AC3E}" type="datetimeFigureOut">
               <a:rPr lang="zh-CN" altLang="en-US" dirty="0"/>
-              <a:t>2018-03-17</a:t>
+              <a:t>2018-03-25</a:t>
             </a:fld>
             <a:endParaRPr lang="zh-CN" altLang="en-US" dirty="0"/>
           </a:p>
@@ -2422,7 +2421,7 @@
             <a:pPr lvl="0"/>
             <a:fld id="{BB962C8B-B14F-4D97-AF65-F5344CB8AC3E}" type="datetimeFigureOut">
               <a:rPr lang="zh-CN" altLang="en-US" dirty="0"/>
-              <a:t>2018-03-17</a:t>
+              <a:t>2018-03-25</a:t>
             </a:fld>
             <a:endParaRPr lang="zh-CN" altLang="en-US" dirty="0"/>
           </a:p>
@@ -2606,7 +2605,7 @@
             <a:pPr lvl="0"/>
             <a:fld id="{BB962C8B-B14F-4D97-AF65-F5344CB8AC3E}" type="datetimeFigureOut">
               <a:rPr lang="zh-CN" altLang="en-US" dirty="0"/>
-              <a:t>2018-03-17</a:t>
+              <a:t>2018-03-25</a:t>
             </a:fld>
             <a:endParaRPr lang="zh-CN" altLang="en-US" dirty="0"/>
           </a:p>
@@ -2906,7 +2905,7 @@
             <a:pPr lvl="0"/>
             <a:fld id="{BB962C8B-B14F-4D97-AF65-F5344CB8AC3E}" type="datetimeFigureOut">
               <a:rPr lang="zh-CN" altLang="en-US" dirty="0"/>
-              <a:t>2018-03-17</a:t>
+              <a:t>2018-03-25</a:t>
             </a:fld>
             <a:endParaRPr lang="zh-CN" altLang="en-US" dirty="0"/>
           </a:p>
@@ -3102,7 +3101,7 @@
             <a:pPr lvl="0"/>
             <a:fld id="{BB962C8B-B14F-4D97-AF65-F5344CB8AC3E}" type="datetimeFigureOut">
               <a:rPr lang="zh-CN" altLang="en-US" dirty="0"/>
-              <a:t>2018-03-17</a:t>
+              <a:t>2018-03-25</a:t>
             </a:fld>
             <a:endParaRPr lang="zh-CN" altLang="en-US" dirty="0"/>
           </a:p>
@@ -3286,7 +3285,7 @@
             <a:pPr lvl="0"/>
             <a:fld id="{BB962C8B-B14F-4D97-AF65-F5344CB8AC3E}" type="datetimeFigureOut">
               <a:rPr lang="zh-CN" altLang="en-US" dirty="0"/>
-              <a:t>2018-03-17</a:t>
+              <a:t>2018-03-25</a:t>
             </a:fld>
             <a:endParaRPr lang="zh-CN" altLang="en-US" dirty="0"/>
           </a:p>
@@ -3536,7 +3535,7 @@
             <a:pPr lvl="0"/>
             <a:fld id="{BB962C8B-B14F-4D97-AF65-F5344CB8AC3E}" type="datetimeFigureOut">
               <a:rPr lang="zh-CN" altLang="en-US" dirty="0"/>
-              <a:t>2018-03-17</a:t>
+              <a:t>2018-03-25</a:t>
             </a:fld>
             <a:endParaRPr lang="zh-CN" altLang="en-US" dirty="0"/>
           </a:p>
@@ -3780,7 +3779,7 @@
             <a:pPr lvl="0"/>
             <a:fld id="{BB962C8B-B14F-4D97-AF65-F5344CB8AC3E}" type="datetimeFigureOut">
               <a:rPr lang="zh-CN" altLang="en-US" dirty="0"/>
-              <a:t>2018-03-17</a:t>
+              <a:t>2018-03-25</a:t>
             </a:fld>
             <a:endParaRPr lang="zh-CN" altLang="en-US" dirty="0"/>
           </a:p>
@@ -4160,7 +4159,7 @@
             <a:pPr lvl="0"/>
             <a:fld id="{BB962C8B-B14F-4D97-AF65-F5344CB8AC3E}" type="datetimeFigureOut">
               <a:rPr lang="zh-CN" altLang="en-US" dirty="0"/>
-              <a:t>2018-03-17</a:t>
+              <a:t>2018-03-25</a:t>
             </a:fld>
             <a:endParaRPr lang="zh-CN" altLang="en-US" dirty="0"/>
           </a:p>
@@ -4284,7 +4283,7 @@
             <a:pPr lvl="0"/>
             <a:fld id="{BB962C8B-B14F-4D97-AF65-F5344CB8AC3E}" type="datetimeFigureOut">
               <a:rPr lang="zh-CN" altLang="en-US" dirty="0"/>
-              <a:t>2018-03-17</a:t>
+              <a:t>2018-03-25</a:t>
             </a:fld>
             <a:endParaRPr lang="zh-CN" altLang="en-US" dirty="0"/>
           </a:p>
@@ -4377,7 +4376,7 @@
             <a:pPr lvl="0"/>
             <a:fld id="{BB962C8B-B14F-4D97-AF65-F5344CB8AC3E}" type="datetimeFigureOut">
               <a:rPr lang="zh-CN" altLang="en-US" dirty="0"/>
-              <a:t>2018-03-17</a:t>
+              <a:t>2018-03-25</a:t>
             </a:fld>
             <a:endParaRPr lang="zh-CN" altLang="en-US" dirty="0"/>
           </a:p>
@@ -4661,7 +4660,7 @@
             <a:pPr lvl="0"/>
             <a:fld id="{BB962C8B-B14F-4D97-AF65-F5344CB8AC3E}" type="datetimeFigureOut">
               <a:rPr lang="zh-CN" altLang="en-US" dirty="0"/>
-              <a:t>2018-03-17</a:t>
+              <a:t>2018-03-25</a:t>
             </a:fld>
             <a:endParaRPr lang="zh-CN" altLang="en-US" dirty="0"/>
           </a:p>
@@ -4921,7 +4920,7 @@
             <a:pPr lvl="0"/>
             <a:fld id="{BB962C8B-B14F-4D97-AF65-F5344CB8AC3E}" type="datetimeFigureOut">
               <a:rPr lang="zh-CN" altLang="en-US" dirty="0"/>
-              <a:t>2018-03-17</a:t>
+              <a:t>2018-03-25</a:t>
             </a:fld>
             <a:endParaRPr lang="zh-CN" altLang="en-US" dirty="0"/>
           </a:p>
@@ -5233,7 +5232,7 @@
             <a:pPr lvl="0"/>
             <a:fld id="{BB962C8B-B14F-4D97-AF65-F5344CB8AC3E}" type="datetimeFigureOut">
               <a:rPr lang="zh-CN" altLang="en-US" dirty="0"/>
-              <a:t>2018-03-17</a:t>
+              <a:t>2018-03-25</a:t>
             </a:fld>
             <a:endParaRPr lang="zh-CN" altLang="en-US" dirty="0"/>
           </a:p>
@@ -5417,7 +5416,7 @@
             <a:pPr lvl="0"/>
             <a:fld id="{BB962C8B-B14F-4D97-AF65-F5344CB8AC3E}" type="datetimeFigureOut">
               <a:rPr lang="zh-CN" altLang="en-US" dirty="0"/>
-              <a:t>2018-03-17</a:t>
+              <a:t>2018-03-25</a:t>
             </a:fld>
             <a:endParaRPr lang="zh-CN" altLang="en-US" dirty="0"/>
           </a:p>
@@ -5613,7 +5612,7 @@
             <a:pPr lvl="0"/>
             <a:fld id="{BB962C8B-B14F-4D97-AF65-F5344CB8AC3E}" type="datetimeFigureOut">
               <a:rPr lang="zh-CN" altLang="en-US" dirty="0"/>
-              <a:t>2018-03-17</a:t>
+              <a:t>2018-03-25</a:t>
             </a:fld>
             <a:endParaRPr lang="zh-CN" altLang="en-US" dirty="0"/>
           </a:p>
@@ -5797,7 +5796,7 @@
             <a:pPr lvl="0"/>
             <a:fld id="{BB962C8B-B14F-4D97-AF65-F5344CB8AC3E}" type="datetimeFigureOut">
               <a:rPr lang="zh-CN" altLang="en-US" dirty="0"/>
-              <a:t>2018-03-17</a:t>
+              <a:t>2018-03-25</a:t>
             </a:fld>
             <a:endParaRPr lang="zh-CN" altLang="en-US" dirty="0"/>
           </a:p>
@@ -6047,7 +6046,7 @@
             <a:pPr lvl="0"/>
             <a:fld id="{BB962C8B-B14F-4D97-AF65-F5344CB8AC3E}" type="datetimeFigureOut">
               <a:rPr lang="zh-CN" altLang="en-US" dirty="0"/>
-              <a:t>2018-03-17</a:t>
+              <a:t>2018-03-25</a:t>
             </a:fld>
             <a:endParaRPr lang="zh-CN" altLang="en-US" dirty="0"/>
           </a:p>
@@ -6291,7 +6290,7 @@
             <a:pPr lvl="0"/>
             <a:fld id="{BB962C8B-B14F-4D97-AF65-F5344CB8AC3E}" type="datetimeFigureOut">
               <a:rPr lang="zh-CN" altLang="en-US" dirty="0"/>
-              <a:t>2018-03-17</a:t>
+              <a:t>2018-03-25</a:t>
             </a:fld>
             <a:endParaRPr lang="zh-CN" altLang="en-US" dirty="0"/>
           </a:p>
@@ -6671,7 +6670,7 @@
             <a:pPr lvl="0"/>
             <a:fld id="{BB962C8B-B14F-4D97-AF65-F5344CB8AC3E}" type="datetimeFigureOut">
               <a:rPr lang="zh-CN" altLang="en-US" dirty="0"/>
-              <a:t>2018-03-17</a:t>
+              <a:t>2018-03-25</a:t>
             </a:fld>
             <a:endParaRPr lang="zh-CN" altLang="en-US" dirty="0"/>
           </a:p>
@@ -6795,7 +6794,7 @@
             <a:pPr lvl="0"/>
             <a:fld id="{BB962C8B-B14F-4D97-AF65-F5344CB8AC3E}" type="datetimeFigureOut">
               <a:rPr lang="zh-CN" altLang="en-US" dirty="0"/>
-              <a:t>2018-03-17</a:t>
+              <a:t>2018-03-25</a:t>
             </a:fld>
             <a:endParaRPr lang="zh-CN" altLang="en-US" dirty="0"/>
           </a:p>
@@ -6888,7 +6887,7 @@
             <a:pPr lvl="0"/>
             <a:fld id="{BB962C8B-B14F-4D97-AF65-F5344CB8AC3E}" type="datetimeFigureOut">
               <a:rPr lang="zh-CN" altLang="en-US" dirty="0"/>
-              <a:t>2018-03-17</a:t>
+              <a:t>2018-03-25</a:t>
             </a:fld>
             <a:endParaRPr lang="zh-CN" altLang="en-US" dirty="0"/>
           </a:p>
@@ -7172,7 +7171,7 @@
             <a:pPr lvl="0"/>
             <a:fld id="{BB962C8B-B14F-4D97-AF65-F5344CB8AC3E}" type="datetimeFigureOut">
               <a:rPr lang="zh-CN" altLang="en-US" dirty="0"/>
-              <a:t>2018-03-17</a:t>
+              <a:t>2018-03-25</a:t>
             </a:fld>
             <a:endParaRPr lang="zh-CN" altLang="en-US" dirty="0"/>
           </a:p>
@@ -7548,7 +7547,7 @@
             <a:pPr lvl="0"/>
             <a:fld id="{BB962C8B-B14F-4D97-AF65-F5344CB8AC3E}" type="datetimeFigureOut">
               <a:rPr lang="zh-CN" altLang="en-US" dirty="0"/>
-              <a:t>2018-03-17</a:t>
+              <a:t>2018-03-25</a:t>
             </a:fld>
             <a:endParaRPr lang="zh-CN" altLang="en-US" dirty="0"/>
           </a:p>
@@ -7732,7 +7731,7 @@
             <a:pPr lvl="0"/>
             <a:fld id="{BB962C8B-B14F-4D97-AF65-F5344CB8AC3E}" type="datetimeFigureOut">
               <a:rPr lang="zh-CN" altLang="en-US" dirty="0"/>
-              <a:t>2018-03-17</a:t>
+              <a:t>2018-03-25</a:t>
             </a:fld>
             <a:endParaRPr lang="zh-CN" altLang="en-US" dirty="0"/>
           </a:p>
@@ -7916,7 +7915,7 @@
             <a:pPr lvl="0"/>
             <a:fld id="{BB962C8B-B14F-4D97-AF65-F5344CB8AC3E}" type="datetimeFigureOut">
               <a:rPr lang="zh-CN" altLang="en-US" dirty="0"/>
-              <a:t>2018-03-17</a:t>
+              <a:t>2018-03-25</a:t>
             </a:fld>
             <a:endParaRPr lang="zh-CN" altLang="en-US" dirty="0"/>
           </a:p>
@@ -11436,7 +11435,7 @@
             <a:pPr lvl="0"/>
             <a:fld id="{BB962C8B-B14F-4D97-AF65-F5344CB8AC3E}" type="datetimeFigureOut">
               <a:rPr lang="zh-CN" altLang="en-US" dirty="0"/>
-              <a:t>2018-03-17</a:t>
+              <a:t>2018-03-25</a:t>
             </a:fld>
             <a:endParaRPr lang="zh-CN" altLang="en-US" dirty="0"/>
           </a:p>
@@ -11620,7 +11619,7 @@
             <a:pPr lvl="0"/>
             <a:fld id="{BB962C8B-B14F-4D97-AF65-F5344CB8AC3E}" type="datetimeFigureOut">
               <a:rPr lang="zh-CN" altLang="en-US" dirty="0"/>
-              <a:t>2018-03-17</a:t>
+              <a:t>2018-03-25</a:t>
             </a:fld>
             <a:endParaRPr lang="zh-CN" altLang="en-US" dirty="0"/>
           </a:p>
@@ -11870,7 +11869,7 @@
             <a:pPr lvl="0"/>
             <a:fld id="{BB962C8B-B14F-4D97-AF65-F5344CB8AC3E}" type="datetimeFigureOut">
               <a:rPr lang="zh-CN" altLang="en-US" dirty="0"/>
-              <a:t>2018-03-17</a:t>
+              <a:t>2018-03-25</a:t>
             </a:fld>
             <a:endParaRPr lang="zh-CN" altLang="en-US" dirty="0"/>
           </a:p>
@@ -12114,7 +12113,7 @@
             <a:pPr lvl="0"/>
             <a:fld id="{BB962C8B-B14F-4D97-AF65-F5344CB8AC3E}" type="datetimeFigureOut">
               <a:rPr lang="zh-CN" altLang="en-US" dirty="0"/>
-              <a:t>2018-03-17</a:t>
+              <a:t>2018-03-25</a:t>
             </a:fld>
             <a:endParaRPr lang="zh-CN" altLang="en-US" dirty="0"/>
           </a:p>
@@ -12494,7 +12493,7 @@
             <a:pPr lvl="0"/>
             <a:fld id="{BB962C8B-B14F-4D97-AF65-F5344CB8AC3E}" type="datetimeFigureOut">
               <a:rPr lang="zh-CN" altLang="en-US" dirty="0"/>
-              <a:t>2018-03-17</a:t>
+              <a:t>2018-03-25</a:t>
             </a:fld>
             <a:endParaRPr lang="zh-CN" altLang="en-US" dirty="0"/>
           </a:p>
@@ -12618,7 +12617,7 @@
             <a:pPr lvl="0"/>
             <a:fld id="{BB962C8B-B14F-4D97-AF65-F5344CB8AC3E}" type="datetimeFigureOut">
               <a:rPr lang="zh-CN" altLang="en-US" dirty="0"/>
-              <a:t>2018-03-17</a:t>
+              <a:t>2018-03-25</a:t>
             </a:fld>
             <a:endParaRPr lang="zh-CN" altLang="en-US" dirty="0"/>
           </a:p>
@@ -12887,7 +12886,7 @@
             <a:pPr lvl="0"/>
             <a:fld id="{BB962C8B-B14F-4D97-AF65-F5344CB8AC3E}" type="datetimeFigureOut">
               <a:rPr lang="zh-CN" altLang="en-US" dirty="0"/>
-              <a:t>2018-03-17</a:t>
+              <a:t>2018-03-25</a:t>
             </a:fld>
             <a:endParaRPr lang="zh-CN" altLang="en-US" dirty="0"/>
           </a:p>
@@ -13171,7 +13170,7 @@
             <a:pPr lvl="0"/>
             <a:fld id="{BB962C8B-B14F-4D97-AF65-F5344CB8AC3E}" type="datetimeFigureOut">
               <a:rPr lang="zh-CN" altLang="en-US" dirty="0"/>
-              <a:t>2018-03-17</a:t>
+              <a:t>2018-03-25</a:t>
             </a:fld>
             <a:endParaRPr lang="zh-CN" altLang="en-US" dirty="0"/>
           </a:p>
@@ -13431,7 +13430,7 @@
             <a:pPr lvl="0"/>
             <a:fld id="{BB962C8B-B14F-4D97-AF65-F5344CB8AC3E}" type="datetimeFigureOut">
               <a:rPr lang="zh-CN" altLang="en-US" dirty="0"/>
-              <a:t>2018-03-17</a:t>
+              <a:t>2018-03-25</a:t>
             </a:fld>
             <a:endParaRPr lang="zh-CN" altLang="en-US" dirty="0"/>
           </a:p>
@@ -13615,7 +13614,7 @@
             <a:pPr lvl="0"/>
             <a:fld id="{BB962C8B-B14F-4D97-AF65-F5344CB8AC3E}" type="datetimeFigureOut">
               <a:rPr lang="zh-CN" altLang="en-US" dirty="0"/>
-              <a:t>2018-03-17</a:t>
+              <a:t>2018-03-25</a:t>
             </a:fld>
             <a:endParaRPr lang="zh-CN" altLang="en-US" dirty="0"/>
           </a:p>
@@ -13799,7 +13798,7 @@
             <a:pPr lvl="0"/>
             <a:fld id="{BB962C8B-B14F-4D97-AF65-F5344CB8AC3E}" type="datetimeFigureOut">
               <a:rPr lang="zh-CN" altLang="en-US" dirty="0"/>
-              <a:t>2018-03-17</a:t>
+              <a:t>2018-03-25</a:t>
             </a:fld>
             <a:endParaRPr lang="zh-CN" altLang="en-US" dirty="0"/>
           </a:p>
@@ -13995,7 +13994,7 @@
             <a:pPr lvl="0"/>
             <a:fld id="{BB962C8B-B14F-4D97-AF65-F5344CB8AC3E}" type="datetimeFigureOut">
               <a:rPr lang="zh-CN" altLang="en-US" dirty="0"/>
-              <a:t>2018-03-17</a:t>
+              <a:t>2018-03-25</a:t>
             </a:fld>
             <a:endParaRPr lang="zh-CN" altLang="en-US" dirty="0"/>
           </a:p>
@@ -14179,7 +14178,7 @@
             <a:pPr lvl="0"/>
             <a:fld id="{BB962C8B-B14F-4D97-AF65-F5344CB8AC3E}" type="datetimeFigureOut">
               <a:rPr lang="zh-CN" altLang="en-US" dirty="0"/>
-              <a:t>2018-03-17</a:t>
+              <a:t>2018-03-25</a:t>
             </a:fld>
             <a:endParaRPr lang="zh-CN" altLang="en-US" dirty="0"/>
           </a:p>
@@ -14429,7 +14428,7 @@
             <a:pPr lvl="0"/>
             <a:fld id="{BB962C8B-B14F-4D97-AF65-F5344CB8AC3E}" type="datetimeFigureOut">
               <a:rPr lang="zh-CN" altLang="en-US" dirty="0"/>
-              <a:t>2018-03-17</a:t>
+              <a:t>2018-03-25</a:t>
             </a:fld>
             <a:endParaRPr lang="zh-CN" altLang="en-US" dirty="0"/>
           </a:p>
@@ -14673,7 +14672,7 @@
             <a:pPr lvl="0"/>
             <a:fld id="{BB962C8B-B14F-4D97-AF65-F5344CB8AC3E}" type="datetimeFigureOut">
               <a:rPr lang="zh-CN" altLang="en-US" dirty="0"/>
-              <a:t>2018-03-17</a:t>
+              <a:t>2018-03-25</a:t>
             </a:fld>
             <a:endParaRPr lang="zh-CN" altLang="en-US" dirty="0"/>
           </a:p>
@@ -15053,7 +15052,7 @@
             <a:pPr lvl="0"/>
             <a:fld id="{BB962C8B-B14F-4D97-AF65-F5344CB8AC3E}" type="datetimeFigureOut">
               <a:rPr lang="zh-CN" altLang="en-US" dirty="0"/>
-              <a:t>2018-03-17</a:t>
+              <a:t>2018-03-25</a:t>
             </a:fld>
             <a:endParaRPr lang="zh-CN" altLang="en-US" dirty="0"/>
           </a:p>
@@ -15489,7 +15488,7 @@
             <a:pPr lvl="0"/>
             <a:fld id="{BB962C8B-B14F-4D97-AF65-F5344CB8AC3E}" type="datetimeFigureOut">
               <a:rPr lang="zh-CN" altLang="en-US" dirty="0"/>
-              <a:t>2018-03-17</a:t>
+              <a:t>2018-03-25</a:t>
             </a:fld>
             <a:endParaRPr lang="zh-CN" altLang="en-US" dirty="0"/>
           </a:p>
@@ -15582,7 +15581,7 @@
             <a:pPr lvl="0"/>
             <a:fld id="{BB962C8B-B14F-4D97-AF65-F5344CB8AC3E}" type="datetimeFigureOut">
               <a:rPr lang="zh-CN" altLang="en-US" dirty="0"/>
-              <a:t>2018-03-17</a:t>
+              <a:t>2018-03-25</a:t>
             </a:fld>
             <a:endParaRPr lang="zh-CN" altLang="en-US" dirty="0"/>
           </a:p>
@@ -15866,7 +15865,7 @@
             <a:pPr lvl="0"/>
             <a:fld id="{BB962C8B-B14F-4D97-AF65-F5344CB8AC3E}" type="datetimeFigureOut">
               <a:rPr lang="zh-CN" altLang="en-US" dirty="0"/>
-              <a:t>2018-03-17</a:t>
+              <a:t>2018-03-25</a:t>
             </a:fld>
             <a:endParaRPr lang="zh-CN" altLang="en-US" dirty="0"/>
           </a:p>
@@ -16126,7 +16125,7 @@
             <a:pPr lvl="0"/>
             <a:fld id="{BB962C8B-B14F-4D97-AF65-F5344CB8AC3E}" type="datetimeFigureOut">
               <a:rPr lang="zh-CN" altLang="en-US" dirty="0"/>
-              <a:t>2018-03-17</a:t>
+              <a:t>2018-03-25</a:t>
             </a:fld>
             <a:endParaRPr lang="zh-CN" altLang="en-US" dirty="0"/>
           </a:p>
@@ -16310,7 +16309,7 @@
             <a:pPr lvl="0"/>
             <a:fld id="{BB962C8B-B14F-4D97-AF65-F5344CB8AC3E}" type="datetimeFigureOut">
               <a:rPr lang="zh-CN" altLang="en-US" dirty="0"/>
-              <a:t>2018-03-17</a:t>
+              <a:t>2018-03-25</a:t>
             </a:fld>
             <a:endParaRPr lang="zh-CN" altLang="en-US" dirty="0"/>
           </a:p>
@@ -16494,7 +16493,7 @@
             <a:pPr lvl="0"/>
             <a:fld id="{BB962C8B-B14F-4D97-AF65-F5344CB8AC3E}" type="datetimeFigureOut">
               <a:rPr lang="zh-CN" altLang="en-US" dirty="0"/>
-              <a:t>2018-03-17</a:t>
+              <a:t>2018-03-25</a:t>
             </a:fld>
             <a:endParaRPr lang="zh-CN" altLang="en-US" dirty="0"/>
           </a:p>
@@ -16690,7 +16689,7 @@
             <a:pPr lvl="0"/>
             <a:fld id="{BB962C8B-B14F-4D97-AF65-F5344CB8AC3E}" type="datetimeFigureOut">
               <a:rPr lang="zh-CN" altLang="en-US" dirty="0"/>
-              <a:t>2018-03-17</a:t>
+              <a:t>2018-03-25</a:t>
             </a:fld>
             <a:endParaRPr lang="zh-CN" altLang="en-US" dirty="0"/>
           </a:p>
@@ -16874,7 +16873,7 @@
             <a:pPr lvl="0"/>
             <a:fld id="{BB962C8B-B14F-4D97-AF65-F5344CB8AC3E}" type="datetimeFigureOut">
               <a:rPr lang="zh-CN" altLang="en-US" dirty="0"/>
-              <a:t>2018-03-17</a:t>
+              <a:t>2018-03-25</a:t>
             </a:fld>
             <a:endParaRPr lang="zh-CN" altLang="en-US" dirty="0"/>
           </a:p>
@@ -17124,7 +17123,7 @@
             <a:pPr lvl="0"/>
             <a:fld id="{BB962C8B-B14F-4D97-AF65-F5344CB8AC3E}" type="datetimeFigureOut">
               <a:rPr lang="zh-CN" altLang="en-US" dirty="0"/>
-              <a:t>2018-03-17</a:t>
+              <a:t>2018-03-25</a:t>
             </a:fld>
             <a:endParaRPr lang="zh-CN" altLang="en-US" dirty="0"/>
           </a:p>
@@ -17368,7 +17367,7 @@
             <a:pPr lvl="0"/>
             <a:fld id="{BB962C8B-B14F-4D97-AF65-F5344CB8AC3E}" type="datetimeFigureOut">
               <a:rPr lang="zh-CN" altLang="en-US" dirty="0"/>
-              <a:t>2018-03-17</a:t>
+              <a:t>2018-03-25</a:t>
             </a:fld>
             <a:endParaRPr lang="zh-CN" altLang="en-US" dirty="0"/>
           </a:p>
@@ -17804,7 +17803,7 @@
             <a:pPr lvl="0"/>
             <a:fld id="{BB962C8B-B14F-4D97-AF65-F5344CB8AC3E}" type="datetimeFigureOut">
               <a:rPr lang="zh-CN" altLang="en-US" dirty="0"/>
-              <a:t>2018-03-17</a:t>
+              <a:t>2018-03-25</a:t>
             </a:fld>
             <a:endParaRPr lang="zh-CN" altLang="en-US" dirty="0"/>
           </a:p>
@@ -17928,7 +17927,7 @@
             <a:pPr lvl="0"/>
             <a:fld id="{BB962C8B-B14F-4D97-AF65-F5344CB8AC3E}" type="datetimeFigureOut">
               <a:rPr lang="zh-CN" altLang="en-US" dirty="0"/>
-              <a:t>2018-03-17</a:t>
+              <a:t>2018-03-25</a:t>
             </a:fld>
             <a:endParaRPr lang="zh-CN" altLang="en-US" dirty="0"/>
           </a:p>
@@ -18021,7 +18020,7 @@
             <a:pPr lvl="0"/>
             <a:fld id="{BB962C8B-B14F-4D97-AF65-F5344CB8AC3E}" type="datetimeFigureOut">
               <a:rPr lang="zh-CN" altLang="en-US" dirty="0"/>
-              <a:t>2018-03-17</a:t>
+              <a:t>2018-03-25</a:t>
             </a:fld>
             <a:endParaRPr lang="zh-CN" altLang="en-US" dirty="0"/>
           </a:p>
@@ -18305,7 +18304,7 @@
             <a:pPr lvl="0"/>
             <a:fld id="{BB962C8B-B14F-4D97-AF65-F5344CB8AC3E}" type="datetimeFigureOut">
               <a:rPr lang="zh-CN" altLang="en-US" dirty="0"/>
-              <a:t>2018-03-17</a:t>
+              <a:t>2018-03-25</a:t>
             </a:fld>
             <a:endParaRPr lang="zh-CN" altLang="en-US" dirty="0"/>
           </a:p>
@@ -18565,7 +18564,7 @@
             <a:pPr lvl="0"/>
             <a:fld id="{BB962C8B-B14F-4D97-AF65-F5344CB8AC3E}" type="datetimeFigureOut">
               <a:rPr lang="zh-CN" altLang="en-US" dirty="0"/>
-              <a:t>2018-03-17</a:t>
+              <a:t>2018-03-25</a:t>
             </a:fld>
             <a:endParaRPr lang="zh-CN" altLang="en-US" dirty="0"/>
           </a:p>
@@ -18749,7 +18748,7 @@
             <a:pPr lvl="0"/>
             <a:fld id="{BB962C8B-B14F-4D97-AF65-F5344CB8AC3E}" type="datetimeFigureOut">
               <a:rPr lang="zh-CN" altLang="en-US" dirty="0"/>
-              <a:t>2018-03-17</a:t>
+              <a:t>2018-03-25</a:t>
             </a:fld>
             <a:endParaRPr lang="zh-CN" altLang="en-US" dirty="0"/>
           </a:p>
@@ -18933,7 +18932,7 @@
             <a:pPr lvl="0"/>
             <a:fld id="{BB962C8B-B14F-4D97-AF65-F5344CB8AC3E}" type="datetimeFigureOut">
               <a:rPr lang="zh-CN" altLang="en-US" dirty="0"/>
-              <a:t>2018-03-17</a:t>
+              <a:t>2018-03-25</a:t>
             </a:fld>
             <a:endParaRPr lang="zh-CN" altLang="en-US" dirty="0"/>
           </a:p>
@@ -19129,7 +19128,7 @@
             <a:pPr lvl="0"/>
             <a:fld id="{BB962C8B-B14F-4D97-AF65-F5344CB8AC3E}" type="datetimeFigureOut">
               <a:rPr lang="zh-CN" altLang="en-US" dirty="0"/>
-              <a:t>2018-03-17</a:t>
+              <a:t>2018-03-25</a:t>
             </a:fld>
             <a:endParaRPr lang="zh-CN" altLang="en-US" dirty="0"/>
           </a:p>
@@ -19313,7 +19312,7 @@
             <a:pPr lvl="0"/>
             <a:fld id="{BB962C8B-B14F-4D97-AF65-F5344CB8AC3E}" type="datetimeFigureOut">
               <a:rPr lang="zh-CN" altLang="en-US" dirty="0"/>
-              <a:t>2018-03-17</a:t>
+              <a:t>2018-03-25</a:t>
             </a:fld>
             <a:endParaRPr lang="zh-CN" altLang="en-US" dirty="0"/>
           </a:p>
@@ -19563,7 +19562,7 @@
             <a:pPr lvl="0"/>
             <a:fld id="{BB962C8B-B14F-4D97-AF65-F5344CB8AC3E}" type="datetimeFigureOut">
               <a:rPr lang="zh-CN" altLang="en-US" dirty="0"/>
-              <a:t>2018-03-17</a:t>
+              <a:t>2018-03-25</a:t>
             </a:fld>
             <a:endParaRPr lang="zh-CN" altLang="en-US" dirty="0"/>
           </a:p>
@@ -19832,7 +19831,7 @@
             <a:pPr lvl="0"/>
             <a:fld id="{BB962C8B-B14F-4D97-AF65-F5344CB8AC3E}" type="datetimeFigureOut">
               <a:rPr lang="zh-CN" altLang="en-US" dirty="0"/>
-              <a:t>2018-03-17</a:t>
+              <a:t>2018-03-25</a:t>
             </a:fld>
             <a:endParaRPr lang="zh-CN" altLang="en-US" dirty="0"/>
           </a:p>
@@ -20212,7 +20211,7 @@
             <a:pPr lvl="0"/>
             <a:fld id="{BB962C8B-B14F-4D97-AF65-F5344CB8AC3E}" type="datetimeFigureOut">
               <a:rPr lang="zh-CN" altLang="en-US" dirty="0"/>
-              <a:t>2018-03-17</a:t>
+              <a:t>2018-03-25</a:t>
             </a:fld>
             <a:endParaRPr lang="zh-CN" altLang="en-US" dirty="0"/>
           </a:p>
@@ -20336,7 +20335,7 @@
             <a:pPr lvl="0"/>
             <a:fld id="{BB962C8B-B14F-4D97-AF65-F5344CB8AC3E}" type="datetimeFigureOut">
               <a:rPr lang="zh-CN" altLang="en-US" dirty="0"/>
-              <a:t>2018-03-17</a:t>
+              <a:t>2018-03-25</a:t>
             </a:fld>
             <a:endParaRPr lang="zh-CN" altLang="en-US" dirty="0"/>
           </a:p>
@@ -20429,7 +20428,7 @@
             <a:pPr lvl="0"/>
             <a:fld id="{BB962C8B-B14F-4D97-AF65-F5344CB8AC3E}" type="datetimeFigureOut">
               <a:rPr lang="zh-CN" altLang="en-US" dirty="0"/>
-              <a:t>2018-03-17</a:t>
+              <a:t>2018-03-25</a:t>
             </a:fld>
             <a:endParaRPr lang="zh-CN" altLang="en-US" dirty="0"/>
           </a:p>
@@ -20713,7 +20712,7 @@
             <a:pPr lvl="0"/>
             <a:fld id="{BB962C8B-B14F-4D97-AF65-F5344CB8AC3E}" type="datetimeFigureOut">
               <a:rPr lang="zh-CN" altLang="en-US" dirty="0"/>
-              <a:t>2018-03-17</a:t>
+              <a:t>2018-03-25</a:t>
             </a:fld>
             <a:endParaRPr lang="zh-CN" altLang="en-US" dirty="0"/>
           </a:p>
@@ -20973,7 +20972,7 @@
             <a:pPr lvl="0"/>
             <a:fld id="{BB962C8B-B14F-4D97-AF65-F5344CB8AC3E}" type="datetimeFigureOut">
               <a:rPr lang="zh-CN" altLang="en-US" dirty="0"/>
-              <a:t>2018-03-17</a:t>
+              <a:t>2018-03-25</a:t>
             </a:fld>
             <a:endParaRPr lang="zh-CN" altLang="en-US" dirty="0"/>
           </a:p>
@@ -21157,7 +21156,7 @@
             <a:pPr lvl="0"/>
             <a:fld id="{BB962C8B-B14F-4D97-AF65-F5344CB8AC3E}" type="datetimeFigureOut">
               <a:rPr lang="zh-CN" altLang="en-US" dirty="0"/>
-              <a:t>2018-03-17</a:t>
+              <a:t>2018-03-25</a:t>
             </a:fld>
             <a:endParaRPr lang="zh-CN" altLang="en-US" dirty="0"/>
           </a:p>
@@ -21341,7 +21340,7 @@
             <a:pPr lvl="0"/>
             <a:fld id="{BB962C8B-B14F-4D97-AF65-F5344CB8AC3E}" type="datetimeFigureOut">
               <a:rPr lang="zh-CN" altLang="en-US" dirty="0"/>
-              <a:t>2018-03-17</a:t>
+              <a:t>2018-03-25</a:t>
             </a:fld>
             <a:endParaRPr lang="zh-CN" altLang="en-US" dirty="0"/>
           </a:p>
@@ -21537,7 +21536,7 @@
             <a:pPr lvl="0"/>
             <a:fld id="{BB962C8B-B14F-4D97-AF65-F5344CB8AC3E}" type="datetimeFigureOut">
               <a:rPr lang="zh-CN" altLang="en-US" dirty="0"/>
-              <a:t>2018-03-17</a:t>
+              <a:t>2018-03-25</a:t>
             </a:fld>
             <a:endParaRPr lang="zh-CN" altLang="en-US" dirty="0"/>
           </a:p>
@@ -21721,7 +21720,7 @@
             <a:pPr lvl="0"/>
             <a:fld id="{BB962C8B-B14F-4D97-AF65-F5344CB8AC3E}" type="datetimeFigureOut">
               <a:rPr lang="zh-CN" altLang="en-US" dirty="0"/>
-              <a:t>2018-03-17</a:t>
+              <a:t>2018-03-25</a:t>
             </a:fld>
             <a:endParaRPr lang="zh-CN" altLang="en-US" dirty="0"/>
           </a:p>
@@ -22187,7 +22186,7 @@
             <a:pPr lvl="0"/>
             <a:fld id="{BB962C8B-B14F-4D97-AF65-F5344CB8AC3E}" type="datetimeFigureOut">
               <a:rPr lang="zh-CN" altLang="en-US" dirty="0"/>
-              <a:t>2018-03-17</a:t>
+              <a:t>2018-03-25</a:t>
             </a:fld>
             <a:endParaRPr lang="zh-CN" altLang="en-US" dirty="0"/>
           </a:p>
@@ -22431,7 +22430,7 @@
             <a:pPr lvl="0"/>
             <a:fld id="{BB962C8B-B14F-4D97-AF65-F5344CB8AC3E}" type="datetimeFigureOut">
               <a:rPr lang="zh-CN" altLang="en-US" dirty="0"/>
-              <a:t>2018-03-17</a:t>
+              <a:t>2018-03-25</a:t>
             </a:fld>
             <a:endParaRPr lang="zh-CN" altLang="en-US" dirty="0"/>
           </a:p>
@@ -22811,7 +22810,7 @@
             <a:pPr lvl="0"/>
             <a:fld id="{BB962C8B-B14F-4D97-AF65-F5344CB8AC3E}" type="datetimeFigureOut">
               <a:rPr lang="zh-CN" altLang="en-US" dirty="0"/>
-              <a:t>2018-03-17</a:t>
+              <a:t>2018-03-25</a:t>
             </a:fld>
             <a:endParaRPr lang="zh-CN" altLang="en-US" dirty="0"/>
           </a:p>
@@ -22935,7 +22934,7 @@
             <a:pPr lvl="0"/>
             <a:fld id="{BB962C8B-B14F-4D97-AF65-F5344CB8AC3E}" type="datetimeFigureOut">
               <a:rPr lang="zh-CN" altLang="en-US" dirty="0"/>
-              <a:t>2018-03-17</a:t>
+              <a:t>2018-03-25</a:t>
             </a:fld>
             <a:endParaRPr lang="zh-CN" altLang="en-US" dirty="0"/>
           </a:p>
@@ -23028,7 +23027,7 @@
             <a:pPr lvl="0"/>
             <a:fld id="{BB962C8B-B14F-4D97-AF65-F5344CB8AC3E}" type="datetimeFigureOut">
               <a:rPr lang="zh-CN" altLang="en-US" dirty="0"/>
-              <a:t>2018-03-17</a:t>
+              <a:t>2018-03-25</a:t>
             </a:fld>
             <a:endParaRPr lang="zh-CN" altLang="en-US" dirty="0"/>
           </a:p>
@@ -23312,7 +23311,7 @@
             <a:pPr lvl="0"/>
             <a:fld id="{BB962C8B-B14F-4D97-AF65-F5344CB8AC3E}" type="datetimeFigureOut">
               <a:rPr lang="zh-CN" altLang="en-US" dirty="0"/>
-              <a:t>2018-03-17</a:t>
+              <a:t>2018-03-25</a:t>
             </a:fld>
             <a:endParaRPr lang="zh-CN" altLang="en-US" dirty="0"/>
           </a:p>
@@ -23572,7 +23571,7 @@
             <a:pPr lvl="0"/>
             <a:fld id="{BB962C8B-B14F-4D97-AF65-F5344CB8AC3E}" type="datetimeFigureOut">
               <a:rPr lang="zh-CN" altLang="en-US" dirty="0"/>
-              <a:t>2018-03-17</a:t>
+              <a:t>2018-03-25</a:t>
             </a:fld>
             <a:endParaRPr lang="zh-CN" altLang="en-US" dirty="0"/>
           </a:p>
@@ -23756,7 +23755,7 @@
             <a:pPr lvl="0"/>
             <a:fld id="{BB962C8B-B14F-4D97-AF65-F5344CB8AC3E}" type="datetimeFigureOut">
               <a:rPr lang="zh-CN" altLang="en-US" dirty="0"/>
-              <a:t>2018-03-17</a:t>
+              <a:t>2018-03-25</a:t>
             </a:fld>
             <a:endParaRPr lang="zh-CN" altLang="en-US" dirty="0"/>
           </a:p>
@@ -23940,7 +23939,7 @@
             <a:pPr lvl="0"/>
             <a:fld id="{BB962C8B-B14F-4D97-AF65-F5344CB8AC3E}" type="datetimeFigureOut">
               <a:rPr lang="zh-CN" altLang="en-US" dirty="0"/>
-              <a:t>2018-03-17</a:t>
+              <a:t>2018-03-25</a:t>
             </a:fld>
             <a:endParaRPr lang="zh-CN" altLang="en-US" dirty="0"/>
           </a:p>
@@ -24136,7 +24135,7 @@
             <a:pPr lvl="0"/>
             <a:fld id="{BB962C8B-B14F-4D97-AF65-F5344CB8AC3E}" type="datetimeFigureOut">
               <a:rPr lang="zh-CN" altLang="en-US" dirty="0"/>
-              <a:t>2018-03-17</a:t>
+              <a:t>2018-03-25</a:t>
             </a:fld>
             <a:endParaRPr lang="zh-CN" altLang="en-US" dirty="0"/>
           </a:p>
@@ -24512,7 +24511,7 @@
             <a:pPr lvl="0"/>
             <a:fld id="{BB962C8B-B14F-4D97-AF65-F5344CB8AC3E}" type="datetimeFigureOut">
               <a:rPr lang="zh-CN" altLang="en-US" dirty="0"/>
-              <a:t>2018-03-17</a:t>
+              <a:t>2018-03-25</a:t>
             </a:fld>
             <a:endParaRPr lang="zh-CN" altLang="en-US" dirty="0"/>
           </a:p>
@@ -24762,7 +24761,7 @@
             <a:pPr lvl="0"/>
             <a:fld id="{BB962C8B-B14F-4D97-AF65-F5344CB8AC3E}" type="datetimeFigureOut">
               <a:rPr lang="zh-CN" altLang="en-US" dirty="0"/>
-              <a:t>2018-03-17</a:t>
+              <a:t>2018-03-25</a:t>
             </a:fld>
             <a:endParaRPr lang="zh-CN" altLang="en-US" dirty="0"/>
           </a:p>
@@ -25006,7 +25005,7 @@
             <a:pPr lvl="0"/>
             <a:fld id="{BB962C8B-B14F-4D97-AF65-F5344CB8AC3E}" type="datetimeFigureOut">
               <a:rPr lang="zh-CN" altLang="en-US" dirty="0"/>
-              <a:t>2018-03-17</a:t>
+              <a:t>2018-03-25</a:t>
             </a:fld>
             <a:endParaRPr lang="zh-CN" altLang="en-US" dirty="0"/>
           </a:p>
@@ -25386,7 +25385,7 @@
             <a:pPr lvl="0"/>
             <a:fld id="{BB962C8B-B14F-4D97-AF65-F5344CB8AC3E}" type="datetimeFigureOut">
               <a:rPr lang="zh-CN" altLang="en-US" dirty="0"/>
-              <a:t>2018-03-17</a:t>
+              <a:t>2018-03-25</a:t>
             </a:fld>
             <a:endParaRPr lang="zh-CN" altLang="en-US" dirty="0"/>
           </a:p>
@@ -25510,7 +25509,7 @@
             <a:pPr lvl="0"/>
             <a:fld id="{BB962C8B-B14F-4D97-AF65-F5344CB8AC3E}" type="datetimeFigureOut">
               <a:rPr lang="zh-CN" altLang="en-US" dirty="0"/>
-              <a:t>2018-03-17</a:t>
+              <a:t>2018-03-25</a:t>
             </a:fld>
             <a:endParaRPr lang="zh-CN" altLang="en-US" dirty="0"/>
           </a:p>
@@ -25603,7 +25602,7 @@
             <a:pPr lvl="0"/>
             <a:fld id="{BB962C8B-B14F-4D97-AF65-F5344CB8AC3E}" type="datetimeFigureOut">
               <a:rPr lang="zh-CN" altLang="en-US" dirty="0"/>
-              <a:t>2018-03-17</a:t>
+              <a:t>2018-03-25</a:t>
             </a:fld>
             <a:endParaRPr lang="zh-CN" altLang="en-US" dirty="0"/>
           </a:p>
@@ -25887,7 +25886,7 @@
             <a:pPr lvl="0"/>
             <a:fld id="{BB962C8B-B14F-4D97-AF65-F5344CB8AC3E}" type="datetimeFigureOut">
               <a:rPr lang="zh-CN" altLang="en-US" dirty="0"/>
-              <a:t>2018-03-17</a:t>
+              <a:t>2018-03-25</a:t>
             </a:fld>
             <a:endParaRPr lang="zh-CN" altLang="en-US" dirty="0"/>
           </a:p>
@@ -26147,7 +26146,7 @@
             <a:pPr lvl="0"/>
             <a:fld id="{BB962C8B-B14F-4D97-AF65-F5344CB8AC3E}" type="datetimeFigureOut">
               <a:rPr lang="zh-CN" altLang="en-US" dirty="0"/>
-              <a:t>2018-03-17</a:t>
+              <a:t>2018-03-25</a:t>
             </a:fld>
             <a:endParaRPr lang="zh-CN" altLang="en-US" dirty="0"/>
           </a:p>
@@ -26331,7 +26330,7 @@
             <a:pPr lvl="0"/>
             <a:fld id="{BB962C8B-B14F-4D97-AF65-F5344CB8AC3E}" type="datetimeFigureOut">
               <a:rPr lang="zh-CN" altLang="en-US" dirty="0"/>
-              <a:t>2018-03-17</a:t>
+              <a:t>2018-03-25</a:t>
             </a:fld>
             <a:endParaRPr lang="zh-CN" altLang="en-US" dirty="0"/>
           </a:p>
@@ -26515,7 +26514,7 @@
             <a:pPr lvl="0"/>
             <a:fld id="{BB962C8B-B14F-4D97-AF65-F5344CB8AC3E}" type="datetimeFigureOut">
               <a:rPr lang="zh-CN" altLang="en-US" dirty="0"/>
-              <a:t>2018-03-17</a:t>
+              <a:t>2018-03-25</a:t>
             </a:fld>
             <a:endParaRPr lang="zh-CN" altLang="en-US" dirty="0"/>
           </a:p>
@@ -27061,7 +27060,7 @@
             <a:pPr lvl="0"/>
             <a:fld id="{BB962C8B-B14F-4D97-AF65-F5344CB8AC3E}" type="datetimeFigureOut">
               <a:rPr lang="zh-CN" altLang="en-US" dirty="0"/>
-              <a:t>2018-03-17</a:t>
+              <a:t>2018-03-25</a:t>
             </a:fld>
             <a:endParaRPr lang="zh-CN" altLang="en-US" dirty="0"/>
           </a:p>
@@ -27606,7 +27605,7 @@
             <a:pPr lvl="0"/>
             <a:fld id="{BB962C8B-B14F-4D97-AF65-F5344CB8AC3E}" type="datetimeFigureOut">
               <a:rPr lang="zh-CN" altLang="en-US" dirty="0"/>
-              <a:t>2018-03-17</a:t>
+              <a:t>2018-03-25</a:t>
             </a:fld>
             <a:endParaRPr lang="zh-CN" altLang="en-US" dirty="0"/>
           </a:p>
@@ -28151,7 +28150,7 @@
             <a:pPr lvl="0"/>
             <a:fld id="{BB962C8B-B14F-4D97-AF65-F5344CB8AC3E}" type="datetimeFigureOut">
               <a:rPr lang="zh-CN" altLang="en-US" dirty="0"/>
-              <a:t>2018-03-17</a:t>
+              <a:t>2018-03-25</a:t>
             </a:fld>
             <a:endParaRPr lang="zh-CN" altLang="en-US" dirty="0"/>
           </a:p>
@@ -29719,7 +29718,7 @@
             <a:pPr lvl="0"/>
             <a:fld id="{BB962C8B-B14F-4D97-AF65-F5344CB8AC3E}" type="datetimeFigureOut">
               <a:rPr lang="zh-CN" altLang="en-US" dirty="0"/>
-              <a:t>2018-03-17</a:t>
+              <a:t>2018-03-25</a:t>
             </a:fld>
             <a:endParaRPr lang="zh-CN" altLang="en-US" dirty="0"/>
           </a:p>
@@ -30264,7 +30263,7 @@
             <a:pPr lvl="0"/>
             <a:fld id="{BB962C8B-B14F-4D97-AF65-F5344CB8AC3E}" type="datetimeFigureOut">
               <a:rPr lang="zh-CN" altLang="en-US" dirty="0"/>
-              <a:t>2018-03-17</a:t>
+              <a:t>2018-03-25</a:t>
             </a:fld>
             <a:endParaRPr lang="zh-CN" altLang="en-US" dirty="0"/>
           </a:p>
@@ -30809,7 +30808,7 @@
             <a:pPr lvl="0"/>
             <a:fld id="{BB962C8B-B14F-4D97-AF65-F5344CB8AC3E}" type="datetimeFigureOut">
               <a:rPr lang="zh-CN" altLang="en-US" dirty="0"/>
-              <a:t>2018-03-17</a:t>
+              <a:t>2018-03-25</a:t>
             </a:fld>
             <a:endParaRPr lang="zh-CN" altLang="en-US" dirty="0"/>
           </a:p>
@@ -31354,7 +31353,7 @@
             <a:pPr lvl="0"/>
             <a:fld id="{BB962C8B-B14F-4D97-AF65-F5344CB8AC3E}" type="datetimeFigureOut">
               <a:rPr lang="zh-CN" altLang="en-US" dirty="0"/>
-              <a:t>2018-03-17</a:t>
+              <a:t>2018-03-25</a:t>
             </a:fld>
             <a:endParaRPr lang="zh-CN" altLang="en-US" dirty="0"/>
           </a:p>
@@ -31899,7 +31898,7 @@
             <a:pPr lvl="0"/>
             <a:fld id="{BB962C8B-B14F-4D97-AF65-F5344CB8AC3E}" type="datetimeFigureOut">
               <a:rPr lang="zh-CN" altLang="en-US" dirty="0"/>
-              <a:t>2018-03-17</a:t>
+              <a:t>2018-03-25</a:t>
             </a:fld>
             <a:endParaRPr lang="zh-CN" altLang="en-US" dirty="0"/>
           </a:p>
@@ -32444,7 +32443,7 @@
             <a:pPr lvl="0"/>
             <a:fld id="{BB962C8B-B14F-4D97-AF65-F5344CB8AC3E}" type="datetimeFigureOut">
               <a:rPr lang="zh-CN" altLang="en-US" dirty="0"/>
-              <a:t>2018-03-17</a:t>
+              <a:t>2018-03-25</a:t>
             </a:fld>
             <a:endParaRPr lang="zh-CN" altLang="en-US" dirty="0"/>
           </a:p>
@@ -33213,188 +33212,6 @@
 </p:sld>
 </file>
 
-<file path=ppt/slides/slide10.xml><?xml version="1.0" encoding="utf-8"?>
-<p:sld xmlns:a="http://schemas.openxmlformats.org/drawingml/2006/main" xmlns:r="http://schemas.openxmlformats.org/officeDocument/2006/relationships" xmlns:p="http://schemas.openxmlformats.org/presentationml/2006/main">
-  <p:cSld>
-    <p:spTree>
-      <p:nvGrpSpPr>
-        <p:cNvPr id="1" name=""/>
-        <p:cNvGrpSpPr/>
-        <p:nvPr/>
-      </p:nvGrpSpPr>
-      <p:grpSpPr>
-        <a:xfrm>
-          <a:off x="0" y="0"/>
-          <a:ext cx="0" cy="0"/>
-          <a:chOff x="0" y="0"/>
-          <a:chExt cx="0" cy="0"/>
-        </a:xfrm>
-      </p:grpSpPr>
-      <p:pic>
-        <p:nvPicPr>
-          <p:cNvPr id="34818" name="图片 6"/>
-          <p:cNvPicPr>
-            <a:picLocks noChangeAspect="1"/>
-          </p:cNvPicPr>
-          <p:nvPr/>
-        </p:nvPicPr>
-        <p:blipFill>
-          <a:blip r:embed="rId2"/>
-          <a:srcRect l="47130"/>
-          <a:stretch>
-            <a:fillRect/>
-          </a:stretch>
-        </p:blipFill>
-        <p:spPr>
-          <a:xfrm>
-            <a:off x="-131762" y="1143000"/>
-            <a:ext cx="2454275" cy="4572000"/>
-          </a:xfrm>
-          <a:prstGeom prst="rect">
-            <a:avLst/>
-          </a:prstGeom>
-          <a:noFill/>
-          <a:ln w="9525">
-            <a:noFill/>
-            <a:miter/>
-          </a:ln>
-        </p:spPr>
-      </p:pic>
-      <p:pic>
-        <p:nvPicPr>
-          <p:cNvPr id="34819" name="图片 9"/>
-          <p:cNvPicPr>
-            <a:picLocks noChangeAspect="1"/>
-          </p:cNvPicPr>
-          <p:nvPr/>
-        </p:nvPicPr>
-        <p:blipFill>
-          <a:blip r:embed="rId3"/>
-          <a:srcRect/>
-          <a:stretch>
-            <a:fillRect/>
-          </a:stretch>
-        </p:blipFill>
-        <p:spPr>
-          <a:xfrm>
-            <a:off x="3840163" y="1812925"/>
-            <a:ext cx="5692775" cy="531813"/>
-          </a:xfrm>
-          <a:prstGeom prst="rect">
-            <a:avLst/>
-          </a:prstGeom>
-          <a:noFill/>
-          <a:ln w="9525">
-            <a:noFill/>
-            <a:miter/>
-          </a:ln>
-        </p:spPr>
-      </p:pic>
-      <p:pic>
-        <p:nvPicPr>
-          <p:cNvPr id="34820" name="图片 10"/>
-          <p:cNvPicPr>
-            <a:picLocks noChangeAspect="1"/>
-          </p:cNvPicPr>
-          <p:nvPr/>
-        </p:nvPicPr>
-        <p:blipFill>
-          <a:blip r:embed="rId4"/>
-          <a:srcRect/>
-          <a:stretch>
-            <a:fillRect/>
-          </a:stretch>
-        </p:blipFill>
-        <p:spPr>
-          <a:xfrm>
-            <a:off x="3840163" y="4548188"/>
-            <a:ext cx="5692775" cy="530225"/>
-          </a:xfrm>
-          <a:prstGeom prst="rect">
-            <a:avLst/>
-          </a:prstGeom>
-          <a:noFill/>
-          <a:ln w="9525">
-            <a:noFill/>
-            <a:miter/>
-          </a:ln>
-        </p:spPr>
-      </p:pic>
-      <p:sp>
-        <p:nvSpPr>
-          <p:cNvPr id="34821" name="矩形 11"/>
-          <p:cNvSpPr/>
-          <p:nvPr/>
-        </p:nvSpPr>
-        <p:spPr>
-          <a:xfrm>
-            <a:off x="3943350" y="2568575"/>
-            <a:ext cx="5486400" cy="1754188"/>
-          </a:xfrm>
-          <a:prstGeom prst="rect">
-            <a:avLst/>
-          </a:prstGeom>
-          <a:noFill/>
-          <a:ln w="9525">
-            <a:noFill/>
-            <a:miter/>
-          </a:ln>
-        </p:spPr>
-        <p:txBody>
-          <a:bodyPr>
-            <a:spAutoFit/>
-          </a:bodyPr>
-          <a:lstStyle/>
-          <a:p>
-            <a:pPr lvl="0" algn="ctr"/>
-            <a:r>
-              <a:rPr lang="en-US" altLang="x-none" sz="5400" b="1" dirty="0">
-                <a:solidFill>
-                  <a:schemeClr val="bg1"/>
-                </a:solidFill>
-                <a:latin typeface="微软雅黑" pitchFamily="2" charset="-122"/>
-                <a:ea typeface="微软雅黑" pitchFamily="2" charset="-122"/>
-              </a:rPr>
-              <a:t>THANKS FOR</a:t>
-            </a:r>
-          </a:p>
-          <a:p>
-            <a:pPr lvl="0" algn="ctr"/>
-            <a:r>
-              <a:rPr lang="en-US" altLang="x-none" sz="5400" b="1" dirty="0">
-                <a:solidFill>
-                  <a:schemeClr val="bg1"/>
-                </a:solidFill>
-                <a:latin typeface="微软雅黑" pitchFamily="2" charset="-122"/>
-                <a:ea typeface="微软雅黑" pitchFamily="2" charset="-122"/>
-              </a:rPr>
-              <a:t>WATCHING</a:t>
-            </a:r>
-            <a:endParaRPr lang="zh-CN" altLang="en-US" sz="6600" b="1" dirty="0">
-              <a:solidFill>
-                <a:schemeClr val="bg1"/>
-              </a:solidFill>
-              <a:latin typeface="微软雅黑" pitchFamily="2" charset="-122"/>
-              <a:ea typeface="微软雅黑" pitchFamily="2" charset="-122"/>
-            </a:endParaRPr>
-          </a:p>
-        </p:txBody>
-      </p:sp>
-    </p:spTree>
-  </p:cSld>
-  <p:clrMapOvr>
-    <a:masterClrMapping/>
-  </p:clrMapOvr>
-  <p:timing>
-    <p:tnLst>
-      <p:par>
-        <p:cTn id="1" dur="indefinite" restart="never" nodeType="tmRoot"/>
-      </p:par>
-    </p:tnLst>
-  </p:timing>
-</p:sld>
-</file>
-
 <file path=ppt/slides/slide2.xml><?xml version="1.0" encoding="utf-8"?>
 <p:sld xmlns:a="http://schemas.openxmlformats.org/drawingml/2006/main" xmlns:r="http://schemas.openxmlformats.org/officeDocument/2006/relationships" xmlns:p="http://schemas.openxmlformats.org/presentationml/2006/main">
   <p:cSld>
@@ -33802,9 +33619,9 @@
         <p:grpSpPr>
           <a:xfrm>
             <a:off x="6502400" y="3976688"/>
-            <a:ext cx="2329339" cy="523220"/>
+            <a:ext cx="2329340" cy="523220"/>
             <a:chOff x="0" y="0"/>
-            <a:chExt cx="2328778" cy="524155"/>
+            <a:chExt cx="2328779" cy="524155"/>
           </a:xfrm>
         </p:grpSpPr>
         <p:sp>
@@ -33858,7 +33675,7 @@
           <p:spPr>
             <a:xfrm>
               <a:off x="708212" y="0"/>
-              <a:ext cx="1620566" cy="524155"/>
+              <a:ext cx="1620567" cy="524155"/>
             </a:xfrm>
             <a:prstGeom prst="rect">
               <a:avLst/>
@@ -33877,18 +33694,11 @@
             <a:p>
               <a:pPr lvl="0"/>
               <a:r>
-                <a:rPr lang="zh-CN" altLang="en-US" sz="2800" b="1" dirty="0">
-                  <a:latin typeface="Segoe UI" pitchFamily="2" charset="0"/>
-                  <a:ea typeface="Segoe UI" pitchFamily="2" charset="0"/>
-                </a:rPr>
-                <a:t>技术</a:t>
-              </a:r>
-              <a:r>
                 <a:rPr lang="zh-CN" altLang="en-US" sz="2800" b="1" dirty="0" smtClean="0">
                   <a:latin typeface="Segoe UI" pitchFamily="2" charset="0"/>
                   <a:ea typeface="Segoe UI" pitchFamily="2" charset="0"/>
                 </a:rPr>
-                <a:t>难点</a:t>
+                <a:t>技术方案</a:t>
               </a:r>
               <a:endParaRPr lang="zh-CN" altLang="en-US" sz="2800" b="1" dirty="0">
                 <a:latin typeface="Segoe UI" pitchFamily="2" charset="0"/>
@@ -34699,7 +34509,7 @@
         <p:spPr>
           <a:xfrm>
             <a:off x="8451850" y="5026024"/>
-            <a:ext cx="3709794" cy="1338828"/>
+            <a:ext cx="3740150" cy="1384995"/>
           </a:xfrm>
           <a:prstGeom prst="rect">
             <a:avLst/>
@@ -34733,14 +34543,7 @@
                 <a:latin typeface="微软雅黑" pitchFamily="2" charset="-122"/>
                 <a:ea typeface="微软雅黑" pitchFamily="2" charset="-122"/>
               </a:rPr>
-              <a:t>算法的</a:t>
-            </a:r>
-            <a:r>
-              <a:rPr lang="zh-CN" altLang="en-US" dirty="0" smtClean="0">
-                <a:latin typeface="微软雅黑" pitchFamily="2" charset="-122"/>
-                <a:ea typeface="微软雅黑" pitchFamily="2" charset="-122"/>
-              </a:rPr>
-              <a:t>高效性、准确性、无法满足电力系统的需求。</a:t>
+              <a:t>算法的高效性、准确性、无法满足电力系统的需求。</a:t>
             </a:r>
             <a:endParaRPr lang="en-US" altLang="zh-CN" dirty="0" smtClean="0">
               <a:latin typeface="微软雅黑" pitchFamily="2" charset="-122"/>
@@ -34754,13 +34557,13 @@
               </a:lnSpc>
             </a:pPr>
             <a:r>
-              <a:rPr lang="zh-CN" altLang="en-US" u="sng" dirty="0" smtClean="0">
+              <a:rPr lang="zh-CN" altLang="en-US" sz="2000" u="sng" dirty="0" smtClean="0">
                 <a:latin typeface="华文楷体" panose="02010600040101010101" pitchFamily="2" charset="-122"/>
                 <a:ea typeface="华文楷体" panose="02010600040101010101" pitchFamily="2" charset="-122"/>
               </a:rPr>
               <a:t>中性点非有效接地故障测距问题</a:t>
             </a:r>
-            <a:endParaRPr lang="zh-CN" altLang="en-US" u="sng" dirty="0">
+            <a:endParaRPr lang="zh-CN" altLang="en-US" sz="2000" u="sng" dirty="0">
               <a:latin typeface="华文楷体" panose="02010600040101010101" pitchFamily="2" charset="-122"/>
               <a:ea typeface="华文楷体" panose="02010600040101010101" pitchFamily="2" charset="-122"/>
             </a:endParaRPr>
@@ -34900,7 +34703,7 @@
         <p:spPr>
           <a:xfrm>
             <a:off x="495917" y="4845771"/>
-            <a:ext cx="3087784" cy="2123658"/>
+            <a:ext cx="3087784" cy="2169825"/>
           </a:xfrm>
           <a:prstGeom prst="rect">
             <a:avLst/>
@@ -34927,14 +34730,7 @@
                 <a:latin typeface="微软雅黑" pitchFamily="2" charset="-122"/>
                 <a:ea typeface="微软雅黑" pitchFamily="2" charset="-122"/>
               </a:rPr>
-              <a:t>是</a:t>
-            </a:r>
-            <a:r>
-              <a:rPr lang="zh-CN" altLang="en-US" dirty="0" smtClean="0">
-                <a:latin typeface="微软雅黑" pitchFamily="2" charset="-122"/>
-                <a:ea typeface="微软雅黑" pitchFamily="2" charset="-122"/>
-              </a:rPr>
-              <a:t>故障定位</a:t>
+              <a:t>是故障定位</a:t>
             </a:r>
             <a:r>
               <a:rPr lang="zh-CN" altLang="en-US" dirty="0">
@@ -34948,14 +34744,7 @@
                 <a:latin typeface="微软雅黑" pitchFamily="2" charset="-122"/>
                 <a:ea typeface="微软雅黑" pitchFamily="2" charset="-122"/>
               </a:rPr>
-              <a:t>保障</a:t>
-            </a:r>
-            <a:r>
-              <a:rPr lang="zh-CN" altLang="en-US" dirty="0" smtClean="0">
-                <a:latin typeface="微软雅黑" pitchFamily="2" charset="-122"/>
-                <a:ea typeface="微软雅黑" pitchFamily="2" charset="-122"/>
-              </a:rPr>
-              <a:t>；</a:t>
+              <a:t>保障；</a:t>
             </a:r>
             <a:endParaRPr lang="en-US" altLang="zh-CN" dirty="0" smtClean="0">
               <a:latin typeface="微软雅黑" pitchFamily="2" charset="-122"/>
@@ -35026,13 +34815,13 @@
               </a:lnSpc>
             </a:pPr>
             <a:r>
-              <a:rPr lang="zh-CN" altLang="en-US" u="sng" dirty="0">
+              <a:rPr lang="zh-CN" altLang="en-US" sz="2000" u="sng" dirty="0">
                 <a:latin typeface="华文楷体" panose="02010600040101010101" pitchFamily="2" charset="-122"/>
                 <a:ea typeface="华文楷体" panose="02010600040101010101" pitchFamily="2" charset="-122"/>
               </a:rPr>
               <a:t>小电流接地故障选线问题</a:t>
             </a:r>
-            <a:endParaRPr lang="en-US" altLang="zh-CN" u="sng" dirty="0">
+            <a:endParaRPr lang="en-US" altLang="zh-CN" sz="2000" u="sng" dirty="0">
               <a:latin typeface="华文楷体" panose="02010600040101010101" pitchFamily="2" charset="-122"/>
               <a:ea typeface="华文楷体" panose="02010600040101010101" pitchFamily="2" charset="-122"/>
             </a:endParaRPr>
@@ -35515,17 +35304,17 @@
           <a:gradFill rotWithShape="0">
             <a:gsLst>
               <a:gs pos="0">
-                <a:srgbClr val="01DDCD">
+                <a:srgbClr val="F9F9F9">
                   <a:alpha val="100000"/>
                 </a:srgbClr>
               </a:gs>
               <a:gs pos="33000">
-                <a:srgbClr val="01DDCD">
+                <a:srgbClr val="F9F9F9">
                   <a:alpha val="100000"/>
                 </a:srgbClr>
               </a:gs>
               <a:gs pos="100000">
-                <a:srgbClr val="00A99D"/>
+                <a:srgbClr val="D7D7D7"/>
               </a:gs>
             </a:gsLst>
             <a:lin ang="5400000"/>
@@ -35533,7 +35322,7 @@
           </a:gradFill>
           <a:ln w="3175" cap="flat" cmpd="sng">
             <a:solidFill>
-              <a:srgbClr val="EAEAEA"/>
+              <a:srgbClr val="01BBAE"/>
             </a:solidFill>
             <a:prstDash val="solid"/>
             <a:miter/>
@@ -35552,7 +35341,7 @@
           <a:bodyPr anchor="ctr"/>
           <a:lstStyle/>
           <a:p>
-            <a:pPr lvl="0" algn="ctr">
+            <a:pPr algn="ctr">
               <a:lnSpc>
                 <a:spcPct val="120000"/>
               </a:lnSpc>
@@ -35711,55 +35500,40 @@
           </a:bodyPr>
           <a:lstStyle/>
           <a:p>
-            <a:pPr lvl="0" algn="ctr">
+            <a:pPr lvl="0">
               <a:lnSpc>
                 <a:spcPct val="150000"/>
               </a:lnSpc>
             </a:pPr>
             <a:r>
-              <a:rPr lang="zh-CN" altLang="en-US" sz="2000" dirty="0">
-                <a:solidFill>
-                  <a:schemeClr val="bg1"/>
-                </a:solidFill>
+              <a:rPr lang="zh-CN" altLang="en-US" sz="2000" b="1" dirty="0">
                 <a:latin typeface="微软雅黑" pitchFamily="2" charset="-122"/>
                 <a:ea typeface="微软雅黑" pitchFamily="2" charset="-122"/>
               </a:rPr>
               <a:t>研究如何能够快速准确的进行故障</a:t>
             </a:r>
             <a:r>
-              <a:rPr lang="zh-CN" altLang="en-US" sz="2000" dirty="0" smtClean="0">
-                <a:solidFill>
-                  <a:schemeClr val="bg1"/>
-                </a:solidFill>
+              <a:rPr lang="zh-CN" altLang="en-US" sz="2000" b="1" dirty="0" smtClean="0">
                 <a:latin typeface="微软雅黑" pitchFamily="2" charset="-122"/>
                 <a:ea typeface="微软雅黑" pitchFamily="2" charset="-122"/>
               </a:rPr>
               <a:t>分类与定位对于</a:t>
             </a:r>
             <a:r>
-              <a:rPr lang="zh-CN" altLang="en-US" sz="2000" dirty="0">
-                <a:solidFill>
-                  <a:schemeClr val="bg1"/>
-                </a:solidFill>
+              <a:rPr lang="zh-CN" altLang="en-US" sz="2000" b="1" dirty="0">
                 <a:latin typeface="微软雅黑" pitchFamily="2" charset="-122"/>
                 <a:ea typeface="微软雅黑" pitchFamily="2" charset="-122"/>
               </a:rPr>
               <a:t>保障整个电网的安全性与稳定性具有非常重要的意义</a:t>
             </a:r>
             <a:r>
-              <a:rPr lang="zh-CN" altLang="en-US" sz="2000" dirty="0" smtClean="0">
-                <a:solidFill>
-                  <a:schemeClr val="bg1"/>
-                </a:solidFill>
+              <a:rPr lang="zh-CN" altLang="en-US" sz="2000" b="1" dirty="0" smtClean="0">
                 <a:latin typeface="微软雅黑" pitchFamily="2" charset="-122"/>
                 <a:ea typeface="微软雅黑" pitchFamily="2" charset="-122"/>
               </a:rPr>
               <a:t>。</a:t>
             </a:r>
-            <a:endParaRPr lang="zh-CN" altLang="en-US" sz="2000" dirty="0">
-              <a:solidFill>
-                <a:schemeClr val="bg1"/>
-              </a:solidFill>
+            <a:endParaRPr lang="zh-CN" altLang="en-US" sz="2000" b="1" dirty="0">
               <a:latin typeface="微软雅黑" pitchFamily="2" charset="-122"/>
               <a:ea typeface="微软雅黑" pitchFamily="2" charset="-122"/>
             </a:endParaRPr>
@@ -35792,55 +35566,40 @@
           </a:bodyPr>
           <a:lstStyle/>
           <a:p>
-            <a:pPr lvl="0" algn="ctr">
+            <a:pPr lvl="0">
               <a:lnSpc>
                 <a:spcPct val="150000"/>
               </a:lnSpc>
             </a:pPr>
             <a:r>
-              <a:rPr lang="zh-CN" altLang="en-US" sz="2000" dirty="0">
-                <a:solidFill>
-                  <a:srgbClr val="404040"/>
-                </a:solidFill>
+              <a:rPr lang="zh-CN" altLang="en-US" sz="2000" b="1" dirty="0">
                 <a:latin typeface="微软雅黑" pitchFamily="2" charset="-122"/>
                 <a:ea typeface="微软雅黑" pitchFamily="2" charset="-122"/>
               </a:rPr>
               <a:t>提出</a:t>
             </a:r>
             <a:r>
-              <a:rPr lang="zh-CN" altLang="en-US" sz="2000" dirty="0" smtClean="0">
-                <a:solidFill>
-                  <a:srgbClr val="404040"/>
-                </a:solidFill>
+              <a:rPr lang="zh-CN" altLang="en-US" sz="2000" b="1" dirty="0" smtClean="0">
                 <a:latin typeface="微软雅黑" pitchFamily="2" charset="-122"/>
                 <a:ea typeface="微软雅黑" pitchFamily="2" charset="-122"/>
               </a:rPr>
               <a:t>基于机器学习的</a:t>
             </a:r>
             <a:r>
-              <a:rPr lang="zh-CN" altLang="en-US" sz="2000" dirty="0">
-                <a:solidFill>
-                  <a:srgbClr val="404040"/>
-                </a:solidFill>
+              <a:rPr lang="zh-CN" altLang="en-US" sz="2000" b="1" dirty="0">
                 <a:latin typeface="微软雅黑" pitchFamily="2" charset="-122"/>
                 <a:ea typeface="微软雅黑" pitchFamily="2" charset="-122"/>
               </a:rPr>
               <a:t>输电线路故障分类与定位的新</a:t>
             </a:r>
             <a:r>
-              <a:rPr lang="zh-CN" altLang="en-US" sz="2000" dirty="0" smtClean="0">
-                <a:solidFill>
-                  <a:srgbClr val="404040"/>
-                </a:solidFill>
+              <a:rPr lang="zh-CN" altLang="en-US" sz="2000" b="1" dirty="0" smtClean="0">
                 <a:latin typeface="微软雅黑" pitchFamily="2" charset="-122"/>
                 <a:ea typeface="微软雅黑" pitchFamily="2" charset="-122"/>
               </a:rPr>
               <a:t>方法，并在软件层面实现；</a:t>
             </a:r>
-            <a:endParaRPr lang="zh-CN" altLang="en-US" sz="2000" dirty="0">
-              <a:solidFill>
-                <a:srgbClr val="404040"/>
-              </a:solidFill>
+            <a:endParaRPr lang="zh-CN" altLang="en-US" sz="2000" b="1" dirty="0">
               <a:latin typeface="微软雅黑" pitchFamily="2" charset="-122"/>
               <a:ea typeface="微软雅黑" pitchFamily="2" charset="-122"/>
             </a:endParaRPr>
@@ -35929,10 +35688,10 @@
         </p:nvGrpSpPr>
         <p:grpSpPr>
           <a:xfrm>
-            <a:off x="1765300" y="1868488"/>
-            <a:ext cx="8991600" cy="4389437"/>
-            <a:chOff x="0" y="0"/>
-            <a:chExt cx="9367838" cy="4989078"/>
+            <a:off x="1544234" y="1810329"/>
+            <a:ext cx="9431245" cy="4447596"/>
+            <a:chOff x="-230316" y="-66104"/>
+            <a:chExt cx="9825879" cy="5055182"/>
           </a:xfrm>
         </p:grpSpPr>
         <p:sp>
@@ -36170,34 +35929,27 @@
                 </a:lnSpc>
               </a:pPr>
               <a:r>
-                <a:rPr lang="zh-CN" altLang="en-US" dirty="0" smtClean="0">
+                <a:rPr lang="zh-CN" altLang="en-US" b="1" dirty="0" smtClean="0">
                   <a:latin typeface="微软雅黑" pitchFamily="2" charset="-122"/>
                   <a:ea typeface="微软雅黑" pitchFamily="2" charset="-122"/>
                 </a:rPr>
                 <a:t>对输电线路</a:t>
               </a:r>
               <a:r>
-                <a:rPr lang="zh-CN" altLang="en-US" dirty="0">
+                <a:rPr lang="zh-CN" altLang="en-US" b="1" dirty="0">
                   <a:latin typeface="微软雅黑" pitchFamily="2" charset="-122"/>
                   <a:ea typeface="微软雅黑" pitchFamily="2" charset="-122"/>
                 </a:rPr>
                 <a:t>故障进行理论分析和</a:t>
               </a:r>
               <a:r>
-                <a:rPr lang="zh-CN" altLang="en-US" dirty="0" smtClean="0">
+                <a:rPr lang="zh-CN" altLang="en-US" b="1" dirty="0" smtClean="0">
                   <a:latin typeface="微软雅黑" pitchFamily="2" charset="-122"/>
                   <a:ea typeface="微软雅黑" pitchFamily="2" charset="-122"/>
                 </a:rPr>
-                <a:t>研究并</a:t>
+                <a:t>研究并建立各类故障的仿真模型</a:t>
               </a:r>
-              <a:r>
-                <a:rPr lang="zh-CN" altLang="en-US" dirty="0" smtClean="0">
-                  <a:latin typeface="微软雅黑" pitchFamily="2" charset="-122"/>
-                  <a:ea typeface="微软雅黑" pitchFamily="2" charset="-122"/>
-                </a:rPr>
-                <a:t>建立各类故障的仿真模型</a:t>
-              </a:r>
-              <a:endParaRPr lang="zh-CN" altLang="en-US" dirty="0">
+              <a:endParaRPr lang="zh-CN" altLang="en-US" b="1" dirty="0">
                 <a:ea typeface="微软雅黑" pitchFamily="2" charset="-122"/>
               </a:endParaRPr>
             </a:p>
@@ -36409,8 +36161,8 @@
           </p:nvSpPr>
           <p:spPr>
             <a:xfrm>
-              <a:off x="2528888" y="1742640"/>
-              <a:ext cx="1776412" cy="2757488"/>
+              <a:off x="2528887" y="1742640"/>
+              <a:ext cx="1782763" cy="2757487"/>
             </a:xfrm>
             <a:prstGeom prst="rect">
               <a:avLst/>
@@ -36466,41 +36218,27 @@
                 </a:lnSpc>
               </a:pPr>
               <a:r>
-                <a:rPr lang="zh-CN" altLang="en-US" dirty="0" smtClean="0">
+                <a:rPr lang="zh-CN" altLang="en-US" b="1" dirty="0" smtClean="0">
                   <a:latin typeface="微软雅黑" pitchFamily="2" charset="-122"/>
                   <a:ea typeface="微软雅黑" pitchFamily="2" charset="-122"/>
                 </a:rPr>
-                <a:t>机器学习</a:t>
+                <a:t>机器学习算法的深入研究及</a:t>
               </a:r>
               <a:r>
-                <a:rPr lang="zh-CN" altLang="en-US" dirty="0" smtClean="0">
-                  <a:latin typeface="微软雅黑" pitchFamily="2" charset="-122"/>
-                  <a:ea typeface="微软雅黑" pitchFamily="2" charset="-122"/>
-                </a:rPr>
-                <a:t>算法和</a:t>
-              </a:r>
-              <a:r>
-                <a:rPr lang="en-US" altLang="zh-CN" dirty="0" err="1" smtClean="0">
+                <a:rPr lang="en-US" altLang="zh-CN" b="1" dirty="0" err="1" smtClean="0">
                   <a:latin typeface="微软雅黑" pitchFamily="2" charset="-122"/>
                   <a:ea typeface="微软雅黑" pitchFamily="2" charset="-122"/>
                 </a:rPr>
                 <a:t>TensorFlow</a:t>
               </a:r>
               <a:r>
-                <a:rPr lang="zh-CN" altLang="en-US" dirty="0" smtClean="0">
+                <a:rPr lang="zh-CN" altLang="en-US" b="1" dirty="0" smtClean="0">
                   <a:latin typeface="微软雅黑" pitchFamily="2" charset="-122"/>
                   <a:ea typeface="微软雅黑" pitchFamily="2" charset="-122"/>
                 </a:rPr>
-                <a:t>框架进行</a:t>
+                <a:t>框架研究</a:t>
               </a:r>
-              <a:r>
-                <a:rPr lang="zh-CN" altLang="en-US" dirty="0" smtClean="0">
-                  <a:latin typeface="微软雅黑" pitchFamily="2" charset="-122"/>
-                  <a:ea typeface="微软雅黑" pitchFamily="2" charset="-122"/>
-                </a:rPr>
-                <a:t>深入研究</a:t>
-              </a:r>
-              <a:endParaRPr lang="zh-CN" altLang="en-US" dirty="0">
+              <a:endParaRPr lang="zh-CN" altLang="en-US" b="1" dirty="0">
                 <a:ea typeface="微软雅黑" pitchFamily="2" charset="-122"/>
               </a:endParaRPr>
             </a:p>
@@ -36763,40 +36501,19 @@
             <a:bodyPr anchor="ctr"/>
             <a:lstStyle/>
             <a:p>
-              <a:pPr lvl="0">
+              <a:pPr>
                 <a:lnSpc>
                   <a:spcPct val="130000"/>
                 </a:lnSpc>
               </a:pPr>
               <a:r>
-                <a:rPr lang="zh-CN" altLang="en-US" dirty="0" smtClean="0">
+                <a:rPr lang="zh-CN" altLang="en-US" b="1" dirty="0">
                   <a:latin typeface="微软雅黑" pitchFamily="2" charset="-122"/>
                   <a:ea typeface="微软雅黑" pitchFamily="2" charset="-122"/>
                 </a:rPr>
-                <a:t>机器学习算法的参数设置</a:t>
+                <a:t>结合机器学习算法提出解决输电线路故障分类与定位问题的新方法</a:t>
               </a:r>
-              <a:r>
-                <a:rPr lang="zh-CN" altLang="en-US" dirty="0" smtClean="0">
-                  <a:latin typeface="微软雅黑" pitchFamily="2" charset="-122"/>
-                  <a:ea typeface="微软雅黑" pitchFamily="2" charset="-122"/>
-                </a:rPr>
-                <a:t>、模型训练</a:t>
-              </a:r>
-              <a:r>
-                <a:rPr lang="zh-CN" altLang="en-US" dirty="0" smtClean="0">
-                  <a:latin typeface="微软雅黑" pitchFamily="2" charset="-122"/>
-                  <a:ea typeface="微软雅黑" pitchFamily="2" charset="-122"/>
-                </a:rPr>
-                <a:t>与</a:t>
-              </a:r>
-              <a:r>
-                <a:rPr lang="zh-CN" altLang="en-US" dirty="0" smtClean="0">
-                  <a:latin typeface="微软雅黑" pitchFamily="2" charset="-122"/>
-                  <a:ea typeface="微软雅黑" pitchFamily="2" charset="-122"/>
-                </a:rPr>
-                <a:t>改进的深入研究</a:t>
-              </a:r>
-              <a:endParaRPr lang="zh-CN" altLang="en-US" dirty="0">
+              <a:endParaRPr lang="zh-CN" altLang="en-US" b="1" dirty="0">
                 <a:ea typeface="微软雅黑" pitchFamily="2" charset="-122"/>
               </a:endParaRPr>
             </a:p>
@@ -37059,40 +36776,41 @@
             <a:bodyPr anchor="ctr"/>
             <a:lstStyle/>
             <a:p>
-              <a:pPr>
+              <a:pPr algn="just">
                 <a:lnSpc>
                   <a:spcPct val="130000"/>
                 </a:lnSpc>
               </a:pPr>
               <a:r>
-                <a:rPr lang="zh-CN" altLang="en-US" dirty="0">
+                <a:rPr lang="zh-CN" altLang="en-US" b="1" dirty="0" smtClean="0">
                   <a:latin typeface="微软雅黑" pitchFamily="2" charset="-122"/>
                   <a:ea typeface="微软雅黑" pitchFamily="2" charset="-122"/>
                 </a:rPr>
-                <a:t>结合</a:t>
+                <a:t>对</a:t>
               </a:r>
               <a:r>
-                <a:rPr lang="zh-CN" altLang="en-US" dirty="0" smtClean="0">
+                <a:rPr lang="en-US" altLang="zh-CN" b="1" dirty="0" smtClean="0">
                   <a:latin typeface="微软雅黑" pitchFamily="2" charset="-122"/>
                   <a:ea typeface="微软雅黑" pitchFamily="2" charset="-122"/>
                 </a:rPr>
-                <a:t>机器学习算法提出解决</a:t>
+                <a:t>Web</a:t>
               </a:r>
               <a:r>
-                <a:rPr lang="zh-CN" altLang="en-US" dirty="0">
+                <a:rPr lang="zh-CN" altLang="en-US" b="1" dirty="0">
                   <a:latin typeface="微软雅黑" pitchFamily="2" charset="-122"/>
                   <a:ea typeface="微软雅黑" pitchFamily="2" charset="-122"/>
                 </a:rPr>
-                <a:t>输电线路故障分类与定位问题</a:t>
+                <a:t>服务器上部署机器学习应用的</a:t>
               </a:r>
               <a:r>
-                <a:rPr lang="zh-CN" altLang="en-US" dirty="0" smtClean="0">
+                <a:rPr lang="zh-CN" altLang="en-US" b="1" dirty="0" smtClean="0">
                   <a:latin typeface="微软雅黑" pitchFamily="2" charset="-122"/>
                   <a:ea typeface="微软雅黑" pitchFamily="2" charset="-122"/>
                 </a:rPr>
-                <a:t>的新方法</a:t>
+                <a:t>开发研究</a:t>
               </a:r>
-              <a:endParaRPr lang="zh-CN" altLang="en-US" dirty="0">
+              <a:endParaRPr lang="en-US" altLang="zh-CN" b="1" dirty="0">
+                <a:latin typeface="微软雅黑" pitchFamily="2" charset="-122"/>
                 <a:ea typeface="微软雅黑" pitchFamily="2" charset="-122"/>
               </a:endParaRPr>
             </a:p>
@@ -37196,7 +36914,7 @@
                 <a:latin typeface="微软雅黑" pitchFamily="2" charset="-122"/>
                 <a:ea typeface="微软雅黑" pitchFamily="2" charset="-122"/>
               </a:rPr>
-              <a:t>四、技术</a:t>
+              <a:t>四、</a:t>
             </a:r>
             <a:r>
               <a:rPr lang="zh-CN" altLang="en-US" sz="2800" b="1" dirty="0" smtClean="0">
@@ -37206,15 +36924,18 @@
                 <a:latin typeface="微软雅黑" pitchFamily="2" charset="-122"/>
                 <a:ea typeface="微软雅黑" pitchFamily="2" charset="-122"/>
               </a:rPr>
-              <a:t>难点</a:t>
-            </a:r>
-            <a:endParaRPr lang="zh-CN" altLang="en-US" sz="2800" b="1" dirty="0">
-              <a:solidFill>
-                <a:schemeClr val="bg1"/>
-              </a:solidFill>
-              <a:latin typeface="微软雅黑" pitchFamily="2" charset="-122"/>
-              <a:ea typeface="微软雅黑" pitchFamily="2" charset="-122"/>
-            </a:endParaRPr>
+              <a:t>技术</a:t>
+            </a:r>
+            <a:r>
+              <a:rPr lang="zh-CN" altLang="en-US" sz="2800" b="1" dirty="0">
+                <a:solidFill>
+                  <a:schemeClr val="bg1"/>
+                </a:solidFill>
+                <a:latin typeface="微软雅黑" pitchFamily="2" charset="-122"/>
+                <a:ea typeface="微软雅黑" pitchFamily="2" charset="-122"/>
+              </a:rPr>
+              <a:t>方案</a:t>
+            </a:r>
           </a:p>
         </p:txBody>
       </p:sp>
@@ -37226,8 +36947,8 @@
         </p:nvSpPr>
         <p:spPr>
           <a:xfrm>
-            <a:off x="473611" y="2593197"/>
-            <a:ext cx="3596275" cy="2400361"/>
+            <a:off x="96442" y="2519426"/>
+            <a:ext cx="3318171" cy="2705539"/>
           </a:xfrm>
           <a:prstGeom prst="rect">
             <a:avLst/>
@@ -37242,7 +36963,7 @@
           <a:bodyPr lIns="90000" rIns="90000" anchor="ctr"/>
           <a:lstStyle/>
           <a:p>
-            <a:pPr lvl="0" algn="just">
+            <a:pPr lvl="1">
               <a:lnSpc>
                 <a:spcPct val="130000"/>
               </a:lnSpc>
@@ -37260,7 +36981,7 @@
             </a:endParaRPr>
           </a:p>
           <a:p>
-            <a:pPr algn="just">
+            <a:pPr lvl="1">
               <a:lnSpc>
                 <a:spcPct val="130000"/>
               </a:lnSpc>
@@ -37284,14 +37005,28 @@
                 <a:latin typeface="微软雅黑" pitchFamily="2" charset="-122"/>
                 <a:ea typeface="微软雅黑" pitchFamily="2" charset="-122"/>
               </a:rPr>
-              <a:t>故障</a:t>
+              <a:t>故障仿真模型</a:t>
             </a:r>
             <a:r>
               <a:rPr lang="zh-CN" altLang="zh-CN" b="1" dirty="0">
                 <a:latin typeface="微软雅黑" pitchFamily="2" charset="-122"/>
                 <a:ea typeface="微软雅黑" pitchFamily="2" charset="-122"/>
               </a:rPr>
-              <a:t>的仿真模型的建立</a:t>
+              <a:t>的</a:t>
+            </a:r>
+            <a:r>
+              <a:rPr lang="zh-CN" altLang="zh-CN" b="1" dirty="0" smtClean="0">
+                <a:latin typeface="微软雅黑" pitchFamily="2" charset="-122"/>
+                <a:ea typeface="微软雅黑" pitchFamily="2" charset="-122"/>
+              </a:rPr>
+              <a:t>建立</a:t>
+            </a:r>
+            <a:r>
+              <a:rPr lang="zh-CN" altLang="en-US" b="1" dirty="0" smtClean="0">
+                <a:latin typeface="微软雅黑" pitchFamily="2" charset="-122"/>
+                <a:ea typeface="微软雅黑" pitchFamily="2" charset="-122"/>
+              </a:rPr>
+              <a:t>；</a:t>
             </a:r>
             <a:endParaRPr lang="en-US" altLang="x-none" b="1" dirty="0">
               <a:latin typeface="微软雅黑" pitchFamily="2" charset="-122"/>
@@ -37299,7 +37034,7 @@
             </a:endParaRPr>
           </a:p>
           <a:p>
-            <a:pPr lvl="0" algn="just">
+            <a:pPr lvl="1">
               <a:lnSpc>
                 <a:spcPct val="130000"/>
               </a:lnSpc>
@@ -37316,14 +37051,21 @@
                 <a:latin typeface="微软雅黑" pitchFamily="2" charset="-122"/>
                 <a:ea typeface="微软雅黑" pitchFamily="2" charset="-122"/>
               </a:rPr>
-              <a:t>、数据预处理</a:t>
+              <a:t>、机器学习算法</a:t>
             </a:r>
             <a:r>
               <a:rPr lang="zh-CN" altLang="en-US" b="1" dirty="0">
                 <a:latin typeface="微软雅黑" pitchFamily="2" charset="-122"/>
                 <a:ea typeface="微软雅黑" pitchFamily="2" charset="-122"/>
               </a:rPr>
-              <a:t>的方法</a:t>
+              <a:t>的</a:t>
+            </a:r>
+            <a:r>
+              <a:rPr lang="zh-CN" altLang="en-US" b="1" dirty="0" smtClean="0">
+                <a:latin typeface="微软雅黑" pitchFamily="2" charset="-122"/>
+                <a:ea typeface="微软雅黑" pitchFamily="2" charset="-122"/>
+              </a:rPr>
+              <a:t>参数  调优技术；</a:t>
             </a:r>
             <a:endParaRPr lang="en-US" altLang="zh-CN" b="1" dirty="0">
               <a:latin typeface="微软雅黑" pitchFamily="2" charset="-122"/>
@@ -37331,7 +37073,7 @@
             </a:endParaRPr>
           </a:p>
           <a:p>
-            <a:pPr lvl="0" algn="just">
+            <a:pPr lvl="1">
               <a:lnSpc>
                 <a:spcPct val="130000"/>
               </a:lnSpc>
@@ -37348,23 +37090,23 @@
                 <a:latin typeface="微软雅黑" pitchFamily="2" charset="-122"/>
                 <a:ea typeface="微软雅黑" pitchFamily="2" charset="-122"/>
               </a:rPr>
-              <a:t>、算法</a:t>
+              <a:t>、</a:t>
+            </a:r>
+            <a:r>
+              <a:rPr lang="en-US" altLang="zh-CN" b="1" dirty="0" smtClean="0">
+                <a:latin typeface="微软雅黑" pitchFamily="2" charset="-122"/>
+                <a:ea typeface="微软雅黑" pitchFamily="2" charset="-122"/>
+              </a:rPr>
+              <a:t>Web</a:t>
             </a:r>
             <a:r>
               <a:rPr lang="zh-CN" altLang="en-US" b="1" dirty="0" smtClean="0">
                 <a:latin typeface="微软雅黑" pitchFamily="2" charset="-122"/>
                 <a:ea typeface="微软雅黑" pitchFamily="2" charset="-122"/>
               </a:rPr>
-              <a:t>的参数</a:t>
-            </a:r>
-            <a:r>
-              <a:rPr lang="zh-CN" altLang="en-US" b="1" dirty="0" smtClean="0">
-                <a:latin typeface="微软雅黑" pitchFamily="2" charset="-122"/>
-                <a:ea typeface="微软雅黑" pitchFamily="2" charset="-122"/>
-              </a:rPr>
-              <a:t>设置与模型训练</a:t>
-            </a:r>
-            <a:endParaRPr lang="en-US" altLang="x-none" sz="1600" b="1" dirty="0">
+              <a:t>服务器上部署机器学习应用的开发；</a:t>
+            </a:r>
+            <a:endParaRPr lang="en-US" altLang="x-none" b="1" dirty="0">
               <a:latin typeface="微软雅黑" pitchFamily="2" charset="-122"/>
               <a:ea typeface="微软雅黑" pitchFamily="2" charset="-122"/>
             </a:endParaRPr>
@@ -37379,8 +37121,8 @@
         </p:nvSpPr>
         <p:spPr>
           <a:xfrm>
-            <a:off x="6823202" y="1630578"/>
-            <a:ext cx="1860088" cy="419818"/>
+            <a:off x="5979922" y="1403728"/>
+            <a:ext cx="1495298" cy="360000"/>
           </a:xfrm>
           <a:prstGeom prst="rect">
             <a:avLst/>
@@ -37417,7 +37159,7 @@
                 <a:latin typeface="微软雅黑" panose="020B0503020204020204" pitchFamily="34" charset="-122"/>
                 <a:ea typeface="微软雅黑" panose="020B0503020204020204" pitchFamily="34" charset="-122"/>
               </a:rPr>
-              <a:t>搭建仿真模型</a:t>
+              <a:t>仿真模型</a:t>
             </a:r>
             <a:endParaRPr lang="zh-CN" altLang="en-US" sz="2000" b="1" dirty="0">
               <a:latin typeface="微软雅黑" panose="020B0503020204020204" pitchFamily="34" charset="-122"/>
@@ -37434,8 +37176,8 @@
         </p:nvSpPr>
         <p:spPr>
           <a:xfrm>
-            <a:off x="7599216" y="2050396"/>
-            <a:ext cx="357352" cy="302118"/>
+            <a:off x="6596526" y="1781038"/>
+            <a:ext cx="360000" cy="216000"/>
           </a:xfrm>
           <a:prstGeom prst="downArrow">
             <a:avLst/>
@@ -37475,8 +37217,8 @@
         </p:nvSpPr>
         <p:spPr>
           <a:xfrm>
-            <a:off x="6797801" y="2321370"/>
-            <a:ext cx="1936289" cy="360084"/>
+            <a:off x="5852921" y="2005620"/>
+            <a:ext cx="1831429" cy="360084"/>
           </a:xfrm>
           <a:prstGeom prst="rect">
             <a:avLst/>
@@ -37515,10 +37257,6 @@
               </a:rPr>
               <a:t>故障电压电流</a:t>
             </a:r>
-            <a:endParaRPr lang="zh-CN" altLang="en-US" sz="2000" b="1" dirty="0">
-              <a:latin typeface="微软雅黑" panose="020B0503020204020204" pitchFamily="34" charset="-122"/>
-              <a:ea typeface="微软雅黑" panose="020B0503020204020204" pitchFamily="34" charset="-122"/>
-            </a:endParaRPr>
           </a:p>
         </p:txBody>
       </p:sp>
@@ -37530,8 +37268,8 @@
         </p:nvSpPr>
         <p:spPr>
           <a:xfrm>
-            <a:off x="7599216" y="2681454"/>
-            <a:ext cx="357352" cy="374322"/>
+            <a:off x="6595664" y="2365522"/>
+            <a:ext cx="360000" cy="216000"/>
           </a:xfrm>
           <a:prstGeom prst="downArrow">
             <a:avLst/>
@@ -37571,7 +37309,7 @@
         </p:nvSpPr>
         <p:spPr>
           <a:xfrm>
-            <a:off x="4761413" y="3061499"/>
+            <a:off x="3816533" y="2596679"/>
             <a:ext cx="5917338" cy="345115"/>
           </a:xfrm>
           <a:prstGeom prst="rect">
@@ -37598,38 +37336,39 @@
           </a:fontRef>
         </p:style>
         <p:txBody>
-          <a:bodyPr rtlCol="0" anchor="ctr"/>
+          <a:bodyPr numCol="1" spcCol="0" rtlCol="0" anchor="ctr"/>
           <a:lstStyle/>
           <a:p>
             <a:pPr algn="ctr"/>
             <a:r>
-              <a:rPr lang="en-US" altLang="zh-CN" dirty="0"/>
-              <a:t> </a:t>
-            </a:r>
-            <a:r>
               <a:rPr lang="zh-CN" altLang="en-US" sz="2000" b="1" dirty="0"/>
-              <a:t>数据预处理</a:t>
-            </a:r>
-          </a:p>
-        </p:txBody>
-      </p:sp>
-      <p:sp>
-        <p:nvSpPr>
-          <p:cNvPr id="7" name="下箭头 6"/>
+              <a:t>经</a:t>
+            </a:r>
+            <a:r>
+              <a:rPr lang="zh-CN" altLang="en-US" sz="2000" b="1" dirty="0" smtClean="0"/>
+              <a:t>预处理的数据（训练数据）</a:t>
+            </a:r>
+            <a:endParaRPr lang="zh-CN" altLang="en-US" sz="2000" b="1" dirty="0"/>
+          </a:p>
+        </p:txBody>
+      </p:sp>
+      <p:sp>
+        <p:nvSpPr>
+          <p:cNvPr id="8" name="圆角矩形 7"/>
           <p:cNvSpPr/>
           <p:nvPr/>
         </p:nvSpPr>
         <p:spPr>
           <a:xfrm>
-            <a:off x="5591743" y="3420438"/>
-            <a:ext cx="620110" cy="360498"/>
+            <a:off x="3985040" y="3932143"/>
+            <a:ext cx="952720" cy="618268"/>
           </a:xfrm>
-          <a:prstGeom prst="downArrow">
+          <a:prstGeom prst="roundRect">
             <a:avLst/>
           </a:prstGeom>
           <a:ln>
             <a:solidFill>
-              <a:srgbClr val="01BBAE"/>
+              <a:srgbClr val="01DDCD"/>
             </a:solidFill>
           </a:ln>
         </p:spPr>
@@ -37652,100 +37391,11 @@
           <a:lstStyle/>
           <a:p>
             <a:pPr algn="ctr"/>
-            <a:endParaRPr lang="zh-CN" altLang="en-US"/>
-          </a:p>
-        </p:txBody>
-      </p:sp>
-      <p:sp>
-        <p:nvSpPr>
-          <p:cNvPr id="8" name="圆角矩形 7"/>
-          <p:cNvSpPr/>
-          <p:nvPr/>
-        </p:nvSpPr>
-        <p:spPr>
-          <a:xfrm>
-            <a:off x="4802157" y="3793378"/>
-            <a:ext cx="2430866" cy="521048"/>
-          </a:xfrm>
-          <a:prstGeom prst="roundRect">
-            <a:avLst/>
-          </a:prstGeom>
-          <a:ln>
-            <a:solidFill>
-              <a:srgbClr val="01BBAE"/>
-            </a:solidFill>
-          </a:ln>
-        </p:spPr>
-        <p:style>
-          <a:lnRef idx="3">
-            <a:schemeClr val="lt1"/>
-          </a:lnRef>
-          <a:fillRef idx="1">
-            <a:schemeClr val="accent2"/>
-          </a:fillRef>
-          <a:effectRef idx="1">
-            <a:schemeClr val="accent2"/>
-          </a:effectRef>
-          <a:fontRef idx="minor">
-            <a:schemeClr val="lt1"/>
-          </a:fontRef>
-        </p:style>
-        <p:txBody>
-          <a:bodyPr rtlCol="0" anchor="ctr"/>
-          <a:lstStyle/>
-          <a:p>
-            <a:pPr algn="ctr"/>
-            <a:r>
-              <a:rPr lang="en-US" altLang="zh-CN" dirty="0"/>
-              <a:t> </a:t>
-            </a:r>
-            <a:r>
-              <a:rPr lang="zh-CN" altLang="en-US" sz="2000" b="1" dirty="0"/>
-              <a:t>故障类型识别算法</a:t>
-            </a:r>
-          </a:p>
-        </p:txBody>
-      </p:sp>
-      <p:sp>
-        <p:nvSpPr>
-          <p:cNvPr id="22" name="下箭头 21"/>
-          <p:cNvSpPr/>
-          <p:nvPr/>
-        </p:nvSpPr>
-        <p:spPr>
-          <a:xfrm>
-            <a:off x="9711095" y="3405960"/>
-            <a:ext cx="443992" cy="374322"/>
-          </a:xfrm>
-          <a:prstGeom prst="downArrow">
-            <a:avLst/>
-          </a:prstGeom>
-          <a:ln>
-            <a:solidFill>
-              <a:srgbClr val="01BBAE"/>
-            </a:solidFill>
-          </a:ln>
-        </p:spPr>
-        <p:style>
-          <a:lnRef idx="1">
-            <a:schemeClr val="accent2"/>
-          </a:lnRef>
-          <a:fillRef idx="2">
-            <a:schemeClr val="accent2"/>
-          </a:fillRef>
-          <a:effectRef idx="1">
-            <a:schemeClr val="accent2"/>
-          </a:effectRef>
-          <a:fontRef idx="minor">
-            <a:schemeClr val="dk1"/>
-          </a:fontRef>
-        </p:style>
-        <p:txBody>
-          <a:bodyPr rtlCol="0" anchor="ctr"/>
-          <a:lstStyle/>
-          <a:p>
-            <a:pPr algn="ctr"/>
-            <a:endParaRPr lang="zh-CN" altLang="en-US"/>
+            <a:r>
+              <a:rPr lang="zh-CN" altLang="en-US" sz="2000" b="1" dirty="0" smtClean="0"/>
+              <a:t>分类模型</a:t>
+            </a:r>
+            <a:endParaRPr lang="zh-CN" altLang="en-US" sz="2000" b="1" dirty="0"/>
           </a:p>
         </p:txBody>
       </p:sp>
@@ -37757,8 +37407,8 @@
         </p:nvSpPr>
         <p:spPr>
           <a:xfrm>
-            <a:off x="8993586" y="3783435"/>
-            <a:ext cx="1700920" cy="628211"/>
+            <a:off x="8612722" y="3950616"/>
+            <a:ext cx="998180" cy="628211"/>
           </a:xfrm>
           <a:prstGeom prst="roundRect">
             <a:avLst/>
@@ -37789,13 +37439,10 @@
           <a:p>
             <a:pPr algn="ctr"/>
             <a:r>
-              <a:rPr lang="en-US" altLang="zh-CN" b="1" dirty="0"/>
-              <a:t> </a:t>
-            </a:r>
-            <a:r>
-              <a:rPr lang="zh-CN" altLang="en-US" b="1" dirty="0"/>
-              <a:t>故障测距算法</a:t>
-            </a:r>
+              <a:rPr lang="zh-CN" altLang="en-US" sz="2000" b="1" dirty="0" smtClean="0"/>
+              <a:t>测距模型</a:t>
+            </a:r>
+            <a:endParaRPr lang="zh-CN" altLang="en-US" sz="2000" b="1" dirty="0"/>
           </a:p>
         </p:txBody>
       </p:sp>
@@ -37807,7 +37454,7 @@
         </p:nvCxnSpPr>
         <p:spPr>
           <a:xfrm flipV="1">
-            <a:off x="4761413" y="4594738"/>
+            <a:off x="3847013" y="4876678"/>
             <a:ext cx="4821083" cy="27127"/>
           </a:xfrm>
           <a:prstGeom prst="line">
@@ -37838,7 +37485,7 @@
         </p:nvCxnSpPr>
         <p:spPr>
           <a:xfrm flipV="1">
-            <a:off x="5076737" y="4777831"/>
+            <a:off x="4162337" y="5059771"/>
             <a:ext cx="5602014" cy="31532"/>
           </a:xfrm>
           <a:prstGeom prst="line">
@@ -37869,15 +37516,15 @@
         </p:nvSpPr>
         <p:spPr>
           <a:xfrm>
-            <a:off x="5600503" y="4339826"/>
-            <a:ext cx="620110" cy="240061"/>
+            <a:off x="4216989" y="4581126"/>
+            <a:ext cx="468000" cy="288000"/>
           </a:xfrm>
           <a:prstGeom prst="downArrow">
             <a:avLst/>
           </a:prstGeom>
           <a:ln>
             <a:solidFill>
-              <a:srgbClr val="01BBAE"/>
+              <a:srgbClr val="01DDCD"/>
             </a:solidFill>
           </a:ln>
         </p:spPr>
@@ -37912,8 +37559,8 @@
         </p:nvSpPr>
         <p:spPr>
           <a:xfrm>
-            <a:off x="9678363" y="4411646"/>
-            <a:ext cx="509455" cy="366185"/>
+            <a:off x="8901123" y="4602146"/>
+            <a:ext cx="468000" cy="432000"/>
           </a:xfrm>
           <a:prstGeom prst="downArrow">
             <a:avLst/>
@@ -37955,7 +37602,7 @@
         </p:nvSpPr>
         <p:spPr>
           <a:xfrm>
-            <a:off x="4630040" y="4945885"/>
+            <a:off x="3715640" y="5227825"/>
             <a:ext cx="893393" cy="304793"/>
           </a:xfrm>
           <a:prstGeom prst="rect">
@@ -38009,7 +37656,7 @@
         </p:nvSpPr>
         <p:spPr>
           <a:xfrm>
-            <a:off x="5660046" y="4943025"/>
+            <a:off x="4745646" y="5224965"/>
             <a:ext cx="893393" cy="304793"/>
           </a:xfrm>
           <a:prstGeom prst="rect">
@@ -38067,7 +37714,7 @@
         </p:nvSpPr>
         <p:spPr>
           <a:xfrm>
-            <a:off x="6679557" y="4945884"/>
+            <a:off x="5765157" y="5227824"/>
             <a:ext cx="1169289" cy="304793"/>
           </a:xfrm>
           <a:prstGeom prst="rect">
@@ -38121,7 +37768,7 @@
         </p:nvSpPr>
         <p:spPr>
           <a:xfrm>
-            <a:off x="7998602" y="4943145"/>
+            <a:off x="7084202" y="5225085"/>
             <a:ext cx="1145631" cy="304793"/>
           </a:xfrm>
           <a:prstGeom prst="rect">
@@ -38175,7 +37822,7 @@
         </p:nvSpPr>
         <p:spPr>
           <a:xfrm>
-            <a:off x="9359685" y="4945885"/>
+            <a:off x="8445285" y="5227825"/>
             <a:ext cx="1165616" cy="304793"/>
           </a:xfrm>
           <a:prstGeom prst="rect">
@@ -38229,7 +37876,7 @@
         </p:nvSpPr>
         <p:spPr>
           <a:xfrm>
-            <a:off x="5192349" y="4809362"/>
+            <a:off x="4277949" y="5091302"/>
             <a:ext cx="73573" cy="136522"/>
           </a:xfrm>
           <a:prstGeom prst="downArrow">
@@ -38269,7 +37916,7 @@
         </p:nvSpPr>
         <p:spPr>
           <a:xfrm>
-            <a:off x="4908572" y="4651707"/>
+            <a:off x="3994172" y="4933647"/>
             <a:ext cx="45719" cy="294177"/>
           </a:xfrm>
           <a:prstGeom prst="downArrow">
@@ -38307,7 +37954,7 @@
         </p:nvSpPr>
         <p:spPr>
           <a:xfrm>
-            <a:off x="6874002" y="4651707"/>
+            <a:off x="5959602" y="4933647"/>
             <a:ext cx="45719" cy="294177"/>
           </a:xfrm>
           <a:prstGeom prst="downArrow">
@@ -38345,7 +37992,7 @@
         </p:nvSpPr>
         <p:spPr>
           <a:xfrm>
-            <a:off x="5991137" y="4630687"/>
+            <a:off x="5076737" y="4912627"/>
             <a:ext cx="45719" cy="312338"/>
           </a:xfrm>
           <a:prstGeom prst="downArrow">
@@ -38383,7 +38030,7 @@
         </p:nvSpPr>
         <p:spPr>
           <a:xfrm>
-            <a:off x="8244830" y="4630687"/>
+            <a:off x="7330430" y="4912627"/>
             <a:ext cx="45719" cy="333708"/>
           </a:xfrm>
           <a:prstGeom prst="downArrow">
@@ -38421,7 +38068,7 @@
         </p:nvSpPr>
         <p:spPr>
           <a:xfrm>
-            <a:off x="9454286" y="4617021"/>
+            <a:off x="8539886" y="4898961"/>
             <a:ext cx="45719" cy="347374"/>
           </a:xfrm>
           <a:prstGeom prst="downArrow">
@@ -38459,7 +38106,7 @@
         </p:nvSpPr>
         <p:spPr>
           <a:xfrm>
-            <a:off x="6306447" y="4809362"/>
+            <a:off x="5392047" y="5091302"/>
             <a:ext cx="45719" cy="133663"/>
           </a:xfrm>
           <a:prstGeom prst="downArrow">
@@ -38499,7 +38146,7 @@
         </p:nvSpPr>
         <p:spPr>
           <a:xfrm>
-            <a:off x="7410034" y="4833511"/>
+            <a:off x="6495634" y="5115451"/>
             <a:ext cx="45719" cy="100692"/>
           </a:xfrm>
           <a:prstGeom prst="downArrow">
@@ -38539,7 +38186,7 @@
         </p:nvSpPr>
         <p:spPr>
           <a:xfrm>
-            <a:off x="8764572" y="4825848"/>
+            <a:off x="7850172" y="5107788"/>
             <a:ext cx="45719" cy="109639"/>
           </a:xfrm>
           <a:prstGeom prst="downArrow">
@@ -38579,7 +38226,7 @@
         </p:nvSpPr>
         <p:spPr>
           <a:xfrm>
-            <a:off x="10323858" y="4777831"/>
+            <a:off x="9409458" y="5059771"/>
             <a:ext cx="45719" cy="156372"/>
           </a:xfrm>
           <a:prstGeom prst="downArrow">
@@ -38619,7 +38266,7 @@
         </p:nvCxnSpPr>
         <p:spPr>
           <a:xfrm>
-            <a:off x="4630040" y="5531299"/>
+            <a:off x="3715640" y="5813239"/>
             <a:ext cx="5895261" cy="0"/>
           </a:xfrm>
           <a:prstGeom prst="line">
@@ -38654,7 +38301,7 @@
         </p:nvSpPr>
         <p:spPr>
           <a:xfrm>
-            <a:off x="4992657" y="5247818"/>
+            <a:off x="4078257" y="5529758"/>
             <a:ext cx="84079" cy="283481"/>
           </a:xfrm>
           <a:prstGeom prst="downArrow">
@@ -38706,7 +38353,7 @@
         </p:nvSpPr>
         <p:spPr>
           <a:xfrm>
-            <a:off x="6098077" y="5237308"/>
+            <a:off x="5183677" y="5519248"/>
             <a:ext cx="45719" cy="283481"/>
           </a:xfrm>
           <a:prstGeom prst="downArrow">
@@ -38758,7 +38405,7 @@
         </p:nvSpPr>
         <p:spPr>
           <a:xfrm>
-            <a:off x="7220323" y="5216858"/>
+            <a:off x="6305923" y="5498798"/>
             <a:ext cx="65676" cy="319852"/>
           </a:xfrm>
           <a:prstGeom prst="downArrow">
@@ -38810,7 +38457,7 @@
         </p:nvSpPr>
         <p:spPr>
           <a:xfrm>
-            <a:off x="8571417" y="5237308"/>
+            <a:off x="7657017" y="5519248"/>
             <a:ext cx="57813" cy="283481"/>
           </a:xfrm>
           <a:prstGeom prst="downArrow">
@@ -38862,7 +38509,7 @@
         </p:nvSpPr>
         <p:spPr>
           <a:xfrm>
-            <a:off x="9942493" y="5237308"/>
+            <a:off x="9028093" y="5519248"/>
             <a:ext cx="49940" cy="283481"/>
           </a:xfrm>
           <a:prstGeom prst="downArrow">
@@ -38908,62 +38555,14 @@
       </p:sp>
       <p:sp>
         <p:nvSpPr>
-          <p:cNvPr id="49" name="矩形 48"/>
-          <p:cNvSpPr/>
-          <p:nvPr/>
-        </p:nvSpPr>
-        <p:spPr>
-          <a:xfrm>
-            <a:off x="6648550" y="5954982"/>
-            <a:ext cx="2306936" cy="471218"/>
-          </a:xfrm>
-          <a:prstGeom prst="rect">
-            <a:avLst/>
-          </a:prstGeom>
-          <a:solidFill>
-            <a:srgbClr val="01BBAE"/>
-          </a:solidFill>
-        </p:spPr>
-        <p:style>
-          <a:lnRef idx="1">
-            <a:schemeClr val="accent5"/>
-          </a:lnRef>
-          <a:fillRef idx="3">
-            <a:schemeClr val="accent5"/>
-          </a:fillRef>
-          <a:effectRef idx="2">
-            <a:schemeClr val="accent5"/>
-          </a:effectRef>
-          <a:fontRef idx="minor">
-            <a:schemeClr val="lt1"/>
-          </a:fontRef>
-        </p:style>
-        <p:txBody>
-          <a:bodyPr rtlCol="0" anchor="ctr"/>
-          <a:lstStyle/>
-          <a:p>
-            <a:pPr algn="ctr"/>
-            <a:r>
-              <a:rPr lang="en-US" altLang="zh-CN" dirty="0"/>
-              <a:t> </a:t>
-            </a:r>
-            <a:r>
-              <a:rPr lang="zh-CN" altLang="en-US" sz="2000" b="1" dirty="0"/>
-              <a:t>分类与测距结果 </a:t>
-            </a:r>
-          </a:p>
-        </p:txBody>
-      </p:sp>
-      <p:sp>
-        <p:nvSpPr>
           <p:cNvPr id="50" name="下箭头 49"/>
           <p:cNvSpPr/>
           <p:nvPr/>
         </p:nvSpPr>
         <p:spPr>
           <a:xfrm>
-            <a:off x="7529298" y="5568240"/>
-            <a:ext cx="548128" cy="376233"/>
+            <a:off x="6551838" y="5839670"/>
+            <a:ext cx="548128" cy="324000"/>
           </a:xfrm>
           <a:prstGeom prst="downArrow">
             <a:avLst/>
@@ -39002,342 +38601,18 @@
           </a:p>
         </p:txBody>
       </p:sp>
-    </p:spTree>
-    <p:extLst>
-      <p:ext uri="{BB962C8B-B14F-4D97-AF65-F5344CB8AC3E}">
-        <p14:creationId xmlns:p14="http://schemas.microsoft.com/office/powerpoint/2010/main" val="3201380537"/>
-      </p:ext>
-    </p:extLst>
-  </p:cSld>
-  <p:clrMapOvr>
-    <a:masterClrMapping/>
-  </p:clrMapOvr>
-  <p:timing>
-    <p:tnLst>
-      <p:par>
-        <p:cTn id="1" dur="indefinite" restart="never" nodeType="tmRoot"/>
-      </p:par>
-    </p:tnLst>
-  </p:timing>
-</p:sld>
-</file>
-
-<file path=ppt/slides/slide7.xml><?xml version="1.0" encoding="utf-8"?>
-<p:sld xmlns:a="http://schemas.openxmlformats.org/drawingml/2006/main" xmlns:r="http://schemas.openxmlformats.org/officeDocument/2006/relationships" xmlns:p="http://schemas.openxmlformats.org/presentationml/2006/main">
-  <p:cSld>
-    <p:spTree>
-      <p:nvGrpSpPr>
-        <p:cNvPr id="1" name=""/>
-        <p:cNvGrpSpPr/>
-        <p:nvPr/>
-      </p:nvGrpSpPr>
-      <p:grpSpPr>
-        <a:xfrm>
-          <a:off x="0" y="0"/>
-          <a:ext cx="0" cy="0"/>
-          <a:chOff x="0" y="0"/>
-          <a:chExt cx="0" cy="0"/>
-        </a:xfrm>
-      </p:grpSpPr>
-      <p:sp>
-        <p:nvSpPr>
-          <p:cNvPr id="29699" name="标题 6"/>
-          <p:cNvSpPr>
-            <a:spLocks noGrp="1"/>
-          </p:cNvSpPr>
-          <p:nvPr>
-            <p:ph type="title" idx="4294967295"/>
-          </p:nvPr>
+      <p:sp>
+        <p:nvSpPr>
+          <p:cNvPr id="40" name="矩形 39"/>
+          <p:cNvSpPr/>
+          <p:nvPr/>
         </p:nvSpPr>
         <p:spPr>
           <a:xfrm>
-            <a:off x="771525" y="598488"/>
-            <a:ext cx="5845175" cy="698500"/>
+            <a:off x="6112001" y="2923469"/>
+            <a:ext cx="1296000" cy="345115"/>
           </a:xfrm>
           <a:prstGeom prst="rect">
-            <a:avLst/>
-          </a:prstGeom>
-          <a:noFill/>
-          <a:ln w="9525">
-            <a:noFill/>
-            <a:miter/>
-          </a:ln>
-        </p:spPr>
-        <p:txBody>
-          <a:bodyPr anchor="ctr"/>
-          <a:lstStyle/>
-          <a:p>
-            <a:pPr lvl="0"/>
-            <a:r>
-              <a:rPr lang="zh-CN" altLang="en-US" sz="2800" b="1" dirty="0">
-                <a:solidFill>
-                  <a:schemeClr val="bg1"/>
-                </a:solidFill>
-                <a:latin typeface="微软雅黑" pitchFamily="2" charset="-122"/>
-                <a:ea typeface="微软雅黑" pitchFamily="2" charset="-122"/>
-              </a:rPr>
-              <a:t>四、技术</a:t>
-            </a:r>
-            <a:r>
-              <a:rPr lang="zh-CN" altLang="en-US" sz="2800" b="1" dirty="0" smtClean="0">
-                <a:solidFill>
-                  <a:schemeClr val="bg1"/>
-                </a:solidFill>
-                <a:latin typeface="微软雅黑" pitchFamily="2" charset="-122"/>
-                <a:ea typeface="微软雅黑" pitchFamily="2" charset="-122"/>
-              </a:rPr>
-              <a:t>难点</a:t>
-            </a:r>
-            <a:endParaRPr lang="zh-CN" altLang="en-US" sz="2800" b="1" dirty="0">
-              <a:solidFill>
-                <a:schemeClr val="bg1"/>
-              </a:solidFill>
-              <a:latin typeface="微软雅黑" pitchFamily="2" charset="-122"/>
-              <a:ea typeface="微软雅黑" pitchFamily="2" charset="-122"/>
-            </a:endParaRPr>
-          </a:p>
-        </p:txBody>
-      </p:sp>
-      <p:sp>
-        <p:nvSpPr>
-          <p:cNvPr id="2" name="流程图: 多文档 1"/>
-          <p:cNvSpPr/>
-          <p:nvPr/>
-        </p:nvSpPr>
-        <p:spPr>
-          <a:xfrm>
-            <a:off x="3701675" y="4471232"/>
-            <a:ext cx="1660265" cy="1040568"/>
-          </a:xfrm>
-          <a:prstGeom prst="flowChartMultidocument">
-            <a:avLst/>
-          </a:prstGeom>
-          <a:ln>
-            <a:solidFill>
-              <a:srgbClr val="01BBAE"/>
-            </a:solidFill>
-          </a:ln>
-        </p:spPr>
-        <p:style>
-          <a:lnRef idx="2">
-            <a:schemeClr val="accent6"/>
-          </a:lnRef>
-          <a:fillRef idx="1">
-            <a:schemeClr val="lt1"/>
-          </a:fillRef>
-          <a:effectRef idx="0">
-            <a:schemeClr val="accent6"/>
-          </a:effectRef>
-          <a:fontRef idx="minor">
-            <a:schemeClr val="dk1"/>
-          </a:fontRef>
-        </p:style>
-        <p:txBody>
-          <a:bodyPr rtlCol="0" anchor="ctr"/>
-          <a:lstStyle/>
-          <a:p>
-            <a:pPr algn="ctr"/>
-            <a:r>
-              <a:rPr lang="zh-CN" altLang="en-US" sz="2000" b="1" dirty="0" smtClean="0"/>
-              <a:t>提取数据</a:t>
-            </a:r>
-            <a:endParaRPr lang="zh-CN" altLang="en-US" sz="2000" b="1" dirty="0"/>
-          </a:p>
-        </p:txBody>
-      </p:sp>
-      <p:sp>
-        <p:nvSpPr>
-          <p:cNvPr id="3" name="虚尾箭头 2"/>
-          <p:cNvSpPr/>
-          <p:nvPr/>
-        </p:nvSpPr>
-        <p:spPr>
-          <a:xfrm>
-            <a:off x="5380700" y="4565120"/>
-            <a:ext cx="794040" cy="629180"/>
-          </a:xfrm>
-          <a:prstGeom prst="stripedRightArrow">
-            <a:avLst/>
-          </a:prstGeom>
-          <a:ln>
-            <a:solidFill>
-              <a:srgbClr val="01BBAE"/>
-            </a:solidFill>
-          </a:ln>
-        </p:spPr>
-        <p:style>
-          <a:lnRef idx="1">
-            <a:schemeClr val="accent6"/>
-          </a:lnRef>
-          <a:fillRef idx="2">
-            <a:schemeClr val="accent6"/>
-          </a:fillRef>
-          <a:effectRef idx="1">
-            <a:schemeClr val="accent6"/>
-          </a:effectRef>
-          <a:fontRef idx="minor">
-            <a:schemeClr val="dk1"/>
-          </a:fontRef>
-        </p:style>
-        <p:txBody>
-          <a:bodyPr rtlCol="0" anchor="ctr"/>
-          <a:lstStyle/>
-          <a:p>
-            <a:pPr algn="ctr"/>
-            <a:endParaRPr lang="zh-CN" altLang="en-US"/>
-          </a:p>
-        </p:txBody>
-      </p:sp>
-      <p:sp>
-        <p:nvSpPr>
-          <p:cNvPr id="4" name="流程图: 过程 3"/>
-          <p:cNvSpPr/>
-          <p:nvPr/>
-        </p:nvSpPr>
-        <p:spPr>
-          <a:xfrm>
-            <a:off x="6203034" y="4450126"/>
-            <a:ext cx="1559205" cy="871174"/>
-          </a:xfrm>
-          <a:prstGeom prst="flowChartProcess">
-            <a:avLst/>
-          </a:prstGeom>
-          <a:solidFill>
-            <a:srgbClr val="01BBAE"/>
-          </a:solidFill>
-        </p:spPr>
-        <p:style>
-          <a:lnRef idx="1">
-            <a:schemeClr val="accent5"/>
-          </a:lnRef>
-          <a:fillRef idx="3">
-            <a:schemeClr val="accent5"/>
-          </a:fillRef>
-          <a:effectRef idx="2">
-            <a:schemeClr val="accent5"/>
-          </a:effectRef>
-          <a:fontRef idx="minor">
-            <a:schemeClr val="lt1"/>
-          </a:fontRef>
-        </p:style>
-        <p:txBody>
-          <a:bodyPr rtlCol="0" anchor="ctr"/>
-          <a:lstStyle/>
-          <a:p>
-            <a:pPr algn="ctr"/>
-            <a:r>
-              <a:rPr lang="zh-CN" altLang="en-US" sz="2000" b="1" dirty="0" smtClean="0"/>
-              <a:t>训练算法</a:t>
-            </a:r>
-            <a:endParaRPr lang="zh-CN" altLang="en-US" sz="2000" b="1" dirty="0"/>
-          </a:p>
-        </p:txBody>
-      </p:sp>
-      <p:sp>
-        <p:nvSpPr>
-          <p:cNvPr id="5" name="右箭头 4"/>
-          <p:cNvSpPr/>
-          <p:nvPr/>
-        </p:nvSpPr>
-        <p:spPr>
-          <a:xfrm>
-            <a:off x="7779804" y="4601418"/>
-            <a:ext cx="909536" cy="592882"/>
-          </a:xfrm>
-          <a:prstGeom prst="rightArrow">
-            <a:avLst/>
-          </a:prstGeom>
-          <a:solidFill>
-            <a:srgbClr val="01BBAE"/>
-          </a:solidFill>
-          <a:ln>
-            <a:solidFill>
-              <a:srgbClr val="01BBAE"/>
-            </a:solidFill>
-          </a:ln>
-        </p:spPr>
-        <p:style>
-          <a:lnRef idx="1">
-            <a:schemeClr val="accent5"/>
-          </a:lnRef>
-          <a:fillRef idx="2">
-            <a:schemeClr val="accent5"/>
-          </a:fillRef>
-          <a:effectRef idx="1">
-            <a:schemeClr val="accent5"/>
-          </a:effectRef>
-          <a:fontRef idx="minor">
-            <a:schemeClr val="dk1"/>
-          </a:fontRef>
-        </p:style>
-        <p:txBody>
-          <a:bodyPr rtlCol="0" anchor="ctr"/>
-          <a:lstStyle/>
-          <a:p>
-            <a:pPr algn="ctr"/>
-            <a:endParaRPr lang="zh-CN" altLang="en-US"/>
-          </a:p>
-        </p:txBody>
-      </p:sp>
-      <p:sp>
-        <p:nvSpPr>
-          <p:cNvPr id="6" name="圆角矩形 5"/>
-          <p:cNvSpPr/>
-          <p:nvPr/>
-        </p:nvSpPr>
-        <p:spPr>
-          <a:xfrm>
-            <a:off x="8705864" y="4462226"/>
-            <a:ext cx="1234819" cy="859073"/>
-          </a:xfrm>
-          <a:prstGeom prst="roundRect">
-            <a:avLst/>
-          </a:prstGeom>
-          <a:ln>
-            <a:solidFill>
-              <a:srgbClr val="01BBAE"/>
-            </a:solidFill>
-          </a:ln>
-        </p:spPr>
-        <p:style>
-          <a:lnRef idx="1">
-            <a:schemeClr val="accent6"/>
-          </a:lnRef>
-          <a:fillRef idx="2">
-            <a:schemeClr val="accent6"/>
-          </a:fillRef>
-          <a:effectRef idx="1">
-            <a:schemeClr val="accent6"/>
-          </a:effectRef>
-          <a:fontRef idx="minor">
-            <a:schemeClr val="dk1"/>
-          </a:fontRef>
-        </p:style>
-        <p:txBody>
-          <a:bodyPr rtlCol="0" anchor="ctr"/>
-          <a:lstStyle/>
-          <a:p>
-            <a:pPr algn="ctr"/>
-            <a:r>
-              <a:rPr lang="zh-CN" altLang="en-US" sz="2000" b="1" dirty="0" smtClean="0"/>
-              <a:t>结果</a:t>
-            </a:r>
-            <a:endParaRPr lang="zh-CN" altLang="en-US" sz="2000" b="1" dirty="0"/>
-          </a:p>
-        </p:txBody>
-      </p:sp>
-      <p:sp>
-        <p:nvSpPr>
-          <p:cNvPr id="7" name="下箭头标注 6"/>
-          <p:cNvSpPr/>
-          <p:nvPr/>
-        </p:nvSpPr>
-        <p:spPr>
-          <a:xfrm>
-            <a:off x="6190334" y="3391732"/>
-            <a:ext cx="1559205" cy="1040568"/>
-          </a:xfrm>
-          <a:prstGeom prst="downArrowCallout">
             <a:avLst/>
           </a:prstGeom>
           <a:ln>
@@ -39366,37 +38641,795 @@
           <a:p>
             <a:pPr algn="ctr"/>
             <a:r>
+              <a:rPr lang="en-US" altLang="zh-CN" dirty="0"/>
+              <a:t> </a:t>
+            </a:r>
+            <a:r>
+              <a:rPr lang="zh-CN" altLang="en-US" sz="2000" b="1" dirty="0"/>
+              <a:t>验证</a:t>
+            </a:r>
+            <a:r>
               <a:rPr lang="zh-CN" altLang="en-US" sz="2000" b="1" dirty="0" smtClean="0"/>
-              <a:t>设置参数</a:t>
+              <a:t>数据</a:t>
             </a:r>
             <a:endParaRPr lang="zh-CN" altLang="en-US" sz="2000" b="1" dirty="0"/>
           </a:p>
         </p:txBody>
       </p:sp>
-      <p:cxnSp>
-        <p:nvCxnSpPr>
-          <p:cNvPr id="10" name="肘形连接符 9"/>
-          <p:cNvCxnSpPr>
-            <a:stCxn id="6" idx="0"/>
-            <a:endCxn id="7" idx="3"/>
-          </p:cNvCxnSpPr>
+      <p:sp>
+        <p:nvSpPr>
+          <p:cNvPr id="12" name="流程图: 终止 11"/>
+          <p:cNvSpPr/>
           <p:nvPr/>
-        </p:nvCxnSpPr>
+        </p:nvSpPr>
         <p:spPr>
-          <a:xfrm rot="16200000" flipV="1">
-            <a:off x="8170193" y="3309144"/>
-            <a:ext cx="732429" cy="1573735"/>
+          <a:xfrm>
+            <a:off x="5759381" y="6175614"/>
+            <a:ext cx="2211856" cy="442250"/>
           </a:xfrm>
-          <a:prstGeom prst="bentConnector2">
+          <a:prstGeom prst="flowChartTerminator">
             <a:avLst/>
           </a:prstGeom>
-          <a:ln w="127000" cmpd="dbl">
+          <a:solidFill>
+            <a:srgbClr val="01BBAE"/>
+          </a:solidFill>
+          <a:ln>
+            <a:solidFill>
+              <a:srgbClr val="01DDCD"/>
+            </a:solidFill>
+          </a:ln>
+        </p:spPr>
+        <p:style>
+          <a:lnRef idx="2">
+            <a:schemeClr val="accent1">
+              <a:shade val="50000"/>
+            </a:schemeClr>
+          </a:lnRef>
+          <a:fillRef idx="1">
+            <a:schemeClr val="accent1"/>
+          </a:fillRef>
+          <a:effectRef idx="0">
+            <a:schemeClr val="accent1"/>
+          </a:effectRef>
+          <a:fontRef idx="minor">
+            <a:schemeClr val="lt1"/>
+          </a:fontRef>
+        </p:style>
+        <p:txBody>
+          <a:bodyPr rtlCol="0" anchor="ctr"/>
+          <a:lstStyle/>
+          <a:p>
+            <a:pPr algn="ctr"/>
+            <a:r>
+              <a:rPr lang="zh-CN" altLang="en-US" sz="2000" b="1" dirty="0"/>
+              <a:t>分类与测距结果</a:t>
+            </a:r>
+            <a:endParaRPr lang="zh-CN" altLang="en-US" sz="2000" dirty="0"/>
+          </a:p>
+        </p:txBody>
+      </p:sp>
+      <p:sp>
+        <p:nvSpPr>
+          <p:cNvPr id="18" name="流程图: 准备 17"/>
+          <p:cNvSpPr/>
+          <p:nvPr/>
+        </p:nvSpPr>
+        <p:spPr>
+          <a:xfrm>
+            <a:off x="3816533" y="2957270"/>
+            <a:ext cx="1275443" cy="959634"/>
+          </a:xfrm>
+          <a:prstGeom prst="flowChartPreparation">
+            <a:avLst/>
+          </a:prstGeom>
+          <a:ln>
+            <a:gradFill>
+              <a:gsLst>
+                <a:gs pos="0">
+                  <a:srgbClr val="01DDCD"/>
+                </a:gs>
+                <a:gs pos="97000">
+                  <a:schemeClr val="accent1">
+                    <a:lumMod val="45000"/>
+                    <a:lumOff val="55000"/>
+                  </a:schemeClr>
+                </a:gs>
+                <a:gs pos="87000">
+                  <a:schemeClr val="accent1">
+                    <a:lumMod val="45000"/>
+                    <a:lumOff val="55000"/>
+                  </a:schemeClr>
+                </a:gs>
+                <a:gs pos="100000">
+                  <a:schemeClr val="accent1">
+                    <a:lumMod val="30000"/>
+                    <a:lumOff val="70000"/>
+                  </a:schemeClr>
+                </a:gs>
+              </a:gsLst>
+              <a:lin ang="5400000" scaled="1"/>
+            </a:gradFill>
+          </a:ln>
+        </p:spPr>
+        <p:style>
+          <a:lnRef idx="2">
+            <a:schemeClr val="accent2">
+              <a:shade val="50000"/>
+            </a:schemeClr>
+          </a:lnRef>
+          <a:fillRef idx="1">
+            <a:schemeClr val="accent2"/>
+          </a:fillRef>
+          <a:effectRef idx="0">
+            <a:schemeClr val="accent2"/>
+          </a:effectRef>
+          <a:fontRef idx="minor">
+            <a:schemeClr val="lt1"/>
+          </a:fontRef>
+        </p:style>
+        <p:txBody>
+          <a:bodyPr rtlCol="0" anchor="ctr"/>
+          <a:lstStyle/>
+          <a:p>
+            <a:pPr algn="ctr"/>
+            <a:r>
+              <a:rPr lang="zh-CN" altLang="en-US" b="1" dirty="0" smtClean="0"/>
+              <a:t>机器学习算法</a:t>
+            </a:r>
+            <a:endParaRPr lang="zh-CN" altLang="en-US" b="1" dirty="0"/>
+          </a:p>
+        </p:txBody>
+      </p:sp>
+      <p:sp>
+        <p:nvSpPr>
+          <p:cNvPr id="51" name="流程图: 准备 50"/>
+          <p:cNvSpPr/>
+          <p:nvPr/>
+        </p:nvSpPr>
+        <p:spPr>
+          <a:xfrm>
+            <a:off x="8495245" y="2972510"/>
+            <a:ext cx="1275443" cy="959634"/>
+          </a:xfrm>
+          <a:prstGeom prst="flowChartPreparation">
+            <a:avLst/>
+          </a:prstGeom>
+          <a:ln>
             <a:solidFill>
               <a:srgbClr val="01BBAE"/>
             </a:solidFill>
-            <a:prstDash val="sysDash"/>
-            <a:headEnd type="oval" w="med" len="med"/>
-            <a:tailEnd type="stealth"/>
+          </a:ln>
+        </p:spPr>
+        <p:style>
+          <a:lnRef idx="1">
+            <a:schemeClr val="accent2"/>
+          </a:lnRef>
+          <a:fillRef idx="2">
+            <a:schemeClr val="accent2"/>
+          </a:fillRef>
+          <a:effectRef idx="1">
+            <a:schemeClr val="accent2"/>
+          </a:effectRef>
+          <a:fontRef idx="minor">
+            <a:schemeClr val="dk1"/>
+          </a:fontRef>
+        </p:style>
+        <p:txBody>
+          <a:bodyPr rtlCol="0" anchor="ctr"/>
+          <a:lstStyle/>
+          <a:p>
+            <a:pPr algn="ctr"/>
+            <a:r>
+              <a:rPr lang="zh-CN" altLang="en-US" b="1" dirty="0"/>
+              <a:t>机器学习算法</a:t>
+            </a:r>
+          </a:p>
+        </p:txBody>
+      </p:sp>
+      <p:sp>
+        <p:nvSpPr>
+          <p:cNvPr id="54" name="丁字箭头 53"/>
+          <p:cNvSpPr/>
+          <p:nvPr/>
+        </p:nvSpPr>
+        <p:spPr>
+          <a:xfrm>
+            <a:off x="4902044" y="3276579"/>
+            <a:ext cx="3720332" cy="1370528"/>
+          </a:xfrm>
+          <a:prstGeom prst="leftRightUpArrow">
+            <a:avLst>
+              <a:gd name="adj1" fmla="val 6218"/>
+              <a:gd name="adj2" fmla="val 8565"/>
+              <a:gd name="adj3" fmla="val 13261"/>
+            </a:avLst>
+          </a:prstGeom>
+          <a:solidFill>
+            <a:srgbClr val="01DDCD"/>
+          </a:solidFill>
+          <a:ln w="9525"/>
+        </p:spPr>
+        <p:style>
+          <a:lnRef idx="2">
+            <a:schemeClr val="accent1">
+              <a:shade val="50000"/>
+            </a:schemeClr>
+          </a:lnRef>
+          <a:fillRef idx="1">
+            <a:schemeClr val="accent1"/>
+          </a:fillRef>
+          <a:effectRef idx="0">
+            <a:schemeClr val="accent1"/>
+          </a:effectRef>
+          <a:fontRef idx="minor">
+            <a:schemeClr val="lt1"/>
+          </a:fontRef>
+        </p:style>
+        <p:txBody>
+          <a:bodyPr rtlCol="0" anchor="ctr"/>
+          <a:lstStyle/>
+          <a:p>
+            <a:pPr algn="ctr"/>
+            <a:endParaRPr lang="zh-CN" altLang="en-US"/>
+          </a:p>
+        </p:txBody>
+      </p:sp>
+      <p:sp>
+        <p:nvSpPr>
+          <p:cNvPr id="55" name="下弧形箭头 54"/>
+          <p:cNvSpPr/>
+          <p:nvPr/>
+        </p:nvSpPr>
+        <p:spPr>
+          <a:xfrm>
+            <a:off x="7172166" y="3833894"/>
+            <a:ext cx="913961" cy="501914"/>
+          </a:xfrm>
+          <a:prstGeom prst="curvedUpArrow">
+            <a:avLst>
+              <a:gd name="adj1" fmla="val 25000"/>
+              <a:gd name="adj2" fmla="val 50000"/>
+              <a:gd name="adj3" fmla="val 44724"/>
+            </a:avLst>
+          </a:prstGeom>
+          <a:solidFill>
+            <a:srgbClr val="01DDCD"/>
+          </a:solidFill>
+        </p:spPr>
+        <p:style>
+          <a:lnRef idx="2">
+            <a:schemeClr val="accent1">
+              <a:shade val="50000"/>
+            </a:schemeClr>
+          </a:lnRef>
+          <a:fillRef idx="1">
+            <a:schemeClr val="accent1"/>
+          </a:fillRef>
+          <a:effectRef idx="0">
+            <a:schemeClr val="accent1"/>
+          </a:effectRef>
+          <a:fontRef idx="minor">
+            <a:schemeClr val="lt1"/>
+          </a:fontRef>
+        </p:style>
+        <p:txBody>
+          <a:bodyPr rtlCol="0" anchor="ctr"/>
+          <a:lstStyle/>
+          <a:p>
+            <a:pPr algn="ctr"/>
+            <a:endParaRPr lang="zh-CN" altLang="en-US">
+              <a:solidFill>
+                <a:schemeClr val="tx1"/>
+              </a:solidFill>
+            </a:endParaRPr>
+          </a:p>
+        </p:txBody>
+      </p:sp>
+      <p:sp>
+        <p:nvSpPr>
+          <p:cNvPr id="59" name="下弧形箭头 58"/>
+          <p:cNvSpPr/>
+          <p:nvPr/>
+        </p:nvSpPr>
+        <p:spPr>
+          <a:xfrm rot="10800000">
+            <a:off x="7056108" y="3310843"/>
+            <a:ext cx="964879" cy="501914"/>
+          </a:xfrm>
+          <a:prstGeom prst="curvedUpArrow">
+            <a:avLst>
+              <a:gd name="adj1" fmla="val 25000"/>
+              <a:gd name="adj2" fmla="val 59941"/>
+              <a:gd name="adj3" fmla="val 48012"/>
+            </a:avLst>
+          </a:prstGeom>
+          <a:solidFill>
+            <a:srgbClr val="01DDCD"/>
+          </a:solidFill>
+        </p:spPr>
+        <p:style>
+          <a:lnRef idx="2">
+            <a:schemeClr val="accent1">
+              <a:shade val="50000"/>
+            </a:schemeClr>
+          </a:lnRef>
+          <a:fillRef idx="1">
+            <a:schemeClr val="accent1"/>
+          </a:fillRef>
+          <a:effectRef idx="0">
+            <a:schemeClr val="accent1"/>
+          </a:effectRef>
+          <a:fontRef idx="minor">
+            <a:schemeClr val="lt1"/>
+          </a:fontRef>
+        </p:style>
+        <p:txBody>
+          <a:bodyPr rtlCol="0" anchor="ctr"/>
+          <a:lstStyle/>
+          <a:p>
+            <a:pPr algn="ctr"/>
+            <a:endParaRPr lang="zh-CN" altLang="en-US">
+              <a:solidFill>
+                <a:schemeClr val="tx1"/>
+              </a:solidFill>
+            </a:endParaRPr>
+          </a:p>
+        </p:txBody>
+      </p:sp>
+      <p:sp>
+        <p:nvSpPr>
+          <p:cNvPr id="57" name="文本框 56"/>
+          <p:cNvSpPr txBox="1"/>
+          <p:nvPr/>
+        </p:nvSpPr>
+        <p:spPr>
+          <a:xfrm>
+            <a:off x="8040296" y="3805319"/>
+            <a:ext cx="649537" cy="646331"/>
+          </a:xfrm>
+          <a:prstGeom prst="rect">
+            <a:avLst/>
+          </a:prstGeom>
+          <a:noFill/>
+        </p:spPr>
+        <p:txBody>
+          <a:bodyPr wrap="none" rtlCol="0">
+            <a:spAutoFit/>
+          </a:bodyPr>
+          <a:lstStyle/>
+          <a:p>
+            <a:r>
+              <a:rPr lang="zh-CN" altLang="en-US" b="1" dirty="0" smtClean="0">
+                <a:latin typeface="黑体" panose="02010609060101010101" pitchFamily="49" charset="-122"/>
+                <a:ea typeface="黑体" panose="02010609060101010101" pitchFamily="49" charset="-122"/>
+              </a:rPr>
+              <a:t>模型</a:t>
+            </a:r>
+            <a:endParaRPr lang="en-US" altLang="zh-CN" b="1" dirty="0" smtClean="0">
+              <a:latin typeface="黑体" panose="02010609060101010101" pitchFamily="49" charset="-122"/>
+              <a:ea typeface="黑体" panose="02010609060101010101" pitchFamily="49" charset="-122"/>
+            </a:endParaRPr>
+          </a:p>
+          <a:p>
+            <a:r>
+              <a:rPr lang="zh-CN" altLang="en-US" b="1" dirty="0" smtClean="0">
+                <a:latin typeface="黑体" panose="02010609060101010101" pitchFamily="49" charset="-122"/>
+                <a:ea typeface="黑体" panose="02010609060101010101" pitchFamily="49" charset="-122"/>
+              </a:rPr>
+              <a:t>评估</a:t>
+            </a:r>
+            <a:endParaRPr lang="zh-CN" altLang="en-US" b="1" dirty="0">
+              <a:latin typeface="黑体" panose="02010609060101010101" pitchFamily="49" charset="-122"/>
+              <a:ea typeface="黑体" panose="02010609060101010101" pitchFamily="49" charset="-122"/>
+            </a:endParaRPr>
+          </a:p>
+        </p:txBody>
+      </p:sp>
+      <p:sp>
+        <p:nvSpPr>
+          <p:cNvPr id="58" name="矩形 57"/>
+          <p:cNvSpPr/>
+          <p:nvPr/>
+        </p:nvSpPr>
+        <p:spPr>
+          <a:xfrm>
+            <a:off x="7931736" y="3246578"/>
+            <a:ext cx="649537" cy="369332"/>
+          </a:xfrm>
+          <a:prstGeom prst="rect">
+            <a:avLst/>
+          </a:prstGeom>
+        </p:spPr>
+        <p:txBody>
+          <a:bodyPr wrap="none">
+            <a:spAutoFit/>
+          </a:bodyPr>
+          <a:lstStyle/>
+          <a:p>
+            <a:r>
+              <a:rPr lang="zh-CN" altLang="en-US" b="1" dirty="0">
+                <a:latin typeface="黑体" panose="02010609060101010101" pitchFamily="49" charset="-122"/>
+                <a:ea typeface="黑体" panose="02010609060101010101" pitchFamily="49" charset="-122"/>
+              </a:rPr>
+              <a:t>训练</a:t>
+            </a:r>
+            <a:endParaRPr lang="en-US" altLang="zh-CN" b="1" dirty="0">
+              <a:latin typeface="黑体" panose="02010609060101010101" pitchFamily="49" charset="-122"/>
+              <a:ea typeface="黑体" panose="02010609060101010101" pitchFamily="49" charset="-122"/>
+            </a:endParaRPr>
+          </a:p>
+        </p:txBody>
+      </p:sp>
+      <p:sp>
+        <p:nvSpPr>
+          <p:cNvPr id="60" name="矩形 59"/>
+          <p:cNvSpPr/>
+          <p:nvPr/>
+        </p:nvSpPr>
+        <p:spPr>
+          <a:xfrm>
+            <a:off x="7280092" y="3487152"/>
+            <a:ext cx="649537" cy="646331"/>
+          </a:xfrm>
+          <a:prstGeom prst="rect">
+            <a:avLst/>
+          </a:prstGeom>
+        </p:spPr>
+        <p:txBody>
+          <a:bodyPr wrap="none">
+            <a:spAutoFit/>
+          </a:bodyPr>
+          <a:lstStyle/>
+          <a:p>
+            <a:r>
+              <a:rPr lang="zh-CN" altLang="en-US" b="1" dirty="0" smtClean="0">
+                <a:latin typeface="黑体" panose="02010609060101010101" pitchFamily="49" charset="-122"/>
+                <a:ea typeface="黑体" panose="02010609060101010101" pitchFamily="49" charset="-122"/>
+              </a:rPr>
+              <a:t>参数</a:t>
+            </a:r>
+            <a:endParaRPr lang="en-US" altLang="zh-CN" b="1" dirty="0" smtClean="0">
+              <a:latin typeface="黑体" panose="02010609060101010101" pitchFamily="49" charset="-122"/>
+              <a:ea typeface="黑体" panose="02010609060101010101" pitchFamily="49" charset="-122"/>
+            </a:endParaRPr>
+          </a:p>
+          <a:p>
+            <a:r>
+              <a:rPr lang="zh-CN" altLang="en-US" b="1" dirty="0" smtClean="0">
+                <a:latin typeface="黑体" panose="02010609060101010101" pitchFamily="49" charset="-122"/>
+                <a:ea typeface="黑体" panose="02010609060101010101" pitchFamily="49" charset="-122"/>
+              </a:rPr>
+              <a:t>调</a:t>
+            </a:r>
+            <a:r>
+              <a:rPr lang="zh-CN" altLang="en-US" b="1" dirty="0">
+                <a:latin typeface="黑体" panose="02010609060101010101" pitchFamily="49" charset="-122"/>
+                <a:ea typeface="黑体" panose="02010609060101010101" pitchFamily="49" charset="-122"/>
+              </a:rPr>
+              <a:t>优</a:t>
+            </a:r>
+            <a:endParaRPr lang="en-US" altLang="zh-CN" b="1" dirty="0">
+              <a:latin typeface="黑体" panose="02010609060101010101" pitchFamily="49" charset="-122"/>
+              <a:ea typeface="黑体" panose="02010609060101010101" pitchFamily="49" charset="-122"/>
+            </a:endParaRPr>
+          </a:p>
+        </p:txBody>
+      </p:sp>
+      <p:sp>
+        <p:nvSpPr>
+          <p:cNvPr id="62" name="矩形 61"/>
+          <p:cNvSpPr/>
+          <p:nvPr/>
+        </p:nvSpPr>
+        <p:spPr>
+          <a:xfrm>
+            <a:off x="4993991" y="3244334"/>
+            <a:ext cx="649537" cy="369332"/>
+          </a:xfrm>
+          <a:prstGeom prst="rect">
+            <a:avLst/>
+          </a:prstGeom>
+        </p:spPr>
+        <p:txBody>
+          <a:bodyPr wrap="none">
+            <a:spAutoFit/>
+          </a:bodyPr>
+          <a:lstStyle/>
+          <a:p>
+            <a:r>
+              <a:rPr lang="zh-CN" altLang="en-US" b="1" dirty="0">
+                <a:latin typeface="黑体" panose="02010609060101010101" pitchFamily="49" charset="-122"/>
+                <a:ea typeface="黑体" panose="02010609060101010101" pitchFamily="49" charset="-122"/>
+              </a:rPr>
+              <a:t>训练</a:t>
+            </a:r>
+            <a:endParaRPr lang="en-US" altLang="zh-CN" b="1" dirty="0">
+              <a:latin typeface="黑体" panose="02010609060101010101" pitchFamily="49" charset="-122"/>
+              <a:ea typeface="黑体" panose="02010609060101010101" pitchFamily="49" charset="-122"/>
+            </a:endParaRPr>
+          </a:p>
+        </p:txBody>
+      </p:sp>
+      <p:sp>
+        <p:nvSpPr>
+          <p:cNvPr id="63" name="矩形 62"/>
+          <p:cNvSpPr/>
+          <p:nvPr/>
+        </p:nvSpPr>
+        <p:spPr>
+          <a:xfrm>
+            <a:off x="4908600" y="3805319"/>
+            <a:ext cx="693388" cy="646331"/>
+          </a:xfrm>
+          <a:prstGeom prst="rect">
+            <a:avLst/>
+          </a:prstGeom>
+        </p:spPr>
+        <p:txBody>
+          <a:bodyPr wrap="square">
+            <a:spAutoFit/>
+          </a:bodyPr>
+          <a:lstStyle/>
+          <a:p>
+            <a:r>
+              <a:rPr lang="zh-CN" altLang="en-US" b="1" dirty="0">
+                <a:latin typeface="黑体" panose="02010609060101010101" pitchFamily="49" charset="-122"/>
+                <a:ea typeface="黑体" panose="02010609060101010101" pitchFamily="49" charset="-122"/>
+              </a:rPr>
+              <a:t>模型</a:t>
+            </a:r>
+            <a:endParaRPr lang="en-US" altLang="zh-CN" b="1" dirty="0">
+              <a:latin typeface="黑体" panose="02010609060101010101" pitchFamily="49" charset="-122"/>
+              <a:ea typeface="黑体" panose="02010609060101010101" pitchFamily="49" charset="-122"/>
+            </a:endParaRPr>
+          </a:p>
+          <a:p>
+            <a:r>
+              <a:rPr lang="zh-CN" altLang="en-US" b="1" dirty="0">
+                <a:latin typeface="黑体" panose="02010609060101010101" pitchFamily="49" charset="-122"/>
+                <a:ea typeface="黑体" panose="02010609060101010101" pitchFamily="49" charset="-122"/>
+              </a:rPr>
+              <a:t>评估</a:t>
+            </a:r>
+          </a:p>
+        </p:txBody>
+      </p:sp>
+      <p:sp>
+        <p:nvSpPr>
+          <p:cNvPr id="66" name="下弧形箭头 65"/>
+          <p:cNvSpPr/>
+          <p:nvPr/>
+        </p:nvSpPr>
+        <p:spPr>
+          <a:xfrm>
+            <a:off x="5678646" y="3864374"/>
+            <a:ext cx="913961" cy="501914"/>
+          </a:xfrm>
+          <a:prstGeom prst="curvedUpArrow">
+            <a:avLst>
+              <a:gd name="adj1" fmla="val 25000"/>
+              <a:gd name="adj2" fmla="val 50000"/>
+              <a:gd name="adj3" fmla="val 44724"/>
+            </a:avLst>
+          </a:prstGeom>
+          <a:solidFill>
+            <a:srgbClr val="01DDCD"/>
+          </a:solidFill>
+        </p:spPr>
+        <p:style>
+          <a:lnRef idx="2">
+            <a:schemeClr val="accent1">
+              <a:shade val="50000"/>
+            </a:schemeClr>
+          </a:lnRef>
+          <a:fillRef idx="1">
+            <a:schemeClr val="accent1"/>
+          </a:fillRef>
+          <a:effectRef idx="0">
+            <a:schemeClr val="accent1"/>
+          </a:effectRef>
+          <a:fontRef idx="minor">
+            <a:schemeClr val="lt1"/>
+          </a:fontRef>
+        </p:style>
+        <p:txBody>
+          <a:bodyPr rtlCol="0" anchor="ctr"/>
+          <a:lstStyle/>
+          <a:p>
+            <a:pPr algn="ctr"/>
+            <a:endParaRPr lang="zh-CN" altLang="en-US">
+              <a:solidFill>
+                <a:schemeClr val="tx1"/>
+              </a:solidFill>
+            </a:endParaRPr>
+          </a:p>
+        </p:txBody>
+      </p:sp>
+      <p:sp>
+        <p:nvSpPr>
+          <p:cNvPr id="67" name="下弧形箭头 66"/>
+          <p:cNvSpPr/>
+          <p:nvPr/>
+        </p:nvSpPr>
+        <p:spPr>
+          <a:xfrm rot="10800000">
+            <a:off x="5562588" y="3341323"/>
+            <a:ext cx="964879" cy="501914"/>
+          </a:xfrm>
+          <a:prstGeom prst="curvedUpArrow">
+            <a:avLst>
+              <a:gd name="adj1" fmla="val 25000"/>
+              <a:gd name="adj2" fmla="val 59941"/>
+              <a:gd name="adj3" fmla="val 48012"/>
+            </a:avLst>
+          </a:prstGeom>
+          <a:solidFill>
+            <a:srgbClr val="01DDCD"/>
+          </a:solidFill>
+        </p:spPr>
+        <p:style>
+          <a:lnRef idx="2">
+            <a:schemeClr val="accent1">
+              <a:shade val="50000"/>
+            </a:schemeClr>
+          </a:lnRef>
+          <a:fillRef idx="1">
+            <a:schemeClr val="accent1"/>
+          </a:fillRef>
+          <a:effectRef idx="0">
+            <a:schemeClr val="accent1"/>
+          </a:effectRef>
+          <a:fontRef idx="minor">
+            <a:schemeClr val="lt1"/>
+          </a:fontRef>
+        </p:style>
+        <p:txBody>
+          <a:bodyPr rtlCol="0" anchor="ctr"/>
+          <a:lstStyle/>
+          <a:p>
+            <a:pPr algn="ctr"/>
+            <a:endParaRPr lang="zh-CN" altLang="en-US">
+              <a:solidFill>
+                <a:schemeClr val="tx1"/>
+              </a:solidFill>
+            </a:endParaRPr>
+          </a:p>
+        </p:txBody>
+      </p:sp>
+      <p:sp>
+        <p:nvSpPr>
+          <p:cNvPr id="68" name="矩形 67"/>
+          <p:cNvSpPr/>
+          <p:nvPr/>
+        </p:nvSpPr>
+        <p:spPr>
+          <a:xfrm>
+            <a:off x="5786572" y="3517632"/>
+            <a:ext cx="649537" cy="646331"/>
+          </a:xfrm>
+          <a:prstGeom prst="rect">
+            <a:avLst/>
+          </a:prstGeom>
+        </p:spPr>
+        <p:txBody>
+          <a:bodyPr wrap="none">
+            <a:spAutoFit/>
+          </a:bodyPr>
+          <a:lstStyle/>
+          <a:p>
+            <a:r>
+              <a:rPr lang="zh-CN" altLang="en-US" b="1" dirty="0" smtClean="0">
+                <a:latin typeface="黑体" panose="02010609060101010101" pitchFamily="49" charset="-122"/>
+                <a:ea typeface="黑体" panose="02010609060101010101" pitchFamily="49" charset="-122"/>
+              </a:rPr>
+              <a:t>参数</a:t>
+            </a:r>
+            <a:endParaRPr lang="en-US" altLang="zh-CN" b="1" dirty="0" smtClean="0">
+              <a:latin typeface="黑体" panose="02010609060101010101" pitchFamily="49" charset="-122"/>
+              <a:ea typeface="黑体" panose="02010609060101010101" pitchFamily="49" charset="-122"/>
+            </a:endParaRPr>
+          </a:p>
+          <a:p>
+            <a:r>
+              <a:rPr lang="zh-CN" altLang="en-US" b="1" dirty="0" smtClean="0">
+                <a:latin typeface="黑体" panose="02010609060101010101" pitchFamily="49" charset="-122"/>
+                <a:ea typeface="黑体" panose="02010609060101010101" pitchFamily="49" charset="-122"/>
+              </a:rPr>
+              <a:t>调</a:t>
+            </a:r>
+            <a:r>
+              <a:rPr lang="zh-CN" altLang="en-US" b="1" dirty="0">
+                <a:latin typeface="黑体" panose="02010609060101010101" pitchFamily="49" charset="-122"/>
+                <a:ea typeface="黑体" panose="02010609060101010101" pitchFamily="49" charset="-122"/>
+              </a:rPr>
+              <a:t>优</a:t>
+            </a:r>
+            <a:endParaRPr lang="en-US" altLang="zh-CN" b="1" dirty="0">
+              <a:latin typeface="黑体" panose="02010609060101010101" pitchFamily="49" charset="-122"/>
+              <a:ea typeface="黑体" panose="02010609060101010101" pitchFamily="49" charset="-122"/>
+            </a:endParaRPr>
+          </a:p>
+        </p:txBody>
+      </p:sp>
+      <p:sp>
+        <p:nvSpPr>
+          <p:cNvPr id="65" name="矩形 64"/>
+          <p:cNvSpPr/>
+          <p:nvPr/>
+        </p:nvSpPr>
+        <p:spPr>
+          <a:xfrm>
+            <a:off x="10473954" y="3377913"/>
+            <a:ext cx="1395212" cy="1172629"/>
+          </a:xfrm>
+          <a:prstGeom prst="rect">
+            <a:avLst/>
+          </a:prstGeom>
+        </p:spPr>
+        <p:txBody>
+          <a:bodyPr wrap="square">
+            <a:spAutoFit/>
+          </a:bodyPr>
+          <a:lstStyle/>
+          <a:p>
+            <a:pPr lvl="0" algn="just">
+              <a:lnSpc>
+                <a:spcPct val="130000"/>
+              </a:lnSpc>
+            </a:pPr>
+            <a:r>
+              <a:rPr lang="zh-CN" altLang="en-US" b="1" dirty="0">
+                <a:latin typeface="微软雅黑" pitchFamily="2" charset="-122"/>
+                <a:ea typeface="微软雅黑" pitchFamily="2" charset="-122"/>
+              </a:rPr>
+              <a:t>保存</a:t>
+            </a:r>
+            <a:r>
+              <a:rPr lang="zh-CN" altLang="en-US" b="1" dirty="0" smtClean="0">
+                <a:latin typeface="微软雅黑" pitchFamily="2" charset="-122"/>
+                <a:ea typeface="微软雅黑" pitchFamily="2" charset="-122"/>
+              </a:rPr>
+              <a:t>模型并嵌入</a:t>
+            </a:r>
+            <a:r>
+              <a:rPr lang="en-US" altLang="zh-CN" b="1" dirty="0" smtClean="0">
+                <a:latin typeface="微软雅黑" pitchFamily="2" charset="-122"/>
+                <a:ea typeface="微软雅黑" pitchFamily="2" charset="-122"/>
+              </a:rPr>
+              <a:t>web</a:t>
+            </a:r>
+            <a:r>
+              <a:rPr lang="zh-CN" altLang="en-US" b="1" dirty="0" smtClean="0">
+                <a:latin typeface="微软雅黑" pitchFamily="2" charset="-122"/>
+                <a:ea typeface="微软雅黑" pitchFamily="2" charset="-122"/>
+              </a:rPr>
+              <a:t>应用中</a:t>
+            </a:r>
+            <a:endParaRPr lang="en-US" altLang="x-none" sz="1600" b="1" dirty="0">
+              <a:latin typeface="微软雅黑" pitchFamily="2" charset="-122"/>
+              <a:ea typeface="微软雅黑" pitchFamily="2" charset="-122"/>
+            </a:endParaRPr>
+          </a:p>
+        </p:txBody>
+      </p:sp>
+      <p:sp>
+        <p:nvSpPr>
+          <p:cNvPr id="69" name="右大括号 68"/>
+          <p:cNvSpPr/>
+          <p:nvPr/>
+        </p:nvSpPr>
+        <p:spPr>
+          <a:xfrm>
+            <a:off x="9908044" y="2620490"/>
+            <a:ext cx="502920" cy="2439282"/>
+          </a:xfrm>
+          <a:prstGeom prst="rightBrace">
+            <a:avLst/>
+          </a:prstGeom>
+          <a:ln w="50800">
+            <a:solidFill>
+              <a:srgbClr val="01BBAE"/>
+            </a:solidFill>
           </a:ln>
         </p:spPr>
         <p:style>
@@ -39413,161 +39446,19 @@
             <a:schemeClr val="tx1"/>
           </a:fontRef>
         </p:style>
-      </p:cxnSp>
-      <p:sp>
-        <p:nvSpPr>
-          <p:cNvPr id="11" name="云形标注 10"/>
-          <p:cNvSpPr/>
-          <p:nvPr/>
-        </p:nvSpPr>
-        <p:spPr>
-          <a:xfrm>
-            <a:off x="2514601" y="1447800"/>
-            <a:ext cx="3863340" cy="2281996"/>
-          </a:xfrm>
-          <a:prstGeom prst="cloudCallout">
-            <a:avLst>
-              <a:gd name="adj1" fmla="val 42807"/>
-              <a:gd name="adj2" fmla="val 47946"/>
-            </a:avLst>
-          </a:prstGeom>
-          <a:solidFill>
-            <a:schemeClr val="accent3"/>
-          </a:solidFill>
-          <a:ln>
-            <a:solidFill>
-              <a:srgbClr val="01BBAE"/>
-            </a:solidFill>
-          </a:ln>
-        </p:spPr>
-        <p:style>
-          <a:lnRef idx="1">
-            <a:schemeClr val="accent5"/>
-          </a:lnRef>
-          <a:fillRef idx="2">
-            <a:schemeClr val="accent5"/>
-          </a:fillRef>
-          <a:effectRef idx="1">
-            <a:schemeClr val="accent5"/>
-          </a:effectRef>
-          <a:fontRef idx="minor">
-            <a:schemeClr val="dk1"/>
-          </a:fontRef>
-        </p:style>
         <p:txBody>
           <a:bodyPr rtlCol="0" anchor="ctr"/>
           <a:lstStyle/>
           <a:p>
             <a:pPr algn="ctr"/>
-            <a:endParaRPr lang="en-US" altLang="zh-CN" sz="2000" b="1" dirty="0" smtClean="0"/>
-          </a:p>
-          <a:p>
-            <a:pPr algn="ctr"/>
-            <a:r>
-              <a:rPr lang="en-US" altLang="zh-CN" sz="2000" b="1" dirty="0" smtClean="0"/>
-              <a:t>1</a:t>
-            </a:r>
-            <a:r>
-              <a:rPr lang="zh-CN" altLang="en-US" sz="2000" b="1" dirty="0" smtClean="0"/>
-              <a:t>、初始条件设置</a:t>
-            </a:r>
-            <a:endParaRPr lang="en-US" altLang="zh-CN" sz="2000" b="1" dirty="0" smtClean="0"/>
-          </a:p>
-          <a:p>
-            <a:pPr algn="ctr"/>
-            <a:r>
-              <a:rPr lang="en-US" altLang="zh-CN" sz="2000" b="1" dirty="0" smtClean="0"/>
-              <a:t>2</a:t>
-            </a:r>
-            <a:r>
-              <a:rPr lang="zh-CN" altLang="en-US" sz="2000" b="1" dirty="0" smtClean="0"/>
-              <a:t>、激活函数选择</a:t>
-            </a:r>
-            <a:endParaRPr lang="en-US" altLang="zh-CN" sz="2000" b="1" dirty="0" smtClean="0"/>
-          </a:p>
-          <a:p>
-            <a:pPr algn="ctr"/>
-            <a:r>
-              <a:rPr lang="en-US" altLang="zh-CN" sz="2000" b="1" dirty="0" smtClean="0"/>
-              <a:t>3</a:t>
-            </a:r>
-            <a:r>
-              <a:rPr lang="zh-CN" altLang="en-US" sz="2000" b="1" dirty="0" smtClean="0"/>
-              <a:t>、损失函数定义</a:t>
-            </a:r>
-            <a:endParaRPr lang="en-US" altLang="zh-CN" sz="2000" b="1" dirty="0" smtClean="0"/>
-          </a:p>
-          <a:p>
-            <a:pPr algn="ctr"/>
-            <a:r>
-              <a:rPr lang="en-US" altLang="zh-CN" sz="2000" b="1" dirty="0" smtClean="0"/>
-              <a:t>4</a:t>
-            </a:r>
-            <a:r>
-              <a:rPr lang="zh-CN" altLang="en-US" sz="2000" b="1" dirty="0" smtClean="0"/>
-              <a:t>、优化算法设定</a:t>
-            </a:r>
-            <a:endParaRPr lang="en-US" altLang="zh-CN" sz="2000" b="1" dirty="0" smtClean="0"/>
-          </a:p>
-          <a:p>
-            <a:pPr algn="ctr"/>
-            <a:r>
-              <a:rPr lang="en-US" altLang="zh-CN" sz="2000" b="1" dirty="0" smtClean="0"/>
-              <a:t>……</a:t>
-            </a:r>
-          </a:p>
-        </p:txBody>
-      </p:sp>
-      <p:sp>
-        <p:nvSpPr>
-          <p:cNvPr id="12" name="矩形 11"/>
-          <p:cNvSpPr/>
-          <p:nvPr/>
-        </p:nvSpPr>
-        <p:spPr>
-          <a:xfrm>
-            <a:off x="4531807" y="6048158"/>
-            <a:ext cx="4801314" cy="369332"/>
-          </a:xfrm>
-          <a:prstGeom prst="rect">
-            <a:avLst/>
-          </a:prstGeom>
-        </p:spPr>
-        <p:txBody>
-          <a:bodyPr wrap="none">
-            <a:spAutoFit/>
-          </a:bodyPr>
-          <a:lstStyle/>
-          <a:p>
-            <a:r>
-              <a:rPr lang="zh-CN" altLang="en-US" b="1" dirty="0" smtClean="0">
-                <a:latin typeface="微软雅黑" pitchFamily="2" charset="-122"/>
-                <a:ea typeface="微软雅黑" pitchFamily="2" charset="-122"/>
-              </a:rPr>
-              <a:t>机器学习算法</a:t>
-            </a:r>
-            <a:r>
-              <a:rPr lang="zh-CN" altLang="en-US" b="1" dirty="0">
-                <a:latin typeface="微软雅黑" pitchFamily="2" charset="-122"/>
-                <a:ea typeface="微软雅黑" pitchFamily="2" charset="-122"/>
-              </a:rPr>
-              <a:t>的参数设置与模型</a:t>
-            </a:r>
-            <a:r>
-              <a:rPr lang="zh-CN" altLang="en-US" b="1" dirty="0" smtClean="0">
-                <a:latin typeface="微软雅黑" pitchFamily="2" charset="-122"/>
-                <a:ea typeface="微软雅黑" pitchFamily="2" charset="-122"/>
-              </a:rPr>
-              <a:t>训练的流程图</a:t>
-            </a:r>
-            <a:endParaRPr lang="zh-CN" altLang="en-US" dirty="0"/>
+            <a:endParaRPr lang="zh-CN" altLang="en-US"/>
           </a:p>
         </p:txBody>
       </p:sp>
     </p:spTree>
     <p:extLst>
       <p:ext uri="{BB962C8B-B14F-4D97-AF65-F5344CB8AC3E}">
-        <p14:creationId xmlns:p14="http://schemas.microsoft.com/office/powerpoint/2010/main" val="956168051"/>
+        <p14:creationId xmlns:p14="http://schemas.microsoft.com/office/powerpoint/2010/main" val="3001861906"/>
       </p:ext>
     </p:extLst>
   </p:cSld>
@@ -39584,7 +39475,7 @@
 </p:sld>
 </file>
 
-<file path=ppt/slides/slide8.xml><?xml version="1.0" encoding="utf-8"?>
+<file path=ppt/slides/slide7.xml><?xml version="1.0" encoding="utf-8"?>
 <p:sld xmlns:a="http://schemas.openxmlformats.org/drawingml/2006/main" xmlns:r="http://schemas.openxmlformats.org/officeDocument/2006/relationships" xmlns:p="http://schemas.openxmlformats.org/presentationml/2006/main">
   <p:cSld>
     <p:spTree>
@@ -40446,28 +40337,7 @@
                 <a:latin typeface="微软雅黑" pitchFamily="2" charset="-122"/>
                 <a:ea typeface="微软雅黑" pitchFamily="2" charset="-122"/>
               </a:rPr>
-              <a:t>、</a:t>
-            </a:r>
-            <a:r>
-              <a:rPr lang="zh-CN" altLang="en-US" sz="1600" b="1" dirty="0" smtClean="0">
-                <a:latin typeface="微软雅黑" pitchFamily="2" charset="-122"/>
-                <a:ea typeface="微软雅黑" pitchFamily="2" charset="-122"/>
-              </a:rPr>
-              <a:t>定位精度</a:t>
-            </a:r>
-            <a:r>
-              <a:rPr lang="zh-CN" altLang="en-US" sz="1600" b="1" dirty="0" smtClean="0">
-                <a:latin typeface="微软雅黑" pitchFamily="2" charset="-122"/>
-                <a:ea typeface="微软雅黑" pitchFamily="2" charset="-122"/>
-              </a:rPr>
-              <a:t>达标</a:t>
-            </a:r>
-            <a:r>
-              <a:rPr lang="zh-CN" altLang="en-US" sz="1600" b="1" dirty="0" smtClean="0">
-                <a:latin typeface="微软雅黑" pitchFamily="2" charset="-122"/>
-                <a:ea typeface="微软雅黑" pitchFamily="2" charset="-122"/>
-              </a:rPr>
-              <a:t>。</a:t>
+              <a:t>、定位精度达标。</a:t>
             </a:r>
           </a:p>
           <a:p>
@@ -40589,18 +40459,32 @@
               <a:t>、</a:t>
             </a:r>
             <a:r>
-              <a:rPr lang="zh-CN" altLang="zh-CN" sz="1600" b="1" dirty="0">
+              <a:rPr lang="zh-CN" altLang="en-US" sz="1600" b="1" dirty="0" smtClean="0">
                 <a:latin typeface="微软雅黑" pitchFamily="2" charset="-122"/>
                 <a:ea typeface="微软雅黑" pitchFamily="2" charset="-122"/>
               </a:rPr>
-              <a:t>提出的新方法能在软件层面上</a:t>
+              <a:t>将此新方法的模型嵌入到</a:t>
+            </a:r>
+            <a:r>
+              <a:rPr lang="en-US" altLang="zh-CN" sz="1600" b="1" dirty="0" smtClean="0">
+                <a:latin typeface="微软雅黑" pitchFamily="2" charset="-122"/>
+                <a:ea typeface="微软雅黑" pitchFamily="2" charset="-122"/>
+              </a:rPr>
+              <a:t>web</a:t>
+            </a:r>
+            <a:r>
+              <a:rPr lang="zh-CN" altLang="en-US" sz="1600" b="1" dirty="0" smtClean="0">
+                <a:latin typeface="微软雅黑" pitchFamily="2" charset="-122"/>
+                <a:ea typeface="微软雅黑" pitchFamily="2" charset="-122"/>
+              </a:rPr>
+              <a:t>应用中</a:t>
             </a:r>
             <a:r>
               <a:rPr lang="zh-CN" altLang="zh-CN" sz="1600" b="1" dirty="0" smtClean="0">
                 <a:latin typeface="微软雅黑" pitchFamily="2" charset="-122"/>
                 <a:ea typeface="微软雅黑" pitchFamily="2" charset="-122"/>
               </a:rPr>
-              <a:t>实现。</a:t>
+              <a:t>。</a:t>
             </a:r>
             <a:endParaRPr lang="en-US" altLang="zh-CN" sz="1600" b="1" dirty="0" smtClean="0">
               <a:latin typeface="微软雅黑" pitchFamily="2" charset="-122"/>
@@ -40624,7 +40508,7 @@
 </p:sld>
 </file>
 
-<file path=ppt/slides/slide9.xml><?xml version="1.0" encoding="utf-8"?>
+<file path=ppt/slides/slide8.xml><?xml version="1.0" encoding="utf-8"?>
 <p:sld xmlns:a="http://schemas.openxmlformats.org/drawingml/2006/main" xmlns:r="http://schemas.openxmlformats.org/officeDocument/2006/relationships" xmlns:p="http://schemas.openxmlformats.org/presentationml/2006/main">
   <p:cSld>
     <p:spTree>
@@ -41618,7 +41502,7 @@
           <p:spPr>
             <a:xfrm>
               <a:off x="6882569" y="1212541"/>
-              <a:ext cx="1412700" cy="738774"/>
+              <a:ext cx="1412700" cy="1061987"/>
             </a:xfrm>
             <a:prstGeom prst="rect">
               <a:avLst/>
@@ -41653,6 +41537,24 @@
                   <a:ea typeface="微软雅黑" pitchFamily="2" charset="-122"/>
                 </a:rPr>
                 <a:t>算法；</a:t>
+              </a:r>
+              <a:endParaRPr lang="en-US" altLang="zh-CN" sz="1400" b="1" dirty="0" smtClean="0">
+                <a:latin typeface="微软雅黑" pitchFamily="2" charset="-122"/>
+                <a:ea typeface="微软雅黑" pitchFamily="2" charset="-122"/>
+              </a:endParaRPr>
+            </a:p>
+            <a:p>
+              <a:pPr lvl="0" algn="ctr">
+                <a:lnSpc>
+                  <a:spcPct val="150000"/>
+                </a:lnSpc>
+              </a:pPr>
+              <a:r>
+                <a:rPr lang="zh-CN" altLang="en-US" sz="1400" b="1" dirty="0" smtClean="0">
+                  <a:latin typeface="微软雅黑" pitchFamily="2" charset="-122"/>
+                  <a:ea typeface="微软雅黑" pitchFamily="2" charset="-122"/>
+                </a:rPr>
+                <a:t>保存模型；</a:t>
               </a:r>
               <a:endParaRPr lang="en-US" altLang="zh-CN" sz="1400" b="1" dirty="0" smtClean="0">
                 <a:latin typeface="微软雅黑" pitchFamily="2" charset="-122"/>
@@ -41928,6 +41830,188 @@
           </p:txBody>
         </p:sp>
       </p:grpSp>
+    </p:spTree>
+  </p:cSld>
+  <p:clrMapOvr>
+    <a:masterClrMapping/>
+  </p:clrMapOvr>
+  <p:timing>
+    <p:tnLst>
+      <p:par>
+        <p:cTn id="1" dur="indefinite" restart="never" nodeType="tmRoot"/>
+      </p:par>
+    </p:tnLst>
+  </p:timing>
+</p:sld>
+</file>
+
+<file path=ppt/slides/slide9.xml><?xml version="1.0" encoding="utf-8"?>
+<p:sld xmlns:a="http://schemas.openxmlformats.org/drawingml/2006/main" xmlns:r="http://schemas.openxmlformats.org/officeDocument/2006/relationships" xmlns:p="http://schemas.openxmlformats.org/presentationml/2006/main">
+  <p:cSld>
+    <p:spTree>
+      <p:nvGrpSpPr>
+        <p:cNvPr id="1" name=""/>
+        <p:cNvGrpSpPr/>
+        <p:nvPr/>
+      </p:nvGrpSpPr>
+      <p:grpSpPr>
+        <a:xfrm>
+          <a:off x="0" y="0"/>
+          <a:ext cx="0" cy="0"/>
+          <a:chOff x="0" y="0"/>
+          <a:chExt cx="0" cy="0"/>
+        </a:xfrm>
+      </p:grpSpPr>
+      <p:pic>
+        <p:nvPicPr>
+          <p:cNvPr id="34818" name="图片 6"/>
+          <p:cNvPicPr>
+            <a:picLocks noChangeAspect="1"/>
+          </p:cNvPicPr>
+          <p:nvPr/>
+        </p:nvPicPr>
+        <p:blipFill>
+          <a:blip r:embed="rId2"/>
+          <a:srcRect l="47130"/>
+          <a:stretch>
+            <a:fillRect/>
+          </a:stretch>
+        </p:blipFill>
+        <p:spPr>
+          <a:xfrm>
+            <a:off x="-131762" y="1143000"/>
+            <a:ext cx="2454275" cy="4572000"/>
+          </a:xfrm>
+          <a:prstGeom prst="rect">
+            <a:avLst/>
+          </a:prstGeom>
+          <a:noFill/>
+          <a:ln w="9525">
+            <a:noFill/>
+            <a:miter/>
+          </a:ln>
+        </p:spPr>
+      </p:pic>
+      <p:pic>
+        <p:nvPicPr>
+          <p:cNvPr id="34819" name="图片 9"/>
+          <p:cNvPicPr>
+            <a:picLocks noChangeAspect="1"/>
+          </p:cNvPicPr>
+          <p:nvPr/>
+        </p:nvPicPr>
+        <p:blipFill>
+          <a:blip r:embed="rId3"/>
+          <a:srcRect/>
+          <a:stretch>
+            <a:fillRect/>
+          </a:stretch>
+        </p:blipFill>
+        <p:spPr>
+          <a:xfrm>
+            <a:off x="3840163" y="1812925"/>
+            <a:ext cx="5692775" cy="531813"/>
+          </a:xfrm>
+          <a:prstGeom prst="rect">
+            <a:avLst/>
+          </a:prstGeom>
+          <a:noFill/>
+          <a:ln w="9525">
+            <a:noFill/>
+            <a:miter/>
+          </a:ln>
+        </p:spPr>
+      </p:pic>
+      <p:pic>
+        <p:nvPicPr>
+          <p:cNvPr id="34820" name="图片 10"/>
+          <p:cNvPicPr>
+            <a:picLocks noChangeAspect="1"/>
+          </p:cNvPicPr>
+          <p:nvPr/>
+        </p:nvPicPr>
+        <p:blipFill>
+          <a:blip r:embed="rId4"/>
+          <a:srcRect/>
+          <a:stretch>
+            <a:fillRect/>
+          </a:stretch>
+        </p:blipFill>
+        <p:spPr>
+          <a:xfrm>
+            <a:off x="3840163" y="4548188"/>
+            <a:ext cx="5692775" cy="530225"/>
+          </a:xfrm>
+          <a:prstGeom prst="rect">
+            <a:avLst/>
+          </a:prstGeom>
+          <a:noFill/>
+          <a:ln w="9525">
+            <a:noFill/>
+            <a:miter/>
+          </a:ln>
+        </p:spPr>
+      </p:pic>
+      <p:sp>
+        <p:nvSpPr>
+          <p:cNvPr id="34821" name="矩形 11"/>
+          <p:cNvSpPr/>
+          <p:nvPr/>
+        </p:nvSpPr>
+        <p:spPr>
+          <a:xfrm>
+            <a:off x="3943350" y="2568575"/>
+            <a:ext cx="5486400" cy="1754188"/>
+          </a:xfrm>
+          <a:prstGeom prst="rect">
+            <a:avLst/>
+          </a:prstGeom>
+          <a:noFill/>
+          <a:ln w="9525">
+            <a:noFill/>
+            <a:miter/>
+          </a:ln>
+        </p:spPr>
+        <p:txBody>
+          <a:bodyPr>
+            <a:spAutoFit/>
+          </a:bodyPr>
+          <a:lstStyle/>
+          <a:p>
+            <a:pPr lvl="0" algn="ctr"/>
+            <a:r>
+              <a:rPr lang="en-US" altLang="x-none" sz="5400" b="1" dirty="0">
+                <a:solidFill>
+                  <a:schemeClr val="bg1"/>
+                </a:solidFill>
+                <a:latin typeface="微软雅黑" pitchFamily="2" charset="-122"/>
+                <a:ea typeface="微软雅黑" pitchFamily="2" charset="-122"/>
+              </a:rPr>
+              <a:t>THANKS FOR</a:t>
+            </a:r>
+          </a:p>
+          <a:p>
+            <a:pPr lvl="0" algn="ctr"/>
+            <a:r>
+              <a:rPr lang="en-US" altLang="x-none" sz="5400" b="1" dirty="0">
+                <a:solidFill>
+                  <a:schemeClr val="bg1"/>
+                </a:solidFill>
+                <a:latin typeface="微软雅黑" pitchFamily="2" charset="-122"/>
+                <a:ea typeface="微软雅黑" pitchFamily="2" charset="-122"/>
+              </a:rPr>
+              <a:t>WATCHING</a:t>
+            </a:r>
+            <a:endParaRPr lang="zh-CN" altLang="en-US" sz="6600" b="1" dirty="0">
+              <a:solidFill>
+                <a:schemeClr val="bg1"/>
+              </a:solidFill>
+              <a:latin typeface="微软雅黑" pitchFamily="2" charset="-122"/>
+              <a:ea typeface="微软雅黑" pitchFamily="2" charset="-122"/>
+            </a:endParaRPr>
+          </a:p>
+        </p:txBody>
+      </p:sp>
     </p:spTree>
   </p:cSld>
   <p:clrMapOvr>

--- a/开题/我要学习-开题1.pptx
+++ b/开题/我要学习-开题1.pptx
@@ -602,7 +602,7 @@
             <a:pPr lvl="0"/>
             <a:fld id="{BB962C8B-B14F-4D97-AF65-F5344CB8AC3E}" type="datetimeFigureOut">
               <a:rPr lang="zh-CN" altLang="en-US" dirty="0"/>
-              <a:t>2018-03-25</a:t>
+              <a:t>2018-03-26</a:t>
             </a:fld>
             <a:endParaRPr lang="zh-CN" altLang="en-US" dirty="0"/>
           </a:p>
@@ -786,7 +786,7 @@
             <a:pPr lvl="0"/>
             <a:fld id="{BB962C8B-B14F-4D97-AF65-F5344CB8AC3E}" type="datetimeFigureOut">
               <a:rPr lang="zh-CN" altLang="en-US" dirty="0"/>
-              <a:t>2018-03-25</a:t>
+              <a:t>2018-03-26</a:t>
             </a:fld>
             <a:endParaRPr lang="zh-CN" altLang="en-US" dirty="0"/>
           </a:p>
@@ -1036,7 +1036,7 @@
             <a:pPr lvl="0"/>
             <a:fld id="{BB962C8B-B14F-4D97-AF65-F5344CB8AC3E}" type="datetimeFigureOut">
               <a:rPr lang="zh-CN" altLang="en-US" dirty="0"/>
-              <a:t>2018-03-25</a:t>
+              <a:t>2018-03-26</a:t>
             </a:fld>
             <a:endParaRPr lang="zh-CN" altLang="en-US" dirty="0"/>
           </a:p>
@@ -1280,7 +1280,7 @@
             <a:pPr lvl="0"/>
             <a:fld id="{BB962C8B-B14F-4D97-AF65-F5344CB8AC3E}" type="datetimeFigureOut">
               <a:rPr lang="zh-CN" altLang="en-US" dirty="0"/>
-              <a:t>2018-03-25</a:t>
+              <a:t>2018-03-26</a:t>
             </a:fld>
             <a:endParaRPr lang="zh-CN" altLang="en-US" dirty="0"/>
           </a:p>
@@ -1660,7 +1660,7 @@
             <a:pPr lvl="0"/>
             <a:fld id="{BB962C8B-B14F-4D97-AF65-F5344CB8AC3E}" type="datetimeFigureOut">
               <a:rPr lang="zh-CN" altLang="en-US" dirty="0"/>
-              <a:t>2018-03-25</a:t>
+              <a:t>2018-03-26</a:t>
             </a:fld>
             <a:endParaRPr lang="zh-CN" altLang="en-US" dirty="0"/>
           </a:p>
@@ -1784,7 +1784,7 @@
             <a:pPr lvl="0"/>
             <a:fld id="{BB962C8B-B14F-4D97-AF65-F5344CB8AC3E}" type="datetimeFigureOut">
               <a:rPr lang="zh-CN" altLang="en-US" dirty="0"/>
-              <a:t>2018-03-25</a:t>
+              <a:t>2018-03-26</a:t>
             </a:fld>
             <a:endParaRPr lang="zh-CN" altLang="en-US" dirty="0"/>
           </a:p>
@@ -1877,7 +1877,7 @@
             <a:pPr lvl="0"/>
             <a:fld id="{BB962C8B-B14F-4D97-AF65-F5344CB8AC3E}" type="datetimeFigureOut">
               <a:rPr lang="zh-CN" altLang="en-US" dirty="0"/>
-              <a:t>2018-03-25</a:t>
+              <a:t>2018-03-26</a:t>
             </a:fld>
             <a:endParaRPr lang="zh-CN" altLang="en-US" dirty="0"/>
           </a:p>
@@ -2161,7 +2161,7 @@
             <a:pPr lvl="0"/>
             <a:fld id="{BB962C8B-B14F-4D97-AF65-F5344CB8AC3E}" type="datetimeFigureOut">
               <a:rPr lang="zh-CN" altLang="en-US" dirty="0"/>
-              <a:t>2018-03-25</a:t>
+              <a:t>2018-03-26</a:t>
             </a:fld>
             <a:endParaRPr lang="zh-CN" altLang="en-US" dirty="0"/>
           </a:p>
@@ -2421,7 +2421,7 @@
             <a:pPr lvl="0"/>
             <a:fld id="{BB962C8B-B14F-4D97-AF65-F5344CB8AC3E}" type="datetimeFigureOut">
               <a:rPr lang="zh-CN" altLang="en-US" dirty="0"/>
-              <a:t>2018-03-25</a:t>
+              <a:t>2018-03-26</a:t>
             </a:fld>
             <a:endParaRPr lang="zh-CN" altLang="en-US" dirty="0"/>
           </a:p>
@@ -2605,7 +2605,7 @@
             <a:pPr lvl="0"/>
             <a:fld id="{BB962C8B-B14F-4D97-AF65-F5344CB8AC3E}" type="datetimeFigureOut">
               <a:rPr lang="zh-CN" altLang="en-US" dirty="0"/>
-              <a:t>2018-03-25</a:t>
+              <a:t>2018-03-26</a:t>
             </a:fld>
             <a:endParaRPr lang="zh-CN" altLang="en-US" dirty="0"/>
           </a:p>
@@ -2905,7 +2905,7 @@
             <a:pPr lvl="0"/>
             <a:fld id="{BB962C8B-B14F-4D97-AF65-F5344CB8AC3E}" type="datetimeFigureOut">
               <a:rPr lang="zh-CN" altLang="en-US" dirty="0"/>
-              <a:t>2018-03-25</a:t>
+              <a:t>2018-03-26</a:t>
             </a:fld>
             <a:endParaRPr lang="zh-CN" altLang="en-US" dirty="0"/>
           </a:p>
@@ -3101,7 +3101,7 @@
             <a:pPr lvl="0"/>
             <a:fld id="{BB962C8B-B14F-4D97-AF65-F5344CB8AC3E}" type="datetimeFigureOut">
               <a:rPr lang="zh-CN" altLang="en-US" dirty="0"/>
-              <a:t>2018-03-25</a:t>
+              <a:t>2018-03-26</a:t>
             </a:fld>
             <a:endParaRPr lang="zh-CN" altLang="en-US" dirty="0"/>
           </a:p>
@@ -3285,7 +3285,7 @@
             <a:pPr lvl="0"/>
             <a:fld id="{BB962C8B-B14F-4D97-AF65-F5344CB8AC3E}" type="datetimeFigureOut">
               <a:rPr lang="zh-CN" altLang="en-US" dirty="0"/>
-              <a:t>2018-03-25</a:t>
+              <a:t>2018-03-26</a:t>
             </a:fld>
             <a:endParaRPr lang="zh-CN" altLang="en-US" dirty="0"/>
           </a:p>
@@ -3535,7 +3535,7 @@
             <a:pPr lvl="0"/>
             <a:fld id="{BB962C8B-B14F-4D97-AF65-F5344CB8AC3E}" type="datetimeFigureOut">
               <a:rPr lang="zh-CN" altLang="en-US" dirty="0"/>
-              <a:t>2018-03-25</a:t>
+              <a:t>2018-03-26</a:t>
             </a:fld>
             <a:endParaRPr lang="zh-CN" altLang="en-US" dirty="0"/>
           </a:p>
@@ -3779,7 +3779,7 @@
             <a:pPr lvl="0"/>
             <a:fld id="{BB962C8B-B14F-4D97-AF65-F5344CB8AC3E}" type="datetimeFigureOut">
               <a:rPr lang="zh-CN" altLang="en-US" dirty="0"/>
-              <a:t>2018-03-25</a:t>
+              <a:t>2018-03-26</a:t>
             </a:fld>
             <a:endParaRPr lang="zh-CN" altLang="en-US" dirty="0"/>
           </a:p>
@@ -4159,7 +4159,7 @@
             <a:pPr lvl="0"/>
             <a:fld id="{BB962C8B-B14F-4D97-AF65-F5344CB8AC3E}" type="datetimeFigureOut">
               <a:rPr lang="zh-CN" altLang="en-US" dirty="0"/>
-              <a:t>2018-03-25</a:t>
+              <a:t>2018-03-26</a:t>
             </a:fld>
             <a:endParaRPr lang="zh-CN" altLang="en-US" dirty="0"/>
           </a:p>
@@ -4283,7 +4283,7 @@
             <a:pPr lvl="0"/>
             <a:fld id="{BB962C8B-B14F-4D97-AF65-F5344CB8AC3E}" type="datetimeFigureOut">
               <a:rPr lang="zh-CN" altLang="en-US" dirty="0"/>
-              <a:t>2018-03-25</a:t>
+              <a:t>2018-03-26</a:t>
             </a:fld>
             <a:endParaRPr lang="zh-CN" altLang="en-US" dirty="0"/>
           </a:p>
@@ -4376,7 +4376,7 @@
             <a:pPr lvl="0"/>
             <a:fld id="{BB962C8B-B14F-4D97-AF65-F5344CB8AC3E}" type="datetimeFigureOut">
               <a:rPr lang="zh-CN" altLang="en-US" dirty="0"/>
-              <a:t>2018-03-25</a:t>
+              <a:t>2018-03-26</a:t>
             </a:fld>
             <a:endParaRPr lang="zh-CN" altLang="en-US" dirty="0"/>
           </a:p>
@@ -4660,7 +4660,7 @@
             <a:pPr lvl="0"/>
             <a:fld id="{BB962C8B-B14F-4D97-AF65-F5344CB8AC3E}" type="datetimeFigureOut">
               <a:rPr lang="zh-CN" altLang="en-US" dirty="0"/>
-              <a:t>2018-03-25</a:t>
+              <a:t>2018-03-26</a:t>
             </a:fld>
             <a:endParaRPr lang="zh-CN" altLang="en-US" dirty="0"/>
           </a:p>
@@ -4920,7 +4920,7 @@
             <a:pPr lvl="0"/>
             <a:fld id="{BB962C8B-B14F-4D97-AF65-F5344CB8AC3E}" type="datetimeFigureOut">
               <a:rPr lang="zh-CN" altLang="en-US" dirty="0"/>
-              <a:t>2018-03-25</a:t>
+              <a:t>2018-03-26</a:t>
             </a:fld>
             <a:endParaRPr lang="zh-CN" altLang="en-US" dirty="0"/>
           </a:p>
@@ -5232,7 +5232,7 @@
             <a:pPr lvl="0"/>
             <a:fld id="{BB962C8B-B14F-4D97-AF65-F5344CB8AC3E}" type="datetimeFigureOut">
               <a:rPr lang="zh-CN" altLang="en-US" dirty="0"/>
-              <a:t>2018-03-25</a:t>
+              <a:t>2018-03-26</a:t>
             </a:fld>
             <a:endParaRPr lang="zh-CN" altLang="en-US" dirty="0"/>
           </a:p>
@@ -5416,7 +5416,7 @@
             <a:pPr lvl="0"/>
             <a:fld id="{BB962C8B-B14F-4D97-AF65-F5344CB8AC3E}" type="datetimeFigureOut">
               <a:rPr lang="zh-CN" altLang="en-US" dirty="0"/>
-              <a:t>2018-03-25</a:t>
+              <a:t>2018-03-26</a:t>
             </a:fld>
             <a:endParaRPr lang="zh-CN" altLang="en-US" dirty="0"/>
           </a:p>
@@ -5612,7 +5612,7 @@
             <a:pPr lvl="0"/>
             <a:fld id="{BB962C8B-B14F-4D97-AF65-F5344CB8AC3E}" type="datetimeFigureOut">
               <a:rPr lang="zh-CN" altLang="en-US" dirty="0"/>
-              <a:t>2018-03-25</a:t>
+              <a:t>2018-03-26</a:t>
             </a:fld>
             <a:endParaRPr lang="zh-CN" altLang="en-US" dirty="0"/>
           </a:p>
@@ -5796,7 +5796,7 @@
             <a:pPr lvl="0"/>
             <a:fld id="{BB962C8B-B14F-4D97-AF65-F5344CB8AC3E}" type="datetimeFigureOut">
               <a:rPr lang="zh-CN" altLang="en-US" dirty="0"/>
-              <a:t>2018-03-25</a:t>
+              <a:t>2018-03-26</a:t>
             </a:fld>
             <a:endParaRPr lang="zh-CN" altLang="en-US" dirty="0"/>
           </a:p>
@@ -6046,7 +6046,7 @@
             <a:pPr lvl="0"/>
             <a:fld id="{BB962C8B-B14F-4D97-AF65-F5344CB8AC3E}" type="datetimeFigureOut">
               <a:rPr lang="zh-CN" altLang="en-US" dirty="0"/>
-              <a:t>2018-03-25</a:t>
+              <a:t>2018-03-26</a:t>
             </a:fld>
             <a:endParaRPr lang="zh-CN" altLang="en-US" dirty="0"/>
           </a:p>
@@ -6290,7 +6290,7 @@
             <a:pPr lvl="0"/>
             <a:fld id="{BB962C8B-B14F-4D97-AF65-F5344CB8AC3E}" type="datetimeFigureOut">
               <a:rPr lang="zh-CN" altLang="en-US" dirty="0"/>
-              <a:t>2018-03-25</a:t>
+              <a:t>2018-03-26</a:t>
             </a:fld>
             <a:endParaRPr lang="zh-CN" altLang="en-US" dirty="0"/>
           </a:p>
@@ -6670,7 +6670,7 @@
             <a:pPr lvl="0"/>
             <a:fld id="{BB962C8B-B14F-4D97-AF65-F5344CB8AC3E}" type="datetimeFigureOut">
               <a:rPr lang="zh-CN" altLang="en-US" dirty="0"/>
-              <a:t>2018-03-25</a:t>
+              <a:t>2018-03-26</a:t>
             </a:fld>
             <a:endParaRPr lang="zh-CN" altLang="en-US" dirty="0"/>
           </a:p>
@@ -6794,7 +6794,7 @@
             <a:pPr lvl="0"/>
             <a:fld id="{BB962C8B-B14F-4D97-AF65-F5344CB8AC3E}" type="datetimeFigureOut">
               <a:rPr lang="zh-CN" altLang="en-US" dirty="0"/>
-              <a:t>2018-03-25</a:t>
+              <a:t>2018-03-26</a:t>
             </a:fld>
             <a:endParaRPr lang="zh-CN" altLang="en-US" dirty="0"/>
           </a:p>
@@ -6887,7 +6887,7 @@
             <a:pPr lvl="0"/>
             <a:fld id="{BB962C8B-B14F-4D97-AF65-F5344CB8AC3E}" type="datetimeFigureOut">
               <a:rPr lang="zh-CN" altLang="en-US" dirty="0"/>
-              <a:t>2018-03-25</a:t>
+              <a:t>2018-03-26</a:t>
             </a:fld>
             <a:endParaRPr lang="zh-CN" altLang="en-US" dirty="0"/>
           </a:p>
@@ -7171,7 +7171,7 @@
             <a:pPr lvl="0"/>
             <a:fld id="{BB962C8B-B14F-4D97-AF65-F5344CB8AC3E}" type="datetimeFigureOut">
               <a:rPr lang="zh-CN" altLang="en-US" dirty="0"/>
-              <a:t>2018-03-25</a:t>
+              <a:t>2018-03-26</a:t>
             </a:fld>
             <a:endParaRPr lang="zh-CN" altLang="en-US" dirty="0"/>
           </a:p>
@@ -7547,7 +7547,7 @@
             <a:pPr lvl="0"/>
             <a:fld id="{BB962C8B-B14F-4D97-AF65-F5344CB8AC3E}" type="datetimeFigureOut">
               <a:rPr lang="zh-CN" altLang="en-US" dirty="0"/>
-              <a:t>2018-03-25</a:t>
+              <a:t>2018-03-26</a:t>
             </a:fld>
             <a:endParaRPr lang="zh-CN" altLang="en-US" dirty="0"/>
           </a:p>
@@ -7731,7 +7731,7 @@
             <a:pPr lvl="0"/>
             <a:fld id="{BB962C8B-B14F-4D97-AF65-F5344CB8AC3E}" type="datetimeFigureOut">
               <a:rPr lang="zh-CN" altLang="en-US" dirty="0"/>
-              <a:t>2018-03-25</a:t>
+              <a:t>2018-03-26</a:t>
             </a:fld>
             <a:endParaRPr lang="zh-CN" altLang="en-US" dirty="0"/>
           </a:p>
@@ -7915,7 +7915,7 @@
             <a:pPr lvl="0"/>
             <a:fld id="{BB962C8B-B14F-4D97-AF65-F5344CB8AC3E}" type="datetimeFigureOut">
               <a:rPr lang="zh-CN" altLang="en-US" dirty="0"/>
-              <a:t>2018-03-25</a:t>
+              <a:t>2018-03-26</a:t>
             </a:fld>
             <a:endParaRPr lang="zh-CN" altLang="en-US" dirty="0"/>
           </a:p>
@@ -11435,7 +11435,7 @@
             <a:pPr lvl="0"/>
             <a:fld id="{BB962C8B-B14F-4D97-AF65-F5344CB8AC3E}" type="datetimeFigureOut">
               <a:rPr lang="zh-CN" altLang="en-US" dirty="0"/>
-              <a:t>2018-03-25</a:t>
+              <a:t>2018-03-26</a:t>
             </a:fld>
             <a:endParaRPr lang="zh-CN" altLang="en-US" dirty="0"/>
           </a:p>
@@ -11619,7 +11619,7 @@
             <a:pPr lvl="0"/>
             <a:fld id="{BB962C8B-B14F-4D97-AF65-F5344CB8AC3E}" type="datetimeFigureOut">
               <a:rPr lang="zh-CN" altLang="en-US" dirty="0"/>
-              <a:t>2018-03-25</a:t>
+              <a:t>2018-03-26</a:t>
             </a:fld>
             <a:endParaRPr lang="zh-CN" altLang="en-US" dirty="0"/>
           </a:p>
@@ -11869,7 +11869,7 @@
             <a:pPr lvl="0"/>
             <a:fld id="{BB962C8B-B14F-4D97-AF65-F5344CB8AC3E}" type="datetimeFigureOut">
               <a:rPr lang="zh-CN" altLang="en-US" dirty="0"/>
-              <a:t>2018-03-25</a:t>
+              <a:t>2018-03-26</a:t>
             </a:fld>
             <a:endParaRPr lang="zh-CN" altLang="en-US" dirty="0"/>
           </a:p>
@@ -12113,7 +12113,7 @@
             <a:pPr lvl="0"/>
             <a:fld id="{BB962C8B-B14F-4D97-AF65-F5344CB8AC3E}" type="datetimeFigureOut">
               <a:rPr lang="zh-CN" altLang="en-US" dirty="0"/>
-              <a:t>2018-03-25</a:t>
+              <a:t>2018-03-26</a:t>
             </a:fld>
             <a:endParaRPr lang="zh-CN" altLang="en-US" dirty="0"/>
           </a:p>
@@ -12493,7 +12493,7 @@
             <a:pPr lvl="0"/>
             <a:fld id="{BB962C8B-B14F-4D97-AF65-F5344CB8AC3E}" type="datetimeFigureOut">
               <a:rPr lang="zh-CN" altLang="en-US" dirty="0"/>
-              <a:t>2018-03-25</a:t>
+              <a:t>2018-03-26</a:t>
             </a:fld>
             <a:endParaRPr lang="zh-CN" altLang="en-US" dirty="0"/>
           </a:p>
@@ -12617,7 +12617,7 @@
             <a:pPr lvl="0"/>
             <a:fld id="{BB962C8B-B14F-4D97-AF65-F5344CB8AC3E}" type="datetimeFigureOut">
               <a:rPr lang="zh-CN" altLang="en-US" dirty="0"/>
-              <a:t>2018-03-25</a:t>
+              <a:t>2018-03-26</a:t>
             </a:fld>
             <a:endParaRPr lang="zh-CN" altLang="en-US" dirty="0"/>
           </a:p>
@@ -12886,7 +12886,7 @@
             <a:pPr lvl="0"/>
             <a:fld id="{BB962C8B-B14F-4D97-AF65-F5344CB8AC3E}" type="datetimeFigureOut">
               <a:rPr lang="zh-CN" altLang="en-US" dirty="0"/>
-              <a:t>2018-03-25</a:t>
+              <a:t>2018-03-26</a:t>
             </a:fld>
             <a:endParaRPr lang="zh-CN" altLang="en-US" dirty="0"/>
           </a:p>
@@ -13170,7 +13170,7 @@
             <a:pPr lvl="0"/>
             <a:fld id="{BB962C8B-B14F-4D97-AF65-F5344CB8AC3E}" type="datetimeFigureOut">
               <a:rPr lang="zh-CN" altLang="en-US" dirty="0"/>
-              <a:t>2018-03-25</a:t>
+              <a:t>2018-03-26</a:t>
             </a:fld>
             <a:endParaRPr lang="zh-CN" altLang="en-US" dirty="0"/>
           </a:p>
@@ -13430,7 +13430,7 @@
             <a:pPr lvl="0"/>
             <a:fld id="{BB962C8B-B14F-4D97-AF65-F5344CB8AC3E}" type="datetimeFigureOut">
               <a:rPr lang="zh-CN" altLang="en-US" dirty="0"/>
-              <a:t>2018-03-25</a:t>
+              <a:t>2018-03-26</a:t>
             </a:fld>
             <a:endParaRPr lang="zh-CN" altLang="en-US" dirty="0"/>
           </a:p>
@@ -13614,7 +13614,7 @@
             <a:pPr lvl="0"/>
             <a:fld id="{BB962C8B-B14F-4D97-AF65-F5344CB8AC3E}" type="datetimeFigureOut">
               <a:rPr lang="zh-CN" altLang="en-US" dirty="0"/>
-              <a:t>2018-03-25</a:t>
+              <a:t>2018-03-26</a:t>
             </a:fld>
             <a:endParaRPr lang="zh-CN" altLang="en-US" dirty="0"/>
           </a:p>
@@ -13798,7 +13798,7 @@
             <a:pPr lvl="0"/>
             <a:fld id="{BB962C8B-B14F-4D97-AF65-F5344CB8AC3E}" type="datetimeFigureOut">
               <a:rPr lang="zh-CN" altLang="en-US" dirty="0"/>
-              <a:t>2018-03-25</a:t>
+              <a:t>2018-03-26</a:t>
             </a:fld>
             <a:endParaRPr lang="zh-CN" altLang="en-US" dirty="0"/>
           </a:p>
@@ -13994,7 +13994,7 @@
             <a:pPr lvl="0"/>
             <a:fld id="{BB962C8B-B14F-4D97-AF65-F5344CB8AC3E}" type="datetimeFigureOut">
               <a:rPr lang="zh-CN" altLang="en-US" dirty="0"/>
-              <a:t>2018-03-25</a:t>
+              <a:t>2018-03-26</a:t>
             </a:fld>
             <a:endParaRPr lang="zh-CN" altLang="en-US" dirty="0"/>
           </a:p>
@@ -14178,7 +14178,7 @@
             <a:pPr lvl="0"/>
             <a:fld id="{BB962C8B-B14F-4D97-AF65-F5344CB8AC3E}" type="datetimeFigureOut">
               <a:rPr lang="zh-CN" altLang="en-US" dirty="0"/>
-              <a:t>2018-03-25</a:t>
+              <a:t>2018-03-26</a:t>
             </a:fld>
             <a:endParaRPr lang="zh-CN" altLang="en-US" dirty="0"/>
           </a:p>
@@ -14428,7 +14428,7 @@
             <a:pPr lvl="0"/>
             <a:fld id="{BB962C8B-B14F-4D97-AF65-F5344CB8AC3E}" type="datetimeFigureOut">
               <a:rPr lang="zh-CN" altLang="en-US" dirty="0"/>
-              <a:t>2018-03-25</a:t>
+              <a:t>2018-03-26</a:t>
             </a:fld>
             <a:endParaRPr lang="zh-CN" altLang="en-US" dirty="0"/>
           </a:p>
@@ -14672,7 +14672,7 @@
             <a:pPr lvl="0"/>
             <a:fld id="{BB962C8B-B14F-4D97-AF65-F5344CB8AC3E}" type="datetimeFigureOut">
               <a:rPr lang="zh-CN" altLang="en-US" dirty="0"/>
-              <a:t>2018-03-25</a:t>
+              <a:t>2018-03-26</a:t>
             </a:fld>
             <a:endParaRPr lang="zh-CN" altLang="en-US" dirty="0"/>
           </a:p>
@@ -15052,7 +15052,7 @@
             <a:pPr lvl="0"/>
             <a:fld id="{BB962C8B-B14F-4D97-AF65-F5344CB8AC3E}" type="datetimeFigureOut">
               <a:rPr lang="zh-CN" altLang="en-US" dirty="0"/>
-              <a:t>2018-03-25</a:t>
+              <a:t>2018-03-26</a:t>
             </a:fld>
             <a:endParaRPr lang="zh-CN" altLang="en-US" dirty="0"/>
           </a:p>
@@ -15488,7 +15488,7 @@
             <a:pPr lvl="0"/>
             <a:fld id="{BB962C8B-B14F-4D97-AF65-F5344CB8AC3E}" type="datetimeFigureOut">
               <a:rPr lang="zh-CN" altLang="en-US" dirty="0"/>
-              <a:t>2018-03-25</a:t>
+              <a:t>2018-03-26</a:t>
             </a:fld>
             <a:endParaRPr lang="zh-CN" altLang="en-US" dirty="0"/>
           </a:p>
@@ -15581,7 +15581,7 @@
             <a:pPr lvl="0"/>
             <a:fld id="{BB962C8B-B14F-4D97-AF65-F5344CB8AC3E}" type="datetimeFigureOut">
               <a:rPr lang="zh-CN" altLang="en-US" dirty="0"/>
-              <a:t>2018-03-25</a:t>
+              <a:t>2018-03-26</a:t>
             </a:fld>
             <a:endParaRPr lang="zh-CN" altLang="en-US" dirty="0"/>
           </a:p>
@@ -15865,7 +15865,7 @@
             <a:pPr lvl="0"/>
             <a:fld id="{BB962C8B-B14F-4D97-AF65-F5344CB8AC3E}" type="datetimeFigureOut">
               <a:rPr lang="zh-CN" altLang="en-US" dirty="0"/>
-              <a:t>2018-03-25</a:t>
+              <a:t>2018-03-26</a:t>
             </a:fld>
             <a:endParaRPr lang="zh-CN" altLang="en-US" dirty="0"/>
           </a:p>
@@ -16125,7 +16125,7 @@
             <a:pPr lvl="0"/>
             <a:fld id="{BB962C8B-B14F-4D97-AF65-F5344CB8AC3E}" type="datetimeFigureOut">
               <a:rPr lang="zh-CN" altLang="en-US" dirty="0"/>
-              <a:t>2018-03-25</a:t>
+              <a:t>2018-03-26</a:t>
             </a:fld>
             <a:endParaRPr lang="zh-CN" altLang="en-US" dirty="0"/>
           </a:p>
@@ -16309,7 +16309,7 @@
             <a:pPr lvl="0"/>
             <a:fld id="{BB962C8B-B14F-4D97-AF65-F5344CB8AC3E}" type="datetimeFigureOut">
               <a:rPr lang="zh-CN" altLang="en-US" dirty="0"/>
-              <a:t>2018-03-25</a:t>
+              <a:t>2018-03-26</a:t>
             </a:fld>
             <a:endParaRPr lang="zh-CN" altLang="en-US" dirty="0"/>
           </a:p>
@@ -16493,7 +16493,7 @@
             <a:pPr lvl="0"/>
             <a:fld id="{BB962C8B-B14F-4D97-AF65-F5344CB8AC3E}" type="datetimeFigureOut">
               <a:rPr lang="zh-CN" altLang="en-US" dirty="0"/>
-              <a:t>2018-03-25</a:t>
+              <a:t>2018-03-26</a:t>
             </a:fld>
             <a:endParaRPr lang="zh-CN" altLang="en-US" dirty="0"/>
           </a:p>
@@ -16689,7 +16689,7 @@
             <a:pPr lvl="0"/>
             <a:fld id="{BB962C8B-B14F-4D97-AF65-F5344CB8AC3E}" type="datetimeFigureOut">
               <a:rPr lang="zh-CN" altLang="en-US" dirty="0"/>
-              <a:t>2018-03-25</a:t>
+              <a:t>2018-03-26</a:t>
             </a:fld>
             <a:endParaRPr lang="zh-CN" altLang="en-US" dirty="0"/>
           </a:p>
@@ -16873,7 +16873,7 @@
             <a:pPr lvl="0"/>
             <a:fld id="{BB962C8B-B14F-4D97-AF65-F5344CB8AC3E}" type="datetimeFigureOut">
               <a:rPr lang="zh-CN" altLang="en-US" dirty="0"/>
-              <a:t>2018-03-25</a:t>
+              <a:t>2018-03-26</a:t>
             </a:fld>
             <a:endParaRPr lang="zh-CN" altLang="en-US" dirty="0"/>
           </a:p>
@@ -17123,7 +17123,7 @@
             <a:pPr lvl="0"/>
             <a:fld id="{BB962C8B-B14F-4D97-AF65-F5344CB8AC3E}" type="datetimeFigureOut">
               <a:rPr lang="zh-CN" altLang="en-US" dirty="0"/>
-              <a:t>2018-03-25</a:t>
+              <a:t>2018-03-26</a:t>
             </a:fld>
             <a:endParaRPr lang="zh-CN" altLang="en-US" dirty="0"/>
           </a:p>
@@ -17367,7 +17367,7 @@
             <a:pPr lvl="0"/>
             <a:fld id="{BB962C8B-B14F-4D97-AF65-F5344CB8AC3E}" type="datetimeFigureOut">
               <a:rPr lang="zh-CN" altLang="en-US" dirty="0"/>
-              <a:t>2018-03-25</a:t>
+              <a:t>2018-03-26</a:t>
             </a:fld>
             <a:endParaRPr lang="zh-CN" altLang="en-US" dirty="0"/>
           </a:p>
@@ -17803,7 +17803,7 @@
             <a:pPr lvl="0"/>
             <a:fld id="{BB962C8B-B14F-4D97-AF65-F5344CB8AC3E}" type="datetimeFigureOut">
               <a:rPr lang="zh-CN" altLang="en-US" dirty="0"/>
-              <a:t>2018-03-25</a:t>
+              <a:t>2018-03-26</a:t>
             </a:fld>
             <a:endParaRPr lang="zh-CN" altLang="en-US" dirty="0"/>
           </a:p>
@@ -17927,7 +17927,7 @@
             <a:pPr lvl="0"/>
             <a:fld id="{BB962C8B-B14F-4D97-AF65-F5344CB8AC3E}" type="datetimeFigureOut">
               <a:rPr lang="zh-CN" altLang="en-US" dirty="0"/>
-              <a:t>2018-03-25</a:t>
+              <a:t>2018-03-26</a:t>
             </a:fld>
             <a:endParaRPr lang="zh-CN" altLang="en-US" dirty="0"/>
           </a:p>
@@ -18020,7 +18020,7 @@
             <a:pPr lvl="0"/>
             <a:fld id="{BB962C8B-B14F-4D97-AF65-F5344CB8AC3E}" type="datetimeFigureOut">
               <a:rPr lang="zh-CN" altLang="en-US" dirty="0"/>
-              <a:t>2018-03-25</a:t>
+              <a:t>2018-03-26</a:t>
             </a:fld>
             <a:endParaRPr lang="zh-CN" altLang="en-US" dirty="0"/>
           </a:p>
@@ -18304,7 +18304,7 @@
             <a:pPr lvl="0"/>
             <a:fld id="{BB962C8B-B14F-4D97-AF65-F5344CB8AC3E}" type="datetimeFigureOut">
               <a:rPr lang="zh-CN" altLang="en-US" dirty="0"/>
-              <a:t>2018-03-25</a:t>
+              <a:t>2018-03-26</a:t>
             </a:fld>
             <a:endParaRPr lang="zh-CN" altLang="en-US" dirty="0"/>
           </a:p>
@@ -18564,7 +18564,7 @@
             <a:pPr lvl="0"/>
             <a:fld id="{BB962C8B-B14F-4D97-AF65-F5344CB8AC3E}" type="datetimeFigureOut">
               <a:rPr lang="zh-CN" altLang="en-US" dirty="0"/>
-              <a:t>2018-03-25</a:t>
+              <a:t>2018-03-26</a:t>
             </a:fld>
             <a:endParaRPr lang="zh-CN" altLang="en-US" dirty="0"/>
           </a:p>
@@ -18748,7 +18748,7 @@
             <a:pPr lvl="0"/>
             <a:fld id="{BB962C8B-B14F-4D97-AF65-F5344CB8AC3E}" type="datetimeFigureOut">
               <a:rPr lang="zh-CN" altLang="en-US" dirty="0"/>
-              <a:t>2018-03-25</a:t>
+              <a:t>2018-03-26</a:t>
             </a:fld>
             <a:endParaRPr lang="zh-CN" altLang="en-US" dirty="0"/>
           </a:p>
@@ -18932,7 +18932,7 @@
             <a:pPr lvl="0"/>
             <a:fld id="{BB962C8B-B14F-4D97-AF65-F5344CB8AC3E}" type="datetimeFigureOut">
               <a:rPr lang="zh-CN" altLang="en-US" dirty="0"/>
-              <a:t>2018-03-25</a:t>
+              <a:t>2018-03-26</a:t>
             </a:fld>
             <a:endParaRPr lang="zh-CN" altLang="en-US" dirty="0"/>
           </a:p>
@@ -19128,7 +19128,7 @@
             <a:pPr lvl="0"/>
             <a:fld id="{BB962C8B-B14F-4D97-AF65-F5344CB8AC3E}" type="datetimeFigureOut">
               <a:rPr lang="zh-CN" altLang="en-US" dirty="0"/>
-              <a:t>2018-03-25</a:t>
+              <a:t>2018-03-26</a:t>
             </a:fld>
             <a:endParaRPr lang="zh-CN" altLang="en-US" dirty="0"/>
           </a:p>
@@ -19312,7 +19312,7 @@
             <a:pPr lvl="0"/>
             <a:fld id="{BB962C8B-B14F-4D97-AF65-F5344CB8AC3E}" type="datetimeFigureOut">
               <a:rPr lang="zh-CN" altLang="en-US" dirty="0"/>
-              <a:t>2018-03-25</a:t>
+              <a:t>2018-03-26</a:t>
             </a:fld>
             <a:endParaRPr lang="zh-CN" altLang="en-US" dirty="0"/>
           </a:p>
@@ -19562,7 +19562,7 @@
             <a:pPr lvl="0"/>
             <a:fld id="{BB962C8B-B14F-4D97-AF65-F5344CB8AC3E}" type="datetimeFigureOut">
               <a:rPr lang="zh-CN" altLang="en-US" dirty="0"/>
-              <a:t>2018-03-25</a:t>
+              <a:t>2018-03-26</a:t>
             </a:fld>
             <a:endParaRPr lang="zh-CN" altLang="en-US" dirty="0"/>
           </a:p>
@@ -19831,7 +19831,7 @@
             <a:pPr lvl="0"/>
             <a:fld id="{BB962C8B-B14F-4D97-AF65-F5344CB8AC3E}" type="datetimeFigureOut">
               <a:rPr lang="zh-CN" altLang="en-US" dirty="0"/>
-              <a:t>2018-03-25</a:t>
+              <a:t>2018-03-26</a:t>
             </a:fld>
             <a:endParaRPr lang="zh-CN" altLang="en-US" dirty="0"/>
           </a:p>
@@ -20211,7 +20211,7 @@
             <a:pPr lvl="0"/>
             <a:fld id="{BB962C8B-B14F-4D97-AF65-F5344CB8AC3E}" type="datetimeFigureOut">
               <a:rPr lang="zh-CN" altLang="en-US" dirty="0"/>
-              <a:t>2018-03-25</a:t>
+              <a:t>2018-03-26</a:t>
             </a:fld>
             <a:endParaRPr lang="zh-CN" altLang="en-US" dirty="0"/>
           </a:p>
@@ -20335,7 +20335,7 @@
             <a:pPr lvl="0"/>
             <a:fld id="{BB962C8B-B14F-4D97-AF65-F5344CB8AC3E}" type="datetimeFigureOut">
               <a:rPr lang="zh-CN" altLang="en-US" dirty="0"/>
-              <a:t>2018-03-25</a:t>
+              <a:t>2018-03-26</a:t>
             </a:fld>
             <a:endParaRPr lang="zh-CN" altLang="en-US" dirty="0"/>
           </a:p>
@@ -20428,7 +20428,7 @@
             <a:pPr lvl="0"/>
             <a:fld id="{BB962C8B-B14F-4D97-AF65-F5344CB8AC3E}" type="datetimeFigureOut">
               <a:rPr lang="zh-CN" altLang="en-US" dirty="0"/>
-              <a:t>2018-03-25</a:t>
+              <a:t>2018-03-26</a:t>
             </a:fld>
             <a:endParaRPr lang="zh-CN" altLang="en-US" dirty="0"/>
           </a:p>
@@ -20712,7 +20712,7 @@
             <a:pPr lvl="0"/>
             <a:fld id="{BB962C8B-B14F-4D97-AF65-F5344CB8AC3E}" type="datetimeFigureOut">
               <a:rPr lang="zh-CN" altLang="en-US" dirty="0"/>
-              <a:t>2018-03-25</a:t>
+              <a:t>2018-03-26</a:t>
             </a:fld>
             <a:endParaRPr lang="zh-CN" altLang="en-US" dirty="0"/>
           </a:p>
@@ -20972,7 +20972,7 @@
             <a:pPr lvl="0"/>
             <a:fld id="{BB962C8B-B14F-4D97-AF65-F5344CB8AC3E}" type="datetimeFigureOut">
               <a:rPr lang="zh-CN" altLang="en-US" dirty="0"/>
-              <a:t>2018-03-25</a:t>
+              <a:t>2018-03-26</a:t>
             </a:fld>
             <a:endParaRPr lang="zh-CN" altLang="en-US" dirty="0"/>
           </a:p>
@@ -21156,7 +21156,7 @@
             <a:pPr lvl="0"/>
             <a:fld id="{BB962C8B-B14F-4D97-AF65-F5344CB8AC3E}" type="datetimeFigureOut">
               <a:rPr lang="zh-CN" altLang="en-US" dirty="0"/>
-              <a:t>2018-03-25</a:t>
+              <a:t>2018-03-26</a:t>
             </a:fld>
             <a:endParaRPr lang="zh-CN" altLang="en-US" dirty="0"/>
           </a:p>
@@ -21340,7 +21340,7 @@
             <a:pPr lvl="0"/>
             <a:fld id="{BB962C8B-B14F-4D97-AF65-F5344CB8AC3E}" type="datetimeFigureOut">
               <a:rPr lang="zh-CN" altLang="en-US" dirty="0"/>
-              <a:t>2018-03-25</a:t>
+              <a:t>2018-03-26</a:t>
             </a:fld>
             <a:endParaRPr lang="zh-CN" altLang="en-US" dirty="0"/>
           </a:p>
@@ -21536,7 +21536,7 @@
             <a:pPr lvl="0"/>
             <a:fld id="{BB962C8B-B14F-4D97-AF65-F5344CB8AC3E}" type="datetimeFigureOut">
               <a:rPr lang="zh-CN" altLang="en-US" dirty="0"/>
-              <a:t>2018-03-25</a:t>
+              <a:t>2018-03-26</a:t>
             </a:fld>
             <a:endParaRPr lang="zh-CN" altLang="en-US" dirty="0"/>
           </a:p>
@@ -21720,7 +21720,7 @@
             <a:pPr lvl="0"/>
             <a:fld id="{BB962C8B-B14F-4D97-AF65-F5344CB8AC3E}" type="datetimeFigureOut">
               <a:rPr lang="zh-CN" altLang="en-US" dirty="0"/>
-              <a:t>2018-03-25</a:t>
+              <a:t>2018-03-26</a:t>
             </a:fld>
             <a:endParaRPr lang="zh-CN" altLang="en-US" dirty="0"/>
           </a:p>
@@ -22186,7 +22186,7 @@
             <a:pPr lvl="0"/>
             <a:fld id="{BB962C8B-B14F-4D97-AF65-F5344CB8AC3E}" type="datetimeFigureOut">
               <a:rPr lang="zh-CN" altLang="en-US" dirty="0"/>
-              <a:t>2018-03-25</a:t>
+              <a:t>2018-03-26</a:t>
             </a:fld>
             <a:endParaRPr lang="zh-CN" altLang="en-US" dirty="0"/>
           </a:p>
@@ -22430,7 +22430,7 @@
             <a:pPr lvl="0"/>
             <a:fld id="{BB962C8B-B14F-4D97-AF65-F5344CB8AC3E}" type="datetimeFigureOut">
               <a:rPr lang="zh-CN" altLang="en-US" dirty="0"/>
-              <a:t>2018-03-25</a:t>
+              <a:t>2018-03-26</a:t>
             </a:fld>
             <a:endParaRPr lang="zh-CN" altLang="en-US" dirty="0"/>
           </a:p>
@@ -22810,7 +22810,7 @@
             <a:pPr lvl="0"/>
             <a:fld id="{BB962C8B-B14F-4D97-AF65-F5344CB8AC3E}" type="datetimeFigureOut">
               <a:rPr lang="zh-CN" altLang="en-US" dirty="0"/>
-              <a:t>2018-03-25</a:t>
+              <a:t>2018-03-26</a:t>
             </a:fld>
             <a:endParaRPr lang="zh-CN" altLang="en-US" dirty="0"/>
           </a:p>
@@ -22934,7 +22934,7 @@
             <a:pPr lvl="0"/>
             <a:fld id="{BB962C8B-B14F-4D97-AF65-F5344CB8AC3E}" type="datetimeFigureOut">
               <a:rPr lang="zh-CN" altLang="en-US" dirty="0"/>
-              <a:t>2018-03-25</a:t>
+              <a:t>2018-03-26</a:t>
             </a:fld>
             <a:endParaRPr lang="zh-CN" altLang="en-US" dirty="0"/>
           </a:p>
@@ -23027,7 +23027,7 @@
             <a:pPr lvl="0"/>
             <a:fld id="{BB962C8B-B14F-4D97-AF65-F5344CB8AC3E}" type="datetimeFigureOut">
               <a:rPr lang="zh-CN" altLang="en-US" dirty="0"/>
-              <a:t>2018-03-25</a:t>
+              <a:t>2018-03-26</a:t>
             </a:fld>
             <a:endParaRPr lang="zh-CN" altLang="en-US" dirty="0"/>
           </a:p>
@@ -23311,7 +23311,7 @@
             <a:pPr lvl="0"/>
             <a:fld id="{BB962C8B-B14F-4D97-AF65-F5344CB8AC3E}" type="datetimeFigureOut">
               <a:rPr lang="zh-CN" altLang="en-US" dirty="0"/>
-              <a:t>2018-03-25</a:t>
+              <a:t>2018-03-26</a:t>
             </a:fld>
             <a:endParaRPr lang="zh-CN" altLang="en-US" dirty="0"/>
           </a:p>
@@ -23571,7 +23571,7 @@
             <a:pPr lvl="0"/>
             <a:fld id="{BB962C8B-B14F-4D97-AF65-F5344CB8AC3E}" type="datetimeFigureOut">
               <a:rPr lang="zh-CN" altLang="en-US" dirty="0"/>
-              <a:t>2018-03-25</a:t>
+              <a:t>2018-03-26</a:t>
             </a:fld>
             <a:endParaRPr lang="zh-CN" altLang="en-US" dirty="0"/>
           </a:p>
@@ -23755,7 +23755,7 @@
             <a:pPr lvl="0"/>
             <a:fld id="{BB962C8B-B14F-4D97-AF65-F5344CB8AC3E}" type="datetimeFigureOut">
               <a:rPr lang="zh-CN" altLang="en-US" dirty="0"/>
-              <a:t>2018-03-25</a:t>
+              <a:t>2018-03-26</a:t>
             </a:fld>
             <a:endParaRPr lang="zh-CN" altLang="en-US" dirty="0"/>
           </a:p>
@@ -23939,7 +23939,7 @@
             <a:pPr lvl="0"/>
             <a:fld id="{BB962C8B-B14F-4D97-AF65-F5344CB8AC3E}" type="datetimeFigureOut">
               <a:rPr lang="zh-CN" altLang="en-US" dirty="0"/>
-              <a:t>2018-03-25</a:t>
+              <a:t>2018-03-26</a:t>
             </a:fld>
             <a:endParaRPr lang="zh-CN" altLang="en-US" dirty="0"/>
           </a:p>
@@ -24135,7 +24135,7 @@
             <a:pPr lvl="0"/>
             <a:fld id="{BB962C8B-B14F-4D97-AF65-F5344CB8AC3E}" type="datetimeFigureOut">
               <a:rPr lang="zh-CN" altLang="en-US" dirty="0"/>
-              <a:t>2018-03-25</a:t>
+              <a:t>2018-03-26</a:t>
             </a:fld>
             <a:endParaRPr lang="zh-CN" altLang="en-US" dirty="0"/>
           </a:p>
@@ -24511,7 +24511,7 @@
             <a:pPr lvl="0"/>
             <a:fld id="{BB962C8B-B14F-4D97-AF65-F5344CB8AC3E}" type="datetimeFigureOut">
               <a:rPr lang="zh-CN" altLang="en-US" dirty="0"/>
-              <a:t>2018-03-25</a:t>
+              <a:t>2018-03-26</a:t>
             </a:fld>
             <a:endParaRPr lang="zh-CN" altLang="en-US" dirty="0"/>
           </a:p>
@@ -24761,7 +24761,7 @@
             <a:pPr lvl="0"/>
             <a:fld id="{BB962C8B-B14F-4D97-AF65-F5344CB8AC3E}" type="datetimeFigureOut">
               <a:rPr lang="zh-CN" altLang="en-US" dirty="0"/>
-              <a:t>2018-03-25</a:t>
+              <a:t>2018-03-26</a:t>
             </a:fld>
             <a:endParaRPr lang="zh-CN" altLang="en-US" dirty="0"/>
           </a:p>
@@ -25005,7 +25005,7 @@
             <a:pPr lvl="0"/>
             <a:fld id="{BB962C8B-B14F-4D97-AF65-F5344CB8AC3E}" type="datetimeFigureOut">
               <a:rPr lang="zh-CN" altLang="en-US" dirty="0"/>
-              <a:t>2018-03-25</a:t>
+              <a:t>2018-03-26</a:t>
             </a:fld>
             <a:endParaRPr lang="zh-CN" altLang="en-US" dirty="0"/>
           </a:p>
@@ -25385,7 +25385,7 @@
             <a:pPr lvl="0"/>
             <a:fld id="{BB962C8B-B14F-4D97-AF65-F5344CB8AC3E}" type="datetimeFigureOut">
               <a:rPr lang="zh-CN" altLang="en-US" dirty="0"/>
-              <a:t>2018-03-25</a:t>
+              <a:t>2018-03-26</a:t>
             </a:fld>
             <a:endParaRPr lang="zh-CN" altLang="en-US" dirty="0"/>
           </a:p>
@@ -25509,7 +25509,7 @@
             <a:pPr lvl="0"/>
             <a:fld id="{BB962C8B-B14F-4D97-AF65-F5344CB8AC3E}" type="datetimeFigureOut">
               <a:rPr lang="zh-CN" altLang="en-US" dirty="0"/>
-              <a:t>2018-03-25</a:t>
+              <a:t>2018-03-26</a:t>
             </a:fld>
             <a:endParaRPr lang="zh-CN" altLang="en-US" dirty="0"/>
           </a:p>
@@ -25602,7 +25602,7 @@
             <a:pPr lvl="0"/>
             <a:fld id="{BB962C8B-B14F-4D97-AF65-F5344CB8AC3E}" type="datetimeFigureOut">
               <a:rPr lang="zh-CN" altLang="en-US" dirty="0"/>
-              <a:t>2018-03-25</a:t>
+              <a:t>2018-03-26</a:t>
             </a:fld>
             <a:endParaRPr lang="zh-CN" altLang="en-US" dirty="0"/>
           </a:p>
@@ -25886,7 +25886,7 @@
             <a:pPr lvl="0"/>
             <a:fld id="{BB962C8B-B14F-4D97-AF65-F5344CB8AC3E}" type="datetimeFigureOut">
               <a:rPr lang="zh-CN" altLang="en-US" dirty="0"/>
-              <a:t>2018-03-25</a:t>
+              <a:t>2018-03-26</a:t>
             </a:fld>
             <a:endParaRPr lang="zh-CN" altLang="en-US" dirty="0"/>
           </a:p>
@@ -26146,7 +26146,7 @@
             <a:pPr lvl="0"/>
             <a:fld id="{BB962C8B-B14F-4D97-AF65-F5344CB8AC3E}" type="datetimeFigureOut">
               <a:rPr lang="zh-CN" altLang="en-US" dirty="0"/>
-              <a:t>2018-03-25</a:t>
+              <a:t>2018-03-26</a:t>
             </a:fld>
             <a:endParaRPr lang="zh-CN" altLang="en-US" dirty="0"/>
           </a:p>
@@ -26330,7 +26330,7 @@
             <a:pPr lvl="0"/>
             <a:fld id="{BB962C8B-B14F-4D97-AF65-F5344CB8AC3E}" type="datetimeFigureOut">
               <a:rPr lang="zh-CN" altLang="en-US" dirty="0"/>
-              <a:t>2018-03-25</a:t>
+              <a:t>2018-03-26</a:t>
             </a:fld>
             <a:endParaRPr lang="zh-CN" altLang="en-US" dirty="0"/>
           </a:p>
@@ -26514,7 +26514,7 @@
             <a:pPr lvl="0"/>
             <a:fld id="{BB962C8B-B14F-4D97-AF65-F5344CB8AC3E}" type="datetimeFigureOut">
               <a:rPr lang="zh-CN" altLang="en-US" dirty="0"/>
-              <a:t>2018-03-25</a:t>
+              <a:t>2018-03-26</a:t>
             </a:fld>
             <a:endParaRPr lang="zh-CN" altLang="en-US" dirty="0"/>
           </a:p>
@@ -27060,7 +27060,7 @@
             <a:pPr lvl="0"/>
             <a:fld id="{BB962C8B-B14F-4D97-AF65-F5344CB8AC3E}" type="datetimeFigureOut">
               <a:rPr lang="zh-CN" altLang="en-US" dirty="0"/>
-              <a:t>2018-03-25</a:t>
+              <a:t>2018-03-26</a:t>
             </a:fld>
             <a:endParaRPr lang="zh-CN" altLang="en-US" dirty="0"/>
           </a:p>
@@ -27605,7 +27605,7 @@
             <a:pPr lvl="0"/>
             <a:fld id="{BB962C8B-B14F-4D97-AF65-F5344CB8AC3E}" type="datetimeFigureOut">
               <a:rPr lang="zh-CN" altLang="en-US" dirty="0"/>
-              <a:t>2018-03-25</a:t>
+              <a:t>2018-03-26</a:t>
             </a:fld>
             <a:endParaRPr lang="zh-CN" altLang="en-US" dirty="0"/>
           </a:p>
@@ -28150,7 +28150,7 @@
             <a:pPr lvl="0"/>
             <a:fld id="{BB962C8B-B14F-4D97-AF65-F5344CB8AC3E}" type="datetimeFigureOut">
               <a:rPr lang="zh-CN" altLang="en-US" dirty="0"/>
-              <a:t>2018-03-25</a:t>
+              <a:t>2018-03-26</a:t>
             </a:fld>
             <a:endParaRPr lang="zh-CN" altLang="en-US" dirty="0"/>
           </a:p>
@@ -29718,7 +29718,7 @@
             <a:pPr lvl="0"/>
             <a:fld id="{BB962C8B-B14F-4D97-AF65-F5344CB8AC3E}" type="datetimeFigureOut">
               <a:rPr lang="zh-CN" altLang="en-US" dirty="0"/>
-              <a:t>2018-03-25</a:t>
+              <a:t>2018-03-26</a:t>
             </a:fld>
             <a:endParaRPr lang="zh-CN" altLang="en-US" dirty="0"/>
           </a:p>
@@ -30263,7 +30263,7 @@
             <a:pPr lvl="0"/>
             <a:fld id="{BB962C8B-B14F-4D97-AF65-F5344CB8AC3E}" type="datetimeFigureOut">
               <a:rPr lang="zh-CN" altLang="en-US" dirty="0"/>
-              <a:t>2018-03-25</a:t>
+              <a:t>2018-03-26</a:t>
             </a:fld>
             <a:endParaRPr lang="zh-CN" altLang="en-US" dirty="0"/>
           </a:p>
@@ -30808,7 +30808,7 @@
             <a:pPr lvl="0"/>
             <a:fld id="{BB962C8B-B14F-4D97-AF65-F5344CB8AC3E}" type="datetimeFigureOut">
               <a:rPr lang="zh-CN" altLang="en-US" dirty="0"/>
-              <a:t>2018-03-25</a:t>
+              <a:t>2018-03-26</a:t>
             </a:fld>
             <a:endParaRPr lang="zh-CN" altLang="en-US" dirty="0"/>
           </a:p>
@@ -31353,7 +31353,7 @@
             <a:pPr lvl="0"/>
             <a:fld id="{BB962C8B-B14F-4D97-AF65-F5344CB8AC3E}" type="datetimeFigureOut">
               <a:rPr lang="zh-CN" altLang="en-US" dirty="0"/>
-              <a:t>2018-03-25</a:t>
+              <a:t>2018-03-26</a:t>
             </a:fld>
             <a:endParaRPr lang="zh-CN" altLang="en-US" dirty="0"/>
           </a:p>
@@ -31898,7 +31898,7 @@
             <a:pPr lvl="0"/>
             <a:fld id="{BB962C8B-B14F-4D97-AF65-F5344CB8AC3E}" type="datetimeFigureOut">
               <a:rPr lang="zh-CN" altLang="en-US" dirty="0"/>
-              <a:t>2018-03-25</a:t>
+              <a:t>2018-03-26</a:t>
             </a:fld>
             <a:endParaRPr lang="zh-CN" altLang="en-US" dirty="0"/>
           </a:p>
@@ -32443,7 +32443,7 @@
             <a:pPr lvl="0"/>
             <a:fld id="{BB962C8B-B14F-4D97-AF65-F5344CB8AC3E}" type="datetimeFigureOut">
               <a:rPr lang="zh-CN" altLang="en-US" dirty="0"/>
-              <a:t>2018-03-25</a:t>
+              <a:t>2018-03-26</a:t>
             </a:fld>
             <a:endParaRPr lang="zh-CN" altLang="en-US" dirty="0"/>
           </a:p>
@@ -36947,8 +36947,8 @@
         </p:nvSpPr>
         <p:spPr>
           <a:xfrm>
-            <a:off x="96442" y="2519426"/>
-            <a:ext cx="3318171" cy="2705539"/>
+            <a:off x="13062" y="2495006"/>
+            <a:ext cx="3297047" cy="2729959"/>
           </a:xfrm>
           <a:prstGeom prst="rect">
             <a:avLst/>
@@ -36973,7 +36973,14 @@
                 <a:latin typeface="微软雅黑" pitchFamily="2" charset="-122"/>
                 <a:ea typeface="微软雅黑" pitchFamily="2" charset="-122"/>
               </a:rPr>
-              <a:t>难点：</a:t>
+              <a:t>技术难点</a:t>
+            </a:r>
+            <a:r>
+              <a:rPr lang="zh-CN" altLang="en-US" b="1" dirty="0" smtClean="0">
+                <a:latin typeface="微软雅黑" pitchFamily="2" charset="-122"/>
+                <a:ea typeface="微软雅黑" pitchFamily="2" charset="-122"/>
+              </a:rPr>
+              <a:t>：</a:t>
             </a:r>
             <a:endParaRPr lang="en-US" altLang="zh-CN" b="1" dirty="0" smtClean="0">
               <a:latin typeface="微软雅黑" pitchFamily="2" charset="-122"/>
@@ -38828,54 +38835,6 @@
       </p:sp>
       <p:sp>
         <p:nvSpPr>
-          <p:cNvPr id="54" name="丁字箭头 53"/>
-          <p:cNvSpPr/>
-          <p:nvPr/>
-        </p:nvSpPr>
-        <p:spPr>
-          <a:xfrm>
-            <a:off x="4902044" y="3276579"/>
-            <a:ext cx="3720332" cy="1370528"/>
-          </a:xfrm>
-          <a:prstGeom prst="leftRightUpArrow">
-            <a:avLst>
-              <a:gd name="adj1" fmla="val 6218"/>
-              <a:gd name="adj2" fmla="val 8565"/>
-              <a:gd name="adj3" fmla="val 13261"/>
-            </a:avLst>
-          </a:prstGeom>
-          <a:solidFill>
-            <a:srgbClr val="01DDCD"/>
-          </a:solidFill>
-          <a:ln w="9525"/>
-        </p:spPr>
-        <p:style>
-          <a:lnRef idx="2">
-            <a:schemeClr val="accent1">
-              <a:shade val="50000"/>
-            </a:schemeClr>
-          </a:lnRef>
-          <a:fillRef idx="1">
-            <a:schemeClr val="accent1"/>
-          </a:fillRef>
-          <a:effectRef idx="0">
-            <a:schemeClr val="accent1"/>
-          </a:effectRef>
-          <a:fontRef idx="minor">
-            <a:schemeClr val="lt1"/>
-          </a:fontRef>
-        </p:style>
-        <p:txBody>
-          <a:bodyPr rtlCol="0" anchor="ctr"/>
-          <a:lstStyle/>
-          <a:p>
-            <a:pPr algn="ctr"/>
-            <a:endParaRPr lang="zh-CN" altLang="en-US"/>
-          </a:p>
-        </p:txBody>
-      </p:sp>
-      <p:sp>
-        <p:nvSpPr>
           <p:cNvPr id="55" name="下弧形箭头 54"/>
           <p:cNvSpPr/>
           <p:nvPr/>
@@ -39455,6 +39414,80 @@
           </a:p>
         </p:txBody>
       </p:sp>
+      <p:cxnSp>
+        <p:nvCxnSpPr>
+          <p:cNvPr id="9" name="直接连接符 8"/>
+          <p:cNvCxnSpPr>
+            <a:stCxn id="40" idx="2"/>
+          </p:cNvCxnSpPr>
+          <p:nvPr/>
+        </p:nvCxnSpPr>
+        <p:spPr>
+          <a:xfrm>
+            <a:off x="6760001" y="3268584"/>
+            <a:ext cx="6684" cy="1281827"/>
+          </a:xfrm>
+          <a:prstGeom prst="line">
+            <a:avLst/>
+          </a:prstGeom>
+          <a:ln w="88900">
+            <a:solidFill>
+              <a:srgbClr val="01DDCD"/>
+            </a:solidFill>
+          </a:ln>
+        </p:spPr>
+        <p:style>
+          <a:lnRef idx="1">
+            <a:schemeClr val="accent1"/>
+          </a:lnRef>
+          <a:fillRef idx="0">
+            <a:schemeClr val="accent1"/>
+          </a:fillRef>
+          <a:effectRef idx="0">
+            <a:schemeClr val="accent1"/>
+          </a:effectRef>
+          <a:fontRef idx="minor">
+            <a:schemeClr val="tx1"/>
+          </a:fontRef>
+        </p:style>
+      </p:cxnSp>
+      <p:cxnSp>
+        <p:nvCxnSpPr>
+          <p:cNvPr id="20" name="直接箭头连接符 19"/>
+          <p:cNvCxnSpPr/>
+          <p:nvPr/>
+        </p:nvCxnSpPr>
+        <p:spPr>
+          <a:xfrm>
+            <a:off x="4937760" y="4512810"/>
+            <a:ext cx="3685452" cy="0"/>
+          </a:xfrm>
+          <a:prstGeom prst="straightConnector1">
+            <a:avLst/>
+          </a:prstGeom>
+          <a:ln w="88900">
+            <a:solidFill>
+              <a:srgbClr val="01DDCD"/>
+            </a:solidFill>
+            <a:headEnd type="stealth"/>
+            <a:tailEnd type="stealth"/>
+          </a:ln>
+        </p:spPr>
+        <p:style>
+          <a:lnRef idx="1">
+            <a:schemeClr val="accent1"/>
+          </a:lnRef>
+          <a:fillRef idx="0">
+            <a:schemeClr val="accent1"/>
+          </a:fillRef>
+          <a:effectRef idx="0">
+            <a:schemeClr val="accent1"/>
+          </a:effectRef>
+          <a:fontRef idx="minor">
+            <a:schemeClr val="tx1"/>
+          </a:fontRef>
+        </p:style>
+      </p:cxnSp>
     </p:spTree>
     <p:extLst>
       <p:ext uri="{BB962C8B-B14F-4D97-AF65-F5344CB8AC3E}">
